--- a/Reports/Final.pptx
+++ b/Reports/Final.pptx
@@ -12,33 +12,34 @@
     <p:sldId id="270" r:id="rId6"/>
     <p:sldId id="273" r:id="rId7"/>
     <p:sldId id="279" r:id="rId8"/>
-    <p:sldId id="308" r:id="rId9"/>
-    <p:sldId id="309" r:id="rId10"/>
-    <p:sldId id="304" r:id="rId11"/>
-    <p:sldId id="401" r:id="rId12"/>
-    <p:sldId id="307" r:id="rId13"/>
-    <p:sldId id="402" r:id="rId14"/>
-    <p:sldId id="403" r:id="rId15"/>
-    <p:sldId id="404" r:id="rId16"/>
-    <p:sldId id="418" r:id="rId17"/>
-    <p:sldId id="310" r:id="rId18"/>
-    <p:sldId id="383" r:id="rId19"/>
-    <p:sldId id="387" r:id="rId20"/>
-    <p:sldId id="405" r:id="rId21"/>
-    <p:sldId id="406" r:id="rId22"/>
-    <p:sldId id="408" r:id="rId23"/>
-    <p:sldId id="411" r:id="rId24"/>
-    <p:sldId id="395" r:id="rId25"/>
-    <p:sldId id="313" r:id="rId26"/>
-    <p:sldId id="347" r:id="rId27"/>
-    <p:sldId id="351" r:id="rId28"/>
-    <p:sldId id="412" r:id="rId29"/>
-    <p:sldId id="413" r:id="rId30"/>
-    <p:sldId id="414" r:id="rId31"/>
-    <p:sldId id="416" r:id="rId32"/>
-    <p:sldId id="417" r:id="rId33"/>
-    <p:sldId id="415" r:id="rId34"/>
-    <p:sldId id="321" r:id="rId35"/>
+    <p:sldId id="419" r:id="rId9"/>
+    <p:sldId id="308" r:id="rId10"/>
+    <p:sldId id="309" r:id="rId11"/>
+    <p:sldId id="304" r:id="rId12"/>
+    <p:sldId id="401" r:id="rId13"/>
+    <p:sldId id="307" r:id="rId14"/>
+    <p:sldId id="402" r:id="rId15"/>
+    <p:sldId id="403" r:id="rId16"/>
+    <p:sldId id="404" r:id="rId17"/>
+    <p:sldId id="418" r:id="rId18"/>
+    <p:sldId id="310" r:id="rId19"/>
+    <p:sldId id="383" r:id="rId20"/>
+    <p:sldId id="387" r:id="rId21"/>
+    <p:sldId id="405" r:id="rId22"/>
+    <p:sldId id="406" r:id="rId23"/>
+    <p:sldId id="408" r:id="rId24"/>
+    <p:sldId id="411" r:id="rId25"/>
+    <p:sldId id="395" r:id="rId26"/>
+    <p:sldId id="313" r:id="rId27"/>
+    <p:sldId id="347" r:id="rId28"/>
+    <p:sldId id="351" r:id="rId29"/>
+    <p:sldId id="412" r:id="rId30"/>
+    <p:sldId id="413" r:id="rId31"/>
+    <p:sldId id="414" r:id="rId32"/>
+    <p:sldId id="416" r:id="rId33"/>
+    <p:sldId id="417" r:id="rId34"/>
+    <p:sldId id="415" r:id="rId35"/>
+    <p:sldId id="321" r:id="rId36"/>
   </p:sldIdLst>
   <p:sldSz cx="12192000" cy="6858000"/>
   <p:notesSz cx="6858000" cy="9144000"/>
@@ -1246,7 +1247,7 @@
           <a:p>
             <a:fld id="{14B9FE85-2513-4447-ACC4-7B6DEAE6A03C}" type="datetimeFigureOut">
               <a:rPr lang="en-GB" smtClean="0"/>
-              <a:t>20/06/2020</a:t>
+              <a:t>02/07/2020</a:t>
             </a:fld>
             <a:endParaRPr lang="en-GB"/>
           </a:p>
@@ -1416,7 +1417,7 @@
           <a:p>
             <a:fld id="{14B9FE85-2513-4447-ACC4-7B6DEAE6A03C}" type="datetimeFigureOut">
               <a:rPr lang="en-GB" smtClean="0"/>
-              <a:t>20/06/2020</a:t>
+              <a:t>02/07/2020</a:t>
             </a:fld>
             <a:endParaRPr lang="en-GB"/>
           </a:p>
@@ -1596,7 +1597,7 @@
           <a:p>
             <a:fld id="{14B9FE85-2513-4447-ACC4-7B6DEAE6A03C}" type="datetimeFigureOut">
               <a:rPr lang="en-GB" smtClean="0"/>
-              <a:t>20/06/2020</a:t>
+              <a:t>02/07/2020</a:t>
             </a:fld>
             <a:endParaRPr lang="en-GB"/>
           </a:p>
@@ -1766,7 +1767,7 @@
           <a:p>
             <a:fld id="{14B9FE85-2513-4447-ACC4-7B6DEAE6A03C}" type="datetimeFigureOut">
               <a:rPr lang="en-GB" smtClean="0"/>
-              <a:t>20/06/2020</a:t>
+              <a:t>02/07/2020</a:t>
             </a:fld>
             <a:endParaRPr lang="en-GB"/>
           </a:p>
@@ -2012,7 +2013,7 @@
           <a:p>
             <a:fld id="{14B9FE85-2513-4447-ACC4-7B6DEAE6A03C}" type="datetimeFigureOut">
               <a:rPr lang="en-GB" smtClean="0"/>
-              <a:t>20/06/2020</a:t>
+              <a:t>02/07/2020</a:t>
             </a:fld>
             <a:endParaRPr lang="en-GB"/>
           </a:p>
@@ -2244,7 +2245,7 @@
           <a:p>
             <a:fld id="{14B9FE85-2513-4447-ACC4-7B6DEAE6A03C}" type="datetimeFigureOut">
               <a:rPr lang="en-GB" smtClean="0"/>
-              <a:t>20/06/2020</a:t>
+              <a:t>02/07/2020</a:t>
             </a:fld>
             <a:endParaRPr lang="en-GB"/>
           </a:p>
@@ -2611,7 +2612,7 @@
           <a:p>
             <a:fld id="{14B9FE85-2513-4447-ACC4-7B6DEAE6A03C}" type="datetimeFigureOut">
               <a:rPr lang="en-GB" smtClean="0"/>
-              <a:t>20/06/2020</a:t>
+              <a:t>02/07/2020</a:t>
             </a:fld>
             <a:endParaRPr lang="en-GB"/>
           </a:p>
@@ -2729,7 +2730,7 @@
           <a:p>
             <a:fld id="{14B9FE85-2513-4447-ACC4-7B6DEAE6A03C}" type="datetimeFigureOut">
               <a:rPr lang="en-GB" smtClean="0"/>
-              <a:t>20/06/2020</a:t>
+              <a:t>02/07/2020</a:t>
             </a:fld>
             <a:endParaRPr lang="en-GB"/>
           </a:p>
@@ -2824,7 +2825,7 @@
           <a:p>
             <a:fld id="{14B9FE85-2513-4447-ACC4-7B6DEAE6A03C}" type="datetimeFigureOut">
               <a:rPr lang="en-GB" smtClean="0"/>
-              <a:t>20/06/2020</a:t>
+              <a:t>02/07/2020</a:t>
             </a:fld>
             <a:endParaRPr lang="en-GB"/>
           </a:p>
@@ -3101,7 +3102,7 @@
           <a:p>
             <a:fld id="{14B9FE85-2513-4447-ACC4-7B6DEAE6A03C}" type="datetimeFigureOut">
               <a:rPr lang="en-GB" smtClean="0"/>
-              <a:t>20/06/2020</a:t>
+              <a:t>02/07/2020</a:t>
             </a:fld>
             <a:endParaRPr lang="en-GB"/>
           </a:p>
@@ -3354,7 +3355,7 @@
           <a:p>
             <a:fld id="{14B9FE85-2513-4447-ACC4-7B6DEAE6A03C}" type="datetimeFigureOut">
               <a:rPr lang="en-GB" smtClean="0"/>
-              <a:t>20/06/2020</a:t>
+              <a:t>02/07/2020</a:t>
             </a:fld>
             <a:endParaRPr lang="en-GB"/>
           </a:p>
@@ -3567,7 +3568,7 @@
           <a:p>
             <a:fld id="{14B9FE85-2513-4447-ACC4-7B6DEAE6A03C}" type="datetimeFigureOut">
               <a:rPr lang="en-GB" smtClean="0"/>
-              <a:t>20/06/2020</a:t>
+              <a:t>02/07/2020</a:t>
             </a:fld>
             <a:endParaRPr lang="en-GB"/>
           </a:p>
@@ -4039,6 +4040,66 @@
             <a:spLocks noGrp="1"/>
           </p:cNvSpPr>
           <p:nvPr>
+            <p:ph type="ctrTitle"/>
+          </p:nvPr>
+        </p:nvSpPr>
+        <p:spPr/>
+        <p:txBody>
+          <a:bodyPr/>
+          <a:lstStyle/>
+          <a:p>
+            <a:r>
+              <a:rPr lang="en-IN" dirty="0"/>
+              <a:t>Healthy v/s BAV</a:t>
+            </a:r>
+            <a:endParaRPr lang="en-GB" dirty="0"/>
+          </a:p>
+        </p:txBody>
+      </p:sp>
+    </p:spTree>
+    <p:extLst>
+      <p:ext uri="{BB962C8B-B14F-4D97-AF65-F5344CB8AC3E}">
+        <p14:creationId xmlns:p14="http://schemas.microsoft.com/office/powerpoint/2010/main" val="3028487119"/>
+      </p:ext>
+    </p:extLst>
+  </p:cSld>
+  <p:clrMapOvr>
+    <a:masterClrMapping/>
+  </p:clrMapOvr>
+  <p:timing>
+    <p:tnLst>
+      <p:par>
+        <p:cTn id="1" dur="indefinite" restart="never" nodeType="tmRoot"/>
+      </p:par>
+    </p:tnLst>
+  </p:timing>
+</p:sld>
+</file>
+
+<file path=ppt/slides/slide11.xml><?xml version="1.0" encoding="utf-8"?>
+<p:sld xmlns:a="http://schemas.openxmlformats.org/drawingml/2006/main" xmlns:r="http://schemas.openxmlformats.org/officeDocument/2006/relationships" xmlns:p="http://schemas.openxmlformats.org/presentationml/2006/main">
+  <p:cSld>
+    <p:spTree>
+      <p:nvGrpSpPr>
+        <p:cNvPr id="1" name=""/>
+        <p:cNvGrpSpPr/>
+        <p:nvPr/>
+      </p:nvGrpSpPr>
+      <p:grpSpPr>
+        <a:xfrm>
+          <a:off x="0" y="0"/>
+          <a:ext cx="0" cy="0"/>
+          <a:chOff x="0" y="0"/>
+          <a:chExt cx="0" cy="0"/>
+        </a:xfrm>
+      </p:grpSpPr>
+      <p:sp>
+        <p:nvSpPr>
+          <p:cNvPr id="2" name="Title 1"/>
+          <p:cNvSpPr>
+            <a:spLocks noGrp="1"/>
+          </p:cNvSpPr>
+          <p:nvPr>
             <p:ph type="title"/>
           </p:nvPr>
         </p:nvSpPr>
@@ -4139,7 +4200,7 @@
 </p:sld>
 </file>
 
-<file path=ppt/slides/slide11.xml><?xml version="1.0" encoding="utf-8"?>
+<file path=ppt/slides/slide12.xml><?xml version="1.0" encoding="utf-8"?>
 <p:sld xmlns:a="http://schemas.openxmlformats.org/drawingml/2006/main" xmlns:r="http://schemas.openxmlformats.org/officeDocument/2006/relationships" xmlns:p="http://schemas.openxmlformats.org/presentationml/2006/main">
   <p:cSld>
     <p:spTree>
@@ -4263,7 +4324,7 @@
 </p:sld>
 </file>
 
-<file path=ppt/slides/slide12.xml><?xml version="1.0" encoding="utf-8"?>
+<file path=ppt/slides/slide13.xml><?xml version="1.0" encoding="utf-8"?>
 <p:sld xmlns:a="http://schemas.openxmlformats.org/drawingml/2006/main" xmlns:r="http://schemas.openxmlformats.org/officeDocument/2006/relationships" xmlns:p="http://schemas.openxmlformats.org/presentationml/2006/main">
   <p:cSld>
     <p:spTree>
@@ -4428,7 +4489,7 @@
 </p:sld>
 </file>
 
-<file path=ppt/slides/slide13.xml><?xml version="1.0" encoding="utf-8"?>
+<file path=ppt/slides/slide14.xml><?xml version="1.0" encoding="utf-8"?>
 <p:sld xmlns:a="http://schemas.openxmlformats.org/drawingml/2006/main" xmlns:r="http://schemas.openxmlformats.org/officeDocument/2006/relationships" xmlns:p="http://schemas.openxmlformats.org/presentationml/2006/main">
   <p:cSld>
     <p:spTree>
@@ -4586,7 +4647,7 @@
 </p:sld>
 </file>
 
-<file path=ppt/slides/slide14.xml><?xml version="1.0" encoding="utf-8"?>
+<file path=ppt/slides/slide15.xml><?xml version="1.0" encoding="utf-8"?>
 <p:sld xmlns:a="http://schemas.openxmlformats.org/drawingml/2006/main" xmlns:r="http://schemas.openxmlformats.org/officeDocument/2006/relationships" xmlns:p="http://schemas.openxmlformats.org/presentationml/2006/main">
   <p:cSld>
     <p:spTree>
@@ -4744,7 +4805,7 @@
 </p:sld>
 </file>
 
-<file path=ppt/slides/slide15.xml><?xml version="1.0" encoding="utf-8"?>
+<file path=ppt/slides/slide16.xml><?xml version="1.0" encoding="utf-8"?>
 <p:sld xmlns:a="http://schemas.openxmlformats.org/drawingml/2006/main" xmlns:r="http://schemas.openxmlformats.org/officeDocument/2006/relationships" xmlns:p="http://schemas.openxmlformats.org/presentationml/2006/main">
   <p:cSld>
     <p:spTree>
@@ -4827,7 +4888,7 @@
 </p:sld>
 </file>
 
-<file path=ppt/slides/slide16.xml><?xml version="1.0" encoding="utf-8"?>
+<file path=ppt/slides/slide17.xml><?xml version="1.0" encoding="utf-8"?>
 <p:sld xmlns:a="http://schemas.openxmlformats.org/drawingml/2006/main" xmlns:r="http://schemas.openxmlformats.org/officeDocument/2006/relationships" xmlns:p="http://schemas.openxmlformats.org/presentationml/2006/main">
   <p:cSld>
     <p:spTree>
@@ -4959,7 +5020,7 @@
 </p:sld>
 </file>
 
-<file path=ppt/slides/slide17.xml><?xml version="1.0" encoding="utf-8"?>
+<file path=ppt/slides/slide18.xml><?xml version="1.0" encoding="utf-8"?>
 <p:sld xmlns:a="http://schemas.openxmlformats.org/drawingml/2006/main" xmlns:r="http://schemas.openxmlformats.org/officeDocument/2006/relationships" xmlns:p="http://schemas.openxmlformats.org/presentationml/2006/main">
   <p:cSld>
     <p:spTree>
@@ -5012,7 +5073,7 @@
 </p:sld>
 </file>
 
-<file path=ppt/slides/slide18.xml><?xml version="1.0" encoding="utf-8"?>
+<file path=ppt/slides/slide19.xml><?xml version="1.0" encoding="utf-8"?>
 <p:sld xmlns:a="http://schemas.openxmlformats.org/drawingml/2006/main" xmlns:r="http://schemas.openxmlformats.org/officeDocument/2006/relationships" xmlns:p="http://schemas.openxmlformats.org/presentationml/2006/main">
   <p:cSld>
     <p:spTree>
@@ -5788,7 +5849,133 @@
 </p:sld>
 </file>
 
-<file path=ppt/slides/slide19.xml><?xml version="1.0" encoding="utf-8"?>
+<file path=ppt/slides/slide2.xml><?xml version="1.0" encoding="utf-8"?>
+<p:sld xmlns:a="http://schemas.openxmlformats.org/drawingml/2006/main" xmlns:r="http://schemas.openxmlformats.org/officeDocument/2006/relationships" xmlns:p="http://schemas.openxmlformats.org/presentationml/2006/main">
+  <p:cSld>
+    <p:spTree>
+      <p:nvGrpSpPr>
+        <p:cNvPr id="1" name=""/>
+        <p:cNvGrpSpPr/>
+        <p:nvPr/>
+      </p:nvGrpSpPr>
+      <p:grpSpPr>
+        <a:xfrm>
+          <a:off x="0" y="0"/>
+          <a:ext cx="0" cy="0"/>
+          <a:chOff x="0" y="0"/>
+          <a:chExt cx="0" cy="0"/>
+        </a:xfrm>
+      </p:grpSpPr>
+      <p:sp>
+        <p:nvSpPr>
+          <p:cNvPr id="2" name="Title 1"/>
+          <p:cNvSpPr>
+            <a:spLocks noGrp="1"/>
+          </p:cNvSpPr>
+          <p:nvPr>
+            <p:ph type="title"/>
+          </p:nvPr>
+        </p:nvSpPr>
+        <p:spPr/>
+        <p:txBody>
+          <a:bodyPr/>
+          <a:lstStyle/>
+          <a:p>
+            <a:r>
+              <a:rPr lang="en-IN" dirty="0"/>
+              <a:t>Workflow</a:t>
+            </a:r>
+            <a:endParaRPr lang="en-GB" dirty="0"/>
+          </a:p>
+        </p:txBody>
+      </p:sp>
+      <p:sp>
+        <p:nvSpPr>
+          <p:cNvPr id="3" name="Content Placeholder 2"/>
+          <p:cNvSpPr>
+            <a:spLocks noGrp="1"/>
+          </p:cNvSpPr>
+          <p:nvPr>
+            <p:ph idx="1"/>
+          </p:nvPr>
+        </p:nvSpPr>
+        <p:spPr/>
+        <p:txBody>
+          <a:bodyPr>
+            <a:normAutofit/>
+          </a:bodyPr>
+          <a:lstStyle/>
+          <a:p>
+            <a:r>
+              <a:rPr lang="en-IN" sz="2000" dirty="0" err="1"/>
+              <a:t>Hyperparameter</a:t>
+            </a:r>
+            <a:r>
+              <a:rPr lang="en-IN" sz="2000" dirty="0"/>
+              <a:t> script : holds all common </a:t>
+            </a:r>
+            <a:r>
+              <a:rPr lang="en-IN" sz="2000" dirty="0" err="1"/>
+              <a:t>tunable</a:t>
+            </a:r>
+            <a:r>
+              <a:rPr lang="en-IN" sz="2000" dirty="0"/>
+              <a:t> </a:t>
+            </a:r>
+            <a:r>
+              <a:rPr lang="en-IN" sz="2000" dirty="0" err="1"/>
+              <a:t>hyperparameters</a:t>
+            </a:r>
+            <a:endParaRPr lang="en-IN" sz="2000" dirty="0"/>
+          </a:p>
+          <a:p>
+            <a:r>
+              <a:rPr lang="en-IN" sz="2000" dirty="0"/>
+              <a:t>Feature Selection : holds all the methods of Feature Selection; Outputs are csv files with selected Features and Label</a:t>
+            </a:r>
+          </a:p>
+          <a:p>
+            <a:r>
+              <a:rPr lang="en-IN" sz="2000" dirty="0"/>
+              <a:t>Models : Contains all classifier models and options to select Feature Selection Method for data</a:t>
+            </a:r>
+          </a:p>
+          <a:p>
+            <a:r>
+              <a:rPr lang="en-IN" sz="2000" dirty="0"/>
+              <a:t>Main : Automates all scripts and lets user select which Model user wants to work with.</a:t>
+            </a:r>
+          </a:p>
+          <a:p>
+            <a:r>
+              <a:rPr lang="en-IN" sz="2000" dirty="0"/>
+              <a:t>here package used as required and all scripts under common Project folder.</a:t>
+            </a:r>
+            <a:endParaRPr lang="en-GB" sz="2000" dirty="0"/>
+          </a:p>
+        </p:txBody>
+      </p:sp>
+    </p:spTree>
+    <p:extLst>
+      <p:ext uri="{BB962C8B-B14F-4D97-AF65-F5344CB8AC3E}">
+        <p14:creationId xmlns:p14="http://schemas.microsoft.com/office/powerpoint/2010/main" val="3982515242"/>
+      </p:ext>
+    </p:extLst>
+  </p:cSld>
+  <p:clrMapOvr>
+    <a:masterClrMapping/>
+  </p:clrMapOvr>
+  <p:timing>
+    <p:tnLst>
+      <p:par>
+        <p:cTn id="1" dur="indefinite" restart="never" nodeType="tmRoot"/>
+      </p:par>
+    </p:tnLst>
+  </p:timing>
+</p:sld>
+</file>
+
+<file path=ppt/slides/slide20.xml><?xml version="1.0" encoding="utf-8"?>
 <p:sld xmlns:a="http://schemas.openxmlformats.org/drawingml/2006/main" xmlns:r="http://schemas.openxmlformats.org/officeDocument/2006/relationships" xmlns:p="http://schemas.openxmlformats.org/presentationml/2006/main">
   <p:cSld>
     <p:spTree>
@@ -6596,133 +6783,7 @@
 </p:sld>
 </file>
 
-<file path=ppt/slides/slide2.xml><?xml version="1.0" encoding="utf-8"?>
-<p:sld xmlns:a="http://schemas.openxmlformats.org/drawingml/2006/main" xmlns:r="http://schemas.openxmlformats.org/officeDocument/2006/relationships" xmlns:p="http://schemas.openxmlformats.org/presentationml/2006/main">
-  <p:cSld>
-    <p:spTree>
-      <p:nvGrpSpPr>
-        <p:cNvPr id="1" name=""/>
-        <p:cNvGrpSpPr/>
-        <p:nvPr/>
-      </p:nvGrpSpPr>
-      <p:grpSpPr>
-        <a:xfrm>
-          <a:off x="0" y="0"/>
-          <a:ext cx="0" cy="0"/>
-          <a:chOff x="0" y="0"/>
-          <a:chExt cx="0" cy="0"/>
-        </a:xfrm>
-      </p:grpSpPr>
-      <p:sp>
-        <p:nvSpPr>
-          <p:cNvPr id="2" name="Title 1"/>
-          <p:cNvSpPr>
-            <a:spLocks noGrp="1"/>
-          </p:cNvSpPr>
-          <p:nvPr>
-            <p:ph type="title"/>
-          </p:nvPr>
-        </p:nvSpPr>
-        <p:spPr/>
-        <p:txBody>
-          <a:bodyPr/>
-          <a:lstStyle/>
-          <a:p>
-            <a:r>
-              <a:rPr lang="en-IN" dirty="0"/>
-              <a:t>Workflow</a:t>
-            </a:r>
-            <a:endParaRPr lang="en-GB" dirty="0"/>
-          </a:p>
-        </p:txBody>
-      </p:sp>
-      <p:sp>
-        <p:nvSpPr>
-          <p:cNvPr id="3" name="Content Placeholder 2"/>
-          <p:cNvSpPr>
-            <a:spLocks noGrp="1"/>
-          </p:cNvSpPr>
-          <p:nvPr>
-            <p:ph idx="1"/>
-          </p:nvPr>
-        </p:nvSpPr>
-        <p:spPr/>
-        <p:txBody>
-          <a:bodyPr>
-            <a:normAutofit/>
-          </a:bodyPr>
-          <a:lstStyle/>
-          <a:p>
-            <a:r>
-              <a:rPr lang="en-IN" sz="2000" dirty="0" err="1"/>
-              <a:t>Hyperparameter</a:t>
-            </a:r>
-            <a:r>
-              <a:rPr lang="en-IN" sz="2000" dirty="0"/>
-              <a:t> script : holds all common </a:t>
-            </a:r>
-            <a:r>
-              <a:rPr lang="en-IN" sz="2000" dirty="0" err="1"/>
-              <a:t>tunable</a:t>
-            </a:r>
-            <a:r>
-              <a:rPr lang="en-IN" sz="2000" dirty="0"/>
-              <a:t> </a:t>
-            </a:r>
-            <a:r>
-              <a:rPr lang="en-IN" sz="2000" dirty="0" err="1"/>
-              <a:t>hyperparameters</a:t>
-            </a:r>
-            <a:endParaRPr lang="en-IN" sz="2000" dirty="0"/>
-          </a:p>
-          <a:p>
-            <a:r>
-              <a:rPr lang="en-IN" sz="2000" dirty="0"/>
-              <a:t>Feature Selection : holds all the methods of Feature Selection; Outputs are csv files with selected Features and Label</a:t>
-            </a:r>
-          </a:p>
-          <a:p>
-            <a:r>
-              <a:rPr lang="en-IN" sz="2000" dirty="0"/>
-              <a:t>Models : Contains all classifier models and options to select Feature Selection Method for data</a:t>
-            </a:r>
-          </a:p>
-          <a:p>
-            <a:r>
-              <a:rPr lang="en-IN" sz="2000" dirty="0"/>
-              <a:t>Main : Automates all scripts and lets user select which Model user wants to work with.</a:t>
-            </a:r>
-          </a:p>
-          <a:p>
-            <a:r>
-              <a:rPr lang="en-IN" sz="2000" dirty="0"/>
-              <a:t>here package used as required and all scripts under common Project folder.</a:t>
-            </a:r>
-            <a:endParaRPr lang="en-GB" sz="2000" dirty="0"/>
-          </a:p>
-        </p:txBody>
-      </p:sp>
-    </p:spTree>
-    <p:extLst>
-      <p:ext uri="{BB962C8B-B14F-4D97-AF65-F5344CB8AC3E}">
-        <p14:creationId xmlns:p14="http://schemas.microsoft.com/office/powerpoint/2010/main" val="3982515242"/>
-      </p:ext>
-    </p:extLst>
-  </p:cSld>
-  <p:clrMapOvr>
-    <a:masterClrMapping/>
-  </p:clrMapOvr>
-  <p:timing>
-    <p:tnLst>
-      <p:par>
-        <p:cTn id="1" dur="indefinite" restart="never" nodeType="tmRoot"/>
-      </p:par>
-    </p:tnLst>
-  </p:timing>
-</p:sld>
-</file>
-
-<file path=ppt/slides/slide20.xml><?xml version="1.0" encoding="utf-8"?>
+<file path=ppt/slides/slide21.xml><?xml version="1.0" encoding="utf-8"?>
 <p:sld xmlns:a="http://schemas.openxmlformats.org/drawingml/2006/main" xmlns:r="http://schemas.openxmlformats.org/officeDocument/2006/relationships" xmlns:p="http://schemas.openxmlformats.org/presentationml/2006/main">
   <p:cSld>
     <p:spTree>
@@ -7856,7 +7917,7 @@
 </p:sld>
 </file>
 
-<file path=ppt/slides/slide21.xml><?xml version="1.0" encoding="utf-8"?>
+<file path=ppt/slides/slide22.xml><?xml version="1.0" encoding="utf-8"?>
 <p:sld xmlns:a="http://schemas.openxmlformats.org/drawingml/2006/main" xmlns:r="http://schemas.openxmlformats.org/officeDocument/2006/relationships" xmlns:p="http://schemas.openxmlformats.org/presentationml/2006/main">
   <p:cSld>
     <p:spTree>
@@ -7947,7 +8008,7 @@
 </p:sld>
 </file>
 
-<file path=ppt/slides/slide22.xml><?xml version="1.0" encoding="utf-8"?>
+<file path=ppt/slides/slide23.xml><?xml version="1.0" encoding="utf-8"?>
 <p:sld xmlns:a="http://schemas.openxmlformats.org/drawingml/2006/main" xmlns:r="http://schemas.openxmlformats.org/officeDocument/2006/relationships" xmlns:p="http://schemas.openxmlformats.org/presentationml/2006/main">
   <p:cSld>
     <p:spTree>
@@ -8109,7 +8170,7 @@
 </p:sld>
 </file>
 
-<file path=ppt/slides/slide23.xml><?xml version="1.0" encoding="utf-8"?>
+<file path=ppt/slides/slide24.xml><?xml version="1.0" encoding="utf-8"?>
 <p:sld xmlns:a="http://schemas.openxmlformats.org/drawingml/2006/main" xmlns:r="http://schemas.openxmlformats.org/officeDocument/2006/relationships" xmlns:p="http://schemas.openxmlformats.org/presentationml/2006/main">
   <p:cSld>
     <p:spTree>
@@ -8186,7 +8247,7 @@
 </p:sld>
 </file>
 
-<file path=ppt/slides/slide24.xml><?xml version="1.0" encoding="utf-8"?>
+<file path=ppt/slides/slide25.xml><?xml version="1.0" encoding="utf-8"?>
 <p:sld xmlns:a="http://schemas.openxmlformats.org/drawingml/2006/main" xmlns:r="http://schemas.openxmlformats.org/officeDocument/2006/relationships" xmlns:p="http://schemas.openxmlformats.org/presentationml/2006/main">
   <p:cSld>
     <p:spTree>
@@ -8320,7 +8381,7 @@
 </p:sld>
 </file>
 
-<file path=ppt/slides/slide25.xml><?xml version="1.0" encoding="utf-8"?>
+<file path=ppt/slides/slide26.xml><?xml version="1.0" encoding="utf-8"?>
 <p:sld xmlns:a="http://schemas.openxmlformats.org/drawingml/2006/main" xmlns:r="http://schemas.openxmlformats.org/officeDocument/2006/relationships" xmlns:p="http://schemas.openxmlformats.org/presentationml/2006/main">
   <p:cSld>
     <p:spTree>
@@ -8394,7 +8455,7 @@
 </p:sld>
 </file>
 
-<file path=ppt/slides/slide26.xml><?xml version="1.0" encoding="utf-8"?>
+<file path=ppt/slides/slide27.xml><?xml version="1.0" encoding="utf-8"?>
 <p:sld xmlns:a="http://schemas.openxmlformats.org/drawingml/2006/main" xmlns:r="http://schemas.openxmlformats.org/officeDocument/2006/relationships" xmlns:p="http://schemas.openxmlformats.org/presentationml/2006/main">
   <p:cSld>
     <p:spTree>
@@ -9113,7 +9174,7 @@
 </p:sld>
 </file>
 
-<file path=ppt/slides/slide27.xml><?xml version="1.0" encoding="utf-8"?>
+<file path=ppt/slides/slide28.xml><?xml version="1.0" encoding="utf-8"?>
 <p:sld xmlns:a="http://schemas.openxmlformats.org/drawingml/2006/main" xmlns:r="http://schemas.openxmlformats.org/officeDocument/2006/relationships" xmlns:p="http://schemas.openxmlformats.org/presentationml/2006/main">
   <p:cSld>
     <p:spTree>
@@ -9904,7 +9965,7 @@
 </p:sld>
 </file>
 
-<file path=ppt/slides/slide28.xml><?xml version="1.0" encoding="utf-8"?>
+<file path=ppt/slides/slide29.xml><?xml version="1.0" encoding="utf-8"?>
 <p:sld xmlns:a="http://schemas.openxmlformats.org/drawingml/2006/main" xmlns:r="http://schemas.openxmlformats.org/officeDocument/2006/relationships" xmlns:p="http://schemas.openxmlformats.org/presentationml/2006/main">
   <p:cSld>
     <p:spTree>
@@ -11059,119 +11120,6 @@
     <p:extLst>
       <p:ext uri="{BB962C8B-B14F-4D97-AF65-F5344CB8AC3E}">
         <p14:creationId xmlns:p14="http://schemas.microsoft.com/office/powerpoint/2010/main" val="614907120"/>
-      </p:ext>
-    </p:extLst>
-  </p:cSld>
-  <p:clrMapOvr>
-    <a:masterClrMapping/>
-  </p:clrMapOvr>
-</p:sld>
-</file>
-
-<file path=ppt/slides/slide29.xml><?xml version="1.0" encoding="utf-8"?>
-<p:sld xmlns:a="http://schemas.openxmlformats.org/drawingml/2006/main" xmlns:r="http://schemas.openxmlformats.org/officeDocument/2006/relationships" xmlns:p="http://schemas.openxmlformats.org/presentationml/2006/main">
-  <p:cSld>
-    <p:spTree>
-      <p:nvGrpSpPr>
-        <p:cNvPr id="1" name=""/>
-        <p:cNvGrpSpPr/>
-        <p:nvPr/>
-      </p:nvGrpSpPr>
-      <p:grpSpPr>
-        <a:xfrm>
-          <a:off x="0" y="0"/>
-          <a:ext cx="0" cy="0"/>
-          <a:chOff x="0" y="0"/>
-          <a:chExt cx="0" cy="0"/>
-        </a:xfrm>
-      </p:grpSpPr>
-      <p:sp>
-        <p:nvSpPr>
-          <p:cNvPr id="2" name="Title 1"/>
-          <p:cNvSpPr>
-            <a:spLocks noGrp="1"/>
-          </p:cNvSpPr>
-          <p:nvPr>
-            <p:ph type="title"/>
-          </p:nvPr>
-        </p:nvSpPr>
-        <p:spPr/>
-        <p:txBody>
-          <a:bodyPr/>
-          <a:lstStyle/>
-          <a:p>
-            <a:r>
-              <a:rPr lang="en-IN" dirty="0" smtClean="0"/>
-              <a:t>Male v/s Female</a:t>
-            </a:r>
-            <a:endParaRPr lang="en-GB" dirty="0"/>
-          </a:p>
-        </p:txBody>
-      </p:sp>
-      <p:pic>
-        <p:nvPicPr>
-          <p:cNvPr id="3" name="Picture 2"/>
-          <p:cNvPicPr>
-            <a:picLocks noChangeAspect="1"/>
-          </p:cNvPicPr>
-          <p:nvPr/>
-        </p:nvPicPr>
-        <p:blipFill>
-          <a:blip r:embed="rId2">
-            <a:extLst>
-              <a:ext uri="{28A0092B-C50C-407E-A947-70E740481C1C}">
-                <a14:useLocalDpi xmlns:a14="http://schemas.microsoft.com/office/drawing/2010/main" val="0"/>
-              </a:ext>
-            </a:extLst>
-          </a:blip>
-          <a:stretch>
-            <a:fillRect/>
-          </a:stretch>
-        </p:blipFill>
-        <p:spPr>
-          <a:xfrm>
-            <a:off x="838200" y="1690688"/>
-            <a:ext cx="4869936" cy="4727275"/>
-          </a:xfrm>
-          <a:prstGeom prst="rect">
-            <a:avLst/>
-          </a:prstGeom>
-        </p:spPr>
-      </p:pic>
-      <p:pic>
-        <p:nvPicPr>
-          <p:cNvPr id="4" name="Picture 3"/>
-          <p:cNvPicPr>
-            <a:picLocks noChangeAspect="1"/>
-          </p:cNvPicPr>
-          <p:nvPr/>
-        </p:nvPicPr>
-        <p:blipFill>
-          <a:blip r:embed="rId3">
-            <a:extLst>
-              <a:ext uri="{28A0092B-C50C-407E-A947-70E740481C1C}">
-                <a14:useLocalDpi xmlns:a14="http://schemas.microsoft.com/office/drawing/2010/main" val="0"/>
-              </a:ext>
-            </a:extLst>
-          </a:blip>
-          <a:stretch>
-            <a:fillRect/>
-          </a:stretch>
-        </p:blipFill>
-        <p:spPr>
-          <a:xfrm>
-            <a:off x="6487064" y="1693795"/>
-            <a:ext cx="4866736" cy="4724168"/>
-          </a:xfrm>
-          <a:prstGeom prst="rect">
-            <a:avLst/>
-          </a:prstGeom>
-        </p:spPr>
-      </p:pic>
-    </p:spTree>
-    <p:extLst>
-      <p:ext uri="{BB962C8B-B14F-4D97-AF65-F5344CB8AC3E}">
-        <p14:creationId xmlns:p14="http://schemas.microsoft.com/office/powerpoint/2010/main" val="1765680492"/>
       </p:ext>
     </p:extLst>
   </p:cSld>
@@ -11316,9 +11264,118 @@
               <a:rPr lang="en-IN" dirty="0" smtClean="0"/>
               <a:t>Male v/s Female</a:t>
             </a:r>
+            <a:endParaRPr lang="en-GB" dirty="0"/>
+          </a:p>
+        </p:txBody>
+      </p:sp>
+      <p:pic>
+        <p:nvPicPr>
+          <p:cNvPr id="3" name="Picture 2"/>
+          <p:cNvPicPr>
+            <a:picLocks noChangeAspect="1"/>
+          </p:cNvPicPr>
+          <p:nvPr/>
+        </p:nvPicPr>
+        <p:blipFill>
+          <a:blip r:embed="rId2">
+            <a:extLst>
+              <a:ext uri="{28A0092B-C50C-407E-A947-70E740481C1C}">
+                <a14:useLocalDpi xmlns:a14="http://schemas.microsoft.com/office/drawing/2010/main" val="0"/>
+              </a:ext>
+            </a:extLst>
+          </a:blip>
+          <a:stretch>
+            <a:fillRect/>
+          </a:stretch>
+        </p:blipFill>
+        <p:spPr>
+          <a:xfrm>
+            <a:off x="838200" y="1690688"/>
+            <a:ext cx="4869936" cy="4727275"/>
+          </a:xfrm>
+          <a:prstGeom prst="rect">
+            <a:avLst/>
+          </a:prstGeom>
+        </p:spPr>
+      </p:pic>
+      <p:pic>
+        <p:nvPicPr>
+          <p:cNvPr id="4" name="Picture 3"/>
+          <p:cNvPicPr>
+            <a:picLocks noChangeAspect="1"/>
+          </p:cNvPicPr>
+          <p:nvPr/>
+        </p:nvPicPr>
+        <p:blipFill>
+          <a:blip r:embed="rId3">
+            <a:extLst>
+              <a:ext uri="{28A0092B-C50C-407E-A947-70E740481C1C}">
+                <a14:useLocalDpi xmlns:a14="http://schemas.microsoft.com/office/drawing/2010/main" val="0"/>
+              </a:ext>
+            </a:extLst>
+          </a:blip>
+          <a:stretch>
+            <a:fillRect/>
+          </a:stretch>
+        </p:blipFill>
+        <p:spPr>
+          <a:xfrm>
+            <a:off x="6487064" y="1693795"/>
+            <a:ext cx="4866736" cy="4724168"/>
+          </a:xfrm>
+          <a:prstGeom prst="rect">
+            <a:avLst/>
+          </a:prstGeom>
+        </p:spPr>
+      </p:pic>
+    </p:spTree>
+    <p:extLst>
+      <p:ext uri="{BB962C8B-B14F-4D97-AF65-F5344CB8AC3E}">
+        <p14:creationId xmlns:p14="http://schemas.microsoft.com/office/powerpoint/2010/main" val="1765680492"/>
+      </p:ext>
+    </p:extLst>
+  </p:cSld>
+  <p:clrMapOvr>
+    <a:masterClrMapping/>
+  </p:clrMapOvr>
+</p:sld>
+</file>
+
+<file path=ppt/slides/slide31.xml><?xml version="1.0" encoding="utf-8"?>
+<p:sld xmlns:a="http://schemas.openxmlformats.org/drawingml/2006/main" xmlns:r="http://schemas.openxmlformats.org/officeDocument/2006/relationships" xmlns:p="http://schemas.openxmlformats.org/presentationml/2006/main">
+  <p:cSld>
+    <p:spTree>
+      <p:nvGrpSpPr>
+        <p:cNvPr id="1" name=""/>
+        <p:cNvGrpSpPr/>
+        <p:nvPr/>
+      </p:nvGrpSpPr>
+      <p:grpSpPr>
+        <a:xfrm>
+          <a:off x="0" y="0"/>
+          <a:ext cx="0" cy="0"/>
+          <a:chOff x="0" y="0"/>
+          <a:chExt cx="0" cy="0"/>
+        </a:xfrm>
+      </p:grpSpPr>
+      <p:sp>
+        <p:nvSpPr>
+          <p:cNvPr id="2" name="Title 1"/>
+          <p:cNvSpPr>
+            <a:spLocks noGrp="1"/>
+          </p:cNvSpPr>
+          <p:nvPr>
+            <p:ph type="title"/>
+          </p:nvPr>
+        </p:nvSpPr>
+        <p:spPr/>
+        <p:txBody>
+          <a:bodyPr/>
+          <a:lstStyle/>
+          <a:p>
             <a:r>
               <a:rPr lang="en-IN" dirty="0" smtClean="0"/>
-              <a:t/>
+              <a:t>Male v/s Female</a:t>
             </a:r>
             <a:br>
               <a:rPr lang="en-IN" dirty="0" smtClean="0"/>
@@ -11434,7 +11491,7 @@
 </p:sld>
 </file>
 
-<file path=ppt/slides/slide31.xml><?xml version="1.0" encoding="utf-8"?>
+<file path=ppt/slides/slide32.xml><?xml version="1.0" encoding="utf-8"?>
 <p:sld xmlns:a="http://schemas.openxmlformats.org/drawingml/2006/main" xmlns:r="http://schemas.openxmlformats.org/officeDocument/2006/relationships" xmlns:p="http://schemas.openxmlformats.org/presentationml/2006/main">
   <p:cSld>
     <p:spTree>
@@ -11558,7 +11615,7 @@
 </p:sld>
 </file>
 
-<file path=ppt/slides/slide32.xml><?xml version="1.0" encoding="utf-8"?>
+<file path=ppt/slides/slide33.xml><?xml version="1.0" encoding="utf-8"?>
 <p:sld xmlns:a="http://schemas.openxmlformats.org/drawingml/2006/main" xmlns:r="http://schemas.openxmlformats.org/officeDocument/2006/relationships" xmlns:p="http://schemas.openxmlformats.org/presentationml/2006/main">
   <p:cSld>
     <p:spTree>
@@ -11682,7 +11739,7 @@
 </p:sld>
 </file>
 
-<file path=ppt/slides/slide33.xml><?xml version="1.0" encoding="utf-8"?>
+<file path=ppt/slides/slide34.xml><?xml version="1.0" encoding="utf-8"?>
 <p:sld xmlns:a="http://schemas.openxmlformats.org/drawingml/2006/main" xmlns:r="http://schemas.openxmlformats.org/officeDocument/2006/relationships" xmlns:p="http://schemas.openxmlformats.org/presentationml/2006/main">
   <p:cSld>
     <p:spTree>
@@ -11759,7 +11816,7 @@
 </p:sld>
 </file>
 
-<file path=ppt/slides/slide34.xml><?xml version="1.0" encoding="utf-8"?>
+<file path=ppt/slides/slide35.xml><?xml version="1.0" encoding="utf-8"?>
 <p:sld xmlns:a="http://schemas.openxmlformats.org/drawingml/2006/main" xmlns:r="http://schemas.openxmlformats.org/officeDocument/2006/relationships" xmlns:p="http://schemas.openxmlformats.org/presentationml/2006/main">
   <p:cSld>
     <p:spTree>
@@ -15097,26 +15154,437 @@
             <a:spLocks noGrp="1"/>
           </p:cNvSpPr>
           <p:nvPr>
-            <p:ph type="ctrTitle"/>
+            <p:ph type="title"/>
           </p:nvPr>
         </p:nvSpPr>
         <p:spPr/>
         <p:txBody>
-          <a:bodyPr/>
+          <a:bodyPr>
+            <a:normAutofit/>
+          </a:bodyPr>
           <a:lstStyle/>
           <a:p>
             <a:r>
-              <a:rPr lang="en-IN" dirty="0"/>
-              <a:t>Visualizations</a:t>
-            </a:r>
-            <a:endParaRPr lang="en-GB" dirty="0"/>
+              <a:rPr lang="en-IN" sz="2800" dirty="0" err="1" smtClean="0"/>
+              <a:t>HyperParameters</a:t>
+            </a:r>
+            <a:endParaRPr lang="en-GB" sz="2800" dirty="0"/>
+          </a:p>
+        </p:txBody>
+      </p:sp>
+      <p:graphicFrame>
+        <p:nvGraphicFramePr>
+          <p:cNvPr id="3" name="Table 2"/>
+          <p:cNvGraphicFramePr>
+            <a:graphicFrameLocks noGrp="1"/>
+          </p:cNvGraphicFramePr>
+          <p:nvPr>
+            <p:extLst>
+              <p:ext uri="{D42A27DB-BD31-4B8C-83A1-F6EECF244321}">
+                <p14:modId xmlns:p14="http://schemas.microsoft.com/office/powerpoint/2010/main" val="1139622865"/>
+              </p:ext>
+            </p:extLst>
+          </p:nvPr>
+        </p:nvGraphicFramePr>
+        <p:xfrm>
+          <a:off x="2032000" y="1444285"/>
+          <a:ext cx="8128000" cy="2966720"/>
+        </p:xfrm>
+        <a:graphic>
+          <a:graphicData uri="http://schemas.openxmlformats.org/drawingml/2006/table">
+            <a:tbl>
+              <a:tblPr firstRow="1" bandRow="1">
+                <a:tableStyleId>{5C22544A-7EE6-4342-B048-85BDC9FD1C3A}</a:tableStyleId>
+              </a:tblPr>
+              <a:tblGrid>
+                <a:gridCol w="4064000"/>
+                <a:gridCol w="4064000"/>
+              </a:tblGrid>
+              <a:tr h="370840">
+                <a:tc>
+                  <a:txBody>
+                    <a:bodyPr/>
+                    <a:lstStyle/>
+                    <a:p>
+                      <a:r>
+                        <a:rPr lang="en-IN" dirty="0" smtClean="0"/>
+                        <a:t>Feature Selection</a:t>
+                      </a:r>
+                      <a:endParaRPr lang="en-GB" dirty="0"/>
+                    </a:p>
+                  </a:txBody>
+                  <a:tcPr/>
+                </a:tc>
+                <a:tc>
+                  <a:txBody>
+                    <a:bodyPr/>
+                    <a:lstStyle/>
+                    <a:p>
+                      <a:r>
+                        <a:rPr lang="en-IN" dirty="0" err="1" smtClean="0"/>
+                        <a:t>HyperParameter</a:t>
+                      </a:r>
+                      <a:endParaRPr lang="en-GB" dirty="0"/>
+                    </a:p>
+                  </a:txBody>
+                  <a:tcPr/>
+                </a:tc>
+              </a:tr>
+              <a:tr h="370840">
+                <a:tc>
+                  <a:txBody>
+                    <a:bodyPr/>
+                    <a:lstStyle/>
+                    <a:p>
+                      <a:r>
+                        <a:rPr lang="en-IN" dirty="0" smtClean="0"/>
+                        <a:t>Chi-</a:t>
+                      </a:r>
+                      <a:r>
+                        <a:rPr lang="en-IN" dirty="0" err="1" smtClean="0"/>
+                        <a:t>Sqaure</a:t>
+                      </a:r>
+                      <a:endParaRPr lang="en-GB" dirty="0"/>
+                    </a:p>
+                  </a:txBody>
+                  <a:tcPr/>
+                </a:tc>
+                <a:tc>
+                  <a:txBody>
+                    <a:bodyPr/>
+                    <a:lstStyle/>
+                    <a:p>
+                      <a:r>
+                        <a:rPr lang="en-IN" dirty="0" err="1" smtClean="0"/>
+                        <a:t>fw.perc</a:t>
+                      </a:r>
+                      <a:r>
+                        <a:rPr lang="en-IN" baseline="0" dirty="0" smtClean="0"/>
+                        <a:t> (lower=0; upper=1)</a:t>
+                      </a:r>
+                      <a:endParaRPr lang="en-GB" dirty="0"/>
+                    </a:p>
+                  </a:txBody>
+                  <a:tcPr/>
+                </a:tc>
+              </a:tr>
+              <a:tr h="370840">
+                <a:tc>
+                  <a:txBody>
+                    <a:bodyPr/>
+                    <a:lstStyle/>
+                    <a:p>
+                      <a:r>
+                        <a:rPr lang="en-IN" dirty="0" smtClean="0"/>
+                        <a:t>Info Gain</a:t>
+                      </a:r>
+                      <a:endParaRPr lang="en-GB" dirty="0"/>
+                    </a:p>
+                  </a:txBody>
+                  <a:tcPr/>
+                </a:tc>
+                <a:tc>
+                  <a:txBody>
+                    <a:bodyPr/>
+                    <a:lstStyle/>
+                    <a:p>
+                      <a:r>
+                        <a:rPr lang="en-IN" dirty="0" err="1" smtClean="0"/>
+                        <a:t>fw.perc</a:t>
+                      </a:r>
+                      <a:r>
+                        <a:rPr lang="en-IN" baseline="0" dirty="0" smtClean="0"/>
+                        <a:t> (lower=0; upper=1)</a:t>
+                      </a:r>
+                      <a:endParaRPr lang="en-GB" dirty="0"/>
+                    </a:p>
+                  </a:txBody>
+                  <a:tcPr/>
+                </a:tc>
+              </a:tr>
+              <a:tr h="370840">
+                <a:tc>
+                  <a:txBody>
+                    <a:bodyPr/>
+                    <a:lstStyle/>
+                    <a:p>
+                      <a:r>
+                        <a:rPr lang="en-IN" dirty="0" smtClean="0"/>
+                        <a:t>Sequential Forward</a:t>
+                      </a:r>
+                      <a:endParaRPr lang="en-GB" dirty="0"/>
+                    </a:p>
+                  </a:txBody>
+                  <a:tcPr/>
+                </a:tc>
+                <a:tc>
+                  <a:txBody>
+                    <a:bodyPr/>
+                    <a:lstStyle/>
+                    <a:p>
+                      <a:r>
+                        <a:rPr lang="en-IN" dirty="0" smtClean="0"/>
+                        <a:t>alpha=0.02</a:t>
+                      </a:r>
+                      <a:endParaRPr lang="en-GB" dirty="0"/>
+                    </a:p>
+                  </a:txBody>
+                  <a:tcPr/>
+                </a:tc>
+              </a:tr>
+              <a:tr h="370840">
+                <a:tc>
+                  <a:txBody>
+                    <a:bodyPr/>
+                    <a:lstStyle/>
+                    <a:p>
+                      <a:r>
+                        <a:rPr lang="en-IN" dirty="0" smtClean="0"/>
+                        <a:t>Sequential Backward</a:t>
+                      </a:r>
+                      <a:endParaRPr lang="en-GB" dirty="0"/>
+                    </a:p>
+                  </a:txBody>
+                  <a:tcPr/>
+                </a:tc>
+                <a:tc>
+                  <a:txBody>
+                    <a:bodyPr/>
+                    <a:lstStyle/>
+                    <a:p>
+                      <a:r>
+                        <a:rPr lang="en-IN" dirty="0" smtClean="0"/>
+                        <a:t>alpha=0.02</a:t>
+                      </a:r>
+                      <a:endParaRPr lang="en-GB" dirty="0"/>
+                    </a:p>
+                  </a:txBody>
+                  <a:tcPr/>
+                </a:tc>
+              </a:tr>
+              <a:tr h="370840">
+                <a:tc>
+                  <a:txBody>
+                    <a:bodyPr/>
+                    <a:lstStyle/>
+                    <a:p>
+                      <a:r>
+                        <a:rPr lang="en-IN" dirty="0" smtClean="0"/>
+                        <a:t>Genetic Algorithm</a:t>
+                      </a:r>
+                      <a:endParaRPr lang="en-GB" dirty="0"/>
+                    </a:p>
+                  </a:txBody>
+                  <a:tcPr/>
+                </a:tc>
+                <a:tc>
+                  <a:txBody>
+                    <a:bodyPr/>
+                    <a:lstStyle/>
+                    <a:p>
+                      <a:r>
+                        <a:rPr lang="en-IN" dirty="0" err="1" smtClean="0"/>
+                        <a:t>maxit</a:t>
+                      </a:r>
+                      <a:r>
+                        <a:rPr lang="en-IN" baseline="0" dirty="0" smtClean="0"/>
+                        <a:t> = 10L, mu = 15L</a:t>
+                      </a:r>
+                      <a:endParaRPr lang="en-GB" dirty="0"/>
+                    </a:p>
+                  </a:txBody>
+                  <a:tcPr/>
+                </a:tc>
+              </a:tr>
+              <a:tr h="370840">
+                <a:tc>
+                  <a:txBody>
+                    <a:bodyPr/>
+                    <a:lstStyle/>
+                    <a:p>
+                      <a:r>
+                        <a:rPr lang="en-IN" dirty="0" smtClean="0"/>
+                        <a:t>Random</a:t>
+                      </a:r>
+                      <a:r>
+                        <a:rPr lang="en-IN" baseline="0" dirty="0" smtClean="0"/>
+                        <a:t> </a:t>
+                      </a:r>
+                      <a:r>
+                        <a:rPr lang="en-IN" baseline="0" dirty="0" err="1" smtClean="0"/>
+                        <a:t>Alorithm</a:t>
+                      </a:r>
+                      <a:endParaRPr lang="en-GB" dirty="0"/>
+                    </a:p>
+                  </a:txBody>
+                  <a:tcPr/>
+                </a:tc>
+                <a:tc>
+                  <a:txBody>
+                    <a:bodyPr/>
+                    <a:lstStyle/>
+                    <a:p>
+                      <a:r>
+                        <a:rPr lang="en-IN" dirty="0" err="1" smtClean="0"/>
+                        <a:t>maxit</a:t>
+                      </a:r>
+                      <a:r>
+                        <a:rPr lang="en-IN" dirty="0" smtClean="0"/>
+                        <a:t> =200L</a:t>
+                      </a:r>
+                      <a:endParaRPr lang="en-GB" dirty="0"/>
+                    </a:p>
+                  </a:txBody>
+                  <a:tcPr/>
+                </a:tc>
+              </a:tr>
+              <a:tr h="370840">
+                <a:tc>
+                  <a:txBody>
+                    <a:bodyPr/>
+                    <a:lstStyle/>
+                    <a:p>
+                      <a:r>
+                        <a:rPr lang="en-IN" dirty="0" smtClean="0"/>
+                        <a:t>Correlation</a:t>
+                      </a:r>
+                      <a:endParaRPr lang="en-GB" dirty="0"/>
+                    </a:p>
+                  </a:txBody>
+                  <a:tcPr/>
+                </a:tc>
+                <a:tc>
+                  <a:txBody>
+                    <a:bodyPr/>
+                    <a:lstStyle/>
+                    <a:p>
+                      <a:r>
+                        <a:rPr lang="en-IN" dirty="0" smtClean="0"/>
+                        <a:t>Pearson Coefficient</a:t>
+                      </a:r>
+                      <a:endParaRPr lang="en-GB" dirty="0"/>
+                    </a:p>
+                  </a:txBody>
+                  <a:tcPr/>
+                </a:tc>
+              </a:tr>
+            </a:tbl>
+          </a:graphicData>
+        </a:graphic>
+      </p:graphicFrame>
+      <p:sp>
+        <p:nvSpPr>
+          <p:cNvPr id="4" name="TextBox 3"/>
+          <p:cNvSpPr txBox="1"/>
+          <p:nvPr/>
+        </p:nvSpPr>
+        <p:spPr>
+          <a:xfrm>
+            <a:off x="2032000" y="4758834"/>
+            <a:ext cx="8704053" cy="2462213"/>
+          </a:xfrm>
+          <a:prstGeom prst="rect">
+            <a:avLst/>
+          </a:prstGeom>
+          <a:noFill/>
+        </p:spPr>
+        <p:txBody>
+          <a:bodyPr wrap="square" rtlCol="0">
+            <a:spAutoFit/>
+          </a:bodyPr>
+          <a:lstStyle/>
+          <a:p>
+            <a:r>
+              <a:rPr lang="en-IN" b="1" dirty="0" err="1" smtClean="0"/>
+              <a:t>fw.perc</a:t>
+            </a:r>
+            <a:r>
+              <a:rPr lang="en-IN" dirty="0" smtClean="0"/>
+              <a:t>: </a:t>
+            </a:r>
+            <a:r>
+              <a:rPr lang="en-GB" dirty="0"/>
+              <a:t>Keep a certain percentage (perc) of features with highest importance.</a:t>
+            </a:r>
+            <a:endParaRPr lang="en-IN" b="1" dirty="0" smtClean="0"/>
+          </a:p>
+          <a:p>
+            <a:r>
+              <a:rPr lang="en-IN" b="1" dirty="0" smtClean="0"/>
+              <a:t>alpha</a:t>
+            </a:r>
+            <a:r>
+              <a:rPr lang="en-IN" dirty="0" smtClean="0"/>
+              <a:t>: </a:t>
+            </a:r>
+            <a:r>
+              <a:rPr lang="en-GB" sz="1600" dirty="0"/>
+              <a:t>Parameter of the sequential feature selection. Minimal required value of improvement difference for a forward / adding step. Default is 0.01</a:t>
+            </a:r>
+            <a:r>
+              <a:rPr lang="en-GB" sz="1600" dirty="0" smtClean="0"/>
+              <a:t>.</a:t>
+            </a:r>
+          </a:p>
+          <a:p>
+            <a:r>
+              <a:rPr lang="en-IN" b="1" dirty="0"/>
+              <a:t>m</a:t>
+            </a:r>
+            <a:r>
+              <a:rPr lang="en-IN" b="1" dirty="0" smtClean="0"/>
+              <a:t>u</a:t>
+            </a:r>
+            <a:r>
+              <a:rPr lang="en-IN" dirty="0" smtClean="0"/>
+              <a:t>: </a:t>
+            </a:r>
+            <a:r>
+              <a:rPr lang="en-GB" sz="1600" dirty="0"/>
+              <a:t>Parameter of the GA feature selection. Size of the parent population</a:t>
+            </a:r>
+            <a:r>
+              <a:rPr lang="en-GB" sz="1600" dirty="0" smtClean="0"/>
+              <a:t>.</a:t>
+            </a:r>
+          </a:p>
+          <a:p>
+            <a:r>
+              <a:rPr lang="en-IN" b="1" dirty="0" err="1" smtClean="0"/>
+              <a:t>maxit</a:t>
+            </a:r>
+            <a:r>
+              <a:rPr lang="en-IN" dirty="0" smtClean="0"/>
+              <a:t>: </a:t>
+            </a:r>
+            <a:r>
+              <a:rPr lang="en-GB" sz="1600" dirty="0"/>
+              <a:t>Maximal number of iterations. Note, that this is usually not equal to the number of function </a:t>
+            </a:r>
+            <a:r>
+              <a:rPr lang="en-GB" sz="1600"/>
+              <a:t>evaluations</a:t>
+            </a:r>
+            <a:r>
+              <a:rPr lang="en-GB" sz="1600" smtClean="0"/>
+              <a:t>.</a:t>
+            </a:r>
+          </a:p>
+          <a:p>
+            <a:endParaRPr lang="en-GB" sz="1600" dirty="0" smtClean="0"/>
+          </a:p>
+          <a:p>
+            <a:endParaRPr lang="en-GB" sz="1600" dirty="0" smtClean="0"/>
+          </a:p>
+          <a:p>
+            <a:endParaRPr lang="en-IN" dirty="0"/>
           </a:p>
         </p:txBody>
       </p:sp>
     </p:spTree>
     <p:extLst>
       <p:ext uri="{BB962C8B-B14F-4D97-AF65-F5344CB8AC3E}">
-        <p14:creationId xmlns:p14="http://schemas.microsoft.com/office/powerpoint/2010/main" val="3669215390"/>
+        <p14:creationId xmlns:p14="http://schemas.microsoft.com/office/powerpoint/2010/main" val="133356528"/>
       </p:ext>
     </p:extLst>
   </p:cSld>
@@ -15167,7 +15635,7 @@
           <a:p>
             <a:r>
               <a:rPr lang="en-IN" dirty="0"/>
-              <a:t>Healthy v/s BAV</a:t>
+              <a:t>Visualizations</a:t>
             </a:r>
             <a:endParaRPr lang="en-GB" dirty="0"/>
           </a:p>
@@ -15176,7 +15644,7 @@
     </p:spTree>
     <p:extLst>
       <p:ext uri="{BB962C8B-B14F-4D97-AF65-F5344CB8AC3E}">
-        <p14:creationId xmlns:p14="http://schemas.microsoft.com/office/powerpoint/2010/main" val="3028487119"/>
+        <p14:creationId xmlns:p14="http://schemas.microsoft.com/office/powerpoint/2010/main" val="3669215390"/>
       </p:ext>
     </p:extLst>
   </p:cSld>

--- a/Reports/Final.pptx
+++ b/Reports/Final.pptx
@@ -5143,42 +5143,42 @@
                 <a:gridCol w="1074501">
                   <a:extLst>
                     <a:ext uri="{9D8B030D-6E8A-4147-A177-3AD203B41FA5}">
-                      <a16:colId xmlns="" xmlns:a16="http://schemas.microsoft.com/office/drawing/2014/main" val="20000"/>
+                      <a16:colId xmlns:a16="http://schemas.microsoft.com/office/drawing/2014/main" xmlns="" val="20000"/>
                     </a:ext>
                   </a:extLst>
                 </a:gridCol>
                 <a:gridCol w="1094563">
                   <a:extLst>
                     <a:ext uri="{9D8B030D-6E8A-4147-A177-3AD203B41FA5}">
-                      <a16:colId xmlns="" xmlns:a16="http://schemas.microsoft.com/office/drawing/2014/main" val="20001"/>
+                      <a16:colId xmlns:a16="http://schemas.microsoft.com/office/drawing/2014/main" xmlns="" val="20001"/>
                     </a:ext>
                   </a:extLst>
                 </a:gridCol>
                 <a:gridCol w="1112808">
                   <a:extLst>
                     <a:ext uri="{9D8B030D-6E8A-4147-A177-3AD203B41FA5}">
-                      <a16:colId xmlns="" xmlns:a16="http://schemas.microsoft.com/office/drawing/2014/main" val="20002"/>
+                      <a16:colId xmlns:a16="http://schemas.microsoft.com/office/drawing/2014/main" xmlns="" val="20002"/>
                     </a:ext>
                   </a:extLst>
                 </a:gridCol>
                 <a:gridCol w="755968">
                   <a:extLst>
                     <a:ext uri="{9D8B030D-6E8A-4147-A177-3AD203B41FA5}">
-                      <a16:colId xmlns="" xmlns:a16="http://schemas.microsoft.com/office/drawing/2014/main" val="20003"/>
+                      <a16:colId xmlns:a16="http://schemas.microsoft.com/office/drawing/2014/main" xmlns="" val="20003"/>
                     </a:ext>
                   </a:extLst>
                 </a:gridCol>
                 <a:gridCol w="909275">
                   <a:extLst>
                     <a:ext uri="{9D8B030D-6E8A-4147-A177-3AD203B41FA5}">
-                      <a16:colId xmlns="" xmlns:a16="http://schemas.microsoft.com/office/drawing/2014/main" val="20004"/>
+                      <a16:colId xmlns:a16="http://schemas.microsoft.com/office/drawing/2014/main" xmlns="" val="20004"/>
                     </a:ext>
                   </a:extLst>
                 </a:gridCol>
                 <a:gridCol w="1226019">
                   <a:extLst>
                     <a:ext uri="{9D8B030D-6E8A-4147-A177-3AD203B41FA5}">
-                      <a16:colId xmlns="" xmlns:a16="http://schemas.microsoft.com/office/drawing/2014/main" val="20005"/>
+                      <a16:colId xmlns:a16="http://schemas.microsoft.com/office/drawing/2014/main" xmlns="" val="20005"/>
                     </a:ext>
                   </a:extLst>
                 </a:gridCol>
@@ -5270,7 +5270,7 @@
                 </a:tc>
                 <a:extLst>
                   <a:ext uri="{0D108BD9-81ED-4DB2-BD59-A6C34878D82A}">
-                    <a16:rowId xmlns="" xmlns:a16="http://schemas.microsoft.com/office/drawing/2014/main" val="10000"/>
+                    <a16:rowId xmlns:a16="http://schemas.microsoft.com/office/drawing/2014/main" xmlns="" val="10000"/>
                   </a:ext>
                 </a:extLst>
               </a:tr>
@@ -5369,7 +5369,7 @@
                 </a:tc>
                 <a:extLst>
                   <a:ext uri="{0D108BD9-81ED-4DB2-BD59-A6C34878D82A}">
-                    <a16:rowId xmlns="" xmlns:a16="http://schemas.microsoft.com/office/drawing/2014/main" val="10001"/>
+                    <a16:rowId xmlns:a16="http://schemas.microsoft.com/office/drawing/2014/main" xmlns="" val="10001"/>
                   </a:ext>
                 </a:extLst>
               </a:tr>
@@ -5527,7 +5527,7 @@
                 </a:tc>
                 <a:extLst>
                   <a:ext uri="{0D108BD9-81ED-4DB2-BD59-A6C34878D82A}">
-                    <a16:rowId xmlns="" xmlns:a16="http://schemas.microsoft.com/office/drawing/2014/main" val="10002"/>
+                    <a16:rowId xmlns:a16="http://schemas.microsoft.com/office/drawing/2014/main" xmlns="" val="10002"/>
                   </a:ext>
                 </a:extLst>
               </a:tr>
@@ -5687,7 +5687,7 @@
                 </a:tc>
                 <a:extLst>
                   <a:ext uri="{0D108BD9-81ED-4DB2-BD59-A6C34878D82A}">
-                    <a16:rowId xmlns="" xmlns:a16="http://schemas.microsoft.com/office/drawing/2014/main" val="10003"/>
+                    <a16:rowId xmlns:a16="http://schemas.microsoft.com/office/drawing/2014/main" xmlns="" val="10003"/>
                   </a:ext>
                 </a:extLst>
               </a:tr>
@@ -5828,7 +5828,7 @@
                 </a:tc>
                 <a:extLst>
                   <a:ext uri="{0D108BD9-81ED-4DB2-BD59-A6C34878D82A}">
-                    <a16:rowId xmlns="" xmlns:a16="http://schemas.microsoft.com/office/drawing/2014/main" val="10004"/>
+                    <a16:rowId xmlns:a16="http://schemas.microsoft.com/office/drawing/2014/main" xmlns="" val="10004"/>
                   </a:ext>
                 </a:extLst>
               </a:tr>
@@ -6045,42 +6045,42 @@
                 <a:gridCol w="1074501">
                   <a:extLst>
                     <a:ext uri="{9D8B030D-6E8A-4147-A177-3AD203B41FA5}">
-                      <a16:colId xmlns="" xmlns:a16="http://schemas.microsoft.com/office/drawing/2014/main" val="20000"/>
+                      <a16:colId xmlns:a16="http://schemas.microsoft.com/office/drawing/2014/main" xmlns="" val="20000"/>
                     </a:ext>
                   </a:extLst>
                 </a:gridCol>
                 <a:gridCol w="1051431">
                   <a:extLst>
                     <a:ext uri="{9D8B030D-6E8A-4147-A177-3AD203B41FA5}">
-                      <a16:colId xmlns="" xmlns:a16="http://schemas.microsoft.com/office/drawing/2014/main" val="20001"/>
+                      <a16:colId xmlns:a16="http://schemas.microsoft.com/office/drawing/2014/main" xmlns="" val="20001"/>
                     </a:ext>
                   </a:extLst>
                 </a:gridCol>
                 <a:gridCol w="1104181">
                   <a:extLst>
                     <a:ext uri="{9D8B030D-6E8A-4147-A177-3AD203B41FA5}">
-                      <a16:colId xmlns="" xmlns:a16="http://schemas.microsoft.com/office/drawing/2014/main" val="20002"/>
+                      <a16:colId xmlns:a16="http://schemas.microsoft.com/office/drawing/2014/main" xmlns="" val="20002"/>
                     </a:ext>
                   </a:extLst>
                 </a:gridCol>
                 <a:gridCol w="751557">
                   <a:extLst>
                     <a:ext uri="{9D8B030D-6E8A-4147-A177-3AD203B41FA5}">
-                      <a16:colId xmlns="" xmlns:a16="http://schemas.microsoft.com/office/drawing/2014/main" val="20003"/>
+                      <a16:colId xmlns:a16="http://schemas.microsoft.com/office/drawing/2014/main" xmlns="" val="20003"/>
                     </a:ext>
                   </a:extLst>
                 </a:gridCol>
                 <a:gridCol w="909275">
                   <a:extLst>
                     <a:ext uri="{9D8B030D-6E8A-4147-A177-3AD203B41FA5}">
-                      <a16:colId xmlns="" xmlns:a16="http://schemas.microsoft.com/office/drawing/2014/main" val="20004"/>
+                      <a16:colId xmlns:a16="http://schemas.microsoft.com/office/drawing/2014/main" xmlns="" val="20004"/>
                     </a:ext>
                   </a:extLst>
                 </a:gridCol>
                 <a:gridCol w="1226019">
                   <a:extLst>
                     <a:ext uri="{9D8B030D-6E8A-4147-A177-3AD203B41FA5}">
-                      <a16:colId xmlns="" xmlns:a16="http://schemas.microsoft.com/office/drawing/2014/main" val="20005"/>
+                      <a16:colId xmlns:a16="http://schemas.microsoft.com/office/drawing/2014/main" xmlns="" val="20005"/>
                     </a:ext>
                   </a:extLst>
                 </a:gridCol>
@@ -6172,7 +6172,7 @@
                 </a:tc>
                 <a:extLst>
                   <a:ext uri="{0D108BD9-81ED-4DB2-BD59-A6C34878D82A}">
-                    <a16:rowId xmlns="" xmlns:a16="http://schemas.microsoft.com/office/drawing/2014/main" val="10000"/>
+                    <a16:rowId xmlns:a16="http://schemas.microsoft.com/office/drawing/2014/main" xmlns="" val="10000"/>
                   </a:ext>
                 </a:extLst>
               </a:tr>
@@ -6311,7 +6311,7 @@
                 </a:tc>
                 <a:extLst>
                   <a:ext uri="{0D108BD9-81ED-4DB2-BD59-A6C34878D82A}">
-                    <a16:rowId xmlns="" xmlns:a16="http://schemas.microsoft.com/office/drawing/2014/main" val="10001"/>
+                    <a16:rowId xmlns:a16="http://schemas.microsoft.com/office/drawing/2014/main" xmlns="" val="10001"/>
                   </a:ext>
                 </a:extLst>
               </a:tr>
@@ -6467,7 +6467,7 @@
                 </a:tc>
                 <a:extLst>
                   <a:ext uri="{0D108BD9-81ED-4DB2-BD59-A6C34878D82A}">
-                    <a16:rowId xmlns="" xmlns:a16="http://schemas.microsoft.com/office/drawing/2014/main" val="10002"/>
+                    <a16:rowId xmlns:a16="http://schemas.microsoft.com/office/drawing/2014/main" xmlns="" val="10002"/>
                   </a:ext>
                 </a:extLst>
               </a:tr>
@@ -6606,7 +6606,7 @@
                 </a:tc>
                 <a:extLst>
                   <a:ext uri="{0D108BD9-81ED-4DB2-BD59-A6C34878D82A}">
-                    <a16:rowId xmlns="" xmlns:a16="http://schemas.microsoft.com/office/drawing/2014/main" val="10003"/>
+                    <a16:rowId xmlns:a16="http://schemas.microsoft.com/office/drawing/2014/main" xmlns="" val="10003"/>
                   </a:ext>
                 </a:extLst>
               </a:tr>
@@ -6762,7 +6762,7 @@
                 </a:tc>
                 <a:extLst>
                   <a:ext uri="{0D108BD9-81ED-4DB2-BD59-A6C34878D82A}">
-                    <a16:rowId xmlns="" xmlns:a16="http://schemas.microsoft.com/office/drawing/2014/main" val="10004"/>
+                    <a16:rowId xmlns:a16="http://schemas.microsoft.com/office/drawing/2014/main" xmlns="" val="10004"/>
                   </a:ext>
                 </a:extLst>
               </a:tr>
@@ -8525,42 +8525,42 @@
                 <a:gridCol w="1074501">
                   <a:extLst>
                     <a:ext uri="{9D8B030D-6E8A-4147-A177-3AD203B41FA5}">
-                      <a16:colId xmlns="" xmlns:a16="http://schemas.microsoft.com/office/drawing/2014/main" val="20000"/>
+                      <a16:colId xmlns:a16="http://schemas.microsoft.com/office/drawing/2014/main" xmlns="" val="20000"/>
                     </a:ext>
                   </a:extLst>
                 </a:gridCol>
                 <a:gridCol w="1094563">
                   <a:extLst>
                     <a:ext uri="{9D8B030D-6E8A-4147-A177-3AD203B41FA5}">
-                      <a16:colId xmlns="" xmlns:a16="http://schemas.microsoft.com/office/drawing/2014/main" val="20001"/>
+                      <a16:colId xmlns:a16="http://schemas.microsoft.com/office/drawing/2014/main" xmlns="" val="20001"/>
                     </a:ext>
                   </a:extLst>
                 </a:gridCol>
                 <a:gridCol w="1112808">
                   <a:extLst>
                     <a:ext uri="{9D8B030D-6E8A-4147-A177-3AD203B41FA5}">
-                      <a16:colId xmlns="" xmlns:a16="http://schemas.microsoft.com/office/drawing/2014/main" val="20002"/>
+                      <a16:colId xmlns:a16="http://schemas.microsoft.com/office/drawing/2014/main" xmlns="" val="20002"/>
                     </a:ext>
                   </a:extLst>
                 </a:gridCol>
                 <a:gridCol w="755968">
                   <a:extLst>
                     <a:ext uri="{9D8B030D-6E8A-4147-A177-3AD203B41FA5}">
-                      <a16:colId xmlns="" xmlns:a16="http://schemas.microsoft.com/office/drawing/2014/main" val="20003"/>
+                      <a16:colId xmlns:a16="http://schemas.microsoft.com/office/drawing/2014/main" xmlns="" val="20003"/>
                     </a:ext>
                   </a:extLst>
                 </a:gridCol>
                 <a:gridCol w="909275">
                   <a:extLst>
                     <a:ext uri="{9D8B030D-6E8A-4147-A177-3AD203B41FA5}">
-                      <a16:colId xmlns="" xmlns:a16="http://schemas.microsoft.com/office/drawing/2014/main" val="20004"/>
+                      <a16:colId xmlns:a16="http://schemas.microsoft.com/office/drawing/2014/main" xmlns="" val="20004"/>
                     </a:ext>
                   </a:extLst>
                 </a:gridCol>
                 <a:gridCol w="1226019">
                   <a:extLst>
                     <a:ext uri="{9D8B030D-6E8A-4147-A177-3AD203B41FA5}">
-                      <a16:colId xmlns="" xmlns:a16="http://schemas.microsoft.com/office/drawing/2014/main" val="20005"/>
+                      <a16:colId xmlns:a16="http://schemas.microsoft.com/office/drawing/2014/main" xmlns="" val="20005"/>
                     </a:ext>
                   </a:extLst>
                 </a:gridCol>
@@ -8652,7 +8652,7 @@
                 </a:tc>
                 <a:extLst>
                   <a:ext uri="{0D108BD9-81ED-4DB2-BD59-A6C34878D82A}">
-                    <a16:rowId xmlns="" xmlns:a16="http://schemas.microsoft.com/office/drawing/2014/main" val="10000"/>
+                    <a16:rowId xmlns:a16="http://schemas.microsoft.com/office/drawing/2014/main" xmlns="" val="10000"/>
                   </a:ext>
                 </a:extLst>
               </a:tr>
@@ -8751,7 +8751,7 @@
                 </a:tc>
                 <a:extLst>
                   <a:ext uri="{0D108BD9-81ED-4DB2-BD59-A6C34878D82A}">
-                    <a16:rowId xmlns="" xmlns:a16="http://schemas.microsoft.com/office/drawing/2014/main" val="10001"/>
+                    <a16:rowId xmlns:a16="http://schemas.microsoft.com/office/drawing/2014/main" xmlns="" val="10001"/>
                   </a:ext>
                 </a:extLst>
               </a:tr>
@@ -8869,7 +8869,7 @@
                 </a:tc>
                 <a:extLst>
                   <a:ext uri="{0D108BD9-81ED-4DB2-BD59-A6C34878D82A}">
-                    <a16:rowId xmlns="" xmlns:a16="http://schemas.microsoft.com/office/drawing/2014/main" val="10002"/>
+                    <a16:rowId xmlns:a16="http://schemas.microsoft.com/office/drawing/2014/main" xmlns="" val="10002"/>
                   </a:ext>
                 </a:extLst>
               </a:tr>
@@ -9010,7 +9010,7 @@
                 </a:tc>
                 <a:extLst>
                   <a:ext uri="{0D108BD9-81ED-4DB2-BD59-A6C34878D82A}">
-                    <a16:rowId xmlns="" xmlns:a16="http://schemas.microsoft.com/office/drawing/2014/main" val="10003"/>
+                    <a16:rowId xmlns:a16="http://schemas.microsoft.com/office/drawing/2014/main" xmlns="" val="10003"/>
                   </a:ext>
                 </a:extLst>
               </a:tr>
@@ -9153,7 +9153,7 @@
                 </a:tc>
                 <a:extLst>
                   <a:ext uri="{0D108BD9-81ED-4DB2-BD59-A6C34878D82A}">
-                    <a16:rowId xmlns="" xmlns:a16="http://schemas.microsoft.com/office/drawing/2014/main" val="10004"/>
+                    <a16:rowId xmlns:a16="http://schemas.microsoft.com/office/drawing/2014/main" xmlns="" val="10004"/>
                   </a:ext>
                 </a:extLst>
               </a:tr>
@@ -9244,42 +9244,42 @@
                 <a:gridCol w="1074501">
                   <a:extLst>
                     <a:ext uri="{9D8B030D-6E8A-4147-A177-3AD203B41FA5}">
-                      <a16:colId xmlns="" xmlns:a16="http://schemas.microsoft.com/office/drawing/2014/main" val="20000"/>
+                      <a16:colId xmlns:a16="http://schemas.microsoft.com/office/drawing/2014/main" xmlns="" val="20000"/>
                     </a:ext>
                   </a:extLst>
                 </a:gridCol>
                 <a:gridCol w="1051431">
                   <a:extLst>
                     <a:ext uri="{9D8B030D-6E8A-4147-A177-3AD203B41FA5}">
-                      <a16:colId xmlns="" xmlns:a16="http://schemas.microsoft.com/office/drawing/2014/main" val="20001"/>
+                      <a16:colId xmlns:a16="http://schemas.microsoft.com/office/drawing/2014/main" xmlns="" val="20001"/>
                     </a:ext>
                   </a:extLst>
                 </a:gridCol>
                 <a:gridCol w="1104181">
                   <a:extLst>
                     <a:ext uri="{9D8B030D-6E8A-4147-A177-3AD203B41FA5}">
-                      <a16:colId xmlns="" xmlns:a16="http://schemas.microsoft.com/office/drawing/2014/main" val="20002"/>
+                      <a16:colId xmlns:a16="http://schemas.microsoft.com/office/drawing/2014/main" xmlns="" val="20002"/>
                     </a:ext>
                   </a:extLst>
                 </a:gridCol>
                 <a:gridCol w="751557">
                   <a:extLst>
                     <a:ext uri="{9D8B030D-6E8A-4147-A177-3AD203B41FA5}">
-                      <a16:colId xmlns="" xmlns:a16="http://schemas.microsoft.com/office/drawing/2014/main" val="20003"/>
+                      <a16:colId xmlns:a16="http://schemas.microsoft.com/office/drawing/2014/main" xmlns="" val="20003"/>
                     </a:ext>
                   </a:extLst>
                 </a:gridCol>
                 <a:gridCol w="909275">
                   <a:extLst>
                     <a:ext uri="{9D8B030D-6E8A-4147-A177-3AD203B41FA5}">
-                      <a16:colId xmlns="" xmlns:a16="http://schemas.microsoft.com/office/drawing/2014/main" val="20004"/>
+                      <a16:colId xmlns:a16="http://schemas.microsoft.com/office/drawing/2014/main" xmlns="" val="20004"/>
                     </a:ext>
                   </a:extLst>
                 </a:gridCol>
                 <a:gridCol w="1226019">
                   <a:extLst>
                     <a:ext uri="{9D8B030D-6E8A-4147-A177-3AD203B41FA5}">
-                      <a16:colId xmlns="" xmlns:a16="http://schemas.microsoft.com/office/drawing/2014/main" val="20005"/>
+                      <a16:colId xmlns:a16="http://schemas.microsoft.com/office/drawing/2014/main" xmlns="" val="20005"/>
                     </a:ext>
                   </a:extLst>
                 </a:gridCol>
@@ -9371,7 +9371,7 @@
                 </a:tc>
                 <a:extLst>
                   <a:ext uri="{0D108BD9-81ED-4DB2-BD59-A6C34878D82A}">
-                    <a16:rowId xmlns="" xmlns:a16="http://schemas.microsoft.com/office/drawing/2014/main" val="10000"/>
+                    <a16:rowId xmlns:a16="http://schemas.microsoft.com/office/drawing/2014/main" xmlns="" val="10000"/>
                   </a:ext>
                 </a:extLst>
               </a:tr>
@@ -9510,7 +9510,7 @@
                 </a:tc>
                 <a:extLst>
                   <a:ext uri="{0D108BD9-81ED-4DB2-BD59-A6C34878D82A}">
-                    <a16:rowId xmlns="" xmlns:a16="http://schemas.microsoft.com/office/drawing/2014/main" val="10001"/>
+                    <a16:rowId xmlns:a16="http://schemas.microsoft.com/office/drawing/2014/main" xmlns="" val="10001"/>
                   </a:ext>
                 </a:extLst>
               </a:tr>
@@ -9666,7 +9666,7 @@
                 </a:tc>
                 <a:extLst>
                   <a:ext uri="{0D108BD9-81ED-4DB2-BD59-A6C34878D82A}">
-                    <a16:rowId xmlns="" xmlns:a16="http://schemas.microsoft.com/office/drawing/2014/main" val="10002"/>
+                    <a16:rowId xmlns:a16="http://schemas.microsoft.com/office/drawing/2014/main" xmlns="" val="10002"/>
                   </a:ext>
                 </a:extLst>
               </a:tr>
@@ -9805,7 +9805,7 @@
                 </a:tc>
                 <a:extLst>
                   <a:ext uri="{0D108BD9-81ED-4DB2-BD59-A6C34878D82A}">
-                    <a16:rowId xmlns="" xmlns:a16="http://schemas.microsoft.com/office/drawing/2014/main" val="10003"/>
+                    <a16:rowId xmlns:a16="http://schemas.microsoft.com/office/drawing/2014/main" xmlns="" val="10003"/>
                   </a:ext>
                 </a:extLst>
               </a:tr>
@@ -9944,7 +9944,7 @@
                 </a:tc>
                 <a:extLst>
                   <a:ext uri="{0D108BD9-81ED-4DB2-BD59-A6C34878D82A}">
-                    <a16:rowId xmlns="" xmlns:a16="http://schemas.microsoft.com/office/drawing/2014/main" val="10004"/>
+                    <a16:rowId xmlns:a16="http://schemas.microsoft.com/office/drawing/2014/main" xmlns="" val="10004"/>
                   </a:ext>
                 </a:extLst>
               </a:tr>
@@ -11781,22 +11781,28 @@
       </p:sp>
       <p:pic>
         <p:nvPicPr>
-          <p:cNvPr id="5" name="Picture 4"/>
+          <p:cNvPr id="3" name="Picture 2"/>
           <p:cNvPicPr>
             <a:picLocks noChangeAspect="1"/>
           </p:cNvPicPr>
           <p:nvPr/>
         </p:nvPicPr>
         <p:blipFill>
-          <a:blip r:embed="rId2"/>
+          <a:blip r:embed="rId2">
+            <a:extLst>
+              <a:ext uri="{28A0092B-C50C-407E-A947-70E740481C1C}">
+                <a14:useLocalDpi xmlns:a14="http://schemas.microsoft.com/office/drawing/2010/main" val="0"/>
+              </a:ext>
+            </a:extLst>
+          </a:blip>
           <a:stretch>
             <a:fillRect/>
           </a:stretch>
         </p:blipFill>
         <p:spPr>
           <a:xfrm>
-            <a:off x="3571334" y="1921424"/>
-            <a:ext cx="4753155" cy="4053077"/>
+            <a:off x="3571335" y="1596401"/>
+            <a:ext cx="5563145" cy="4369302"/>
           </a:xfrm>
           <a:prstGeom prst="rect">
             <a:avLst/>
@@ -12036,28 +12042,28 @@
                 <a:gridCol w="2628900">
                   <a:extLst>
                     <a:ext uri="{9D8B030D-6E8A-4147-A177-3AD203B41FA5}">
-                      <a16:colId xmlns="" xmlns:a16="http://schemas.microsoft.com/office/drawing/2014/main" val="20000"/>
+                      <a16:colId xmlns:a16="http://schemas.microsoft.com/office/drawing/2014/main" xmlns="" val="20000"/>
                     </a:ext>
                   </a:extLst>
                 </a:gridCol>
                 <a:gridCol w="2628900">
                   <a:extLst>
                     <a:ext uri="{9D8B030D-6E8A-4147-A177-3AD203B41FA5}">
-                      <a16:colId xmlns="" xmlns:a16="http://schemas.microsoft.com/office/drawing/2014/main" val="20001"/>
+                      <a16:colId xmlns:a16="http://schemas.microsoft.com/office/drawing/2014/main" xmlns="" val="20001"/>
                     </a:ext>
                   </a:extLst>
                 </a:gridCol>
                 <a:gridCol w="2628900">
                   <a:extLst>
                     <a:ext uri="{9D8B030D-6E8A-4147-A177-3AD203B41FA5}">
-                      <a16:colId xmlns="" xmlns:a16="http://schemas.microsoft.com/office/drawing/2014/main" val="20002"/>
+                      <a16:colId xmlns:a16="http://schemas.microsoft.com/office/drawing/2014/main" xmlns="" val="20002"/>
                     </a:ext>
                   </a:extLst>
                 </a:gridCol>
                 <a:gridCol w="2628900">
                   <a:extLst>
                     <a:ext uri="{9D8B030D-6E8A-4147-A177-3AD203B41FA5}">
-                      <a16:colId xmlns="" xmlns:a16="http://schemas.microsoft.com/office/drawing/2014/main" val="20003"/>
+                      <a16:colId xmlns:a16="http://schemas.microsoft.com/office/drawing/2014/main" xmlns="" val="20003"/>
                     </a:ext>
                   </a:extLst>
                 </a:gridCol>
@@ -12121,7 +12127,7 @@
                 </a:tc>
                 <a:extLst>
                   <a:ext uri="{0D108BD9-81ED-4DB2-BD59-A6C34878D82A}">
-                    <a16:rowId xmlns="" xmlns:a16="http://schemas.microsoft.com/office/drawing/2014/main" val="10000"/>
+                    <a16:rowId xmlns:a16="http://schemas.microsoft.com/office/drawing/2014/main" xmlns="" val="10000"/>
                   </a:ext>
                 </a:extLst>
               </a:tr>
@@ -12184,7 +12190,7 @@
                 </a:tc>
                 <a:extLst>
                   <a:ext uri="{0D108BD9-81ED-4DB2-BD59-A6C34878D82A}">
-                    <a16:rowId xmlns="" xmlns:a16="http://schemas.microsoft.com/office/drawing/2014/main" val="10001"/>
+                    <a16:rowId xmlns:a16="http://schemas.microsoft.com/office/drawing/2014/main" xmlns="" val="10001"/>
                   </a:ext>
                 </a:extLst>
               </a:tr>
@@ -12277,7 +12283,7 @@
                 </a:tc>
                 <a:extLst>
                   <a:ext uri="{0D108BD9-81ED-4DB2-BD59-A6C34878D82A}">
-                    <a16:rowId xmlns="" xmlns:a16="http://schemas.microsoft.com/office/drawing/2014/main" val="10002"/>
+                    <a16:rowId xmlns:a16="http://schemas.microsoft.com/office/drawing/2014/main" xmlns="" val="10002"/>
                   </a:ext>
                 </a:extLst>
               </a:tr>
@@ -12366,7 +12372,7 @@
                 </a:tc>
                 <a:extLst>
                   <a:ext uri="{0D108BD9-81ED-4DB2-BD59-A6C34878D82A}">
-                    <a16:rowId xmlns="" xmlns:a16="http://schemas.microsoft.com/office/drawing/2014/main" val="10003"/>
+                    <a16:rowId xmlns:a16="http://schemas.microsoft.com/office/drawing/2014/main" xmlns="" val="10003"/>
                   </a:ext>
                 </a:extLst>
               </a:tr>
@@ -12494,42 +12500,42 @@
                 <a:gridCol w="1074501">
                   <a:extLst>
                     <a:ext uri="{9D8B030D-6E8A-4147-A177-3AD203B41FA5}">
-                      <a16:colId xmlns="" xmlns:a16="http://schemas.microsoft.com/office/drawing/2014/main" val="20000"/>
+                      <a16:colId xmlns:a16="http://schemas.microsoft.com/office/drawing/2014/main" xmlns="" val="20000"/>
                     </a:ext>
                   </a:extLst>
                 </a:gridCol>
                 <a:gridCol w="1094563">
                   <a:extLst>
                     <a:ext uri="{9D8B030D-6E8A-4147-A177-3AD203B41FA5}">
-                      <a16:colId xmlns="" xmlns:a16="http://schemas.microsoft.com/office/drawing/2014/main" val="20001"/>
+                      <a16:colId xmlns:a16="http://schemas.microsoft.com/office/drawing/2014/main" xmlns="" val="20001"/>
                     </a:ext>
                   </a:extLst>
                 </a:gridCol>
                 <a:gridCol w="1112808">
                   <a:extLst>
                     <a:ext uri="{9D8B030D-6E8A-4147-A177-3AD203B41FA5}">
-                      <a16:colId xmlns="" xmlns:a16="http://schemas.microsoft.com/office/drawing/2014/main" val="20002"/>
+                      <a16:colId xmlns:a16="http://schemas.microsoft.com/office/drawing/2014/main" xmlns="" val="20002"/>
                     </a:ext>
                   </a:extLst>
                 </a:gridCol>
                 <a:gridCol w="755968">
                   <a:extLst>
                     <a:ext uri="{9D8B030D-6E8A-4147-A177-3AD203B41FA5}">
-                      <a16:colId xmlns="" xmlns:a16="http://schemas.microsoft.com/office/drawing/2014/main" val="20003"/>
+                      <a16:colId xmlns:a16="http://schemas.microsoft.com/office/drawing/2014/main" xmlns="" val="20003"/>
                     </a:ext>
                   </a:extLst>
                 </a:gridCol>
                 <a:gridCol w="909275">
                   <a:extLst>
                     <a:ext uri="{9D8B030D-6E8A-4147-A177-3AD203B41FA5}">
-                      <a16:colId xmlns="" xmlns:a16="http://schemas.microsoft.com/office/drawing/2014/main" val="20004"/>
+                      <a16:colId xmlns:a16="http://schemas.microsoft.com/office/drawing/2014/main" xmlns="" val="20004"/>
                     </a:ext>
                   </a:extLst>
                 </a:gridCol>
                 <a:gridCol w="1226019">
                   <a:extLst>
                     <a:ext uri="{9D8B030D-6E8A-4147-A177-3AD203B41FA5}">
-                      <a16:colId xmlns="" xmlns:a16="http://schemas.microsoft.com/office/drawing/2014/main" val="20005"/>
+                      <a16:colId xmlns:a16="http://schemas.microsoft.com/office/drawing/2014/main" xmlns="" val="20005"/>
                     </a:ext>
                   </a:extLst>
                 </a:gridCol>
@@ -12621,7 +12627,7 @@
                 </a:tc>
                 <a:extLst>
                   <a:ext uri="{0D108BD9-81ED-4DB2-BD59-A6C34878D82A}">
-                    <a16:rowId xmlns="" xmlns:a16="http://schemas.microsoft.com/office/drawing/2014/main" val="10000"/>
+                    <a16:rowId xmlns:a16="http://schemas.microsoft.com/office/drawing/2014/main" xmlns="" val="10000"/>
                   </a:ext>
                 </a:extLst>
               </a:tr>
@@ -12720,7 +12726,7 @@
                 </a:tc>
                 <a:extLst>
                   <a:ext uri="{0D108BD9-81ED-4DB2-BD59-A6C34878D82A}">
-                    <a16:rowId xmlns="" xmlns:a16="http://schemas.microsoft.com/office/drawing/2014/main" val="10001"/>
+                    <a16:rowId xmlns:a16="http://schemas.microsoft.com/office/drawing/2014/main" xmlns="" val="10001"/>
                   </a:ext>
                 </a:extLst>
               </a:tr>
@@ -12838,7 +12844,7 @@
                 </a:tc>
                 <a:extLst>
                   <a:ext uri="{0D108BD9-81ED-4DB2-BD59-A6C34878D82A}">
-                    <a16:rowId xmlns="" xmlns:a16="http://schemas.microsoft.com/office/drawing/2014/main" val="10002"/>
+                    <a16:rowId xmlns:a16="http://schemas.microsoft.com/office/drawing/2014/main" xmlns="" val="10002"/>
                   </a:ext>
                 </a:extLst>
               </a:tr>
@@ -12979,7 +12985,7 @@
                 </a:tc>
                 <a:extLst>
                   <a:ext uri="{0D108BD9-81ED-4DB2-BD59-A6C34878D82A}">
-                    <a16:rowId xmlns="" xmlns:a16="http://schemas.microsoft.com/office/drawing/2014/main" val="10003"/>
+                    <a16:rowId xmlns:a16="http://schemas.microsoft.com/office/drawing/2014/main" xmlns="" val="10003"/>
                   </a:ext>
                 </a:extLst>
               </a:tr>
@@ -13120,7 +13126,7 @@
                 </a:tc>
                 <a:extLst>
                   <a:ext uri="{0D108BD9-81ED-4DB2-BD59-A6C34878D82A}">
-                    <a16:rowId xmlns="" xmlns:a16="http://schemas.microsoft.com/office/drawing/2014/main" val="10004"/>
+                    <a16:rowId xmlns:a16="http://schemas.microsoft.com/office/drawing/2014/main" xmlns="" val="10004"/>
                   </a:ext>
                 </a:extLst>
               </a:tr>
@@ -13218,42 +13224,42 @@
                 <a:gridCol w="1074501">
                   <a:extLst>
                     <a:ext uri="{9D8B030D-6E8A-4147-A177-3AD203B41FA5}">
-                      <a16:colId xmlns="" xmlns:a16="http://schemas.microsoft.com/office/drawing/2014/main" val="20000"/>
+                      <a16:colId xmlns:a16="http://schemas.microsoft.com/office/drawing/2014/main" xmlns="" val="20000"/>
                     </a:ext>
                   </a:extLst>
                 </a:gridCol>
                 <a:gridCol w="1051431">
                   <a:extLst>
                     <a:ext uri="{9D8B030D-6E8A-4147-A177-3AD203B41FA5}">
-                      <a16:colId xmlns="" xmlns:a16="http://schemas.microsoft.com/office/drawing/2014/main" val="20001"/>
+                      <a16:colId xmlns:a16="http://schemas.microsoft.com/office/drawing/2014/main" xmlns="" val="20001"/>
                     </a:ext>
                   </a:extLst>
                 </a:gridCol>
                 <a:gridCol w="1104181">
                   <a:extLst>
                     <a:ext uri="{9D8B030D-6E8A-4147-A177-3AD203B41FA5}">
-                      <a16:colId xmlns="" xmlns:a16="http://schemas.microsoft.com/office/drawing/2014/main" val="20002"/>
+                      <a16:colId xmlns:a16="http://schemas.microsoft.com/office/drawing/2014/main" xmlns="" val="20002"/>
                     </a:ext>
                   </a:extLst>
                 </a:gridCol>
                 <a:gridCol w="751557">
                   <a:extLst>
                     <a:ext uri="{9D8B030D-6E8A-4147-A177-3AD203B41FA5}">
-                      <a16:colId xmlns="" xmlns:a16="http://schemas.microsoft.com/office/drawing/2014/main" val="20003"/>
+                      <a16:colId xmlns:a16="http://schemas.microsoft.com/office/drawing/2014/main" xmlns="" val="20003"/>
                     </a:ext>
                   </a:extLst>
                 </a:gridCol>
                 <a:gridCol w="909275">
                   <a:extLst>
                     <a:ext uri="{9D8B030D-6E8A-4147-A177-3AD203B41FA5}">
-                      <a16:colId xmlns="" xmlns:a16="http://schemas.microsoft.com/office/drawing/2014/main" val="20004"/>
+                      <a16:colId xmlns:a16="http://schemas.microsoft.com/office/drawing/2014/main" xmlns="" val="20004"/>
                     </a:ext>
                   </a:extLst>
                 </a:gridCol>
                 <a:gridCol w="1226019">
                   <a:extLst>
                     <a:ext uri="{9D8B030D-6E8A-4147-A177-3AD203B41FA5}">
-                      <a16:colId xmlns="" xmlns:a16="http://schemas.microsoft.com/office/drawing/2014/main" val="20005"/>
+                      <a16:colId xmlns:a16="http://schemas.microsoft.com/office/drawing/2014/main" xmlns="" val="20005"/>
                     </a:ext>
                   </a:extLst>
                 </a:gridCol>
@@ -13345,7 +13351,7 @@
                 </a:tc>
                 <a:extLst>
                   <a:ext uri="{0D108BD9-81ED-4DB2-BD59-A6C34878D82A}">
-                    <a16:rowId xmlns="" xmlns:a16="http://schemas.microsoft.com/office/drawing/2014/main" val="10000"/>
+                    <a16:rowId xmlns:a16="http://schemas.microsoft.com/office/drawing/2014/main" xmlns="" val="10000"/>
                   </a:ext>
                 </a:extLst>
               </a:tr>
@@ -13440,7 +13446,7 @@
                 </a:tc>
                 <a:extLst>
                   <a:ext uri="{0D108BD9-81ED-4DB2-BD59-A6C34878D82A}">
-                    <a16:rowId xmlns="" xmlns:a16="http://schemas.microsoft.com/office/drawing/2014/main" val="10001"/>
+                    <a16:rowId xmlns:a16="http://schemas.microsoft.com/office/drawing/2014/main" xmlns="" val="10001"/>
                   </a:ext>
                 </a:extLst>
               </a:tr>
@@ -13596,7 +13602,7 @@
                 </a:tc>
                 <a:extLst>
                   <a:ext uri="{0D108BD9-81ED-4DB2-BD59-A6C34878D82A}">
-                    <a16:rowId xmlns="" xmlns:a16="http://schemas.microsoft.com/office/drawing/2014/main" val="10002"/>
+                    <a16:rowId xmlns:a16="http://schemas.microsoft.com/office/drawing/2014/main" xmlns="" val="10002"/>
                   </a:ext>
                 </a:extLst>
               </a:tr>
@@ -13752,7 +13758,7 @@
                 </a:tc>
                 <a:extLst>
                   <a:ext uri="{0D108BD9-81ED-4DB2-BD59-A6C34878D82A}">
-                    <a16:rowId xmlns="" xmlns:a16="http://schemas.microsoft.com/office/drawing/2014/main" val="10003"/>
+                    <a16:rowId xmlns:a16="http://schemas.microsoft.com/office/drawing/2014/main" xmlns="" val="10003"/>
                   </a:ext>
                 </a:extLst>
               </a:tr>
@@ -13885,7 +13891,7 @@
                 </a:tc>
                 <a:extLst>
                   <a:ext uri="{0D108BD9-81ED-4DB2-BD59-A6C34878D82A}">
-                    <a16:rowId xmlns="" xmlns:a16="http://schemas.microsoft.com/office/drawing/2014/main" val="10004"/>
+                    <a16:rowId xmlns:a16="http://schemas.microsoft.com/office/drawing/2014/main" xmlns="" val="10004"/>
                   </a:ext>
                 </a:extLst>
               </a:tr>

--- a/Reports/Final.pptx
+++ b/Reports/Final.pptx
@@ -33,7 +33,7 @@
     <p:sldId id="313" r:id="rId27"/>
     <p:sldId id="347" r:id="rId28"/>
     <p:sldId id="351" r:id="rId29"/>
-    <p:sldId id="412" r:id="rId30"/>
+    <p:sldId id="420" r:id="rId30"/>
     <p:sldId id="413" r:id="rId31"/>
     <p:sldId id="414" r:id="rId32"/>
     <p:sldId id="416" r:id="rId33"/>
@@ -5143,42 +5143,42 @@
                 <a:gridCol w="1074501">
                   <a:extLst>
                     <a:ext uri="{9D8B030D-6E8A-4147-A177-3AD203B41FA5}">
-                      <a16:colId xmlns:a16="http://schemas.microsoft.com/office/drawing/2014/main" xmlns="" val="20000"/>
+                      <a16:colId xmlns="" xmlns:a16="http://schemas.microsoft.com/office/drawing/2014/main" val="20000"/>
                     </a:ext>
                   </a:extLst>
                 </a:gridCol>
                 <a:gridCol w="1094563">
                   <a:extLst>
                     <a:ext uri="{9D8B030D-6E8A-4147-A177-3AD203B41FA5}">
-                      <a16:colId xmlns:a16="http://schemas.microsoft.com/office/drawing/2014/main" xmlns="" val="20001"/>
+                      <a16:colId xmlns="" xmlns:a16="http://schemas.microsoft.com/office/drawing/2014/main" val="20001"/>
                     </a:ext>
                   </a:extLst>
                 </a:gridCol>
                 <a:gridCol w="1112808">
                   <a:extLst>
                     <a:ext uri="{9D8B030D-6E8A-4147-A177-3AD203B41FA5}">
-                      <a16:colId xmlns:a16="http://schemas.microsoft.com/office/drawing/2014/main" xmlns="" val="20002"/>
+                      <a16:colId xmlns="" xmlns:a16="http://schemas.microsoft.com/office/drawing/2014/main" val="20002"/>
                     </a:ext>
                   </a:extLst>
                 </a:gridCol>
                 <a:gridCol w="755968">
                   <a:extLst>
                     <a:ext uri="{9D8B030D-6E8A-4147-A177-3AD203B41FA5}">
-                      <a16:colId xmlns:a16="http://schemas.microsoft.com/office/drawing/2014/main" xmlns="" val="20003"/>
+                      <a16:colId xmlns="" xmlns:a16="http://schemas.microsoft.com/office/drawing/2014/main" val="20003"/>
                     </a:ext>
                   </a:extLst>
                 </a:gridCol>
                 <a:gridCol w="909275">
                   <a:extLst>
                     <a:ext uri="{9D8B030D-6E8A-4147-A177-3AD203B41FA5}">
-                      <a16:colId xmlns:a16="http://schemas.microsoft.com/office/drawing/2014/main" xmlns="" val="20004"/>
+                      <a16:colId xmlns="" xmlns:a16="http://schemas.microsoft.com/office/drawing/2014/main" val="20004"/>
                     </a:ext>
                   </a:extLst>
                 </a:gridCol>
                 <a:gridCol w="1226019">
                   <a:extLst>
                     <a:ext uri="{9D8B030D-6E8A-4147-A177-3AD203B41FA5}">
-                      <a16:colId xmlns:a16="http://schemas.microsoft.com/office/drawing/2014/main" xmlns="" val="20005"/>
+                      <a16:colId xmlns="" xmlns:a16="http://schemas.microsoft.com/office/drawing/2014/main" val="20005"/>
                     </a:ext>
                   </a:extLst>
                 </a:gridCol>
@@ -5270,7 +5270,7 @@
                 </a:tc>
                 <a:extLst>
                   <a:ext uri="{0D108BD9-81ED-4DB2-BD59-A6C34878D82A}">
-                    <a16:rowId xmlns:a16="http://schemas.microsoft.com/office/drawing/2014/main" xmlns="" val="10000"/>
+                    <a16:rowId xmlns="" xmlns:a16="http://schemas.microsoft.com/office/drawing/2014/main" val="10000"/>
                   </a:ext>
                 </a:extLst>
               </a:tr>
@@ -5369,7 +5369,7 @@
                 </a:tc>
                 <a:extLst>
                   <a:ext uri="{0D108BD9-81ED-4DB2-BD59-A6C34878D82A}">
-                    <a16:rowId xmlns:a16="http://schemas.microsoft.com/office/drawing/2014/main" xmlns="" val="10001"/>
+                    <a16:rowId xmlns="" xmlns:a16="http://schemas.microsoft.com/office/drawing/2014/main" val="10001"/>
                   </a:ext>
                 </a:extLst>
               </a:tr>
@@ -5527,7 +5527,7 @@
                 </a:tc>
                 <a:extLst>
                   <a:ext uri="{0D108BD9-81ED-4DB2-BD59-A6C34878D82A}">
-                    <a16:rowId xmlns:a16="http://schemas.microsoft.com/office/drawing/2014/main" xmlns="" val="10002"/>
+                    <a16:rowId xmlns="" xmlns:a16="http://schemas.microsoft.com/office/drawing/2014/main" val="10002"/>
                   </a:ext>
                 </a:extLst>
               </a:tr>
@@ -5687,7 +5687,7 @@
                 </a:tc>
                 <a:extLst>
                   <a:ext uri="{0D108BD9-81ED-4DB2-BD59-A6C34878D82A}">
-                    <a16:rowId xmlns:a16="http://schemas.microsoft.com/office/drawing/2014/main" xmlns="" val="10003"/>
+                    <a16:rowId xmlns="" xmlns:a16="http://schemas.microsoft.com/office/drawing/2014/main" val="10003"/>
                   </a:ext>
                 </a:extLst>
               </a:tr>
@@ -5828,7 +5828,7 @@
                 </a:tc>
                 <a:extLst>
                   <a:ext uri="{0D108BD9-81ED-4DB2-BD59-A6C34878D82A}">
-                    <a16:rowId xmlns:a16="http://schemas.microsoft.com/office/drawing/2014/main" xmlns="" val="10004"/>
+                    <a16:rowId xmlns="" xmlns:a16="http://schemas.microsoft.com/office/drawing/2014/main" val="10004"/>
                   </a:ext>
                 </a:extLst>
               </a:tr>
@@ -6045,42 +6045,42 @@
                 <a:gridCol w="1074501">
                   <a:extLst>
                     <a:ext uri="{9D8B030D-6E8A-4147-A177-3AD203B41FA5}">
-                      <a16:colId xmlns:a16="http://schemas.microsoft.com/office/drawing/2014/main" xmlns="" val="20000"/>
+                      <a16:colId xmlns="" xmlns:a16="http://schemas.microsoft.com/office/drawing/2014/main" val="20000"/>
                     </a:ext>
                   </a:extLst>
                 </a:gridCol>
                 <a:gridCol w="1051431">
                   <a:extLst>
                     <a:ext uri="{9D8B030D-6E8A-4147-A177-3AD203B41FA5}">
-                      <a16:colId xmlns:a16="http://schemas.microsoft.com/office/drawing/2014/main" xmlns="" val="20001"/>
+                      <a16:colId xmlns="" xmlns:a16="http://schemas.microsoft.com/office/drawing/2014/main" val="20001"/>
                     </a:ext>
                   </a:extLst>
                 </a:gridCol>
                 <a:gridCol w="1104181">
                   <a:extLst>
                     <a:ext uri="{9D8B030D-6E8A-4147-A177-3AD203B41FA5}">
-                      <a16:colId xmlns:a16="http://schemas.microsoft.com/office/drawing/2014/main" xmlns="" val="20002"/>
+                      <a16:colId xmlns="" xmlns:a16="http://schemas.microsoft.com/office/drawing/2014/main" val="20002"/>
                     </a:ext>
                   </a:extLst>
                 </a:gridCol>
                 <a:gridCol w="751557">
                   <a:extLst>
                     <a:ext uri="{9D8B030D-6E8A-4147-A177-3AD203B41FA5}">
-                      <a16:colId xmlns:a16="http://schemas.microsoft.com/office/drawing/2014/main" xmlns="" val="20003"/>
+                      <a16:colId xmlns="" xmlns:a16="http://schemas.microsoft.com/office/drawing/2014/main" val="20003"/>
                     </a:ext>
                   </a:extLst>
                 </a:gridCol>
                 <a:gridCol w="909275">
                   <a:extLst>
                     <a:ext uri="{9D8B030D-6E8A-4147-A177-3AD203B41FA5}">
-                      <a16:colId xmlns:a16="http://schemas.microsoft.com/office/drawing/2014/main" xmlns="" val="20004"/>
+                      <a16:colId xmlns="" xmlns:a16="http://schemas.microsoft.com/office/drawing/2014/main" val="20004"/>
                     </a:ext>
                   </a:extLst>
                 </a:gridCol>
                 <a:gridCol w="1226019">
                   <a:extLst>
                     <a:ext uri="{9D8B030D-6E8A-4147-A177-3AD203B41FA5}">
-                      <a16:colId xmlns:a16="http://schemas.microsoft.com/office/drawing/2014/main" xmlns="" val="20005"/>
+                      <a16:colId xmlns="" xmlns:a16="http://schemas.microsoft.com/office/drawing/2014/main" val="20005"/>
                     </a:ext>
                   </a:extLst>
                 </a:gridCol>
@@ -6172,7 +6172,7 @@
                 </a:tc>
                 <a:extLst>
                   <a:ext uri="{0D108BD9-81ED-4DB2-BD59-A6C34878D82A}">
-                    <a16:rowId xmlns:a16="http://schemas.microsoft.com/office/drawing/2014/main" xmlns="" val="10000"/>
+                    <a16:rowId xmlns="" xmlns:a16="http://schemas.microsoft.com/office/drawing/2014/main" val="10000"/>
                   </a:ext>
                 </a:extLst>
               </a:tr>
@@ -6311,7 +6311,7 @@
                 </a:tc>
                 <a:extLst>
                   <a:ext uri="{0D108BD9-81ED-4DB2-BD59-A6C34878D82A}">
-                    <a16:rowId xmlns:a16="http://schemas.microsoft.com/office/drawing/2014/main" xmlns="" val="10001"/>
+                    <a16:rowId xmlns="" xmlns:a16="http://schemas.microsoft.com/office/drawing/2014/main" val="10001"/>
                   </a:ext>
                 </a:extLst>
               </a:tr>
@@ -6467,7 +6467,7 @@
                 </a:tc>
                 <a:extLst>
                   <a:ext uri="{0D108BD9-81ED-4DB2-BD59-A6C34878D82A}">
-                    <a16:rowId xmlns:a16="http://schemas.microsoft.com/office/drawing/2014/main" xmlns="" val="10002"/>
+                    <a16:rowId xmlns="" xmlns:a16="http://schemas.microsoft.com/office/drawing/2014/main" val="10002"/>
                   </a:ext>
                 </a:extLst>
               </a:tr>
@@ -6606,7 +6606,7 @@
                 </a:tc>
                 <a:extLst>
                   <a:ext uri="{0D108BD9-81ED-4DB2-BD59-A6C34878D82A}">
-                    <a16:rowId xmlns:a16="http://schemas.microsoft.com/office/drawing/2014/main" xmlns="" val="10003"/>
+                    <a16:rowId xmlns="" xmlns:a16="http://schemas.microsoft.com/office/drawing/2014/main" val="10003"/>
                   </a:ext>
                 </a:extLst>
               </a:tr>
@@ -6762,7 +6762,7 @@
                 </a:tc>
                 <a:extLst>
                   <a:ext uri="{0D108BD9-81ED-4DB2-BD59-A6C34878D82A}">
-                    <a16:rowId xmlns:a16="http://schemas.microsoft.com/office/drawing/2014/main" xmlns="" val="10004"/>
+                    <a16:rowId xmlns="" xmlns:a16="http://schemas.microsoft.com/office/drawing/2014/main" val="10004"/>
                   </a:ext>
                 </a:extLst>
               </a:tr>
@@ -8525,42 +8525,42 @@
                 <a:gridCol w="1074501">
                   <a:extLst>
                     <a:ext uri="{9D8B030D-6E8A-4147-A177-3AD203B41FA5}">
-                      <a16:colId xmlns:a16="http://schemas.microsoft.com/office/drawing/2014/main" xmlns="" val="20000"/>
+                      <a16:colId xmlns="" xmlns:a16="http://schemas.microsoft.com/office/drawing/2014/main" val="20000"/>
                     </a:ext>
                   </a:extLst>
                 </a:gridCol>
                 <a:gridCol w="1094563">
                   <a:extLst>
                     <a:ext uri="{9D8B030D-6E8A-4147-A177-3AD203B41FA5}">
-                      <a16:colId xmlns:a16="http://schemas.microsoft.com/office/drawing/2014/main" xmlns="" val="20001"/>
+                      <a16:colId xmlns="" xmlns:a16="http://schemas.microsoft.com/office/drawing/2014/main" val="20001"/>
                     </a:ext>
                   </a:extLst>
                 </a:gridCol>
                 <a:gridCol w="1112808">
                   <a:extLst>
                     <a:ext uri="{9D8B030D-6E8A-4147-A177-3AD203B41FA5}">
-                      <a16:colId xmlns:a16="http://schemas.microsoft.com/office/drawing/2014/main" xmlns="" val="20002"/>
+                      <a16:colId xmlns="" xmlns:a16="http://schemas.microsoft.com/office/drawing/2014/main" val="20002"/>
                     </a:ext>
                   </a:extLst>
                 </a:gridCol>
                 <a:gridCol w="755968">
                   <a:extLst>
                     <a:ext uri="{9D8B030D-6E8A-4147-A177-3AD203B41FA5}">
-                      <a16:colId xmlns:a16="http://schemas.microsoft.com/office/drawing/2014/main" xmlns="" val="20003"/>
+                      <a16:colId xmlns="" xmlns:a16="http://schemas.microsoft.com/office/drawing/2014/main" val="20003"/>
                     </a:ext>
                   </a:extLst>
                 </a:gridCol>
                 <a:gridCol w="909275">
                   <a:extLst>
                     <a:ext uri="{9D8B030D-6E8A-4147-A177-3AD203B41FA5}">
-                      <a16:colId xmlns:a16="http://schemas.microsoft.com/office/drawing/2014/main" xmlns="" val="20004"/>
+                      <a16:colId xmlns="" xmlns:a16="http://schemas.microsoft.com/office/drawing/2014/main" val="20004"/>
                     </a:ext>
                   </a:extLst>
                 </a:gridCol>
                 <a:gridCol w="1226019">
                   <a:extLst>
                     <a:ext uri="{9D8B030D-6E8A-4147-A177-3AD203B41FA5}">
-                      <a16:colId xmlns:a16="http://schemas.microsoft.com/office/drawing/2014/main" xmlns="" val="20005"/>
+                      <a16:colId xmlns="" xmlns:a16="http://schemas.microsoft.com/office/drawing/2014/main" val="20005"/>
                     </a:ext>
                   </a:extLst>
                 </a:gridCol>
@@ -8652,7 +8652,7 @@
                 </a:tc>
                 <a:extLst>
                   <a:ext uri="{0D108BD9-81ED-4DB2-BD59-A6C34878D82A}">
-                    <a16:rowId xmlns:a16="http://schemas.microsoft.com/office/drawing/2014/main" xmlns="" val="10000"/>
+                    <a16:rowId xmlns="" xmlns:a16="http://schemas.microsoft.com/office/drawing/2014/main" val="10000"/>
                   </a:ext>
                 </a:extLst>
               </a:tr>
@@ -8751,7 +8751,7 @@
                 </a:tc>
                 <a:extLst>
                   <a:ext uri="{0D108BD9-81ED-4DB2-BD59-A6C34878D82A}">
-                    <a16:rowId xmlns:a16="http://schemas.microsoft.com/office/drawing/2014/main" xmlns="" val="10001"/>
+                    <a16:rowId xmlns="" xmlns:a16="http://schemas.microsoft.com/office/drawing/2014/main" val="10001"/>
                   </a:ext>
                 </a:extLst>
               </a:tr>
@@ -8869,7 +8869,7 @@
                 </a:tc>
                 <a:extLst>
                   <a:ext uri="{0D108BD9-81ED-4DB2-BD59-A6C34878D82A}">
-                    <a16:rowId xmlns:a16="http://schemas.microsoft.com/office/drawing/2014/main" xmlns="" val="10002"/>
+                    <a16:rowId xmlns="" xmlns:a16="http://schemas.microsoft.com/office/drawing/2014/main" val="10002"/>
                   </a:ext>
                 </a:extLst>
               </a:tr>
@@ -9010,7 +9010,7 @@
                 </a:tc>
                 <a:extLst>
                   <a:ext uri="{0D108BD9-81ED-4DB2-BD59-A6C34878D82A}">
-                    <a16:rowId xmlns:a16="http://schemas.microsoft.com/office/drawing/2014/main" xmlns="" val="10003"/>
+                    <a16:rowId xmlns="" xmlns:a16="http://schemas.microsoft.com/office/drawing/2014/main" val="10003"/>
                   </a:ext>
                 </a:extLst>
               </a:tr>
@@ -9153,7 +9153,7 @@
                 </a:tc>
                 <a:extLst>
                   <a:ext uri="{0D108BD9-81ED-4DB2-BD59-A6C34878D82A}">
-                    <a16:rowId xmlns:a16="http://schemas.microsoft.com/office/drawing/2014/main" xmlns="" val="10004"/>
+                    <a16:rowId xmlns="" xmlns:a16="http://schemas.microsoft.com/office/drawing/2014/main" val="10004"/>
                   </a:ext>
                 </a:extLst>
               </a:tr>
@@ -9244,42 +9244,42 @@
                 <a:gridCol w="1074501">
                   <a:extLst>
                     <a:ext uri="{9D8B030D-6E8A-4147-A177-3AD203B41FA5}">
-                      <a16:colId xmlns:a16="http://schemas.microsoft.com/office/drawing/2014/main" xmlns="" val="20000"/>
+                      <a16:colId xmlns="" xmlns:a16="http://schemas.microsoft.com/office/drawing/2014/main" val="20000"/>
                     </a:ext>
                   </a:extLst>
                 </a:gridCol>
                 <a:gridCol w="1051431">
                   <a:extLst>
                     <a:ext uri="{9D8B030D-6E8A-4147-A177-3AD203B41FA5}">
-                      <a16:colId xmlns:a16="http://schemas.microsoft.com/office/drawing/2014/main" xmlns="" val="20001"/>
+                      <a16:colId xmlns="" xmlns:a16="http://schemas.microsoft.com/office/drawing/2014/main" val="20001"/>
                     </a:ext>
                   </a:extLst>
                 </a:gridCol>
                 <a:gridCol w="1104181">
                   <a:extLst>
                     <a:ext uri="{9D8B030D-6E8A-4147-A177-3AD203B41FA5}">
-                      <a16:colId xmlns:a16="http://schemas.microsoft.com/office/drawing/2014/main" xmlns="" val="20002"/>
+                      <a16:colId xmlns="" xmlns:a16="http://schemas.microsoft.com/office/drawing/2014/main" val="20002"/>
                     </a:ext>
                   </a:extLst>
                 </a:gridCol>
                 <a:gridCol w="751557">
                   <a:extLst>
                     <a:ext uri="{9D8B030D-6E8A-4147-A177-3AD203B41FA5}">
-                      <a16:colId xmlns:a16="http://schemas.microsoft.com/office/drawing/2014/main" xmlns="" val="20003"/>
+                      <a16:colId xmlns="" xmlns:a16="http://schemas.microsoft.com/office/drawing/2014/main" val="20003"/>
                     </a:ext>
                   </a:extLst>
                 </a:gridCol>
                 <a:gridCol w="909275">
                   <a:extLst>
                     <a:ext uri="{9D8B030D-6E8A-4147-A177-3AD203B41FA5}">
-                      <a16:colId xmlns:a16="http://schemas.microsoft.com/office/drawing/2014/main" xmlns="" val="20004"/>
+                      <a16:colId xmlns="" xmlns:a16="http://schemas.microsoft.com/office/drawing/2014/main" val="20004"/>
                     </a:ext>
                   </a:extLst>
                 </a:gridCol>
                 <a:gridCol w="1226019">
                   <a:extLst>
                     <a:ext uri="{9D8B030D-6E8A-4147-A177-3AD203B41FA5}">
-                      <a16:colId xmlns:a16="http://schemas.microsoft.com/office/drawing/2014/main" xmlns="" val="20005"/>
+                      <a16:colId xmlns="" xmlns:a16="http://schemas.microsoft.com/office/drawing/2014/main" val="20005"/>
                     </a:ext>
                   </a:extLst>
                 </a:gridCol>
@@ -9371,7 +9371,7 @@
                 </a:tc>
                 <a:extLst>
                   <a:ext uri="{0D108BD9-81ED-4DB2-BD59-A6C34878D82A}">
-                    <a16:rowId xmlns:a16="http://schemas.microsoft.com/office/drawing/2014/main" xmlns="" val="10000"/>
+                    <a16:rowId xmlns="" xmlns:a16="http://schemas.microsoft.com/office/drawing/2014/main" val="10000"/>
                   </a:ext>
                 </a:extLst>
               </a:tr>
@@ -9510,7 +9510,7 @@
                 </a:tc>
                 <a:extLst>
                   <a:ext uri="{0D108BD9-81ED-4DB2-BD59-A6C34878D82A}">
-                    <a16:rowId xmlns:a16="http://schemas.microsoft.com/office/drawing/2014/main" xmlns="" val="10001"/>
+                    <a16:rowId xmlns="" xmlns:a16="http://schemas.microsoft.com/office/drawing/2014/main" val="10001"/>
                   </a:ext>
                 </a:extLst>
               </a:tr>
@@ -9666,7 +9666,7 @@
                 </a:tc>
                 <a:extLst>
                   <a:ext uri="{0D108BD9-81ED-4DB2-BD59-A6C34878D82A}">
-                    <a16:rowId xmlns:a16="http://schemas.microsoft.com/office/drawing/2014/main" xmlns="" val="10002"/>
+                    <a16:rowId xmlns="" xmlns:a16="http://schemas.microsoft.com/office/drawing/2014/main" val="10002"/>
                   </a:ext>
                 </a:extLst>
               </a:tr>
@@ -9805,7 +9805,7 @@
                 </a:tc>
                 <a:extLst>
                   <a:ext uri="{0D108BD9-81ED-4DB2-BD59-A6C34878D82A}">
-                    <a16:rowId xmlns:a16="http://schemas.microsoft.com/office/drawing/2014/main" xmlns="" val="10003"/>
+                    <a16:rowId xmlns="" xmlns:a16="http://schemas.microsoft.com/office/drawing/2014/main" val="10003"/>
                   </a:ext>
                 </a:extLst>
               </a:tr>
@@ -9944,7 +9944,7 @@
                 </a:tc>
                 <a:extLst>
                   <a:ext uri="{0D108BD9-81ED-4DB2-BD59-A6C34878D82A}">
-                    <a16:rowId xmlns:a16="http://schemas.microsoft.com/office/drawing/2014/main" xmlns="" val="10004"/>
+                    <a16:rowId xmlns="" xmlns:a16="http://schemas.microsoft.com/office/drawing/2014/main" val="10004"/>
                   </a:ext>
                 </a:extLst>
               </a:tr>
@@ -10025,8 +10025,8 @@
           </p:nvPr>
         </p:nvGraphicFramePr>
         <p:xfrm>
-          <a:off x="1968260" y="2110626"/>
-          <a:ext cx="7341272" cy="370840"/>
+          <a:off x="1968258" y="2110626"/>
+          <a:ext cx="6173134" cy="370840"/>
         </p:xfrm>
         <a:graphic>
           <a:graphicData uri="http://schemas.openxmlformats.org/drawingml/2006/table">
@@ -10035,14 +10035,12 @@
                 <a:tableStyleId>{5C22544A-7EE6-4342-B048-85BDC9FD1C3A}</a:tableStyleId>
               </a:tblPr>
               <a:tblGrid>
-                <a:gridCol w="849630"/>
-                <a:gridCol w="1046417"/>
-                <a:gridCol w="796450"/>
-                <a:gridCol w="827659"/>
-                <a:gridCol w="802257"/>
-                <a:gridCol w="810883"/>
-                <a:gridCol w="1422972"/>
-                <a:gridCol w="785004"/>
+                <a:gridCol w="1021737"/>
+                <a:gridCol w="1258387"/>
+                <a:gridCol w="957785"/>
+                <a:gridCol w="995316"/>
+                <a:gridCol w="964768"/>
+                <a:gridCol w="975141"/>
               </a:tblGrid>
               <a:tr h="370840">
                 <a:tc>
@@ -10158,537 +10156,6 @@
                       <a:r>
                         <a:rPr lang="en-IN" dirty="0" smtClean="0"/>
                         <a:t>Time</a:t>
-                      </a:r>
-                      <a:endParaRPr lang="en-GB" dirty="0"/>
-                    </a:p>
-                  </a:txBody>
-                  <a:tcPr>
-                    <a:solidFill>
-                      <a:schemeClr val="accent6">
-                        <a:lumMod val="60000"/>
-                        <a:lumOff val="40000"/>
-                      </a:schemeClr>
-                    </a:solidFill>
-                  </a:tcPr>
-                </a:tc>
-                <a:tc>
-                  <a:txBody>
-                    <a:bodyPr/>
-                    <a:lstStyle/>
-                    <a:p>
-                      <a:r>
-                        <a:rPr lang="en-IN" dirty="0" err="1" smtClean="0"/>
-                        <a:t>Kappa.mean</a:t>
-                      </a:r>
-                      <a:endParaRPr lang="en-GB" dirty="0"/>
-                    </a:p>
-                  </a:txBody>
-                  <a:tcPr>
-                    <a:solidFill>
-                      <a:schemeClr val="accent6">
-                        <a:lumMod val="60000"/>
-                        <a:lumOff val="40000"/>
-                      </a:schemeClr>
-                    </a:solidFill>
-                  </a:tcPr>
-                </a:tc>
-                <a:tc>
-                  <a:txBody>
-                    <a:bodyPr/>
-                    <a:lstStyle/>
-                    <a:p>
-                      <a:r>
-                        <a:rPr lang="en-IN" dirty="0" smtClean="0"/>
-                        <a:t>S.D.</a:t>
-                      </a:r>
-                      <a:endParaRPr lang="en-GB" dirty="0"/>
-                    </a:p>
-                  </a:txBody>
-                  <a:tcPr>
-                    <a:solidFill>
-                      <a:schemeClr val="accent6">
-                        <a:lumMod val="60000"/>
-                        <a:lumOff val="40000"/>
-                      </a:schemeClr>
-                    </a:solidFill>
-                  </a:tcPr>
-                </a:tc>
-              </a:tr>
-            </a:tbl>
-          </a:graphicData>
-        </a:graphic>
-      </p:graphicFrame>
-      <p:graphicFrame>
-        <p:nvGraphicFramePr>
-          <p:cNvPr id="3" name="Table 2"/>
-          <p:cNvGraphicFramePr>
-            <a:graphicFrameLocks noGrp="1"/>
-          </p:cNvGraphicFramePr>
-          <p:nvPr>
-            <p:extLst>
-              <p:ext uri="{D42A27DB-BD31-4B8C-83A1-F6EECF244321}">
-                <p14:modId xmlns:p14="http://schemas.microsoft.com/office/powerpoint/2010/main" val="1091686191"/>
-              </p:ext>
-            </p:extLst>
-          </p:nvPr>
-        </p:nvGraphicFramePr>
-        <p:xfrm>
-          <a:off x="1968261" y="2514474"/>
-          <a:ext cx="7341271" cy="370840"/>
-        </p:xfrm>
-        <a:graphic>
-          <a:graphicData uri="http://schemas.openxmlformats.org/drawingml/2006/table">
-            <a:tbl>
-              <a:tblPr firstRow="1" bandRow="1">
-                <a:tableStyleId>{5C22544A-7EE6-4342-B048-85BDC9FD1C3A}</a:tableStyleId>
-              </a:tblPr>
-              <a:tblGrid>
-                <a:gridCol w="843951"/>
-                <a:gridCol w="1086929"/>
-                <a:gridCol w="776377"/>
-                <a:gridCol w="819509"/>
-                <a:gridCol w="819510"/>
-                <a:gridCol w="810883"/>
-                <a:gridCol w="1406106"/>
-                <a:gridCol w="778006"/>
-              </a:tblGrid>
-              <a:tr h="370840">
-                <a:tc>
-                  <a:txBody>
-                    <a:bodyPr/>
-                    <a:lstStyle/>
-                    <a:p>
-                      <a:r>
-                        <a:rPr lang="en-IN" dirty="0" smtClean="0"/>
-                        <a:t>RF</a:t>
-                      </a:r>
-                      <a:endParaRPr lang="en-GB" dirty="0"/>
-                    </a:p>
-                  </a:txBody>
-                  <a:tcPr>
-                    <a:solidFill>
-                      <a:schemeClr val="accent6">
-                        <a:lumMod val="60000"/>
-                        <a:lumOff val="40000"/>
-                      </a:schemeClr>
-                    </a:solidFill>
-                  </a:tcPr>
-                </a:tc>
-                <a:tc>
-                  <a:txBody>
-                    <a:bodyPr/>
-                    <a:lstStyle/>
-                    <a:p>
-                      <a:r>
-                        <a:rPr lang="x-none" dirty="0">
-                          <a:effectLst/>
-                        </a:rPr>
-                        <a:t>3</a:t>
-                      </a:r>
-                      <a:endParaRPr lang="en-GB" dirty="0"/>
-                    </a:p>
-                  </a:txBody>
-                  <a:tcPr>
-                    <a:solidFill>
-                      <a:schemeClr val="accent6">
-                        <a:lumMod val="60000"/>
-                        <a:lumOff val="40000"/>
-                      </a:schemeClr>
-                    </a:solidFill>
-                  </a:tcPr>
-                </a:tc>
-                <a:tc>
-                  <a:txBody>
-                    <a:bodyPr/>
-                    <a:lstStyle/>
-                    <a:p>
-                      <a:pPr marL="0" marR="0" lvl="0" indent="0" algn="l" defTabSz="914400" rtl="0" eaLnBrk="1" fontAlgn="auto" latinLnBrk="0" hangingPunct="1">
-                        <a:lnSpc>
-                          <a:spcPct val="100000"/>
-                        </a:lnSpc>
-                        <a:spcBef>
-                          <a:spcPts val="0"/>
-                        </a:spcBef>
-                        <a:spcAft>
-                          <a:spcPts val="0"/>
-                        </a:spcAft>
-                        <a:buClrTx/>
-                        <a:buSzTx/>
-                        <a:buFontTx/>
-                        <a:buNone/>
-                        <a:tabLst/>
-                        <a:defRPr/>
-                      </a:pPr>
-                      <a:r>
-                        <a:rPr lang="en-GB" dirty="0" smtClean="0">
-                          <a:effectLst/>
-                        </a:rPr>
-                        <a:t>0.653</a:t>
-                      </a:r>
-                      <a:endParaRPr lang="en-GB" dirty="0"/>
-                    </a:p>
-                  </a:txBody>
-                  <a:tcPr>
-                    <a:solidFill>
-                      <a:schemeClr val="accent6">
-                        <a:lumMod val="60000"/>
-                        <a:lumOff val="40000"/>
-                      </a:schemeClr>
-                    </a:solidFill>
-                  </a:tcPr>
-                </a:tc>
-                <a:tc>
-                  <a:txBody>
-                    <a:bodyPr/>
-                    <a:lstStyle/>
-                    <a:p>
-                      <a:r>
-                        <a:rPr lang="en-GB" dirty="0" smtClean="0">
-                          <a:effectLst/>
-                        </a:rPr>
-                        <a:t>0.615</a:t>
-                      </a:r>
-                      <a:endParaRPr lang="en-GB" dirty="0"/>
-                    </a:p>
-                  </a:txBody>
-                  <a:tcPr>
-                    <a:solidFill>
-                      <a:schemeClr val="accent6">
-                        <a:lumMod val="60000"/>
-                        <a:lumOff val="40000"/>
-                      </a:schemeClr>
-                    </a:solidFill>
-                  </a:tcPr>
-                </a:tc>
-                <a:tc>
-                  <a:txBody>
-                    <a:bodyPr/>
-                    <a:lstStyle/>
-                    <a:p>
-                      <a:r>
-                        <a:rPr lang="en-GB" dirty="0" smtClean="0">
-                          <a:effectLst/>
-                        </a:rPr>
-                        <a:t>0.307</a:t>
-                      </a:r>
-                      <a:endParaRPr lang="en-GB" dirty="0"/>
-                    </a:p>
-                  </a:txBody>
-                  <a:tcPr>
-                    <a:solidFill>
-                      <a:schemeClr val="accent6">
-                        <a:lumMod val="60000"/>
-                        <a:lumOff val="40000"/>
-                      </a:schemeClr>
-                    </a:solidFill>
-                  </a:tcPr>
-                </a:tc>
-                <a:tc>
-                  <a:txBody>
-                    <a:bodyPr/>
-                    <a:lstStyle/>
-                    <a:p>
-                      <a:r>
-                        <a:rPr lang="x-none" dirty="0">
-                          <a:effectLst/>
-                        </a:rPr>
-                        <a:t>85.42</a:t>
-                      </a:r>
-                      <a:endParaRPr lang="en-GB" dirty="0"/>
-                    </a:p>
-                  </a:txBody>
-                  <a:tcPr>
-                    <a:solidFill>
-                      <a:schemeClr val="accent6">
-                        <a:lumMod val="60000"/>
-                        <a:lumOff val="40000"/>
-                      </a:schemeClr>
-                    </a:solidFill>
-                  </a:tcPr>
-                </a:tc>
-                <a:tc>
-                  <a:txBody>
-                    <a:bodyPr/>
-                    <a:lstStyle/>
-                    <a:p>
-                      <a:r>
-                        <a:rPr lang="en-GB" sz="1800" b="1" kern="1200" dirty="0" smtClean="0">
-                          <a:solidFill>
-                            <a:schemeClr val="lt1"/>
-                          </a:solidFill>
-                          <a:effectLst/>
-                          <a:latin typeface="+mn-lt"/>
-                          <a:ea typeface="+mn-ea"/>
-                          <a:cs typeface="+mn-cs"/>
-                        </a:rPr>
-                        <a:t>0.211</a:t>
-                      </a:r>
-                      <a:endParaRPr lang="en-GB" dirty="0"/>
-                    </a:p>
-                  </a:txBody>
-                  <a:tcPr>
-                    <a:solidFill>
-                      <a:schemeClr val="accent6">
-                        <a:lumMod val="60000"/>
-                        <a:lumOff val="40000"/>
-                      </a:schemeClr>
-                    </a:solidFill>
-                  </a:tcPr>
-                </a:tc>
-                <a:tc>
-                  <a:txBody>
-                    <a:bodyPr/>
-                    <a:lstStyle/>
-                    <a:p>
-                      <a:r>
-                        <a:rPr lang="en-GB" sz="1800" b="1" kern="1200" dirty="0" smtClean="0">
-                          <a:solidFill>
-                            <a:schemeClr val="lt1"/>
-                          </a:solidFill>
-                          <a:effectLst/>
-                          <a:latin typeface="+mn-lt"/>
-                          <a:ea typeface="+mn-ea"/>
-                          <a:cs typeface="+mn-cs"/>
-                        </a:rPr>
-                        <a:t>0.170</a:t>
-                      </a:r>
-                      <a:endParaRPr lang="en-GB" dirty="0"/>
-                    </a:p>
-                  </a:txBody>
-                  <a:tcPr>
-                    <a:solidFill>
-                      <a:schemeClr val="accent6">
-                        <a:lumMod val="60000"/>
-                        <a:lumOff val="40000"/>
-                      </a:schemeClr>
-                    </a:solidFill>
-                  </a:tcPr>
-                </a:tc>
-              </a:tr>
-            </a:tbl>
-          </a:graphicData>
-        </a:graphic>
-      </p:graphicFrame>
-      <p:graphicFrame>
-        <p:nvGraphicFramePr>
-          <p:cNvPr id="4" name="Table 3"/>
-          <p:cNvGraphicFramePr>
-            <a:graphicFrameLocks noGrp="1"/>
-          </p:cNvGraphicFramePr>
-          <p:nvPr>
-            <p:extLst>
-              <p:ext uri="{D42A27DB-BD31-4B8C-83A1-F6EECF244321}">
-                <p14:modId xmlns:p14="http://schemas.microsoft.com/office/powerpoint/2010/main" val="153064515"/>
-              </p:ext>
-            </p:extLst>
-          </p:nvPr>
-        </p:nvGraphicFramePr>
-        <p:xfrm>
-          <a:off x="1968259" y="3322526"/>
-          <a:ext cx="7341273" cy="370840"/>
-        </p:xfrm>
-        <a:graphic>
-          <a:graphicData uri="http://schemas.openxmlformats.org/drawingml/2006/table">
-            <a:tbl>
-              <a:tblPr firstRow="1" bandRow="1">
-                <a:tableStyleId>{5C22544A-7EE6-4342-B048-85BDC9FD1C3A}</a:tableStyleId>
-              </a:tblPr>
-              <a:tblGrid>
-                <a:gridCol w="843951"/>
-                <a:gridCol w="1069676"/>
-                <a:gridCol w="785004"/>
-                <a:gridCol w="828135"/>
-                <a:gridCol w="810883"/>
-                <a:gridCol w="810883"/>
-                <a:gridCol w="1414733"/>
-                <a:gridCol w="778008"/>
-              </a:tblGrid>
-              <a:tr h="370840">
-                <a:tc>
-                  <a:txBody>
-                    <a:bodyPr/>
-                    <a:lstStyle/>
-                    <a:p>
-                      <a:r>
-                        <a:rPr lang="en-IN" dirty="0" smtClean="0"/>
-                        <a:t>GBM</a:t>
-                      </a:r>
-                      <a:endParaRPr lang="en-GB" dirty="0"/>
-                    </a:p>
-                  </a:txBody>
-                  <a:tcPr>
-                    <a:solidFill>
-                      <a:schemeClr val="accent6">
-                        <a:lumMod val="60000"/>
-                        <a:lumOff val="40000"/>
-                      </a:schemeClr>
-                    </a:solidFill>
-                  </a:tcPr>
-                </a:tc>
-                <a:tc>
-                  <a:txBody>
-                    <a:bodyPr/>
-                    <a:lstStyle/>
-                    <a:p>
-                      <a:r>
-                        <a:rPr lang="en-GB" dirty="0" smtClean="0">
-                          <a:effectLst/>
-                        </a:rPr>
-                        <a:t>4</a:t>
-                      </a:r>
-                      <a:endParaRPr lang="en-GB" dirty="0"/>
-                    </a:p>
-                  </a:txBody>
-                  <a:tcPr>
-                    <a:solidFill>
-                      <a:schemeClr val="accent6">
-                        <a:lumMod val="60000"/>
-                        <a:lumOff val="40000"/>
-                      </a:schemeClr>
-                    </a:solidFill>
-                  </a:tcPr>
-                </a:tc>
-                <a:tc>
-                  <a:txBody>
-                    <a:bodyPr/>
-                    <a:lstStyle/>
-                    <a:p>
-                      <a:r>
-                        <a:rPr lang="en-GB" dirty="0" smtClean="0">
-                          <a:effectLst/>
-                        </a:rPr>
-                        <a:t>0.538</a:t>
-                      </a:r>
-                      <a:endParaRPr lang="en-GB" dirty="0"/>
-                    </a:p>
-                  </a:txBody>
-                  <a:tcPr>
-                    <a:solidFill>
-                      <a:schemeClr val="accent6">
-                        <a:lumMod val="60000"/>
-                        <a:lumOff val="40000"/>
-                      </a:schemeClr>
-                    </a:solidFill>
-                  </a:tcPr>
-                </a:tc>
-                <a:tc>
-                  <a:txBody>
-                    <a:bodyPr/>
-                    <a:lstStyle/>
-                    <a:p>
-                      <a:r>
-                        <a:rPr lang="en-GB" dirty="0" smtClean="0">
-                          <a:effectLst/>
-                        </a:rPr>
-                        <a:t>0.535</a:t>
-                      </a:r>
-                      <a:endParaRPr lang="en-GB" dirty="0"/>
-                    </a:p>
-                  </a:txBody>
-                  <a:tcPr>
-                    <a:solidFill>
-                      <a:schemeClr val="accent6">
-                        <a:lumMod val="60000"/>
-                        <a:lumOff val="40000"/>
-                      </a:schemeClr>
-                    </a:solidFill>
-                  </a:tcPr>
-                </a:tc>
-                <a:tc>
-                  <a:txBody>
-                    <a:bodyPr/>
-                    <a:lstStyle/>
-                    <a:p>
-                      <a:r>
-                        <a:rPr lang="en-GB" dirty="0" smtClean="0">
-                          <a:effectLst/>
-                        </a:rPr>
-                        <a:t>0.076</a:t>
-                      </a:r>
-                      <a:endParaRPr lang="en-GB" dirty="0"/>
-                    </a:p>
-                  </a:txBody>
-                  <a:tcPr>
-                    <a:solidFill>
-                      <a:schemeClr val="accent6">
-                        <a:lumMod val="60000"/>
-                        <a:lumOff val="40000"/>
-                      </a:schemeClr>
-                    </a:solidFill>
-                  </a:tcPr>
-                </a:tc>
-                <a:tc>
-                  <a:txBody>
-                    <a:bodyPr/>
-                    <a:lstStyle/>
-                    <a:p>
-                      <a:r>
-                        <a:rPr lang="x-none" dirty="0">
-                          <a:effectLst/>
-                        </a:rPr>
-                        <a:t>35.54</a:t>
-                      </a:r>
-                      <a:endParaRPr lang="en-GB" dirty="0"/>
-                    </a:p>
-                  </a:txBody>
-                  <a:tcPr>
-                    <a:solidFill>
-                      <a:schemeClr val="accent6">
-                        <a:lumMod val="60000"/>
-                        <a:lumOff val="40000"/>
-                      </a:schemeClr>
-                    </a:solidFill>
-                  </a:tcPr>
-                </a:tc>
-                <a:tc>
-                  <a:txBody>
-                    <a:bodyPr/>
-                    <a:lstStyle/>
-                    <a:p>
-                      <a:r>
-                        <a:rPr lang="en-GB" sz="1800" b="1" kern="1200" dirty="0" smtClean="0">
-                          <a:solidFill>
-                            <a:schemeClr val="lt1"/>
-                          </a:solidFill>
-                          <a:effectLst/>
-                          <a:latin typeface="+mn-lt"/>
-                          <a:ea typeface="+mn-ea"/>
-                          <a:cs typeface="+mn-cs"/>
-                        </a:rPr>
-                        <a:t>0.502</a:t>
-                      </a:r>
-                      <a:endParaRPr lang="en-GB" dirty="0">
-                        <a:solidFill>
-                          <a:schemeClr val="bg1"/>
-                        </a:solidFill>
-                      </a:endParaRPr>
-                    </a:p>
-                  </a:txBody>
-                  <a:tcPr>
-                    <a:solidFill>
-                      <a:schemeClr val="accent6">
-                        <a:lumMod val="60000"/>
-                        <a:lumOff val="40000"/>
-                      </a:schemeClr>
-                    </a:solidFill>
-                  </a:tcPr>
-                </a:tc>
-                <a:tc>
-                  <a:txBody>
-                    <a:bodyPr/>
-                    <a:lstStyle/>
-                    <a:p>
-                      <a:r>
-                        <a:rPr lang="en-GB" sz="1800" b="1" kern="1200" dirty="0" smtClean="0">
-                          <a:solidFill>
-                            <a:schemeClr val="lt1"/>
-                          </a:solidFill>
-                          <a:effectLst/>
-                          <a:latin typeface="+mn-lt"/>
-                          <a:ea typeface="+mn-ea"/>
-                          <a:cs typeface="+mn-cs"/>
-                        </a:rPr>
-                        <a:t>0.358</a:t>
                       </a:r>
                       <a:endParaRPr lang="en-GB" dirty="0"/>
                     </a:p>
@@ -10731,8 +10198,9 @@
           <a:p>
             <a:r>
               <a:rPr lang="en-IN" dirty="0" smtClean="0"/>
-              <a:t>RF:</a:t>
-            </a:r>
+              <a:t>SVM:</a:t>
+            </a:r>
+            <a:endParaRPr lang="en-IN" dirty="0" smtClean="0"/>
           </a:p>
           <a:p>
             <a:r>
@@ -10741,27 +10209,19 @@
             </a:r>
             <a:r>
               <a:rPr lang="en-IN" dirty="0" err="1"/>
-              <a:t>medianDiameter</a:t>
+              <a:t>maxOverallVelocity</a:t>
             </a:r>
             <a:r>
               <a:rPr lang="en-IN" dirty="0"/>
-              <a:t>"               "</a:t>
+              <a:t>"                   "systolicMaxOverallVelocityQ99"        "</a:t>
             </a:r>
             <a:r>
               <a:rPr lang="en-IN" dirty="0" err="1"/>
-              <a:t>diastolicMinMeanPressureTime</a:t>
+              <a:t>diastolicMaxOverallAxialVelocityTime</a:t>
             </a:r>
             <a:r>
               <a:rPr lang="en-IN" dirty="0"/>
-              <a:t>" "</a:t>
-            </a:r>
-            <a:r>
-              <a:rPr lang="en-IN" dirty="0" err="1"/>
-              <a:t>diastolicMeanMeanPressure</a:t>
-            </a:r>
-            <a:r>
-              <a:rPr lang="en-IN" dirty="0"/>
-              <a:t>" </a:t>
+              <a:t>"</a:t>
             </a:r>
             <a:endParaRPr lang="en-GB" dirty="0"/>
           </a:p>
@@ -10776,7 +10236,7 @@
         <p:spPr>
           <a:xfrm>
             <a:off x="3818626" y="5216657"/>
-            <a:ext cx="4201061" cy="1477328"/>
+            <a:ext cx="4201061" cy="1200329"/>
           </a:xfrm>
           <a:prstGeom prst="rect">
             <a:avLst/>
@@ -10796,16 +10256,8 @@
           </a:p>
           <a:p>
             <a:r>
-              <a:rPr lang="en-IN" dirty="0"/>
+              <a:rPr lang="en-IN" dirty="0" smtClean="0"/>
               <a:t>"</a:t>
-            </a:r>
-            <a:r>
-              <a:rPr lang="en-IN" dirty="0" err="1"/>
-              <a:t>systolicMaxVortexVolumeRel</a:t>
-            </a:r>
-            <a:r>
-              <a:rPr lang="en-IN" dirty="0"/>
-              <a:t>"         "</a:t>
             </a:r>
             <a:r>
               <a:rPr lang="en-IN" dirty="0" err="1"/>
@@ -10813,266 +10265,20 @@
             </a:r>
             <a:r>
               <a:rPr lang="en-IN" dirty="0"/>
-              <a:t>"                 "</a:t>
+              <a:t>"                   "systolicMaxOverallVelocityQ99"        "</a:t>
             </a:r>
             <a:r>
               <a:rPr lang="en-IN" dirty="0" err="1"/>
-              <a:t>diastolicMaxLeftRotationVolumeTime</a:t>
+              <a:t>diastolicMaxOverallAxialVelocityTime</a:t>
             </a:r>
             <a:r>
               <a:rPr lang="en-IN" dirty="0"/>
-              <a:t>"</a:t>
-            </a:r>
-          </a:p>
-          <a:p>
-            <a:r>
-              <a:rPr lang="en-IN" dirty="0" smtClean="0"/>
-              <a:t>"</a:t>
-            </a:r>
-            <a:r>
-              <a:rPr lang="en-IN" dirty="0" err="1" smtClean="0"/>
-              <a:t>maxFlowJetAngleVelocityWeighted</a:t>
-            </a:r>
-            <a:r>
-              <a:rPr lang="en-IN" dirty="0"/>
-              <a:t>" </a:t>
+              <a:t>"" </a:t>
             </a:r>
             <a:endParaRPr lang="en-GB" dirty="0"/>
           </a:p>
         </p:txBody>
       </p:sp>
-      <p:graphicFrame>
-        <p:nvGraphicFramePr>
-          <p:cNvPr id="18" name="Table 17"/>
-          <p:cNvGraphicFramePr>
-            <a:graphicFrameLocks noGrp="1"/>
-          </p:cNvGraphicFramePr>
-          <p:nvPr>
-            <p:extLst>
-              <p:ext uri="{D42A27DB-BD31-4B8C-83A1-F6EECF244321}">
-                <p14:modId xmlns:p14="http://schemas.microsoft.com/office/powerpoint/2010/main" val="2328162914"/>
-              </p:ext>
-            </p:extLst>
-          </p:nvPr>
-        </p:nvGraphicFramePr>
-        <p:xfrm>
-          <a:off x="1968259" y="2905074"/>
-          <a:ext cx="7341272" cy="370840"/>
-        </p:xfrm>
-        <a:graphic>
-          <a:graphicData uri="http://schemas.openxmlformats.org/drawingml/2006/table">
-            <a:tbl>
-              <a:tblPr firstRow="1" bandRow="1">
-                <a:tableStyleId>{5C22544A-7EE6-4342-B048-85BDC9FD1C3A}</a:tableStyleId>
-              </a:tblPr>
-              <a:tblGrid>
-                <a:gridCol w="849630"/>
-                <a:gridCol w="1046417"/>
-                <a:gridCol w="796450"/>
-                <a:gridCol w="827659"/>
-                <a:gridCol w="802257"/>
-                <a:gridCol w="810883"/>
-                <a:gridCol w="1422972"/>
-                <a:gridCol w="785004"/>
-              </a:tblGrid>
-              <a:tr h="370840">
-                <a:tc>
-                  <a:txBody>
-                    <a:bodyPr/>
-                    <a:lstStyle/>
-                    <a:p>
-                      <a:r>
-                        <a:rPr lang="en-IN" dirty="0" smtClean="0"/>
-                        <a:t>DT</a:t>
-                      </a:r>
-                      <a:endParaRPr lang="en-GB" dirty="0"/>
-                    </a:p>
-                  </a:txBody>
-                  <a:tcPr>
-                    <a:solidFill>
-                      <a:schemeClr val="accent6">
-                        <a:lumMod val="60000"/>
-                        <a:lumOff val="40000"/>
-                      </a:schemeClr>
-                    </a:solidFill>
-                  </a:tcPr>
-                </a:tc>
-                <a:tc>
-                  <a:txBody>
-                    <a:bodyPr/>
-                    <a:lstStyle/>
-                    <a:p>
-                      <a:r>
-                        <a:rPr lang="en-IN" dirty="0" smtClean="0">
-                          <a:effectLst/>
-                        </a:rPr>
-                        <a:t>1</a:t>
-                      </a:r>
-                      <a:endParaRPr lang="en-GB" dirty="0"/>
-                    </a:p>
-                  </a:txBody>
-                  <a:tcPr>
-                    <a:solidFill>
-                      <a:schemeClr val="accent6">
-                        <a:lumMod val="60000"/>
-                        <a:lumOff val="40000"/>
-                      </a:schemeClr>
-                    </a:solidFill>
-                  </a:tcPr>
-                </a:tc>
-                <a:tc>
-                  <a:txBody>
-                    <a:bodyPr/>
-                    <a:lstStyle/>
-                    <a:p>
-                      <a:r>
-                        <a:rPr lang="en-GB" dirty="0" smtClean="0">
-                          <a:effectLst/>
-                        </a:rPr>
-                        <a:t>0.615</a:t>
-                      </a:r>
-                      <a:endParaRPr lang="en-GB" dirty="0"/>
-                    </a:p>
-                  </a:txBody>
-                  <a:tcPr>
-                    <a:solidFill>
-                      <a:schemeClr val="accent6">
-                        <a:lumMod val="60000"/>
-                        <a:lumOff val="40000"/>
-                      </a:schemeClr>
-                    </a:solidFill>
-                  </a:tcPr>
-                </a:tc>
-                <a:tc>
-                  <a:txBody>
-                    <a:bodyPr/>
-                    <a:lstStyle/>
-                    <a:p>
-                      <a:r>
-                        <a:rPr lang="en-GB" dirty="0" smtClean="0">
-                          <a:effectLst/>
-                        </a:rPr>
-                        <a:t>0.615</a:t>
-                      </a:r>
-                      <a:endParaRPr lang="en-GB" dirty="0"/>
-                    </a:p>
-                  </a:txBody>
-                  <a:tcPr>
-                    <a:solidFill>
-                      <a:schemeClr val="accent6">
-                        <a:lumMod val="60000"/>
-                        <a:lumOff val="40000"/>
-                      </a:schemeClr>
-                    </a:solidFill>
-                  </a:tcPr>
-                </a:tc>
-                <a:tc>
-                  <a:txBody>
-                    <a:bodyPr/>
-                    <a:lstStyle/>
-                    <a:p>
-                      <a:r>
-                        <a:rPr lang="en-GB" dirty="0" smtClean="0">
-                          <a:effectLst/>
-                        </a:rPr>
-                        <a:t>0.230</a:t>
-                      </a:r>
-                      <a:endParaRPr lang="en-GB" dirty="0"/>
-                    </a:p>
-                  </a:txBody>
-                  <a:tcPr>
-                    <a:solidFill>
-                      <a:schemeClr val="accent6">
-                        <a:lumMod val="60000"/>
-                        <a:lumOff val="40000"/>
-                      </a:schemeClr>
-                    </a:solidFill>
-                  </a:tcPr>
-                </a:tc>
-                <a:tc>
-                  <a:txBody>
-                    <a:bodyPr/>
-                    <a:lstStyle/>
-                    <a:p>
-                      <a:r>
-                        <a:rPr lang="en-IN" dirty="0"/>
-                        <a:t>23.05</a:t>
-                      </a:r>
-                      <a:endParaRPr lang="en-GB" dirty="0"/>
-                    </a:p>
-                  </a:txBody>
-                  <a:tcPr>
-                    <a:solidFill>
-                      <a:schemeClr val="accent6">
-                        <a:lumMod val="60000"/>
-                        <a:lumOff val="40000"/>
-                      </a:schemeClr>
-                    </a:solidFill>
-                  </a:tcPr>
-                </a:tc>
-                <a:tc>
-                  <a:txBody>
-                    <a:bodyPr/>
-                    <a:lstStyle/>
-                    <a:p>
-                      <a:r>
-                        <a:rPr lang="en-GB" sz="1800" b="1" kern="1200" dirty="0" smtClean="0">
-                          <a:solidFill>
-                            <a:schemeClr val="lt1"/>
-                          </a:solidFill>
-                          <a:effectLst/>
-                          <a:latin typeface="+mn-lt"/>
-                          <a:ea typeface="+mn-ea"/>
-                          <a:cs typeface="+mn-cs"/>
-                        </a:rPr>
-                        <a:t>0.324</a:t>
-                      </a:r>
-                      <a:endParaRPr lang="en-GB" dirty="0"/>
-                    </a:p>
-                  </a:txBody>
-                  <a:tcPr>
-                    <a:solidFill>
-                      <a:schemeClr val="accent6">
-                        <a:lumMod val="60000"/>
-                        <a:lumOff val="40000"/>
-                      </a:schemeClr>
-                    </a:solidFill>
-                  </a:tcPr>
-                </a:tc>
-                <a:tc>
-                  <a:txBody>
-                    <a:bodyPr/>
-                    <a:lstStyle/>
-                    <a:p>
-                      <a:r>
-                        <a:rPr lang="en-GB" sz="1800" b="1" kern="1200" dirty="0" smtClean="0">
-                          <a:solidFill>
-                            <a:schemeClr val="lt1"/>
-                          </a:solidFill>
-                          <a:effectLst/>
-                          <a:latin typeface="+mn-lt"/>
-                          <a:ea typeface="+mn-ea"/>
-                          <a:cs typeface="+mn-cs"/>
-                        </a:rPr>
-                        <a:t>0.365</a:t>
-                      </a:r>
-                      <a:endParaRPr lang="en-GB" dirty="0"/>
-                    </a:p>
-                  </a:txBody>
-                  <a:tcPr>
-                    <a:solidFill>
-                      <a:schemeClr val="accent6">
-                        <a:lumMod val="60000"/>
-                        <a:lumOff val="40000"/>
-                      </a:schemeClr>
-                    </a:solidFill>
-                  </a:tcPr>
-                </a:tc>
-              </a:tr>
-            </a:tbl>
-          </a:graphicData>
-        </a:graphic>
-      </p:graphicFrame>
       <p:sp>
         <p:nvSpPr>
           <p:cNvPr id="7" name="TextBox 6"/>
@@ -11081,8 +10287,8 @@
         </p:nvSpPr>
         <p:spPr>
           <a:xfrm>
-            <a:off x="6409426" y="4264560"/>
-            <a:ext cx="4416725" cy="646331"/>
+            <a:off x="6392173" y="4156397"/>
+            <a:ext cx="4416725" cy="923330"/>
           </a:xfrm>
           <a:prstGeom prst="rect">
             <a:avLst/>
@@ -11111,15 +10317,493 @@
             </a:r>
             <a:r>
               <a:rPr lang="en-GB" dirty="0"/>
+              <a:t>"                "</a:t>
+            </a:r>
+            <a:r>
+              <a:rPr lang="en-GB" dirty="0" err="1"/>
+              <a:t>diastolicMaxMeanAxialVelocity</a:t>
+            </a:r>
+            <a:r>
+              <a:rPr lang="en-GB" dirty="0"/>
               <a:t>"</a:t>
             </a:r>
           </a:p>
         </p:txBody>
       </p:sp>
+      <p:graphicFrame>
+        <p:nvGraphicFramePr>
+          <p:cNvPr id="9" name="Table 8"/>
+          <p:cNvGraphicFramePr>
+            <a:graphicFrameLocks noGrp="1"/>
+          </p:cNvGraphicFramePr>
+          <p:nvPr/>
+        </p:nvGraphicFramePr>
+        <p:xfrm>
+          <a:off x="1968259" y="2497765"/>
+          <a:ext cx="6173134" cy="741680"/>
+        </p:xfrm>
+        <a:graphic>
+          <a:graphicData uri="http://schemas.openxmlformats.org/drawingml/2006/table">
+            <a:tbl>
+              <a:tblPr firstRow="1" bandRow="1">
+                <a:tableStyleId>{5C22544A-7EE6-4342-B048-85BDC9FD1C3A}</a:tableStyleId>
+              </a:tblPr>
+              <a:tblGrid>
+                <a:gridCol w="1074501"/>
+                <a:gridCol w="1094563"/>
+                <a:gridCol w="1112808"/>
+                <a:gridCol w="755968"/>
+                <a:gridCol w="909275"/>
+                <a:gridCol w="1226019"/>
+              </a:tblGrid>
+              <a:tr h="370840">
+                <a:tc>
+                  <a:txBody>
+                    <a:bodyPr/>
+                    <a:lstStyle/>
+                    <a:p>
+                      <a:r>
+                        <a:rPr lang="en-IN" dirty="0"/>
+                        <a:t>SVM</a:t>
+                      </a:r>
+                      <a:endParaRPr lang="en-GB" dirty="0"/>
+                    </a:p>
+                  </a:txBody>
+                  <a:tcPr>
+                    <a:solidFill>
+                      <a:schemeClr val="accent6">
+                        <a:lumMod val="60000"/>
+                        <a:lumOff val="40000"/>
+                      </a:schemeClr>
+                    </a:solidFill>
+                  </a:tcPr>
+                </a:tc>
+                <a:tc>
+                  <a:txBody>
+                    <a:bodyPr/>
+                    <a:lstStyle/>
+                    <a:p>
+                      <a:r>
+                        <a:rPr lang="en-IN" dirty="0" smtClean="0"/>
+                        <a:t>3</a:t>
+                      </a:r>
+                      <a:endParaRPr lang="en-GB" dirty="0"/>
+                    </a:p>
+                  </a:txBody>
+                  <a:tcPr>
+                    <a:solidFill>
+                      <a:schemeClr val="accent6">
+                        <a:lumMod val="60000"/>
+                        <a:lumOff val="40000"/>
+                      </a:schemeClr>
+                    </a:solidFill>
+                  </a:tcPr>
+                </a:tc>
+                <a:tc>
+                  <a:txBody>
+                    <a:bodyPr/>
+                    <a:lstStyle/>
+                    <a:p>
+                      <a:r>
+                        <a:rPr lang="en-GB" dirty="0" smtClean="0">
+                          <a:effectLst/>
+                        </a:rPr>
+                        <a:t>0.692</a:t>
+                      </a:r>
+                      <a:endParaRPr lang="en-GB" dirty="0"/>
+                    </a:p>
+                  </a:txBody>
+                  <a:tcPr>
+                    <a:solidFill>
+                      <a:schemeClr val="accent6">
+                        <a:lumMod val="60000"/>
+                        <a:lumOff val="40000"/>
+                      </a:schemeClr>
+                    </a:solidFill>
+                  </a:tcPr>
+                </a:tc>
+                <a:tc>
+                  <a:txBody>
+                    <a:bodyPr/>
+                    <a:lstStyle/>
+                    <a:p>
+                      <a:r>
+                        <a:rPr lang="en-GB" dirty="0" smtClean="0">
+                          <a:effectLst/>
+                        </a:rPr>
+                        <a:t>0.562</a:t>
+                      </a:r>
+                      <a:endParaRPr lang="en-GB" dirty="0"/>
+                    </a:p>
+                  </a:txBody>
+                  <a:tcPr>
+                    <a:solidFill>
+                      <a:schemeClr val="accent6">
+                        <a:lumMod val="60000"/>
+                        <a:lumOff val="40000"/>
+                      </a:schemeClr>
+                    </a:solidFill>
+                  </a:tcPr>
+                </a:tc>
+                <a:tc>
+                  <a:txBody>
+                    <a:bodyPr/>
+                    <a:lstStyle/>
+                    <a:p>
+                      <a:r>
+                        <a:rPr lang="en-GB" dirty="0" smtClean="0">
+                          <a:effectLst/>
+                        </a:rPr>
+                        <a:t>0.384</a:t>
+                      </a:r>
+                      <a:endParaRPr lang="en-GB" dirty="0"/>
+                    </a:p>
+                  </a:txBody>
+                  <a:tcPr>
+                    <a:solidFill>
+                      <a:schemeClr val="accent6">
+                        <a:lumMod val="60000"/>
+                        <a:lumOff val="40000"/>
+                      </a:schemeClr>
+                    </a:solidFill>
+                  </a:tcPr>
+                </a:tc>
+                <a:tc>
+                  <a:txBody>
+                    <a:bodyPr/>
+                    <a:lstStyle/>
+                    <a:p>
+                      <a:r>
+                        <a:rPr lang="x-none" dirty="0">
+                          <a:effectLst/>
+                        </a:rPr>
+                        <a:t>34.65</a:t>
+                      </a:r>
+                      <a:endParaRPr lang="en-GB" dirty="0"/>
+                    </a:p>
+                  </a:txBody>
+                  <a:tcPr>
+                    <a:solidFill>
+                      <a:schemeClr val="accent6">
+                        <a:lumMod val="60000"/>
+                        <a:lumOff val="40000"/>
+                      </a:schemeClr>
+                    </a:solidFill>
+                  </a:tcPr>
+                </a:tc>
+              </a:tr>
+              <a:tr h="370840">
+                <a:tc>
+                  <a:txBody>
+                    <a:bodyPr/>
+                    <a:lstStyle/>
+                    <a:p>
+                      <a:r>
+                        <a:rPr lang="en-IN" dirty="0"/>
+                        <a:t>GBM</a:t>
+                      </a:r>
+                      <a:endParaRPr lang="en-GB" dirty="0"/>
+                    </a:p>
+                  </a:txBody>
+                  <a:tcPr>
+                    <a:solidFill>
+                      <a:schemeClr val="accent6">
+                        <a:lumMod val="60000"/>
+                        <a:lumOff val="40000"/>
+                      </a:schemeClr>
+                    </a:solidFill>
+                  </a:tcPr>
+                </a:tc>
+                <a:tc>
+                  <a:txBody>
+                    <a:bodyPr/>
+                    <a:lstStyle/>
+                    <a:p>
+                      <a:r>
+                        <a:rPr lang="en-GB" dirty="0" smtClean="0">
+                          <a:effectLst/>
+                        </a:rPr>
+                        <a:t>3</a:t>
+                      </a:r>
+                      <a:endParaRPr lang="en-GB" dirty="0"/>
+                    </a:p>
+                  </a:txBody>
+                  <a:tcPr>
+                    <a:solidFill>
+                      <a:schemeClr val="accent6">
+                        <a:lumMod val="60000"/>
+                        <a:lumOff val="40000"/>
+                      </a:schemeClr>
+                    </a:solidFill>
+                  </a:tcPr>
+                </a:tc>
+                <a:tc>
+                  <a:txBody>
+                    <a:bodyPr/>
+                    <a:lstStyle/>
+                    <a:p>
+                      <a:r>
+                        <a:rPr lang="en-GB" dirty="0" smtClean="0">
+                          <a:effectLst/>
+                        </a:rPr>
+                        <a:t>0.692</a:t>
+                      </a:r>
+                      <a:endParaRPr lang="en-GB" dirty="0"/>
+                    </a:p>
+                  </a:txBody>
+                  <a:tcPr>
+                    <a:solidFill>
+                      <a:schemeClr val="accent6">
+                        <a:lumMod val="60000"/>
+                        <a:lumOff val="40000"/>
+                      </a:schemeClr>
+                    </a:solidFill>
+                  </a:tcPr>
+                </a:tc>
+                <a:tc>
+                  <a:txBody>
+                    <a:bodyPr/>
+                    <a:lstStyle/>
+                    <a:p>
+                      <a:r>
+                        <a:rPr lang="en-GB" dirty="0" smtClean="0">
+                          <a:effectLst/>
+                        </a:rPr>
+                        <a:t>0.562</a:t>
+                      </a:r>
+                      <a:endParaRPr lang="en-GB" dirty="0"/>
+                    </a:p>
+                  </a:txBody>
+                  <a:tcPr>
+                    <a:solidFill>
+                      <a:schemeClr val="accent6">
+                        <a:lumMod val="60000"/>
+                        <a:lumOff val="40000"/>
+                      </a:schemeClr>
+                    </a:solidFill>
+                  </a:tcPr>
+                </a:tc>
+                <a:tc>
+                  <a:txBody>
+                    <a:bodyPr/>
+                    <a:lstStyle/>
+                    <a:p>
+                      <a:r>
+                        <a:rPr lang="en-GB" dirty="0" smtClean="0">
+                          <a:effectLst/>
+                        </a:rPr>
+                        <a:t>0.384</a:t>
+                      </a:r>
+                      <a:endParaRPr lang="en-GB" dirty="0"/>
+                    </a:p>
+                  </a:txBody>
+                  <a:tcPr>
+                    <a:solidFill>
+                      <a:schemeClr val="accent6">
+                        <a:lumMod val="60000"/>
+                        <a:lumOff val="40000"/>
+                      </a:schemeClr>
+                    </a:solidFill>
+                  </a:tcPr>
+                </a:tc>
+                <a:tc>
+                  <a:txBody>
+                    <a:bodyPr/>
+                    <a:lstStyle/>
+                    <a:p>
+                      <a:r>
+                        <a:rPr lang="x-none" dirty="0">
+                          <a:effectLst/>
+                        </a:rPr>
+                        <a:t>35.54</a:t>
+                      </a:r>
+                      <a:endParaRPr lang="en-GB" dirty="0"/>
+                    </a:p>
+                  </a:txBody>
+                  <a:tcPr>
+                    <a:solidFill>
+                      <a:schemeClr val="accent6">
+                        <a:lumMod val="60000"/>
+                        <a:lumOff val="40000"/>
+                      </a:schemeClr>
+                    </a:solidFill>
+                  </a:tcPr>
+                </a:tc>
+              </a:tr>
+            </a:tbl>
+          </a:graphicData>
+        </a:graphic>
+      </p:graphicFrame>
+      <p:graphicFrame>
+        <p:nvGraphicFramePr>
+          <p:cNvPr id="10" name="Table 9"/>
+          <p:cNvGraphicFramePr>
+            <a:graphicFrameLocks noGrp="1"/>
+          </p:cNvGraphicFramePr>
+          <p:nvPr/>
+        </p:nvGraphicFramePr>
+        <p:xfrm>
+          <a:off x="1968259" y="3255744"/>
+          <a:ext cx="6173134" cy="370840"/>
+        </p:xfrm>
+        <a:graphic>
+          <a:graphicData uri="http://schemas.openxmlformats.org/drawingml/2006/table">
+            <a:tbl>
+              <a:tblPr firstRow="1" bandRow="1">
+                <a:tableStyleId>{5C22544A-7EE6-4342-B048-85BDC9FD1C3A}</a:tableStyleId>
+              </a:tblPr>
+              <a:tblGrid>
+                <a:gridCol w="1074501"/>
+                <a:gridCol w="1094563"/>
+                <a:gridCol w="1112808"/>
+                <a:gridCol w="755968"/>
+                <a:gridCol w="909275"/>
+                <a:gridCol w="1226019"/>
+              </a:tblGrid>
+              <a:tr h="370840">
+                <a:tc>
+                  <a:txBody>
+                    <a:bodyPr/>
+                    <a:lstStyle/>
+                    <a:p>
+                      <a:r>
+                        <a:rPr lang="en-IN" dirty="0" smtClean="0"/>
+                        <a:t>DT</a:t>
+                      </a:r>
+                      <a:endParaRPr lang="en-GB" dirty="0"/>
+                    </a:p>
+                  </a:txBody>
+                  <a:tcPr>
+                    <a:solidFill>
+                      <a:schemeClr val="accent6">
+                        <a:lumMod val="60000"/>
+                        <a:lumOff val="40000"/>
+                      </a:schemeClr>
+                    </a:solidFill>
+                  </a:tcPr>
+                </a:tc>
+                <a:tc>
+                  <a:txBody>
+                    <a:bodyPr/>
+                    <a:lstStyle/>
+                    <a:p>
+                      <a:r>
+                        <a:rPr lang="en-IN" dirty="0" smtClean="0">
+                          <a:effectLst/>
+                        </a:rPr>
+                        <a:t>2</a:t>
+                      </a:r>
+                      <a:endParaRPr lang="en-GB" dirty="0"/>
+                    </a:p>
+                  </a:txBody>
+                  <a:tcPr>
+                    <a:solidFill>
+                      <a:schemeClr val="accent6">
+                        <a:lumMod val="60000"/>
+                        <a:lumOff val="40000"/>
+                      </a:schemeClr>
+                    </a:solidFill>
+                  </a:tcPr>
+                </a:tc>
+                <a:tc>
+                  <a:txBody>
+                    <a:bodyPr/>
+                    <a:lstStyle/>
+                    <a:p>
+                      <a:r>
+                        <a:rPr lang="en-GB" dirty="0" smtClean="0">
+                          <a:effectLst/>
+                        </a:rPr>
+                        <a:t>0.538</a:t>
+                      </a:r>
+                      <a:endParaRPr lang="en-GB" dirty="0"/>
+                    </a:p>
+                  </a:txBody>
+                  <a:tcPr>
+                    <a:solidFill>
+                      <a:schemeClr val="accent6">
+                        <a:lumMod val="60000"/>
+                        <a:lumOff val="40000"/>
+                      </a:schemeClr>
+                    </a:solidFill>
+                  </a:tcPr>
+                </a:tc>
+                <a:tc>
+                  <a:txBody>
+                    <a:bodyPr/>
+                    <a:lstStyle/>
+                    <a:p>
+                      <a:r>
+                        <a:rPr lang="en-GB" dirty="0" smtClean="0">
+                          <a:effectLst/>
+                        </a:rPr>
+                        <a:t>0.553</a:t>
+                      </a:r>
+                      <a:endParaRPr lang="en-GB" dirty="0"/>
+                    </a:p>
+                  </a:txBody>
+                  <a:tcPr>
+                    <a:solidFill>
+                      <a:schemeClr val="accent6">
+                        <a:lumMod val="60000"/>
+                        <a:lumOff val="40000"/>
+                      </a:schemeClr>
+                    </a:solidFill>
+                  </a:tcPr>
+                </a:tc>
+                <a:tc>
+                  <a:txBody>
+                    <a:bodyPr/>
+                    <a:lstStyle/>
+                    <a:p>
+                      <a:r>
+                        <a:rPr lang="en-GB" dirty="0" smtClean="0">
+                          <a:effectLst/>
+                        </a:rPr>
+                        <a:t>0.076</a:t>
+                      </a:r>
+                      <a:endParaRPr lang="en-GB" dirty="0"/>
+                    </a:p>
+                  </a:txBody>
+                  <a:tcPr>
+                    <a:solidFill>
+                      <a:schemeClr val="accent6">
+                        <a:lumMod val="60000"/>
+                        <a:lumOff val="40000"/>
+                      </a:schemeClr>
+                    </a:solidFill>
+                  </a:tcPr>
+                </a:tc>
+                <a:tc>
+                  <a:txBody>
+                    <a:bodyPr/>
+                    <a:lstStyle/>
+                    <a:p>
+                      <a:r>
+                        <a:rPr lang="en-IN" dirty="0"/>
+                        <a:t>23.05</a:t>
+                      </a:r>
+                      <a:endParaRPr lang="en-GB" dirty="0"/>
+                    </a:p>
+                  </a:txBody>
+                  <a:tcPr>
+                    <a:solidFill>
+                      <a:schemeClr val="accent6">
+                        <a:lumMod val="60000"/>
+                        <a:lumOff val="40000"/>
+                      </a:schemeClr>
+                    </a:solidFill>
+                  </a:tcPr>
+                </a:tc>
+              </a:tr>
+            </a:tbl>
+          </a:graphicData>
+        </a:graphic>
+      </p:graphicFrame>
     </p:spTree>
     <p:extLst>
       <p:ext uri="{BB962C8B-B14F-4D97-AF65-F5344CB8AC3E}">
-        <p14:creationId xmlns:p14="http://schemas.microsoft.com/office/powerpoint/2010/main" val="614907120"/>
+        <p14:creationId xmlns:p14="http://schemas.microsoft.com/office/powerpoint/2010/main" val="3747040424"/>
       </p:ext>
     </p:extLst>
   </p:cSld>
@@ -12042,28 +11726,28 @@
                 <a:gridCol w="2628900">
                   <a:extLst>
                     <a:ext uri="{9D8B030D-6E8A-4147-A177-3AD203B41FA5}">
-                      <a16:colId xmlns:a16="http://schemas.microsoft.com/office/drawing/2014/main" xmlns="" val="20000"/>
+                      <a16:colId xmlns="" xmlns:a16="http://schemas.microsoft.com/office/drawing/2014/main" val="20000"/>
                     </a:ext>
                   </a:extLst>
                 </a:gridCol>
                 <a:gridCol w="2628900">
                   <a:extLst>
                     <a:ext uri="{9D8B030D-6E8A-4147-A177-3AD203B41FA5}">
-                      <a16:colId xmlns:a16="http://schemas.microsoft.com/office/drawing/2014/main" xmlns="" val="20001"/>
+                      <a16:colId xmlns="" xmlns:a16="http://schemas.microsoft.com/office/drawing/2014/main" val="20001"/>
                     </a:ext>
                   </a:extLst>
                 </a:gridCol>
                 <a:gridCol w="2628900">
                   <a:extLst>
                     <a:ext uri="{9D8B030D-6E8A-4147-A177-3AD203B41FA5}">
-                      <a16:colId xmlns:a16="http://schemas.microsoft.com/office/drawing/2014/main" xmlns="" val="20002"/>
+                      <a16:colId xmlns="" xmlns:a16="http://schemas.microsoft.com/office/drawing/2014/main" val="20002"/>
                     </a:ext>
                   </a:extLst>
                 </a:gridCol>
                 <a:gridCol w="2628900">
                   <a:extLst>
                     <a:ext uri="{9D8B030D-6E8A-4147-A177-3AD203B41FA5}">
-                      <a16:colId xmlns:a16="http://schemas.microsoft.com/office/drawing/2014/main" xmlns="" val="20003"/>
+                      <a16:colId xmlns="" xmlns:a16="http://schemas.microsoft.com/office/drawing/2014/main" val="20003"/>
                     </a:ext>
                   </a:extLst>
                 </a:gridCol>
@@ -12127,7 +11811,7 @@
                 </a:tc>
                 <a:extLst>
                   <a:ext uri="{0D108BD9-81ED-4DB2-BD59-A6C34878D82A}">
-                    <a16:rowId xmlns:a16="http://schemas.microsoft.com/office/drawing/2014/main" xmlns="" val="10000"/>
+                    <a16:rowId xmlns="" xmlns:a16="http://schemas.microsoft.com/office/drawing/2014/main" val="10000"/>
                   </a:ext>
                 </a:extLst>
               </a:tr>
@@ -12190,7 +11874,7 @@
                 </a:tc>
                 <a:extLst>
                   <a:ext uri="{0D108BD9-81ED-4DB2-BD59-A6C34878D82A}">
-                    <a16:rowId xmlns:a16="http://schemas.microsoft.com/office/drawing/2014/main" xmlns="" val="10001"/>
+                    <a16:rowId xmlns="" xmlns:a16="http://schemas.microsoft.com/office/drawing/2014/main" val="10001"/>
                   </a:ext>
                 </a:extLst>
               </a:tr>
@@ -12283,7 +11967,7 @@
                 </a:tc>
                 <a:extLst>
                   <a:ext uri="{0D108BD9-81ED-4DB2-BD59-A6C34878D82A}">
-                    <a16:rowId xmlns:a16="http://schemas.microsoft.com/office/drawing/2014/main" xmlns="" val="10002"/>
+                    <a16:rowId xmlns="" xmlns:a16="http://schemas.microsoft.com/office/drawing/2014/main" val="10002"/>
                   </a:ext>
                 </a:extLst>
               </a:tr>
@@ -12372,7 +12056,7 @@
                 </a:tc>
                 <a:extLst>
                   <a:ext uri="{0D108BD9-81ED-4DB2-BD59-A6C34878D82A}">
-                    <a16:rowId xmlns:a16="http://schemas.microsoft.com/office/drawing/2014/main" xmlns="" val="10003"/>
+                    <a16:rowId xmlns="" xmlns:a16="http://schemas.microsoft.com/office/drawing/2014/main" val="10003"/>
                   </a:ext>
                 </a:extLst>
               </a:tr>
@@ -12500,42 +12184,42 @@
                 <a:gridCol w="1074501">
                   <a:extLst>
                     <a:ext uri="{9D8B030D-6E8A-4147-A177-3AD203B41FA5}">
-                      <a16:colId xmlns:a16="http://schemas.microsoft.com/office/drawing/2014/main" xmlns="" val="20000"/>
+                      <a16:colId xmlns="" xmlns:a16="http://schemas.microsoft.com/office/drawing/2014/main" val="20000"/>
                     </a:ext>
                   </a:extLst>
                 </a:gridCol>
                 <a:gridCol w="1094563">
                   <a:extLst>
                     <a:ext uri="{9D8B030D-6E8A-4147-A177-3AD203B41FA5}">
-                      <a16:colId xmlns:a16="http://schemas.microsoft.com/office/drawing/2014/main" xmlns="" val="20001"/>
+                      <a16:colId xmlns="" xmlns:a16="http://schemas.microsoft.com/office/drawing/2014/main" val="20001"/>
                     </a:ext>
                   </a:extLst>
                 </a:gridCol>
                 <a:gridCol w="1112808">
                   <a:extLst>
                     <a:ext uri="{9D8B030D-6E8A-4147-A177-3AD203B41FA5}">
-                      <a16:colId xmlns:a16="http://schemas.microsoft.com/office/drawing/2014/main" xmlns="" val="20002"/>
+                      <a16:colId xmlns="" xmlns:a16="http://schemas.microsoft.com/office/drawing/2014/main" val="20002"/>
                     </a:ext>
                   </a:extLst>
                 </a:gridCol>
                 <a:gridCol w="755968">
                   <a:extLst>
                     <a:ext uri="{9D8B030D-6E8A-4147-A177-3AD203B41FA5}">
-                      <a16:colId xmlns:a16="http://schemas.microsoft.com/office/drawing/2014/main" xmlns="" val="20003"/>
+                      <a16:colId xmlns="" xmlns:a16="http://schemas.microsoft.com/office/drawing/2014/main" val="20003"/>
                     </a:ext>
                   </a:extLst>
                 </a:gridCol>
                 <a:gridCol w="909275">
                   <a:extLst>
                     <a:ext uri="{9D8B030D-6E8A-4147-A177-3AD203B41FA5}">
-                      <a16:colId xmlns:a16="http://schemas.microsoft.com/office/drawing/2014/main" xmlns="" val="20004"/>
+                      <a16:colId xmlns="" xmlns:a16="http://schemas.microsoft.com/office/drawing/2014/main" val="20004"/>
                     </a:ext>
                   </a:extLst>
                 </a:gridCol>
                 <a:gridCol w="1226019">
                   <a:extLst>
                     <a:ext uri="{9D8B030D-6E8A-4147-A177-3AD203B41FA5}">
-                      <a16:colId xmlns:a16="http://schemas.microsoft.com/office/drawing/2014/main" xmlns="" val="20005"/>
+                      <a16:colId xmlns="" xmlns:a16="http://schemas.microsoft.com/office/drawing/2014/main" val="20005"/>
                     </a:ext>
                   </a:extLst>
                 </a:gridCol>
@@ -12627,7 +12311,7 @@
                 </a:tc>
                 <a:extLst>
                   <a:ext uri="{0D108BD9-81ED-4DB2-BD59-A6C34878D82A}">
-                    <a16:rowId xmlns:a16="http://schemas.microsoft.com/office/drawing/2014/main" xmlns="" val="10000"/>
+                    <a16:rowId xmlns="" xmlns:a16="http://schemas.microsoft.com/office/drawing/2014/main" val="10000"/>
                   </a:ext>
                 </a:extLst>
               </a:tr>
@@ -12726,7 +12410,7 @@
                 </a:tc>
                 <a:extLst>
                   <a:ext uri="{0D108BD9-81ED-4DB2-BD59-A6C34878D82A}">
-                    <a16:rowId xmlns:a16="http://schemas.microsoft.com/office/drawing/2014/main" xmlns="" val="10001"/>
+                    <a16:rowId xmlns="" xmlns:a16="http://schemas.microsoft.com/office/drawing/2014/main" val="10001"/>
                   </a:ext>
                 </a:extLst>
               </a:tr>
@@ -12844,7 +12528,7 @@
                 </a:tc>
                 <a:extLst>
                   <a:ext uri="{0D108BD9-81ED-4DB2-BD59-A6C34878D82A}">
-                    <a16:rowId xmlns:a16="http://schemas.microsoft.com/office/drawing/2014/main" xmlns="" val="10002"/>
+                    <a16:rowId xmlns="" xmlns:a16="http://schemas.microsoft.com/office/drawing/2014/main" val="10002"/>
                   </a:ext>
                 </a:extLst>
               </a:tr>
@@ -12985,7 +12669,7 @@
                 </a:tc>
                 <a:extLst>
                   <a:ext uri="{0D108BD9-81ED-4DB2-BD59-A6C34878D82A}">
-                    <a16:rowId xmlns:a16="http://schemas.microsoft.com/office/drawing/2014/main" xmlns="" val="10003"/>
+                    <a16:rowId xmlns="" xmlns:a16="http://schemas.microsoft.com/office/drawing/2014/main" val="10003"/>
                   </a:ext>
                 </a:extLst>
               </a:tr>
@@ -13126,7 +12810,7 @@
                 </a:tc>
                 <a:extLst>
                   <a:ext uri="{0D108BD9-81ED-4DB2-BD59-A6C34878D82A}">
-                    <a16:rowId xmlns:a16="http://schemas.microsoft.com/office/drawing/2014/main" xmlns="" val="10004"/>
+                    <a16:rowId xmlns="" xmlns:a16="http://schemas.microsoft.com/office/drawing/2014/main" val="10004"/>
                   </a:ext>
                 </a:extLst>
               </a:tr>
@@ -13224,42 +12908,42 @@
                 <a:gridCol w="1074501">
                   <a:extLst>
                     <a:ext uri="{9D8B030D-6E8A-4147-A177-3AD203B41FA5}">
-                      <a16:colId xmlns:a16="http://schemas.microsoft.com/office/drawing/2014/main" xmlns="" val="20000"/>
+                      <a16:colId xmlns="" xmlns:a16="http://schemas.microsoft.com/office/drawing/2014/main" val="20000"/>
                     </a:ext>
                   </a:extLst>
                 </a:gridCol>
                 <a:gridCol w="1051431">
                   <a:extLst>
                     <a:ext uri="{9D8B030D-6E8A-4147-A177-3AD203B41FA5}">
-                      <a16:colId xmlns:a16="http://schemas.microsoft.com/office/drawing/2014/main" xmlns="" val="20001"/>
+                      <a16:colId xmlns="" xmlns:a16="http://schemas.microsoft.com/office/drawing/2014/main" val="20001"/>
                     </a:ext>
                   </a:extLst>
                 </a:gridCol>
                 <a:gridCol w="1104181">
                   <a:extLst>
                     <a:ext uri="{9D8B030D-6E8A-4147-A177-3AD203B41FA5}">
-                      <a16:colId xmlns:a16="http://schemas.microsoft.com/office/drawing/2014/main" xmlns="" val="20002"/>
+                      <a16:colId xmlns="" xmlns:a16="http://schemas.microsoft.com/office/drawing/2014/main" val="20002"/>
                     </a:ext>
                   </a:extLst>
                 </a:gridCol>
                 <a:gridCol w="751557">
                   <a:extLst>
                     <a:ext uri="{9D8B030D-6E8A-4147-A177-3AD203B41FA5}">
-                      <a16:colId xmlns:a16="http://schemas.microsoft.com/office/drawing/2014/main" xmlns="" val="20003"/>
+                      <a16:colId xmlns="" xmlns:a16="http://schemas.microsoft.com/office/drawing/2014/main" val="20003"/>
                     </a:ext>
                   </a:extLst>
                 </a:gridCol>
                 <a:gridCol w="909275">
                   <a:extLst>
                     <a:ext uri="{9D8B030D-6E8A-4147-A177-3AD203B41FA5}">
-                      <a16:colId xmlns:a16="http://schemas.microsoft.com/office/drawing/2014/main" xmlns="" val="20004"/>
+                      <a16:colId xmlns="" xmlns:a16="http://schemas.microsoft.com/office/drawing/2014/main" val="20004"/>
                     </a:ext>
                   </a:extLst>
                 </a:gridCol>
                 <a:gridCol w="1226019">
                   <a:extLst>
                     <a:ext uri="{9D8B030D-6E8A-4147-A177-3AD203B41FA5}">
-                      <a16:colId xmlns:a16="http://schemas.microsoft.com/office/drawing/2014/main" xmlns="" val="20005"/>
+                      <a16:colId xmlns="" xmlns:a16="http://schemas.microsoft.com/office/drawing/2014/main" val="20005"/>
                     </a:ext>
                   </a:extLst>
                 </a:gridCol>
@@ -13351,7 +13035,7 @@
                 </a:tc>
                 <a:extLst>
                   <a:ext uri="{0D108BD9-81ED-4DB2-BD59-A6C34878D82A}">
-                    <a16:rowId xmlns:a16="http://schemas.microsoft.com/office/drawing/2014/main" xmlns="" val="10000"/>
+                    <a16:rowId xmlns="" xmlns:a16="http://schemas.microsoft.com/office/drawing/2014/main" val="10000"/>
                   </a:ext>
                 </a:extLst>
               </a:tr>
@@ -13446,7 +13130,7 @@
                 </a:tc>
                 <a:extLst>
                   <a:ext uri="{0D108BD9-81ED-4DB2-BD59-A6C34878D82A}">
-                    <a16:rowId xmlns:a16="http://schemas.microsoft.com/office/drawing/2014/main" xmlns="" val="10001"/>
+                    <a16:rowId xmlns="" xmlns:a16="http://schemas.microsoft.com/office/drawing/2014/main" val="10001"/>
                   </a:ext>
                 </a:extLst>
               </a:tr>
@@ -13602,7 +13286,7 @@
                 </a:tc>
                 <a:extLst>
                   <a:ext uri="{0D108BD9-81ED-4DB2-BD59-A6C34878D82A}">
-                    <a16:rowId xmlns:a16="http://schemas.microsoft.com/office/drawing/2014/main" xmlns="" val="10002"/>
+                    <a16:rowId xmlns="" xmlns:a16="http://schemas.microsoft.com/office/drawing/2014/main" val="10002"/>
                   </a:ext>
                 </a:extLst>
               </a:tr>
@@ -13758,7 +13442,7 @@
                 </a:tc>
                 <a:extLst>
                   <a:ext uri="{0D108BD9-81ED-4DB2-BD59-A6C34878D82A}">
-                    <a16:rowId xmlns:a16="http://schemas.microsoft.com/office/drawing/2014/main" xmlns="" val="10003"/>
+                    <a16:rowId xmlns="" xmlns:a16="http://schemas.microsoft.com/office/drawing/2014/main" val="10003"/>
                   </a:ext>
                 </a:extLst>
               </a:tr>
@@ -13891,7 +13575,7 @@
                 </a:tc>
                 <a:extLst>
                   <a:ext uri="{0D108BD9-81ED-4DB2-BD59-A6C34878D82A}">
-                    <a16:rowId xmlns:a16="http://schemas.microsoft.com/office/drawing/2014/main" xmlns="" val="10004"/>
+                    <a16:rowId xmlns="" xmlns:a16="http://schemas.microsoft.com/office/drawing/2014/main" val="10004"/>
                   </a:ext>
                 </a:extLst>
               </a:tr>

--- a/Reports/Final.pptx
+++ b/Reports/Final.pptx
@@ -35,11 +35,9 @@
     <p:sldId id="351" r:id="rId29"/>
     <p:sldId id="420" r:id="rId30"/>
     <p:sldId id="413" r:id="rId31"/>
-    <p:sldId id="414" r:id="rId32"/>
-    <p:sldId id="416" r:id="rId33"/>
-    <p:sldId id="417" r:id="rId34"/>
-    <p:sldId id="415" r:id="rId35"/>
-    <p:sldId id="321" r:id="rId36"/>
+    <p:sldId id="416" r:id="rId32"/>
+    <p:sldId id="415" r:id="rId33"/>
+    <p:sldId id="321" r:id="rId34"/>
   </p:sldIdLst>
   <p:sldSz cx="12192000" cy="6858000"/>
   <p:notesSz cx="6858000" cy="9144000"/>
@@ -5143,42 +5141,42 @@
                 <a:gridCol w="1074501">
                   <a:extLst>
                     <a:ext uri="{9D8B030D-6E8A-4147-A177-3AD203B41FA5}">
-                      <a16:colId xmlns="" xmlns:a16="http://schemas.microsoft.com/office/drawing/2014/main" val="20000"/>
+                      <a16:colId xmlns:a16="http://schemas.microsoft.com/office/drawing/2014/main" xmlns="" val="20000"/>
                     </a:ext>
                   </a:extLst>
                 </a:gridCol>
                 <a:gridCol w="1094563">
                   <a:extLst>
                     <a:ext uri="{9D8B030D-6E8A-4147-A177-3AD203B41FA5}">
-                      <a16:colId xmlns="" xmlns:a16="http://schemas.microsoft.com/office/drawing/2014/main" val="20001"/>
+                      <a16:colId xmlns:a16="http://schemas.microsoft.com/office/drawing/2014/main" xmlns="" val="20001"/>
                     </a:ext>
                   </a:extLst>
                 </a:gridCol>
                 <a:gridCol w="1112808">
                   <a:extLst>
                     <a:ext uri="{9D8B030D-6E8A-4147-A177-3AD203B41FA5}">
-                      <a16:colId xmlns="" xmlns:a16="http://schemas.microsoft.com/office/drawing/2014/main" val="20002"/>
+                      <a16:colId xmlns:a16="http://schemas.microsoft.com/office/drawing/2014/main" xmlns="" val="20002"/>
                     </a:ext>
                   </a:extLst>
                 </a:gridCol>
                 <a:gridCol w="755968">
                   <a:extLst>
                     <a:ext uri="{9D8B030D-6E8A-4147-A177-3AD203B41FA5}">
-                      <a16:colId xmlns="" xmlns:a16="http://schemas.microsoft.com/office/drawing/2014/main" val="20003"/>
+                      <a16:colId xmlns:a16="http://schemas.microsoft.com/office/drawing/2014/main" xmlns="" val="20003"/>
                     </a:ext>
                   </a:extLst>
                 </a:gridCol>
                 <a:gridCol w="909275">
                   <a:extLst>
                     <a:ext uri="{9D8B030D-6E8A-4147-A177-3AD203B41FA5}">
-                      <a16:colId xmlns="" xmlns:a16="http://schemas.microsoft.com/office/drawing/2014/main" val="20004"/>
+                      <a16:colId xmlns:a16="http://schemas.microsoft.com/office/drawing/2014/main" xmlns="" val="20004"/>
                     </a:ext>
                   </a:extLst>
                 </a:gridCol>
                 <a:gridCol w="1226019">
                   <a:extLst>
                     <a:ext uri="{9D8B030D-6E8A-4147-A177-3AD203B41FA5}">
-                      <a16:colId xmlns="" xmlns:a16="http://schemas.microsoft.com/office/drawing/2014/main" val="20005"/>
+                      <a16:colId xmlns:a16="http://schemas.microsoft.com/office/drawing/2014/main" xmlns="" val="20005"/>
                     </a:ext>
                   </a:extLst>
                 </a:gridCol>
@@ -5270,7 +5268,7 @@
                 </a:tc>
                 <a:extLst>
                   <a:ext uri="{0D108BD9-81ED-4DB2-BD59-A6C34878D82A}">
-                    <a16:rowId xmlns="" xmlns:a16="http://schemas.microsoft.com/office/drawing/2014/main" val="10000"/>
+                    <a16:rowId xmlns:a16="http://schemas.microsoft.com/office/drawing/2014/main" xmlns="" val="10000"/>
                   </a:ext>
                 </a:extLst>
               </a:tr>
@@ -5369,7 +5367,7 @@
                 </a:tc>
                 <a:extLst>
                   <a:ext uri="{0D108BD9-81ED-4DB2-BD59-A6C34878D82A}">
-                    <a16:rowId xmlns="" xmlns:a16="http://schemas.microsoft.com/office/drawing/2014/main" val="10001"/>
+                    <a16:rowId xmlns:a16="http://schemas.microsoft.com/office/drawing/2014/main" xmlns="" val="10001"/>
                   </a:ext>
                 </a:extLst>
               </a:tr>
@@ -5527,7 +5525,7 @@
                 </a:tc>
                 <a:extLst>
                   <a:ext uri="{0D108BD9-81ED-4DB2-BD59-A6C34878D82A}">
-                    <a16:rowId xmlns="" xmlns:a16="http://schemas.microsoft.com/office/drawing/2014/main" val="10002"/>
+                    <a16:rowId xmlns:a16="http://schemas.microsoft.com/office/drawing/2014/main" xmlns="" val="10002"/>
                   </a:ext>
                 </a:extLst>
               </a:tr>
@@ -5687,7 +5685,7 @@
                 </a:tc>
                 <a:extLst>
                   <a:ext uri="{0D108BD9-81ED-4DB2-BD59-A6C34878D82A}">
-                    <a16:rowId xmlns="" xmlns:a16="http://schemas.microsoft.com/office/drawing/2014/main" val="10003"/>
+                    <a16:rowId xmlns:a16="http://schemas.microsoft.com/office/drawing/2014/main" xmlns="" val="10003"/>
                   </a:ext>
                 </a:extLst>
               </a:tr>
@@ -5828,7 +5826,7 @@
                 </a:tc>
                 <a:extLst>
                   <a:ext uri="{0D108BD9-81ED-4DB2-BD59-A6C34878D82A}">
-                    <a16:rowId xmlns="" xmlns:a16="http://schemas.microsoft.com/office/drawing/2014/main" val="10004"/>
+                    <a16:rowId xmlns:a16="http://schemas.microsoft.com/office/drawing/2014/main" xmlns="" val="10004"/>
                   </a:ext>
                 </a:extLst>
               </a:tr>
@@ -6045,42 +6043,42 @@
                 <a:gridCol w="1074501">
                   <a:extLst>
                     <a:ext uri="{9D8B030D-6E8A-4147-A177-3AD203B41FA5}">
-                      <a16:colId xmlns="" xmlns:a16="http://schemas.microsoft.com/office/drawing/2014/main" val="20000"/>
+                      <a16:colId xmlns:a16="http://schemas.microsoft.com/office/drawing/2014/main" xmlns="" val="20000"/>
                     </a:ext>
                   </a:extLst>
                 </a:gridCol>
                 <a:gridCol w="1051431">
                   <a:extLst>
                     <a:ext uri="{9D8B030D-6E8A-4147-A177-3AD203B41FA5}">
-                      <a16:colId xmlns="" xmlns:a16="http://schemas.microsoft.com/office/drawing/2014/main" val="20001"/>
+                      <a16:colId xmlns:a16="http://schemas.microsoft.com/office/drawing/2014/main" xmlns="" val="20001"/>
                     </a:ext>
                   </a:extLst>
                 </a:gridCol>
                 <a:gridCol w="1104181">
                   <a:extLst>
                     <a:ext uri="{9D8B030D-6E8A-4147-A177-3AD203B41FA5}">
-                      <a16:colId xmlns="" xmlns:a16="http://schemas.microsoft.com/office/drawing/2014/main" val="20002"/>
+                      <a16:colId xmlns:a16="http://schemas.microsoft.com/office/drawing/2014/main" xmlns="" val="20002"/>
                     </a:ext>
                   </a:extLst>
                 </a:gridCol>
                 <a:gridCol w="751557">
                   <a:extLst>
                     <a:ext uri="{9D8B030D-6E8A-4147-A177-3AD203B41FA5}">
-                      <a16:colId xmlns="" xmlns:a16="http://schemas.microsoft.com/office/drawing/2014/main" val="20003"/>
+                      <a16:colId xmlns:a16="http://schemas.microsoft.com/office/drawing/2014/main" xmlns="" val="20003"/>
                     </a:ext>
                   </a:extLst>
                 </a:gridCol>
                 <a:gridCol w="909275">
                   <a:extLst>
                     <a:ext uri="{9D8B030D-6E8A-4147-A177-3AD203B41FA5}">
-                      <a16:colId xmlns="" xmlns:a16="http://schemas.microsoft.com/office/drawing/2014/main" val="20004"/>
+                      <a16:colId xmlns:a16="http://schemas.microsoft.com/office/drawing/2014/main" xmlns="" val="20004"/>
                     </a:ext>
                   </a:extLst>
                 </a:gridCol>
                 <a:gridCol w="1226019">
                   <a:extLst>
                     <a:ext uri="{9D8B030D-6E8A-4147-A177-3AD203B41FA5}">
-                      <a16:colId xmlns="" xmlns:a16="http://schemas.microsoft.com/office/drawing/2014/main" val="20005"/>
+                      <a16:colId xmlns:a16="http://schemas.microsoft.com/office/drawing/2014/main" xmlns="" val="20005"/>
                     </a:ext>
                   </a:extLst>
                 </a:gridCol>
@@ -6172,7 +6170,7 @@
                 </a:tc>
                 <a:extLst>
                   <a:ext uri="{0D108BD9-81ED-4DB2-BD59-A6C34878D82A}">
-                    <a16:rowId xmlns="" xmlns:a16="http://schemas.microsoft.com/office/drawing/2014/main" val="10000"/>
+                    <a16:rowId xmlns:a16="http://schemas.microsoft.com/office/drawing/2014/main" xmlns="" val="10000"/>
                   </a:ext>
                 </a:extLst>
               </a:tr>
@@ -6311,7 +6309,7 @@
                 </a:tc>
                 <a:extLst>
                   <a:ext uri="{0D108BD9-81ED-4DB2-BD59-A6C34878D82A}">
-                    <a16:rowId xmlns="" xmlns:a16="http://schemas.microsoft.com/office/drawing/2014/main" val="10001"/>
+                    <a16:rowId xmlns:a16="http://schemas.microsoft.com/office/drawing/2014/main" xmlns="" val="10001"/>
                   </a:ext>
                 </a:extLst>
               </a:tr>
@@ -6467,7 +6465,7 @@
                 </a:tc>
                 <a:extLst>
                   <a:ext uri="{0D108BD9-81ED-4DB2-BD59-A6C34878D82A}">
-                    <a16:rowId xmlns="" xmlns:a16="http://schemas.microsoft.com/office/drawing/2014/main" val="10002"/>
+                    <a16:rowId xmlns:a16="http://schemas.microsoft.com/office/drawing/2014/main" xmlns="" val="10002"/>
                   </a:ext>
                 </a:extLst>
               </a:tr>
@@ -6606,7 +6604,7 @@
                 </a:tc>
                 <a:extLst>
                   <a:ext uri="{0D108BD9-81ED-4DB2-BD59-A6C34878D82A}">
-                    <a16:rowId xmlns="" xmlns:a16="http://schemas.microsoft.com/office/drawing/2014/main" val="10003"/>
+                    <a16:rowId xmlns:a16="http://schemas.microsoft.com/office/drawing/2014/main" xmlns="" val="10003"/>
                   </a:ext>
                 </a:extLst>
               </a:tr>
@@ -6762,7 +6760,7 @@
                 </a:tc>
                 <a:extLst>
                   <a:ext uri="{0D108BD9-81ED-4DB2-BD59-A6C34878D82A}">
-                    <a16:rowId xmlns="" xmlns:a16="http://schemas.microsoft.com/office/drawing/2014/main" val="10004"/>
+                    <a16:rowId xmlns:a16="http://schemas.microsoft.com/office/drawing/2014/main" xmlns="" val="10004"/>
                   </a:ext>
                 </a:extLst>
               </a:tr>
@@ -8525,42 +8523,42 @@
                 <a:gridCol w="1074501">
                   <a:extLst>
                     <a:ext uri="{9D8B030D-6E8A-4147-A177-3AD203B41FA5}">
-                      <a16:colId xmlns="" xmlns:a16="http://schemas.microsoft.com/office/drawing/2014/main" val="20000"/>
+                      <a16:colId xmlns:a16="http://schemas.microsoft.com/office/drawing/2014/main" xmlns="" val="20000"/>
                     </a:ext>
                   </a:extLst>
                 </a:gridCol>
                 <a:gridCol w="1094563">
                   <a:extLst>
                     <a:ext uri="{9D8B030D-6E8A-4147-A177-3AD203B41FA5}">
-                      <a16:colId xmlns="" xmlns:a16="http://schemas.microsoft.com/office/drawing/2014/main" val="20001"/>
+                      <a16:colId xmlns:a16="http://schemas.microsoft.com/office/drawing/2014/main" xmlns="" val="20001"/>
                     </a:ext>
                   </a:extLst>
                 </a:gridCol>
                 <a:gridCol w="1112808">
                   <a:extLst>
                     <a:ext uri="{9D8B030D-6E8A-4147-A177-3AD203B41FA5}">
-                      <a16:colId xmlns="" xmlns:a16="http://schemas.microsoft.com/office/drawing/2014/main" val="20002"/>
+                      <a16:colId xmlns:a16="http://schemas.microsoft.com/office/drawing/2014/main" xmlns="" val="20002"/>
                     </a:ext>
                   </a:extLst>
                 </a:gridCol>
                 <a:gridCol w="755968">
                   <a:extLst>
                     <a:ext uri="{9D8B030D-6E8A-4147-A177-3AD203B41FA5}">
-                      <a16:colId xmlns="" xmlns:a16="http://schemas.microsoft.com/office/drawing/2014/main" val="20003"/>
+                      <a16:colId xmlns:a16="http://schemas.microsoft.com/office/drawing/2014/main" xmlns="" val="20003"/>
                     </a:ext>
                   </a:extLst>
                 </a:gridCol>
                 <a:gridCol w="909275">
                   <a:extLst>
                     <a:ext uri="{9D8B030D-6E8A-4147-A177-3AD203B41FA5}">
-                      <a16:colId xmlns="" xmlns:a16="http://schemas.microsoft.com/office/drawing/2014/main" val="20004"/>
+                      <a16:colId xmlns:a16="http://schemas.microsoft.com/office/drawing/2014/main" xmlns="" val="20004"/>
                     </a:ext>
                   </a:extLst>
                 </a:gridCol>
                 <a:gridCol w="1226019">
                   <a:extLst>
                     <a:ext uri="{9D8B030D-6E8A-4147-A177-3AD203B41FA5}">
-                      <a16:colId xmlns="" xmlns:a16="http://schemas.microsoft.com/office/drawing/2014/main" val="20005"/>
+                      <a16:colId xmlns:a16="http://schemas.microsoft.com/office/drawing/2014/main" xmlns="" val="20005"/>
                     </a:ext>
                   </a:extLst>
                 </a:gridCol>
@@ -8652,7 +8650,7 @@
                 </a:tc>
                 <a:extLst>
                   <a:ext uri="{0D108BD9-81ED-4DB2-BD59-A6C34878D82A}">
-                    <a16:rowId xmlns="" xmlns:a16="http://schemas.microsoft.com/office/drawing/2014/main" val="10000"/>
+                    <a16:rowId xmlns:a16="http://schemas.microsoft.com/office/drawing/2014/main" xmlns="" val="10000"/>
                   </a:ext>
                 </a:extLst>
               </a:tr>
@@ -8751,7 +8749,7 @@
                 </a:tc>
                 <a:extLst>
                   <a:ext uri="{0D108BD9-81ED-4DB2-BD59-A6C34878D82A}">
-                    <a16:rowId xmlns="" xmlns:a16="http://schemas.microsoft.com/office/drawing/2014/main" val="10001"/>
+                    <a16:rowId xmlns:a16="http://schemas.microsoft.com/office/drawing/2014/main" xmlns="" val="10001"/>
                   </a:ext>
                 </a:extLst>
               </a:tr>
@@ -8869,7 +8867,7 @@
                 </a:tc>
                 <a:extLst>
                   <a:ext uri="{0D108BD9-81ED-4DB2-BD59-A6C34878D82A}">
-                    <a16:rowId xmlns="" xmlns:a16="http://schemas.microsoft.com/office/drawing/2014/main" val="10002"/>
+                    <a16:rowId xmlns:a16="http://schemas.microsoft.com/office/drawing/2014/main" xmlns="" val="10002"/>
                   </a:ext>
                 </a:extLst>
               </a:tr>
@@ -9010,7 +9008,7 @@
                 </a:tc>
                 <a:extLst>
                   <a:ext uri="{0D108BD9-81ED-4DB2-BD59-A6C34878D82A}">
-                    <a16:rowId xmlns="" xmlns:a16="http://schemas.microsoft.com/office/drawing/2014/main" val="10003"/>
+                    <a16:rowId xmlns:a16="http://schemas.microsoft.com/office/drawing/2014/main" xmlns="" val="10003"/>
                   </a:ext>
                 </a:extLst>
               </a:tr>
@@ -9153,7 +9151,7 @@
                 </a:tc>
                 <a:extLst>
                   <a:ext uri="{0D108BD9-81ED-4DB2-BD59-A6C34878D82A}">
-                    <a16:rowId xmlns="" xmlns:a16="http://schemas.microsoft.com/office/drawing/2014/main" val="10004"/>
+                    <a16:rowId xmlns:a16="http://schemas.microsoft.com/office/drawing/2014/main" xmlns="" val="10004"/>
                   </a:ext>
                 </a:extLst>
               </a:tr>
@@ -9244,42 +9242,42 @@
                 <a:gridCol w="1074501">
                   <a:extLst>
                     <a:ext uri="{9D8B030D-6E8A-4147-A177-3AD203B41FA5}">
-                      <a16:colId xmlns="" xmlns:a16="http://schemas.microsoft.com/office/drawing/2014/main" val="20000"/>
+                      <a16:colId xmlns:a16="http://schemas.microsoft.com/office/drawing/2014/main" xmlns="" val="20000"/>
                     </a:ext>
                   </a:extLst>
                 </a:gridCol>
                 <a:gridCol w="1051431">
                   <a:extLst>
                     <a:ext uri="{9D8B030D-6E8A-4147-A177-3AD203B41FA5}">
-                      <a16:colId xmlns="" xmlns:a16="http://schemas.microsoft.com/office/drawing/2014/main" val="20001"/>
+                      <a16:colId xmlns:a16="http://schemas.microsoft.com/office/drawing/2014/main" xmlns="" val="20001"/>
                     </a:ext>
                   </a:extLst>
                 </a:gridCol>
                 <a:gridCol w="1104181">
                   <a:extLst>
                     <a:ext uri="{9D8B030D-6E8A-4147-A177-3AD203B41FA5}">
-                      <a16:colId xmlns="" xmlns:a16="http://schemas.microsoft.com/office/drawing/2014/main" val="20002"/>
+                      <a16:colId xmlns:a16="http://schemas.microsoft.com/office/drawing/2014/main" xmlns="" val="20002"/>
                     </a:ext>
                   </a:extLst>
                 </a:gridCol>
                 <a:gridCol w="751557">
                   <a:extLst>
                     <a:ext uri="{9D8B030D-6E8A-4147-A177-3AD203B41FA5}">
-                      <a16:colId xmlns="" xmlns:a16="http://schemas.microsoft.com/office/drawing/2014/main" val="20003"/>
+                      <a16:colId xmlns:a16="http://schemas.microsoft.com/office/drawing/2014/main" xmlns="" val="20003"/>
                     </a:ext>
                   </a:extLst>
                 </a:gridCol>
                 <a:gridCol w="909275">
                   <a:extLst>
                     <a:ext uri="{9D8B030D-6E8A-4147-A177-3AD203B41FA5}">
-                      <a16:colId xmlns="" xmlns:a16="http://schemas.microsoft.com/office/drawing/2014/main" val="20004"/>
+                      <a16:colId xmlns:a16="http://schemas.microsoft.com/office/drawing/2014/main" xmlns="" val="20004"/>
                     </a:ext>
                   </a:extLst>
                 </a:gridCol>
                 <a:gridCol w="1226019">
                   <a:extLst>
                     <a:ext uri="{9D8B030D-6E8A-4147-A177-3AD203B41FA5}">
-                      <a16:colId xmlns="" xmlns:a16="http://schemas.microsoft.com/office/drawing/2014/main" val="20005"/>
+                      <a16:colId xmlns:a16="http://schemas.microsoft.com/office/drawing/2014/main" xmlns="" val="20005"/>
                     </a:ext>
                   </a:extLst>
                 </a:gridCol>
@@ -9371,7 +9369,7 @@
                 </a:tc>
                 <a:extLst>
                   <a:ext uri="{0D108BD9-81ED-4DB2-BD59-A6C34878D82A}">
-                    <a16:rowId xmlns="" xmlns:a16="http://schemas.microsoft.com/office/drawing/2014/main" val="10000"/>
+                    <a16:rowId xmlns:a16="http://schemas.microsoft.com/office/drawing/2014/main" xmlns="" val="10000"/>
                   </a:ext>
                 </a:extLst>
               </a:tr>
@@ -9510,7 +9508,7 @@
                 </a:tc>
                 <a:extLst>
                   <a:ext uri="{0D108BD9-81ED-4DB2-BD59-A6C34878D82A}">
-                    <a16:rowId xmlns="" xmlns:a16="http://schemas.microsoft.com/office/drawing/2014/main" val="10001"/>
+                    <a16:rowId xmlns:a16="http://schemas.microsoft.com/office/drawing/2014/main" xmlns="" val="10001"/>
                   </a:ext>
                 </a:extLst>
               </a:tr>
@@ -9666,7 +9664,7 @@
                 </a:tc>
                 <a:extLst>
                   <a:ext uri="{0D108BD9-81ED-4DB2-BD59-A6C34878D82A}">
-                    <a16:rowId xmlns="" xmlns:a16="http://schemas.microsoft.com/office/drawing/2014/main" val="10002"/>
+                    <a16:rowId xmlns:a16="http://schemas.microsoft.com/office/drawing/2014/main" xmlns="" val="10002"/>
                   </a:ext>
                 </a:extLst>
               </a:tr>
@@ -9805,7 +9803,7 @@
                 </a:tc>
                 <a:extLst>
                   <a:ext uri="{0D108BD9-81ED-4DB2-BD59-A6C34878D82A}">
-                    <a16:rowId xmlns="" xmlns:a16="http://schemas.microsoft.com/office/drawing/2014/main" val="10003"/>
+                    <a16:rowId xmlns:a16="http://schemas.microsoft.com/office/drawing/2014/main" xmlns="" val="10003"/>
                   </a:ext>
                 </a:extLst>
               </a:tr>
@@ -9944,7 +9942,7 @@
                 </a:tc>
                 <a:extLst>
                   <a:ext uri="{0D108BD9-81ED-4DB2-BD59-A6C34878D82A}">
-                    <a16:rowId xmlns="" xmlns:a16="http://schemas.microsoft.com/office/drawing/2014/main" val="10004"/>
+                    <a16:rowId xmlns:a16="http://schemas.microsoft.com/office/drawing/2014/main" xmlns="" val="10004"/>
                   </a:ext>
                 </a:extLst>
               </a:tr>
@@ -10200,7 +10198,6 @@
               <a:rPr lang="en-IN" dirty="0" smtClean="0"/>
               <a:t>SVM:</a:t>
             </a:r>
-            <a:endParaRPr lang="en-IN" dirty="0" smtClean="0"/>
           </a:p>
           <a:p>
             <a:r>
@@ -10954,7 +10951,7 @@
       </p:sp>
       <p:pic>
         <p:nvPicPr>
-          <p:cNvPr id="3" name="Picture 2"/>
+          <p:cNvPr id="5" name="Picture 4"/>
           <p:cNvPicPr>
             <a:picLocks noChangeAspect="1"/>
           </p:cNvPicPr>
@@ -10974,38 +10971,8 @@
         </p:blipFill>
         <p:spPr>
           <a:xfrm>
-            <a:off x="838200" y="1690688"/>
-            <a:ext cx="4869936" cy="4727275"/>
-          </a:xfrm>
-          <a:prstGeom prst="rect">
-            <a:avLst/>
-          </a:prstGeom>
-        </p:spPr>
-      </p:pic>
-      <p:pic>
-        <p:nvPicPr>
-          <p:cNvPr id="4" name="Picture 3"/>
-          <p:cNvPicPr>
-            <a:picLocks noChangeAspect="1"/>
-          </p:cNvPicPr>
-          <p:nvPr/>
-        </p:nvPicPr>
-        <p:blipFill>
-          <a:blip r:embed="rId3">
-            <a:extLst>
-              <a:ext uri="{28A0092B-C50C-407E-A947-70E740481C1C}">
-                <a14:useLocalDpi xmlns:a14="http://schemas.microsoft.com/office/drawing/2010/main" val="0"/>
-              </a:ext>
-            </a:extLst>
-          </a:blip>
-          <a:stretch>
-            <a:fillRect/>
-          </a:stretch>
-        </p:blipFill>
-        <p:spPr>
-          <a:xfrm>
-            <a:off x="6487064" y="1693795"/>
-            <a:ext cx="4866736" cy="4724168"/>
+            <a:off x="2833232" y="1504772"/>
+            <a:ext cx="6525536" cy="5125165"/>
           </a:xfrm>
           <a:prstGeom prst="rect">
             <a:avLst/>
@@ -11058,15 +11025,19 @@
           <a:lstStyle/>
           <a:p>
             <a:r>
+              <a:rPr lang="en-IN" dirty="0"/>
+              <a:t>Male v/s Female</a:t>
+            </a:r>
+            <a:r>
               <a:rPr lang="en-IN" dirty="0" smtClean="0"/>
-              <a:t>Male v/s Female</a:t>
+              <a:t/>
             </a:r>
             <a:br>
               <a:rPr lang="en-IN" dirty="0" smtClean="0"/>
             </a:br>
             <a:r>
               <a:rPr lang="en-IN" sz="2800" dirty="0" smtClean="0"/>
-              <a:t>RF</a:t>
+              <a:t>GBM</a:t>
             </a:r>
             <a:endParaRPr lang="en-GB" dirty="0"/>
           </a:p>
@@ -11094,8 +11065,8 @@
         </p:blipFill>
         <p:spPr>
           <a:xfrm>
-            <a:off x="301924" y="2077011"/>
-            <a:ext cx="3831530" cy="3719288"/>
+            <a:off x="4089422" y="2000934"/>
+            <a:ext cx="3792086" cy="2978310"/>
           </a:xfrm>
           <a:prstGeom prst="rect">
             <a:avLst/>
@@ -11124,8 +11095,8 @@
         </p:blipFill>
         <p:spPr>
           <a:xfrm>
-            <a:off x="4186489" y="2077011"/>
-            <a:ext cx="3929696" cy="3814579"/>
+            <a:off x="240911" y="2000934"/>
+            <a:ext cx="3731256" cy="2930533"/>
           </a:xfrm>
           <a:prstGeom prst="rect">
             <a:avLst/>
@@ -11154,132 +11125,8 @@
         </p:blipFill>
         <p:spPr>
           <a:xfrm>
-            <a:off x="8169220" y="2124656"/>
-            <a:ext cx="3917795" cy="3803026"/>
-          </a:xfrm>
-          <a:prstGeom prst="rect">
-            <a:avLst/>
-          </a:prstGeom>
-        </p:spPr>
-      </p:pic>
-    </p:spTree>
-    <p:extLst>
-      <p:ext uri="{BB962C8B-B14F-4D97-AF65-F5344CB8AC3E}">
-        <p14:creationId xmlns:p14="http://schemas.microsoft.com/office/powerpoint/2010/main" val="2360164785"/>
-      </p:ext>
-    </p:extLst>
-  </p:cSld>
-  <p:clrMapOvr>
-    <a:masterClrMapping/>
-  </p:clrMapOvr>
-</p:sld>
-</file>
-
-<file path=ppt/slides/slide32.xml><?xml version="1.0" encoding="utf-8"?>
-<p:sld xmlns:a="http://schemas.openxmlformats.org/drawingml/2006/main" xmlns:r="http://schemas.openxmlformats.org/officeDocument/2006/relationships" xmlns:p="http://schemas.openxmlformats.org/presentationml/2006/main">
-  <p:cSld>
-    <p:spTree>
-      <p:nvGrpSpPr>
-        <p:cNvPr id="1" name=""/>
-        <p:cNvGrpSpPr/>
-        <p:nvPr/>
-      </p:nvGrpSpPr>
-      <p:grpSpPr>
-        <a:xfrm>
-          <a:off x="0" y="0"/>
-          <a:ext cx="0" cy="0"/>
-          <a:chOff x="0" y="0"/>
-          <a:chExt cx="0" cy="0"/>
-        </a:xfrm>
-      </p:grpSpPr>
-      <p:sp>
-        <p:nvSpPr>
-          <p:cNvPr id="2" name="Title 1"/>
-          <p:cNvSpPr>
-            <a:spLocks noGrp="1"/>
-          </p:cNvSpPr>
-          <p:nvPr>
-            <p:ph type="title"/>
-          </p:nvPr>
-        </p:nvSpPr>
-        <p:spPr/>
-        <p:txBody>
-          <a:bodyPr/>
-          <a:lstStyle/>
-          <a:p>
-            <a:r>
-              <a:rPr lang="en-IN" dirty="0"/>
-              <a:t>Male v/s Female</a:t>
-            </a:r>
-            <a:r>
-              <a:rPr lang="en-IN" dirty="0" smtClean="0"/>
-              <a:t/>
-            </a:r>
-            <a:br>
-              <a:rPr lang="en-IN" dirty="0" smtClean="0"/>
-            </a:br>
-            <a:r>
-              <a:rPr lang="en-IN" sz="2800" dirty="0" smtClean="0"/>
-              <a:t>GBM</a:t>
-            </a:r>
-            <a:endParaRPr lang="en-GB" dirty="0"/>
-          </a:p>
-        </p:txBody>
-      </p:sp>
-      <p:pic>
-        <p:nvPicPr>
-          <p:cNvPr id="6" name="Picture 5"/>
-          <p:cNvPicPr>
-            <a:picLocks noChangeAspect="1"/>
-          </p:cNvPicPr>
-          <p:nvPr/>
-        </p:nvPicPr>
-        <p:blipFill>
-          <a:blip r:embed="rId2">
-            <a:extLst>
-              <a:ext uri="{28A0092B-C50C-407E-A947-70E740481C1C}">
-                <a14:useLocalDpi xmlns:a14="http://schemas.microsoft.com/office/drawing/2010/main" val="0"/>
-              </a:ext>
-            </a:extLst>
-          </a:blip>
-          <a:stretch>
-            <a:fillRect/>
-          </a:stretch>
-        </p:blipFill>
-        <p:spPr>
-          <a:xfrm>
-            <a:off x="976221" y="1690689"/>
-            <a:ext cx="4794491" cy="4654040"/>
-          </a:xfrm>
-          <a:prstGeom prst="rect">
-            <a:avLst/>
-          </a:prstGeom>
-        </p:spPr>
-      </p:pic>
-      <p:pic>
-        <p:nvPicPr>
-          <p:cNvPr id="7" name="Picture 6"/>
-          <p:cNvPicPr>
-            <a:picLocks noChangeAspect="1"/>
-          </p:cNvPicPr>
-          <p:nvPr/>
-        </p:nvPicPr>
-        <p:blipFill>
-          <a:blip r:embed="rId3">
-            <a:extLst>
-              <a:ext uri="{28A0092B-C50C-407E-A947-70E740481C1C}">
-                <a14:useLocalDpi xmlns:a14="http://schemas.microsoft.com/office/drawing/2010/main" val="0"/>
-              </a:ext>
-            </a:extLst>
-          </a:blip>
-          <a:stretch>
-            <a:fillRect/>
-          </a:stretch>
-        </p:blipFill>
-        <p:spPr>
-          <a:xfrm>
-            <a:off x="6374920" y="1690688"/>
-            <a:ext cx="4883953" cy="4740881"/>
+            <a:off x="7998763" y="2000934"/>
+            <a:ext cx="3937617" cy="3092610"/>
           </a:xfrm>
           <a:prstGeom prst="rect">
             <a:avLst/>
@@ -11299,131 +11146,7 @@
 </p:sld>
 </file>
 
-<file path=ppt/slides/slide33.xml><?xml version="1.0" encoding="utf-8"?>
-<p:sld xmlns:a="http://schemas.openxmlformats.org/drawingml/2006/main" xmlns:r="http://schemas.openxmlformats.org/officeDocument/2006/relationships" xmlns:p="http://schemas.openxmlformats.org/presentationml/2006/main">
-  <p:cSld>
-    <p:spTree>
-      <p:nvGrpSpPr>
-        <p:cNvPr id="1" name=""/>
-        <p:cNvGrpSpPr/>
-        <p:nvPr/>
-      </p:nvGrpSpPr>
-      <p:grpSpPr>
-        <a:xfrm>
-          <a:off x="0" y="0"/>
-          <a:ext cx="0" cy="0"/>
-          <a:chOff x="0" y="0"/>
-          <a:chExt cx="0" cy="0"/>
-        </a:xfrm>
-      </p:grpSpPr>
-      <p:sp>
-        <p:nvSpPr>
-          <p:cNvPr id="2" name="Title 1"/>
-          <p:cNvSpPr>
-            <a:spLocks noGrp="1"/>
-          </p:cNvSpPr>
-          <p:nvPr>
-            <p:ph type="title"/>
-          </p:nvPr>
-        </p:nvSpPr>
-        <p:spPr/>
-        <p:txBody>
-          <a:bodyPr/>
-          <a:lstStyle/>
-          <a:p>
-            <a:r>
-              <a:rPr lang="en-IN" dirty="0"/>
-              <a:t>Male v/s Female</a:t>
-            </a:r>
-            <a:r>
-              <a:rPr lang="en-IN" dirty="0" smtClean="0"/>
-              <a:t/>
-            </a:r>
-            <a:br>
-              <a:rPr lang="en-IN" dirty="0" smtClean="0"/>
-            </a:br>
-            <a:r>
-              <a:rPr lang="en-IN" sz="2800" dirty="0" smtClean="0"/>
-              <a:t>GBM</a:t>
-            </a:r>
-            <a:endParaRPr lang="en-GB" dirty="0"/>
-          </a:p>
-        </p:txBody>
-      </p:sp>
-      <p:pic>
-        <p:nvPicPr>
-          <p:cNvPr id="3" name="Picture 2"/>
-          <p:cNvPicPr>
-            <a:picLocks noChangeAspect="1"/>
-          </p:cNvPicPr>
-          <p:nvPr/>
-        </p:nvPicPr>
-        <p:blipFill>
-          <a:blip r:embed="rId2">
-            <a:extLst>
-              <a:ext uri="{28A0092B-C50C-407E-A947-70E740481C1C}">
-                <a14:useLocalDpi xmlns:a14="http://schemas.microsoft.com/office/drawing/2010/main" val="0"/>
-              </a:ext>
-            </a:extLst>
-          </a:blip>
-          <a:stretch>
-            <a:fillRect/>
-          </a:stretch>
-        </p:blipFill>
-        <p:spPr>
-          <a:xfrm>
-            <a:off x="1440611" y="1783630"/>
-            <a:ext cx="4728677" cy="4590154"/>
-          </a:xfrm>
-          <a:prstGeom prst="rect">
-            <a:avLst/>
-          </a:prstGeom>
-        </p:spPr>
-      </p:pic>
-      <p:pic>
-        <p:nvPicPr>
-          <p:cNvPr id="4" name="Picture 3"/>
-          <p:cNvPicPr>
-            <a:picLocks noChangeAspect="1"/>
-          </p:cNvPicPr>
-          <p:nvPr/>
-        </p:nvPicPr>
-        <p:blipFill>
-          <a:blip r:embed="rId3">
-            <a:extLst>
-              <a:ext uri="{28A0092B-C50C-407E-A947-70E740481C1C}">
-                <a14:useLocalDpi xmlns:a14="http://schemas.microsoft.com/office/drawing/2010/main" val="0"/>
-              </a:ext>
-            </a:extLst>
-          </a:blip>
-          <a:stretch>
-            <a:fillRect/>
-          </a:stretch>
-        </p:blipFill>
-        <p:spPr>
-          <a:xfrm>
-            <a:off x="6464871" y="1783630"/>
-            <a:ext cx="4888929" cy="4745712"/>
-          </a:xfrm>
-          <a:prstGeom prst="rect">
-            <a:avLst/>
-          </a:prstGeom>
-        </p:spPr>
-      </p:pic>
-    </p:spTree>
-    <p:extLst>
-      <p:ext uri="{BB962C8B-B14F-4D97-AF65-F5344CB8AC3E}">
-        <p14:creationId xmlns:p14="http://schemas.microsoft.com/office/powerpoint/2010/main" val="3144687016"/>
-      </p:ext>
-    </p:extLst>
-  </p:cSld>
-  <p:clrMapOvr>
-    <a:masterClrMapping/>
-  </p:clrMapOvr>
-</p:sld>
-</file>
-
-<file path=ppt/slides/slide34.xml><?xml version="1.0" encoding="utf-8"?>
+<file path=ppt/slides/slide32.xml><?xml version="1.0" encoding="utf-8"?>
 <p:sld xmlns:a="http://schemas.openxmlformats.org/drawingml/2006/main" xmlns:r="http://schemas.openxmlformats.org/officeDocument/2006/relationships" xmlns:p="http://schemas.openxmlformats.org/presentationml/2006/main">
   <p:cSld>
     <p:spTree>
@@ -11506,7 +11229,7 @@
 </p:sld>
 </file>
 
-<file path=ppt/slides/slide35.xml><?xml version="1.0" encoding="utf-8"?>
+<file path=ppt/slides/slide33.xml><?xml version="1.0" encoding="utf-8"?>
 <p:sld xmlns:a="http://schemas.openxmlformats.org/drawingml/2006/main" xmlns:r="http://schemas.openxmlformats.org/officeDocument/2006/relationships" xmlns:p="http://schemas.openxmlformats.org/presentationml/2006/main">
   <p:cSld>
     <p:spTree>
@@ -11726,28 +11449,28 @@
                 <a:gridCol w="2628900">
                   <a:extLst>
                     <a:ext uri="{9D8B030D-6E8A-4147-A177-3AD203B41FA5}">
-                      <a16:colId xmlns="" xmlns:a16="http://schemas.microsoft.com/office/drawing/2014/main" val="20000"/>
+                      <a16:colId xmlns:a16="http://schemas.microsoft.com/office/drawing/2014/main" xmlns="" val="20000"/>
                     </a:ext>
                   </a:extLst>
                 </a:gridCol>
                 <a:gridCol w="2628900">
                   <a:extLst>
                     <a:ext uri="{9D8B030D-6E8A-4147-A177-3AD203B41FA5}">
-                      <a16:colId xmlns="" xmlns:a16="http://schemas.microsoft.com/office/drawing/2014/main" val="20001"/>
+                      <a16:colId xmlns:a16="http://schemas.microsoft.com/office/drawing/2014/main" xmlns="" val="20001"/>
                     </a:ext>
                   </a:extLst>
                 </a:gridCol>
                 <a:gridCol w="2628900">
                   <a:extLst>
                     <a:ext uri="{9D8B030D-6E8A-4147-A177-3AD203B41FA5}">
-                      <a16:colId xmlns="" xmlns:a16="http://schemas.microsoft.com/office/drawing/2014/main" val="20002"/>
+                      <a16:colId xmlns:a16="http://schemas.microsoft.com/office/drawing/2014/main" xmlns="" val="20002"/>
                     </a:ext>
                   </a:extLst>
                 </a:gridCol>
                 <a:gridCol w="2628900">
                   <a:extLst>
                     <a:ext uri="{9D8B030D-6E8A-4147-A177-3AD203B41FA5}">
-                      <a16:colId xmlns="" xmlns:a16="http://schemas.microsoft.com/office/drawing/2014/main" val="20003"/>
+                      <a16:colId xmlns:a16="http://schemas.microsoft.com/office/drawing/2014/main" xmlns="" val="20003"/>
                     </a:ext>
                   </a:extLst>
                 </a:gridCol>
@@ -11811,7 +11534,7 @@
                 </a:tc>
                 <a:extLst>
                   <a:ext uri="{0D108BD9-81ED-4DB2-BD59-A6C34878D82A}">
-                    <a16:rowId xmlns="" xmlns:a16="http://schemas.microsoft.com/office/drawing/2014/main" val="10000"/>
+                    <a16:rowId xmlns:a16="http://schemas.microsoft.com/office/drawing/2014/main" xmlns="" val="10000"/>
                   </a:ext>
                 </a:extLst>
               </a:tr>
@@ -11874,7 +11597,7 @@
                 </a:tc>
                 <a:extLst>
                   <a:ext uri="{0D108BD9-81ED-4DB2-BD59-A6C34878D82A}">
-                    <a16:rowId xmlns="" xmlns:a16="http://schemas.microsoft.com/office/drawing/2014/main" val="10001"/>
+                    <a16:rowId xmlns:a16="http://schemas.microsoft.com/office/drawing/2014/main" xmlns="" val="10001"/>
                   </a:ext>
                 </a:extLst>
               </a:tr>
@@ -11967,7 +11690,7 @@
                 </a:tc>
                 <a:extLst>
                   <a:ext uri="{0D108BD9-81ED-4DB2-BD59-A6C34878D82A}">
-                    <a16:rowId xmlns="" xmlns:a16="http://schemas.microsoft.com/office/drawing/2014/main" val="10002"/>
+                    <a16:rowId xmlns:a16="http://schemas.microsoft.com/office/drawing/2014/main" xmlns="" val="10002"/>
                   </a:ext>
                 </a:extLst>
               </a:tr>
@@ -12056,7 +11779,7 @@
                 </a:tc>
                 <a:extLst>
                   <a:ext uri="{0D108BD9-81ED-4DB2-BD59-A6C34878D82A}">
-                    <a16:rowId xmlns="" xmlns:a16="http://schemas.microsoft.com/office/drawing/2014/main" val="10003"/>
+                    <a16:rowId xmlns:a16="http://schemas.microsoft.com/office/drawing/2014/main" xmlns="" val="10003"/>
                   </a:ext>
                 </a:extLst>
               </a:tr>
@@ -12184,42 +11907,42 @@
                 <a:gridCol w="1074501">
                   <a:extLst>
                     <a:ext uri="{9D8B030D-6E8A-4147-A177-3AD203B41FA5}">
-                      <a16:colId xmlns="" xmlns:a16="http://schemas.microsoft.com/office/drawing/2014/main" val="20000"/>
+                      <a16:colId xmlns:a16="http://schemas.microsoft.com/office/drawing/2014/main" xmlns="" val="20000"/>
                     </a:ext>
                   </a:extLst>
                 </a:gridCol>
                 <a:gridCol w="1094563">
                   <a:extLst>
                     <a:ext uri="{9D8B030D-6E8A-4147-A177-3AD203B41FA5}">
-                      <a16:colId xmlns="" xmlns:a16="http://schemas.microsoft.com/office/drawing/2014/main" val="20001"/>
+                      <a16:colId xmlns:a16="http://schemas.microsoft.com/office/drawing/2014/main" xmlns="" val="20001"/>
                     </a:ext>
                   </a:extLst>
                 </a:gridCol>
                 <a:gridCol w="1112808">
                   <a:extLst>
                     <a:ext uri="{9D8B030D-6E8A-4147-A177-3AD203B41FA5}">
-                      <a16:colId xmlns="" xmlns:a16="http://schemas.microsoft.com/office/drawing/2014/main" val="20002"/>
+                      <a16:colId xmlns:a16="http://schemas.microsoft.com/office/drawing/2014/main" xmlns="" val="20002"/>
                     </a:ext>
                   </a:extLst>
                 </a:gridCol>
                 <a:gridCol w="755968">
                   <a:extLst>
                     <a:ext uri="{9D8B030D-6E8A-4147-A177-3AD203B41FA5}">
-                      <a16:colId xmlns="" xmlns:a16="http://schemas.microsoft.com/office/drawing/2014/main" val="20003"/>
+                      <a16:colId xmlns:a16="http://schemas.microsoft.com/office/drawing/2014/main" xmlns="" val="20003"/>
                     </a:ext>
                   </a:extLst>
                 </a:gridCol>
                 <a:gridCol w="909275">
                   <a:extLst>
                     <a:ext uri="{9D8B030D-6E8A-4147-A177-3AD203B41FA5}">
-                      <a16:colId xmlns="" xmlns:a16="http://schemas.microsoft.com/office/drawing/2014/main" val="20004"/>
+                      <a16:colId xmlns:a16="http://schemas.microsoft.com/office/drawing/2014/main" xmlns="" val="20004"/>
                     </a:ext>
                   </a:extLst>
                 </a:gridCol>
                 <a:gridCol w="1226019">
                   <a:extLst>
                     <a:ext uri="{9D8B030D-6E8A-4147-A177-3AD203B41FA5}">
-                      <a16:colId xmlns="" xmlns:a16="http://schemas.microsoft.com/office/drawing/2014/main" val="20005"/>
+                      <a16:colId xmlns:a16="http://schemas.microsoft.com/office/drawing/2014/main" xmlns="" val="20005"/>
                     </a:ext>
                   </a:extLst>
                 </a:gridCol>
@@ -12311,7 +12034,7 @@
                 </a:tc>
                 <a:extLst>
                   <a:ext uri="{0D108BD9-81ED-4DB2-BD59-A6C34878D82A}">
-                    <a16:rowId xmlns="" xmlns:a16="http://schemas.microsoft.com/office/drawing/2014/main" val="10000"/>
+                    <a16:rowId xmlns:a16="http://schemas.microsoft.com/office/drawing/2014/main" xmlns="" val="10000"/>
                   </a:ext>
                 </a:extLst>
               </a:tr>
@@ -12410,7 +12133,7 @@
                 </a:tc>
                 <a:extLst>
                   <a:ext uri="{0D108BD9-81ED-4DB2-BD59-A6C34878D82A}">
-                    <a16:rowId xmlns="" xmlns:a16="http://schemas.microsoft.com/office/drawing/2014/main" val="10001"/>
+                    <a16:rowId xmlns:a16="http://schemas.microsoft.com/office/drawing/2014/main" xmlns="" val="10001"/>
                   </a:ext>
                 </a:extLst>
               </a:tr>
@@ -12528,7 +12251,7 @@
                 </a:tc>
                 <a:extLst>
                   <a:ext uri="{0D108BD9-81ED-4DB2-BD59-A6C34878D82A}">
-                    <a16:rowId xmlns="" xmlns:a16="http://schemas.microsoft.com/office/drawing/2014/main" val="10002"/>
+                    <a16:rowId xmlns:a16="http://schemas.microsoft.com/office/drawing/2014/main" xmlns="" val="10002"/>
                   </a:ext>
                 </a:extLst>
               </a:tr>
@@ -12669,7 +12392,7 @@
                 </a:tc>
                 <a:extLst>
                   <a:ext uri="{0D108BD9-81ED-4DB2-BD59-A6C34878D82A}">
-                    <a16:rowId xmlns="" xmlns:a16="http://schemas.microsoft.com/office/drawing/2014/main" val="10003"/>
+                    <a16:rowId xmlns:a16="http://schemas.microsoft.com/office/drawing/2014/main" xmlns="" val="10003"/>
                   </a:ext>
                 </a:extLst>
               </a:tr>
@@ -12810,7 +12533,7 @@
                 </a:tc>
                 <a:extLst>
                   <a:ext uri="{0D108BD9-81ED-4DB2-BD59-A6C34878D82A}">
-                    <a16:rowId xmlns="" xmlns:a16="http://schemas.microsoft.com/office/drawing/2014/main" val="10004"/>
+                    <a16:rowId xmlns:a16="http://schemas.microsoft.com/office/drawing/2014/main" xmlns="" val="10004"/>
                   </a:ext>
                 </a:extLst>
               </a:tr>
@@ -12908,42 +12631,42 @@
                 <a:gridCol w="1074501">
                   <a:extLst>
                     <a:ext uri="{9D8B030D-6E8A-4147-A177-3AD203B41FA5}">
-                      <a16:colId xmlns="" xmlns:a16="http://schemas.microsoft.com/office/drawing/2014/main" val="20000"/>
+                      <a16:colId xmlns:a16="http://schemas.microsoft.com/office/drawing/2014/main" xmlns="" val="20000"/>
                     </a:ext>
                   </a:extLst>
                 </a:gridCol>
                 <a:gridCol w="1051431">
                   <a:extLst>
                     <a:ext uri="{9D8B030D-6E8A-4147-A177-3AD203B41FA5}">
-                      <a16:colId xmlns="" xmlns:a16="http://schemas.microsoft.com/office/drawing/2014/main" val="20001"/>
+                      <a16:colId xmlns:a16="http://schemas.microsoft.com/office/drawing/2014/main" xmlns="" val="20001"/>
                     </a:ext>
                   </a:extLst>
                 </a:gridCol>
                 <a:gridCol w="1104181">
                   <a:extLst>
                     <a:ext uri="{9D8B030D-6E8A-4147-A177-3AD203B41FA5}">
-                      <a16:colId xmlns="" xmlns:a16="http://schemas.microsoft.com/office/drawing/2014/main" val="20002"/>
+                      <a16:colId xmlns:a16="http://schemas.microsoft.com/office/drawing/2014/main" xmlns="" val="20002"/>
                     </a:ext>
                   </a:extLst>
                 </a:gridCol>
                 <a:gridCol w="751557">
                   <a:extLst>
                     <a:ext uri="{9D8B030D-6E8A-4147-A177-3AD203B41FA5}">
-                      <a16:colId xmlns="" xmlns:a16="http://schemas.microsoft.com/office/drawing/2014/main" val="20003"/>
+                      <a16:colId xmlns:a16="http://schemas.microsoft.com/office/drawing/2014/main" xmlns="" val="20003"/>
                     </a:ext>
                   </a:extLst>
                 </a:gridCol>
                 <a:gridCol w="909275">
                   <a:extLst>
                     <a:ext uri="{9D8B030D-6E8A-4147-A177-3AD203B41FA5}">
-                      <a16:colId xmlns="" xmlns:a16="http://schemas.microsoft.com/office/drawing/2014/main" val="20004"/>
+                      <a16:colId xmlns:a16="http://schemas.microsoft.com/office/drawing/2014/main" xmlns="" val="20004"/>
                     </a:ext>
                   </a:extLst>
                 </a:gridCol>
                 <a:gridCol w="1226019">
                   <a:extLst>
                     <a:ext uri="{9D8B030D-6E8A-4147-A177-3AD203B41FA5}">
-                      <a16:colId xmlns="" xmlns:a16="http://schemas.microsoft.com/office/drawing/2014/main" val="20005"/>
+                      <a16:colId xmlns:a16="http://schemas.microsoft.com/office/drawing/2014/main" xmlns="" val="20005"/>
                     </a:ext>
                   </a:extLst>
                 </a:gridCol>
@@ -13035,7 +12758,7 @@
                 </a:tc>
                 <a:extLst>
                   <a:ext uri="{0D108BD9-81ED-4DB2-BD59-A6C34878D82A}">
-                    <a16:rowId xmlns="" xmlns:a16="http://schemas.microsoft.com/office/drawing/2014/main" val="10000"/>
+                    <a16:rowId xmlns:a16="http://schemas.microsoft.com/office/drawing/2014/main" xmlns="" val="10000"/>
                   </a:ext>
                 </a:extLst>
               </a:tr>
@@ -13130,7 +12853,7 @@
                 </a:tc>
                 <a:extLst>
                   <a:ext uri="{0D108BD9-81ED-4DB2-BD59-A6C34878D82A}">
-                    <a16:rowId xmlns="" xmlns:a16="http://schemas.microsoft.com/office/drawing/2014/main" val="10001"/>
+                    <a16:rowId xmlns:a16="http://schemas.microsoft.com/office/drawing/2014/main" xmlns="" val="10001"/>
                   </a:ext>
                 </a:extLst>
               </a:tr>
@@ -13286,7 +13009,7 @@
                 </a:tc>
                 <a:extLst>
                   <a:ext uri="{0D108BD9-81ED-4DB2-BD59-A6C34878D82A}">
-                    <a16:rowId xmlns="" xmlns:a16="http://schemas.microsoft.com/office/drawing/2014/main" val="10002"/>
+                    <a16:rowId xmlns:a16="http://schemas.microsoft.com/office/drawing/2014/main" xmlns="" val="10002"/>
                   </a:ext>
                 </a:extLst>
               </a:tr>
@@ -13442,7 +13165,7 @@
                 </a:tc>
                 <a:extLst>
                   <a:ext uri="{0D108BD9-81ED-4DB2-BD59-A6C34878D82A}">
-                    <a16:rowId xmlns="" xmlns:a16="http://schemas.microsoft.com/office/drawing/2014/main" val="10003"/>
+                    <a16:rowId xmlns:a16="http://schemas.microsoft.com/office/drawing/2014/main" xmlns="" val="10003"/>
                   </a:ext>
                 </a:extLst>
               </a:tr>
@@ -13575,7 +13298,7 @@
                 </a:tc>
                 <a:extLst>
                   <a:ext uri="{0D108BD9-81ED-4DB2-BD59-A6C34878D82A}">
-                    <a16:rowId xmlns="" xmlns:a16="http://schemas.microsoft.com/office/drawing/2014/main" val="10004"/>
+                    <a16:rowId xmlns:a16="http://schemas.microsoft.com/office/drawing/2014/main" xmlns="" val="10004"/>
                   </a:ext>
                 </a:extLst>
               </a:tr>

--- a/Reports/Final.pptx
+++ b/Reports/Final.pptx
@@ -1245,7 +1245,7 @@
           <a:p>
             <a:fld id="{14B9FE85-2513-4447-ACC4-7B6DEAE6A03C}" type="datetimeFigureOut">
               <a:rPr lang="en-GB" smtClean="0"/>
-              <a:t>02/07/2020</a:t>
+              <a:t>03/07/2020</a:t>
             </a:fld>
             <a:endParaRPr lang="en-GB"/>
           </a:p>
@@ -1415,7 +1415,7 @@
           <a:p>
             <a:fld id="{14B9FE85-2513-4447-ACC4-7B6DEAE6A03C}" type="datetimeFigureOut">
               <a:rPr lang="en-GB" smtClean="0"/>
-              <a:t>02/07/2020</a:t>
+              <a:t>03/07/2020</a:t>
             </a:fld>
             <a:endParaRPr lang="en-GB"/>
           </a:p>
@@ -1595,7 +1595,7 @@
           <a:p>
             <a:fld id="{14B9FE85-2513-4447-ACC4-7B6DEAE6A03C}" type="datetimeFigureOut">
               <a:rPr lang="en-GB" smtClean="0"/>
-              <a:t>02/07/2020</a:t>
+              <a:t>03/07/2020</a:t>
             </a:fld>
             <a:endParaRPr lang="en-GB"/>
           </a:p>
@@ -1765,7 +1765,7 @@
           <a:p>
             <a:fld id="{14B9FE85-2513-4447-ACC4-7B6DEAE6A03C}" type="datetimeFigureOut">
               <a:rPr lang="en-GB" smtClean="0"/>
-              <a:t>02/07/2020</a:t>
+              <a:t>03/07/2020</a:t>
             </a:fld>
             <a:endParaRPr lang="en-GB"/>
           </a:p>
@@ -2011,7 +2011,7 @@
           <a:p>
             <a:fld id="{14B9FE85-2513-4447-ACC4-7B6DEAE6A03C}" type="datetimeFigureOut">
               <a:rPr lang="en-GB" smtClean="0"/>
-              <a:t>02/07/2020</a:t>
+              <a:t>03/07/2020</a:t>
             </a:fld>
             <a:endParaRPr lang="en-GB"/>
           </a:p>
@@ -2243,7 +2243,7 @@
           <a:p>
             <a:fld id="{14B9FE85-2513-4447-ACC4-7B6DEAE6A03C}" type="datetimeFigureOut">
               <a:rPr lang="en-GB" smtClean="0"/>
-              <a:t>02/07/2020</a:t>
+              <a:t>03/07/2020</a:t>
             </a:fld>
             <a:endParaRPr lang="en-GB"/>
           </a:p>
@@ -2610,7 +2610,7 @@
           <a:p>
             <a:fld id="{14B9FE85-2513-4447-ACC4-7B6DEAE6A03C}" type="datetimeFigureOut">
               <a:rPr lang="en-GB" smtClean="0"/>
-              <a:t>02/07/2020</a:t>
+              <a:t>03/07/2020</a:t>
             </a:fld>
             <a:endParaRPr lang="en-GB"/>
           </a:p>
@@ -2728,7 +2728,7 @@
           <a:p>
             <a:fld id="{14B9FE85-2513-4447-ACC4-7B6DEAE6A03C}" type="datetimeFigureOut">
               <a:rPr lang="en-GB" smtClean="0"/>
-              <a:t>02/07/2020</a:t>
+              <a:t>03/07/2020</a:t>
             </a:fld>
             <a:endParaRPr lang="en-GB"/>
           </a:p>
@@ -2823,7 +2823,7 @@
           <a:p>
             <a:fld id="{14B9FE85-2513-4447-ACC4-7B6DEAE6A03C}" type="datetimeFigureOut">
               <a:rPr lang="en-GB" smtClean="0"/>
-              <a:t>02/07/2020</a:t>
+              <a:t>03/07/2020</a:t>
             </a:fld>
             <a:endParaRPr lang="en-GB"/>
           </a:p>
@@ -3100,7 +3100,7 @@
           <a:p>
             <a:fld id="{14B9FE85-2513-4447-ACC4-7B6DEAE6A03C}" type="datetimeFigureOut">
               <a:rPr lang="en-GB" smtClean="0"/>
-              <a:t>02/07/2020</a:t>
+              <a:t>03/07/2020</a:t>
             </a:fld>
             <a:endParaRPr lang="en-GB"/>
           </a:p>
@@ -3353,7 +3353,7 @@
           <a:p>
             <a:fld id="{14B9FE85-2513-4447-ACC4-7B6DEAE6A03C}" type="datetimeFigureOut">
               <a:rPr lang="en-GB" smtClean="0"/>
-              <a:t>02/07/2020</a:t>
+              <a:t>03/07/2020</a:t>
             </a:fld>
             <a:endParaRPr lang="en-GB"/>
           </a:p>
@@ -3566,7 +3566,7 @@
           <a:p>
             <a:fld id="{14B9FE85-2513-4447-ACC4-7B6DEAE6A03C}" type="datetimeFigureOut">
               <a:rPr lang="en-GB" smtClean="0"/>
-              <a:t>02/07/2020</a:t>
+              <a:t>03/07/2020</a:t>
             </a:fld>
             <a:endParaRPr lang="en-GB"/>
           </a:p>
@@ -5141,42 +5141,42 @@
                 <a:gridCol w="1074501">
                   <a:extLst>
                     <a:ext uri="{9D8B030D-6E8A-4147-A177-3AD203B41FA5}">
-                      <a16:colId xmlns:a16="http://schemas.microsoft.com/office/drawing/2014/main" xmlns="" val="20000"/>
+                      <a16:colId xmlns="" xmlns:a16="http://schemas.microsoft.com/office/drawing/2014/main" val="20000"/>
                     </a:ext>
                   </a:extLst>
                 </a:gridCol>
                 <a:gridCol w="1094563">
                   <a:extLst>
                     <a:ext uri="{9D8B030D-6E8A-4147-A177-3AD203B41FA5}">
-                      <a16:colId xmlns:a16="http://schemas.microsoft.com/office/drawing/2014/main" xmlns="" val="20001"/>
+                      <a16:colId xmlns="" xmlns:a16="http://schemas.microsoft.com/office/drawing/2014/main" val="20001"/>
                     </a:ext>
                   </a:extLst>
                 </a:gridCol>
                 <a:gridCol w="1112808">
                   <a:extLst>
                     <a:ext uri="{9D8B030D-6E8A-4147-A177-3AD203B41FA5}">
-                      <a16:colId xmlns:a16="http://schemas.microsoft.com/office/drawing/2014/main" xmlns="" val="20002"/>
+                      <a16:colId xmlns="" xmlns:a16="http://schemas.microsoft.com/office/drawing/2014/main" val="20002"/>
                     </a:ext>
                   </a:extLst>
                 </a:gridCol>
                 <a:gridCol w="755968">
                   <a:extLst>
                     <a:ext uri="{9D8B030D-6E8A-4147-A177-3AD203B41FA5}">
-                      <a16:colId xmlns:a16="http://schemas.microsoft.com/office/drawing/2014/main" xmlns="" val="20003"/>
+                      <a16:colId xmlns="" xmlns:a16="http://schemas.microsoft.com/office/drawing/2014/main" val="20003"/>
                     </a:ext>
                   </a:extLst>
                 </a:gridCol>
                 <a:gridCol w="909275">
                   <a:extLst>
                     <a:ext uri="{9D8B030D-6E8A-4147-A177-3AD203B41FA5}">
-                      <a16:colId xmlns:a16="http://schemas.microsoft.com/office/drawing/2014/main" xmlns="" val="20004"/>
+                      <a16:colId xmlns="" xmlns:a16="http://schemas.microsoft.com/office/drawing/2014/main" val="20004"/>
                     </a:ext>
                   </a:extLst>
                 </a:gridCol>
                 <a:gridCol w="1226019">
                   <a:extLst>
                     <a:ext uri="{9D8B030D-6E8A-4147-A177-3AD203B41FA5}">
-                      <a16:colId xmlns:a16="http://schemas.microsoft.com/office/drawing/2014/main" xmlns="" val="20005"/>
+                      <a16:colId xmlns="" xmlns:a16="http://schemas.microsoft.com/office/drawing/2014/main" val="20005"/>
                     </a:ext>
                   </a:extLst>
                 </a:gridCol>
@@ -5268,7 +5268,7 @@
                 </a:tc>
                 <a:extLst>
                   <a:ext uri="{0D108BD9-81ED-4DB2-BD59-A6C34878D82A}">
-                    <a16:rowId xmlns:a16="http://schemas.microsoft.com/office/drawing/2014/main" xmlns="" val="10000"/>
+                    <a16:rowId xmlns="" xmlns:a16="http://schemas.microsoft.com/office/drawing/2014/main" val="10000"/>
                   </a:ext>
                 </a:extLst>
               </a:tr>
@@ -5367,7 +5367,7 @@
                 </a:tc>
                 <a:extLst>
                   <a:ext uri="{0D108BD9-81ED-4DB2-BD59-A6C34878D82A}">
-                    <a16:rowId xmlns:a16="http://schemas.microsoft.com/office/drawing/2014/main" xmlns="" val="10001"/>
+                    <a16:rowId xmlns="" xmlns:a16="http://schemas.microsoft.com/office/drawing/2014/main" val="10001"/>
                   </a:ext>
                 </a:extLst>
               </a:tr>
@@ -5525,7 +5525,7 @@
                 </a:tc>
                 <a:extLst>
                   <a:ext uri="{0D108BD9-81ED-4DB2-BD59-A6C34878D82A}">
-                    <a16:rowId xmlns:a16="http://schemas.microsoft.com/office/drawing/2014/main" xmlns="" val="10002"/>
+                    <a16:rowId xmlns="" xmlns:a16="http://schemas.microsoft.com/office/drawing/2014/main" val="10002"/>
                   </a:ext>
                 </a:extLst>
               </a:tr>
@@ -5685,7 +5685,7 @@
                 </a:tc>
                 <a:extLst>
                   <a:ext uri="{0D108BD9-81ED-4DB2-BD59-A6C34878D82A}">
-                    <a16:rowId xmlns:a16="http://schemas.microsoft.com/office/drawing/2014/main" xmlns="" val="10003"/>
+                    <a16:rowId xmlns="" xmlns:a16="http://schemas.microsoft.com/office/drawing/2014/main" val="10003"/>
                   </a:ext>
                 </a:extLst>
               </a:tr>
@@ -5826,7 +5826,7 @@
                 </a:tc>
                 <a:extLst>
                   <a:ext uri="{0D108BD9-81ED-4DB2-BD59-A6C34878D82A}">
-                    <a16:rowId xmlns:a16="http://schemas.microsoft.com/office/drawing/2014/main" xmlns="" val="10004"/>
+                    <a16:rowId xmlns="" xmlns:a16="http://schemas.microsoft.com/office/drawing/2014/main" val="10004"/>
                   </a:ext>
                 </a:extLst>
               </a:tr>
@@ -6043,42 +6043,42 @@
                 <a:gridCol w="1074501">
                   <a:extLst>
                     <a:ext uri="{9D8B030D-6E8A-4147-A177-3AD203B41FA5}">
-                      <a16:colId xmlns:a16="http://schemas.microsoft.com/office/drawing/2014/main" xmlns="" val="20000"/>
+                      <a16:colId xmlns="" xmlns:a16="http://schemas.microsoft.com/office/drawing/2014/main" val="20000"/>
                     </a:ext>
                   </a:extLst>
                 </a:gridCol>
                 <a:gridCol w="1051431">
                   <a:extLst>
                     <a:ext uri="{9D8B030D-6E8A-4147-A177-3AD203B41FA5}">
-                      <a16:colId xmlns:a16="http://schemas.microsoft.com/office/drawing/2014/main" xmlns="" val="20001"/>
+                      <a16:colId xmlns="" xmlns:a16="http://schemas.microsoft.com/office/drawing/2014/main" val="20001"/>
                     </a:ext>
                   </a:extLst>
                 </a:gridCol>
                 <a:gridCol w="1104181">
                   <a:extLst>
                     <a:ext uri="{9D8B030D-6E8A-4147-A177-3AD203B41FA5}">
-                      <a16:colId xmlns:a16="http://schemas.microsoft.com/office/drawing/2014/main" xmlns="" val="20002"/>
+                      <a16:colId xmlns="" xmlns:a16="http://schemas.microsoft.com/office/drawing/2014/main" val="20002"/>
                     </a:ext>
                   </a:extLst>
                 </a:gridCol>
                 <a:gridCol w="751557">
                   <a:extLst>
                     <a:ext uri="{9D8B030D-6E8A-4147-A177-3AD203B41FA5}">
-                      <a16:colId xmlns:a16="http://schemas.microsoft.com/office/drawing/2014/main" xmlns="" val="20003"/>
+                      <a16:colId xmlns="" xmlns:a16="http://schemas.microsoft.com/office/drawing/2014/main" val="20003"/>
                     </a:ext>
                   </a:extLst>
                 </a:gridCol>
                 <a:gridCol w="909275">
                   <a:extLst>
                     <a:ext uri="{9D8B030D-6E8A-4147-A177-3AD203B41FA5}">
-                      <a16:colId xmlns:a16="http://schemas.microsoft.com/office/drawing/2014/main" xmlns="" val="20004"/>
+                      <a16:colId xmlns="" xmlns:a16="http://schemas.microsoft.com/office/drawing/2014/main" val="20004"/>
                     </a:ext>
                   </a:extLst>
                 </a:gridCol>
                 <a:gridCol w="1226019">
                   <a:extLst>
                     <a:ext uri="{9D8B030D-6E8A-4147-A177-3AD203B41FA5}">
-                      <a16:colId xmlns:a16="http://schemas.microsoft.com/office/drawing/2014/main" xmlns="" val="20005"/>
+                      <a16:colId xmlns="" xmlns:a16="http://schemas.microsoft.com/office/drawing/2014/main" val="20005"/>
                     </a:ext>
                   </a:extLst>
                 </a:gridCol>
@@ -6170,7 +6170,7 @@
                 </a:tc>
                 <a:extLst>
                   <a:ext uri="{0D108BD9-81ED-4DB2-BD59-A6C34878D82A}">
-                    <a16:rowId xmlns:a16="http://schemas.microsoft.com/office/drawing/2014/main" xmlns="" val="10000"/>
+                    <a16:rowId xmlns="" xmlns:a16="http://schemas.microsoft.com/office/drawing/2014/main" val="10000"/>
                   </a:ext>
                 </a:extLst>
               </a:tr>
@@ -6309,7 +6309,7 @@
                 </a:tc>
                 <a:extLst>
                   <a:ext uri="{0D108BD9-81ED-4DB2-BD59-A6C34878D82A}">
-                    <a16:rowId xmlns:a16="http://schemas.microsoft.com/office/drawing/2014/main" xmlns="" val="10001"/>
+                    <a16:rowId xmlns="" xmlns:a16="http://schemas.microsoft.com/office/drawing/2014/main" val="10001"/>
                   </a:ext>
                 </a:extLst>
               </a:tr>
@@ -6465,7 +6465,7 @@
                 </a:tc>
                 <a:extLst>
                   <a:ext uri="{0D108BD9-81ED-4DB2-BD59-A6C34878D82A}">
-                    <a16:rowId xmlns:a16="http://schemas.microsoft.com/office/drawing/2014/main" xmlns="" val="10002"/>
+                    <a16:rowId xmlns="" xmlns:a16="http://schemas.microsoft.com/office/drawing/2014/main" val="10002"/>
                   </a:ext>
                 </a:extLst>
               </a:tr>
@@ -6604,7 +6604,7 @@
                 </a:tc>
                 <a:extLst>
                   <a:ext uri="{0D108BD9-81ED-4DB2-BD59-A6C34878D82A}">
-                    <a16:rowId xmlns:a16="http://schemas.microsoft.com/office/drawing/2014/main" xmlns="" val="10003"/>
+                    <a16:rowId xmlns="" xmlns:a16="http://schemas.microsoft.com/office/drawing/2014/main" val="10003"/>
                   </a:ext>
                 </a:extLst>
               </a:tr>
@@ -6760,7 +6760,7 @@
                 </a:tc>
                 <a:extLst>
                   <a:ext uri="{0D108BD9-81ED-4DB2-BD59-A6C34878D82A}">
-                    <a16:rowId xmlns:a16="http://schemas.microsoft.com/office/drawing/2014/main" xmlns="" val="10004"/>
+                    <a16:rowId xmlns="" xmlns:a16="http://schemas.microsoft.com/office/drawing/2014/main" val="10004"/>
                   </a:ext>
                 </a:extLst>
               </a:tr>
@@ -8523,42 +8523,42 @@
                 <a:gridCol w="1074501">
                   <a:extLst>
                     <a:ext uri="{9D8B030D-6E8A-4147-A177-3AD203B41FA5}">
-                      <a16:colId xmlns:a16="http://schemas.microsoft.com/office/drawing/2014/main" xmlns="" val="20000"/>
+                      <a16:colId xmlns="" xmlns:a16="http://schemas.microsoft.com/office/drawing/2014/main" val="20000"/>
                     </a:ext>
                   </a:extLst>
                 </a:gridCol>
                 <a:gridCol w="1094563">
                   <a:extLst>
                     <a:ext uri="{9D8B030D-6E8A-4147-A177-3AD203B41FA5}">
-                      <a16:colId xmlns:a16="http://schemas.microsoft.com/office/drawing/2014/main" xmlns="" val="20001"/>
+                      <a16:colId xmlns="" xmlns:a16="http://schemas.microsoft.com/office/drawing/2014/main" val="20001"/>
                     </a:ext>
                   </a:extLst>
                 </a:gridCol>
                 <a:gridCol w="1112808">
                   <a:extLst>
                     <a:ext uri="{9D8B030D-6E8A-4147-A177-3AD203B41FA5}">
-                      <a16:colId xmlns:a16="http://schemas.microsoft.com/office/drawing/2014/main" xmlns="" val="20002"/>
+                      <a16:colId xmlns="" xmlns:a16="http://schemas.microsoft.com/office/drawing/2014/main" val="20002"/>
                     </a:ext>
                   </a:extLst>
                 </a:gridCol>
                 <a:gridCol w="755968">
                   <a:extLst>
                     <a:ext uri="{9D8B030D-6E8A-4147-A177-3AD203B41FA5}">
-                      <a16:colId xmlns:a16="http://schemas.microsoft.com/office/drawing/2014/main" xmlns="" val="20003"/>
+                      <a16:colId xmlns="" xmlns:a16="http://schemas.microsoft.com/office/drawing/2014/main" val="20003"/>
                     </a:ext>
                   </a:extLst>
                 </a:gridCol>
                 <a:gridCol w="909275">
                   <a:extLst>
                     <a:ext uri="{9D8B030D-6E8A-4147-A177-3AD203B41FA5}">
-                      <a16:colId xmlns:a16="http://schemas.microsoft.com/office/drawing/2014/main" xmlns="" val="20004"/>
+                      <a16:colId xmlns="" xmlns:a16="http://schemas.microsoft.com/office/drawing/2014/main" val="20004"/>
                     </a:ext>
                   </a:extLst>
                 </a:gridCol>
                 <a:gridCol w="1226019">
                   <a:extLst>
                     <a:ext uri="{9D8B030D-6E8A-4147-A177-3AD203B41FA5}">
-                      <a16:colId xmlns:a16="http://schemas.microsoft.com/office/drawing/2014/main" xmlns="" val="20005"/>
+                      <a16:colId xmlns="" xmlns:a16="http://schemas.microsoft.com/office/drawing/2014/main" val="20005"/>
                     </a:ext>
                   </a:extLst>
                 </a:gridCol>
@@ -8650,7 +8650,7 @@
                 </a:tc>
                 <a:extLst>
                   <a:ext uri="{0D108BD9-81ED-4DB2-BD59-A6C34878D82A}">
-                    <a16:rowId xmlns:a16="http://schemas.microsoft.com/office/drawing/2014/main" xmlns="" val="10000"/>
+                    <a16:rowId xmlns="" xmlns:a16="http://schemas.microsoft.com/office/drawing/2014/main" val="10000"/>
                   </a:ext>
                 </a:extLst>
               </a:tr>
@@ -8749,7 +8749,7 @@
                 </a:tc>
                 <a:extLst>
                   <a:ext uri="{0D108BD9-81ED-4DB2-BD59-A6C34878D82A}">
-                    <a16:rowId xmlns:a16="http://schemas.microsoft.com/office/drawing/2014/main" xmlns="" val="10001"/>
+                    <a16:rowId xmlns="" xmlns:a16="http://schemas.microsoft.com/office/drawing/2014/main" val="10001"/>
                   </a:ext>
                 </a:extLst>
               </a:tr>
@@ -8867,7 +8867,7 @@
                 </a:tc>
                 <a:extLst>
                   <a:ext uri="{0D108BD9-81ED-4DB2-BD59-A6C34878D82A}">
-                    <a16:rowId xmlns:a16="http://schemas.microsoft.com/office/drawing/2014/main" xmlns="" val="10002"/>
+                    <a16:rowId xmlns="" xmlns:a16="http://schemas.microsoft.com/office/drawing/2014/main" val="10002"/>
                   </a:ext>
                 </a:extLst>
               </a:tr>
@@ -9008,7 +9008,7 @@
                 </a:tc>
                 <a:extLst>
                   <a:ext uri="{0D108BD9-81ED-4DB2-BD59-A6C34878D82A}">
-                    <a16:rowId xmlns:a16="http://schemas.microsoft.com/office/drawing/2014/main" xmlns="" val="10003"/>
+                    <a16:rowId xmlns="" xmlns:a16="http://schemas.microsoft.com/office/drawing/2014/main" val="10003"/>
                   </a:ext>
                 </a:extLst>
               </a:tr>
@@ -9151,7 +9151,7 @@
                 </a:tc>
                 <a:extLst>
                   <a:ext uri="{0D108BD9-81ED-4DB2-BD59-A6C34878D82A}">
-                    <a16:rowId xmlns:a16="http://schemas.microsoft.com/office/drawing/2014/main" xmlns="" val="10004"/>
+                    <a16:rowId xmlns="" xmlns:a16="http://schemas.microsoft.com/office/drawing/2014/main" val="10004"/>
                   </a:ext>
                 </a:extLst>
               </a:tr>
@@ -9242,42 +9242,42 @@
                 <a:gridCol w="1074501">
                   <a:extLst>
                     <a:ext uri="{9D8B030D-6E8A-4147-A177-3AD203B41FA5}">
-                      <a16:colId xmlns:a16="http://schemas.microsoft.com/office/drawing/2014/main" xmlns="" val="20000"/>
+                      <a16:colId xmlns="" xmlns:a16="http://schemas.microsoft.com/office/drawing/2014/main" val="20000"/>
                     </a:ext>
                   </a:extLst>
                 </a:gridCol>
                 <a:gridCol w="1051431">
                   <a:extLst>
                     <a:ext uri="{9D8B030D-6E8A-4147-A177-3AD203B41FA5}">
-                      <a16:colId xmlns:a16="http://schemas.microsoft.com/office/drawing/2014/main" xmlns="" val="20001"/>
+                      <a16:colId xmlns="" xmlns:a16="http://schemas.microsoft.com/office/drawing/2014/main" val="20001"/>
                     </a:ext>
                   </a:extLst>
                 </a:gridCol>
                 <a:gridCol w="1104181">
                   <a:extLst>
                     <a:ext uri="{9D8B030D-6E8A-4147-A177-3AD203B41FA5}">
-                      <a16:colId xmlns:a16="http://schemas.microsoft.com/office/drawing/2014/main" xmlns="" val="20002"/>
+                      <a16:colId xmlns="" xmlns:a16="http://schemas.microsoft.com/office/drawing/2014/main" val="20002"/>
                     </a:ext>
                   </a:extLst>
                 </a:gridCol>
                 <a:gridCol w="751557">
                   <a:extLst>
                     <a:ext uri="{9D8B030D-6E8A-4147-A177-3AD203B41FA5}">
-                      <a16:colId xmlns:a16="http://schemas.microsoft.com/office/drawing/2014/main" xmlns="" val="20003"/>
+                      <a16:colId xmlns="" xmlns:a16="http://schemas.microsoft.com/office/drawing/2014/main" val="20003"/>
                     </a:ext>
                   </a:extLst>
                 </a:gridCol>
                 <a:gridCol w="909275">
                   <a:extLst>
                     <a:ext uri="{9D8B030D-6E8A-4147-A177-3AD203B41FA5}">
-                      <a16:colId xmlns:a16="http://schemas.microsoft.com/office/drawing/2014/main" xmlns="" val="20004"/>
+                      <a16:colId xmlns="" xmlns:a16="http://schemas.microsoft.com/office/drawing/2014/main" val="20004"/>
                     </a:ext>
                   </a:extLst>
                 </a:gridCol>
                 <a:gridCol w="1226019">
                   <a:extLst>
                     <a:ext uri="{9D8B030D-6E8A-4147-A177-3AD203B41FA5}">
-                      <a16:colId xmlns:a16="http://schemas.microsoft.com/office/drawing/2014/main" xmlns="" val="20005"/>
+                      <a16:colId xmlns="" xmlns:a16="http://schemas.microsoft.com/office/drawing/2014/main" val="20005"/>
                     </a:ext>
                   </a:extLst>
                 </a:gridCol>
@@ -9369,7 +9369,7 @@
                 </a:tc>
                 <a:extLst>
                   <a:ext uri="{0D108BD9-81ED-4DB2-BD59-A6C34878D82A}">
-                    <a16:rowId xmlns:a16="http://schemas.microsoft.com/office/drawing/2014/main" xmlns="" val="10000"/>
+                    <a16:rowId xmlns="" xmlns:a16="http://schemas.microsoft.com/office/drawing/2014/main" val="10000"/>
                   </a:ext>
                 </a:extLst>
               </a:tr>
@@ -9508,7 +9508,7 @@
                 </a:tc>
                 <a:extLst>
                   <a:ext uri="{0D108BD9-81ED-4DB2-BD59-A6C34878D82A}">
-                    <a16:rowId xmlns:a16="http://schemas.microsoft.com/office/drawing/2014/main" xmlns="" val="10001"/>
+                    <a16:rowId xmlns="" xmlns:a16="http://schemas.microsoft.com/office/drawing/2014/main" val="10001"/>
                   </a:ext>
                 </a:extLst>
               </a:tr>
@@ -9664,7 +9664,7 @@
                 </a:tc>
                 <a:extLst>
                   <a:ext uri="{0D108BD9-81ED-4DB2-BD59-A6C34878D82A}">
-                    <a16:rowId xmlns:a16="http://schemas.microsoft.com/office/drawing/2014/main" xmlns="" val="10002"/>
+                    <a16:rowId xmlns="" xmlns:a16="http://schemas.microsoft.com/office/drawing/2014/main" val="10002"/>
                   </a:ext>
                 </a:extLst>
               </a:tr>
@@ -9803,7 +9803,7 @@
                 </a:tc>
                 <a:extLst>
                   <a:ext uri="{0D108BD9-81ED-4DB2-BD59-A6C34878D82A}">
-                    <a16:rowId xmlns:a16="http://schemas.microsoft.com/office/drawing/2014/main" xmlns="" val="10003"/>
+                    <a16:rowId xmlns="" xmlns:a16="http://schemas.microsoft.com/office/drawing/2014/main" val="10003"/>
                   </a:ext>
                 </a:extLst>
               </a:tr>
@@ -9942,7 +9942,7 @@
                 </a:tc>
                 <a:extLst>
                   <a:ext uri="{0D108BD9-81ED-4DB2-BD59-A6C34878D82A}">
-                    <a16:rowId xmlns:a16="http://schemas.microsoft.com/office/drawing/2014/main" xmlns="" val="10004"/>
+                    <a16:rowId xmlns="" xmlns:a16="http://schemas.microsoft.com/office/drawing/2014/main" val="10004"/>
                   </a:ext>
                 </a:extLst>
               </a:tr>
@@ -11449,28 +11449,28 @@
                 <a:gridCol w="2628900">
                   <a:extLst>
                     <a:ext uri="{9D8B030D-6E8A-4147-A177-3AD203B41FA5}">
-                      <a16:colId xmlns:a16="http://schemas.microsoft.com/office/drawing/2014/main" xmlns="" val="20000"/>
+                      <a16:colId xmlns="" xmlns:a16="http://schemas.microsoft.com/office/drawing/2014/main" val="20000"/>
                     </a:ext>
                   </a:extLst>
                 </a:gridCol>
                 <a:gridCol w="2628900">
                   <a:extLst>
                     <a:ext uri="{9D8B030D-6E8A-4147-A177-3AD203B41FA5}">
-                      <a16:colId xmlns:a16="http://schemas.microsoft.com/office/drawing/2014/main" xmlns="" val="20001"/>
+                      <a16:colId xmlns="" xmlns:a16="http://schemas.microsoft.com/office/drawing/2014/main" val="20001"/>
                     </a:ext>
                   </a:extLst>
                 </a:gridCol>
                 <a:gridCol w="2628900">
                   <a:extLst>
                     <a:ext uri="{9D8B030D-6E8A-4147-A177-3AD203B41FA5}">
-                      <a16:colId xmlns:a16="http://schemas.microsoft.com/office/drawing/2014/main" xmlns="" val="20002"/>
+                      <a16:colId xmlns="" xmlns:a16="http://schemas.microsoft.com/office/drawing/2014/main" val="20002"/>
                     </a:ext>
                   </a:extLst>
                 </a:gridCol>
                 <a:gridCol w="2628900">
                   <a:extLst>
                     <a:ext uri="{9D8B030D-6E8A-4147-A177-3AD203B41FA5}">
-                      <a16:colId xmlns:a16="http://schemas.microsoft.com/office/drawing/2014/main" xmlns="" val="20003"/>
+                      <a16:colId xmlns="" xmlns:a16="http://schemas.microsoft.com/office/drawing/2014/main" val="20003"/>
                     </a:ext>
                   </a:extLst>
                 </a:gridCol>
@@ -11534,7 +11534,7 @@
                 </a:tc>
                 <a:extLst>
                   <a:ext uri="{0D108BD9-81ED-4DB2-BD59-A6C34878D82A}">
-                    <a16:rowId xmlns:a16="http://schemas.microsoft.com/office/drawing/2014/main" xmlns="" val="10000"/>
+                    <a16:rowId xmlns="" xmlns:a16="http://schemas.microsoft.com/office/drawing/2014/main" val="10000"/>
                   </a:ext>
                 </a:extLst>
               </a:tr>
@@ -11597,7 +11597,7 @@
                 </a:tc>
                 <a:extLst>
                   <a:ext uri="{0D108BD9-81ED-4DB2-BD59-A6C34878D82A}">
-                    <a16:rowId xmlns:a16="http://schemas.microsoft.com/office/drawing/2014/main" xmlns="" val="10001"/>
+                    <a16:rowId xmlns="" xmlns:a16="http://schemas.microsoft.com/office/drawing/2014/main" val="10001"/>
                   </a:ext>
                 </a:extLst>
               </a:tr>
@@ -11690,7 +11690,7 @@
                 </a:tc>
                 <a:extLst>
                   <a:ext uri="{0D108BD9-81ED-4DB2-BD59-A6C34878D82A}">
-                    <a16:rowId xmlns:a16="http://schemas.microsoft.com/office/drawing/2014/main" xmlns="" val="10002"/>
+                    <a16:rowId xmlns="" xmlns:a16="http://schemas.microsoft.com/office/drawing/2014/main" val="10002"/>
                   </a:ext>
                 </a:extLst>
               </a:tr>
@@ -11779,7 +11779,7 @@
                 </a:tc>
                 <a:extLst>
                   <a:ext uri="{0D108BD9-81ED-4DB2-BD59-A6C34878D82A}">
-                    <a16:rowId xmlns:a16="http://schemas.microsoft.com/office/drawing/2014/main" xmlns="" val="10003"/>
+                    <a16:rowId xmlns="" xmlns:a16="http://schemas.microsoft.com/office/drawing/2014/main" val="10003"/>
                   </a:ext>
                 </a:extLst>
               </a:tr>
@@ -11907,42 +11907,42 @@
                 <a:gridCol w="1074501">
                   <a:extLst>
                     <a:ext uri="{9D8B030D-6E8A-4147-A177-3AD203B41FA5}">
-                      <a16:colId xmlns:a16="http://schemas.microsoft.com/office/drawing/2014/main" xmlns="" val="20000"/>
+                      <a16:colId xmlns="" xmlns:a16="http://schemas.microsoft.com/office/drawing/2014/main" val="20000"/>
                     </a:ext>
                   </a:extLst>
                 </a:gridCol>
                 <a:gridCol w="1094563">
                   <a:extLst>
                     <a:ext uri="{9D8B030D-6E8A-4147-A177-3AD203B41FA5}">
-                      <a16:colId xmlns:a16="http://schemas.microsoft.com/office/drawing/2014/main" xmlns="" val="20001"/>
+                      <a16:colId xmlns="" xmlns:a16="http://schemas.microsoft.com/office/drawing/2014/main" val="20001"/>
                     </a:ext>
                   </a:extLst>
                 </a:gridCol>
                 <a:gridCol w="1112808">
                   <a:extLst>
                     <a:ext uri="{9D8B030D-6E8A-4147-A177-3AD203B41FA5}">
-                      <a16:colId xmlns:a16="http://schemas.microsoft.com/office/drawing/2014/main" xmlns="" val="20002"/>
+                      <a16:colId xmlns="" xmlns:a16="http://schemas.microsoft.com/office/drawing/2014/main" val="20002"/>
                     </a:ext>
                   </a:extLst>
                 </a:gridCol>
                 <a:gridCol w="755968">
                   <a:extLst>
                     <a:ext uri="{9D8B030D-6E8A-4147-A177-3AD203B41FA5}">
-                      <a16:colId xmlns:a16="http://schemas.microsoft.com/office/drawing/2014/main" xmlns="" val="20003"/>
+                      <a16:colId xmlns="" xmlns:a16="http://schemas.microsoft.com/office/drawing/2014/main" val="20003"/>
                     </a:ext>
                   </a:extLst>
                 </a:gridCol>
                 <a:gridCol w="909275">
                   <a:extLst>
                     <a:ext uri="{9D8B030D-6E8A-4147-A177-3AD203B41FA5}">
-                      <a16:colId xmlns:a16="http://schemas.microsoft.com/office/drawing/2014/main" xmlns="" val="20004"/>
+                      <a16:colId xmlns="" xmlns:a16="http://schemas.microsoft.com/office/drawing/2014/main" val="20004"/>
                     </a:ext>
                   </a:extLst>
                 </a:gridCol>
                 <a:gridCol w="1226019">
                   <a:extLst>
                     <a:ext uri="{9D8B030D-6E8A-4147-A177-3AD203B41FA5}">
-                      <a16:colId xmlns:a16="http://schemas.microsoft.com/office/drawing/2014/main" xmlns="" val="20005"/>
+                      <a16:colId xmlns="" xmlns:a16="http://schemas.microsoft.com/office/drawing/2014/main" val="20005"/>
                     </a:ext>
                   </a:extLst>
                 </a:gridCol>
@@ -12034,7 +12034,7 @@
                 </a:tc>
                 <a:extLst>
                   <a:ext uri="{0D108BD9-81ED-4DB2-BD59-A6C34878D82A}">
-                    <a16:rowId xmlns:a16="http://schemas.microsoft.com/office/drawing/2014/main" xmlns="" val="10000"/>
+                    <a16:rowId xmlns="" xmlns:a16="http://schemas.microsoft.com/office/drawing/2014/main" val="10000"/>
                   </a:ext>
                 </a:extLst>
               </a:tr>
@@ -12133,7 +12133,7 @@
                 </a:tc>
                 <a:extLst>
                   <a:ext uri="{0D108BD9-81ED-4DB2-BD59-A6C34878D82A}">
-                    <a16:rowId xmlns:a16="http://schemas.microsoft.com/office/drawing/2014/main" xmlns="" val="10001"/>
+                    <a16:rowId xmlns="" xmlns:a16="http://schemas.microsoft.com/office/drawing/2014/main" val="10001"/>
                   </a:ext>
                 </a:extLst>
               </a:tr>
@@ -12251,7 +12251,7 @@
                 </a:tc>
                 <a:extLst>
                   <a:ext uri="{0D108BD9-81ED-4DB2-BD59-A6C34878D82A}">
-                    <a16:rowId xmlns:a16="http://schemas.microsoft.com/office/drawing/2014/main" xmlns="" val="10002"/>
+                    <a16:rowId xmlns="" xmlns:a16="http://schemas.microsoft.com/office/drawing/2014/main" val="10002"/>
                   </a:ext>
                 </a:extLst>
               </a:tr>
@@ -12392,7 +12392,7 @@
                 </a:tc>
                 <a:extLst>
                   <a:ext uri="{0D108BD9-81ED-4DB2-BD59-A6C34878D82A}">
-                    <a16:rowId xmlns:a16="http://schemas.microsoft.com/office/drawing/2014/main" xmlns="" val="10003"/>
+                    <a16:rowId xmlns="" xmlns:a16="http://schemas.microsoft.com/office/drawing/2014/main" val="10003"/>
                   </a:ext>
                 </a:extLst>
               </a:tr>
@@ -12533,7 +12533,7 @@
                 </a:tc>
                 <a:extLst>
                   <a:ext uri="{0D108BD9-81ED-4DB2-BD59-A6C34878D82A}">
-                    <a16:rowId xmlns:a16="http://schemas.microsoft.com/office/drawing/2014/main" xmlns="" val="10004"/>
+                    <a16:rowId xmlns="" xmlns:a16="http://schemas.microsoft.com/office/drawing/2014/main" val="10004"/>
                   </a:ext>
                 </a:extLst>
               </a:tr>
@@ -12631,42 +12631,42 @@
                 <a:gridCol w="1074501">
                   <a:extLst>
                     <a:ext uri="{9D8B030D-6E8A-4147-A177-3AD203B41FA5}">
-                      <a16:colId xmlns:a16="http://schemas.microsoft.com/office/drawing/2014/main" xmlns="" val="20000"/>
+                      <a16:colId xmlns="" xmlns:a16="http://schemas.microsoft.com/office/drawing/2014/main" val="20000"/>
                     </a:ext>
                   </a:extLst>
                 </a:gridCol>
                 <a:gridCol w="1051431">
                   <a:extLst>
                     <a:ext uri="{9D8B030D-6E8A-4147-A177-3AD203B41FA5}">
-                      <a16:colId xmlns:a16="http://schemas.microsoft.com/office/drawing/2014/main" xmlns="" val="20001"/>
+                      <a16:colId xmlns="" xmlns:a16="http://schemas.microsoft.com/office/drawing/2014/main" val="20001"/>
                     </a:ext>
                   </a:extLst>
                 </a:gridCol>
                 <a:gridCol w="1104181">
                   <a:extLst>
                     <a:ext uri="{9D8B030D-6E8A-4147-A177-3AD203B41FA5}">
-                      <a16:colId xmlns:a16="http://schemas.microsoft.com/office/drawing/2014/main" xmlns="" val="20002"/>
+                      <a16:colId xmlns="" xmlns:a16="http://schemas.microsoft.com/office/drawing/2014/main" val="20002"/>
                     </a:ext>
                   </a:extLst>
                 </a:gridCol>
                 <a:gridCol w="751557">
                   <a:extLst>
                     <a:ext uri="{9D8B030D-6E8A-4147-A177-3AD203B41FA5}">
-                      <a16:colId xmlns:a16="http://schemas.microsoft.com/office/drawing/2014/main" xmlns="" val="20003"/>
+                      <a16:colId xmlns="" xmlns:a16="http://schemas.microsoft.com/office/drawing/2014/main" val="20003"/>
                     </a:ext>
                   </a:extLst>
                 </a:gridCol>
                 <a:gridCol w="909275">
                   <a:extLst>
                     <a:ext uri="{9D8B030D-6E8A-4147-A177-3AD203B41FA5}">
-                      <a16:colId xmlns:a16="http://schemas.microsoft.com/office/drawing/2014/main" xmlns="" val="20004"/>
+                      <a16:colId xmlns="" xmlns:a16="http://schemas.microsoft.com/office/drawing/2014/main" val="20004"/>
                     </a:ext>
                   </a:extLst>
                 </a:gridCol>
                 <a:gridCol w="1226019">
                   <a:extLst>
                     <a:ext uri="{9D8B030D-6E8A-4147-A177-3AD203B41FA5}">
-                      <a16:colId xmlns:a16="http://schemas.microsoft.com/office/drawing/2014/main" xmlns="" val="20005"/>
+                      <a16:colId xmlns="" xmlns:a16="http://schemas.microsoft.com/office/drawing/2014/main" val="20005"/>
                     </a:ext>
                   </a:extLst>
                 </a:gridCol>
@@ -12758,7 +12758,7 @@
                 </a:tc>
                 <a:extLst>
                   <a:ext uri="{0D108BD9-81ED-4DB2-BD59-A6C34878D82A}">
-                    <a16:rowId xmlns:a16="http://schemas.microsoft.com/office/drawing/2014/main" xmlns="" val="10000"/>
+                    <a16:rowId xmlns="" xmlns:a16="http://schemas.microsoft.com/office/drawing/2014/main" val="10000"/>
                   </a:ext>
                 </a:extLst>
               </a:tr>
@@ -12853,7 +12853,7 @@
                 </a:tc>
                 <a:extLst>
                   <a:ext uri="{0D108BD9-81ED-4DB2-BD59-A6C34878D82A}">
-                    <a16:rowId xmlns:a16="http://schemas.microsoft.com/office/drawing/2014/main" xmlns="" val="10001"/>
+                    <a16:rowId xmlns="" xmlns:a16="http://schemas.microsoft.com/office/drawing/2014/main" val="10001"/>
                   </a:ext>
                 </a:extLst>
               </a:tr>
@@ -13009,7 +13009,7 @@
                 </a:tc>
                 <a:extLst>
                   <a:ext uri="{0D108BD9-81ED-4DB2-BD59-A6C34878D82A}">
-                    <a16:rowId xmlns:a16="http://schemas.microsoft.com/office/drawing/2014/main" xmlns="" val="10002"/>
+                    <a16:rowId xmlns="" xmlns:a16="http://schemas.microsoft.com/office/drawing/2014/main" val="10002"/>
                   </a:ext>
                 </a:extLst>
               </a:tr>
@@ -13165,7 +13165,7 @@
                 </a:tc>
                 <a:extLst>
                   <a:ext uri="{0D108BD9-81ED-4DB2-BD59-A6C34878D82A}">
-                    <a16:rowId xmlns:a16="http://schemas.microsoft.com/office/drawing/2014/main" xmlns="" val="10003"/>
+                    <a16:rowId xmlns="" xmlns:a16="http://schemas.microsoft.com/office/drawing/2014/main" val="10003"/>
                   </a:ext>
                 </a:extLst>
               </a:tr>
@@ -13298,7 +13298,7 @@
                 </a:tc>
                 <a:extLst>
                   <a:ext uri="{0D108BD9-81ED-4DB2-BD59-A6C34878D82A}">
-                    <a16:rowId xmlns:a16="http://schemas.microsoft.com/office/drawing/2014/main" xmlns="" val="10004"/>
+                    <a16:rowId xmlns="" xmlns:a16="http://schemas.microsoft.com/office/drawing/2014/main" val="10004"/>
                   </a:ext>
                 </a:extLst>
               </a:tr>
@@ -14594,14 +14594,14 @@
           <p:nvPr>
             <p:extLst>
               <p:ext uri="{D42A27DB-BD31-4B8C-83A1-F6EECF244321}">
-                <p14:modId xmlns:p14="http://schemas.microsoft.com/office/powerpoint/2010/main" val="1139622865"/>
+                <p14:modId xmlns:p14="http://schemas.microsoft.com/office/powerpoint/2010/main" val="461605054"/>
               </p:ext>
             </p:extLst>
           </p:nvPr>
         </p:nvGraphicFramePr>
         <p:xfrm>
           <a:off x="2032000" y="1444285"/>
-          <a:ext cx="8128000" cy="2966720"/>
+          <a:ext cx="8128000" cy="2595880"/>
         </p:xfrm>
         <a:graphic>
           <a:graphicData uri="http://schemas.openxmlformats.org/drawingml/2006/table">
@@ -14844,36 +14844,6 @@
                       <a:r>
                         <a:rPr lang="en-IN" dirty="0" smtClean="0"/>
                         <a:t> =200L</a:t>
-                      </a:r>
-                      <a:endParaRPr lang="en-GB" dirty="0"/>
-                    </a:p>
-                  </a:txBody>
-                  <a:tcPr/>
-                </a:tc>
-              </a:tr>
-              <a:tr h="370840">
-                <a:tc>
-                  <a:txBody>
-                    <a:bodyPr/>
-                    <a:lstStyle/>
-                    <a:p>
-                      <a:r>
-                        <a:rPr lang="en-IN" dirty="0" smtClean="0"/>
-                        <a:t>Correlation</a:t>
-                      </a:r>
-                      <a:endParaRPr lang="en-GB" dirty="0"/>
-                    </a:p>
-                  </a:txBody>
-                  <a:tcPr/>
-                </a:tc>
-                <a:tc>
-                  <a:txBody>
-                    <a:bodyPr/>
-                    <a:lstStyle/>
-                    <a:p>
-                      <a:r>
-                        <a:rPr lang="en-IN" dirty="0" smtClean="0"/>
-                        <a:t>Pearson Coefficient</a:t>
                       </a:r>
                       <a:endParaRPr lang="en-GB" dirty="0"/>
                     </a:p>

--- a/Reports/Final.pptx
+++ b/Reports/Final.pptx
@@ -5141,42 +5141,42 @@
                 <a:gridCol w="1074501">
                   <a:extLst>
                     <a:ext uri="{9D8B030D-6E8A-4147-A177-3AD203B41FA5}">
-                      <a16:colId xmlns="" xmlns:a16="http://schemas.microsoft.com/office/drawing/2014/main" val="20000"/>
+                      <a16:colId xmlns:a16="http://schemas.microsoft.com/office/drawing/2014/main" xmlns="" val="20000"/>
                     </a:ext>
                   </a:extLst>
                 </a:gridCol>
                 <a:gridCol w="1094563">
                   <a:extLst>
                     <a:ext uri="{9D8B030D-6E8A-4147-A177-3AD203B41FA5}">
-                      <a16:colId xmlns="" xmlns:a16="http://schemas.microsoft.com/office/drawing/2014/main" val="20001"/>
+                      <a16:colId xmlns:a16="http://schemas.microsoft.com/office/drawing/2014/main" xmlns="" val="20001"/>
                     </a:ext>
                   </a:extLst>
                 </a:gridCol>
                 <a:gridCol w="1112808">
                   <a:extLst>
                     <a:ext uri="{9D8B030D-6E8A-4147-A177-3AD203B41FA5}">
-                      <a16:colId xmlns="" xmlns:a16="http://schemas.microsoft.com/office/drawing/2014/main" val="20002"/>
+                      <a16:colId xmlns:a16="http://schemas.microsoft.com/office/drawing/2014/main" xmlns="" val="20002"/>
                     </a:ext>
                   </a:extLst>
                 </a:gridCol>
                 <a:gridCol w="755968">
                   <a:extLst>
                     <a:ext uri="{9D8B030D-6E8A-4147-A177-3AD203B41FA5}">
-                      <a16:colId xmlns="" xmlns:a16="http://schemas.microsoft.com/office/drawing/2014/main" val="20003"/>
+                      <a16:colId xmlns:a16="http://schemas.microsoft.com/office/drawing/2014/main" xmlns="" val="20003"/>
                     </a:ext>
                   </a:extLst>
                 </a:gridCol>
                 <a:gridCol w="909275">
                   <a:extLst>
                     <a:ext uri="{9D8B030D-6E8A-4147-A177-3AD203B41FA5}">
-                      <a16:colId xmlns="" xmlns:a16="http://schemas.microsoft.com/office/drawing/2014/main" val="20004"/>
+                      <a16:colId xmlns:a16="http://schemas.microsoft.com/office/drawing/2014/main" xmlns="" val="20004"/>
                     </a:ext>
                   </a:extLst>
                 </a:gridCol>
                 <a:gridCol w="1226019">
                   <a:extLst>
                     <a:ext uri="{9D8B030D-6E8A-4147-A177-3AD203B41FA5}">
-                      <a16:colId xmlns="" xmlns:a16="http://schemas.microsoft.com/office/drawing/2014/main" val="20005"/>
+                      <a16:colId xmlns:a16="http://schemas.microsoft.com/office/drawing/2014/main" xmlns="" val="20005"/>
                     </a:ext>
                   </a:extLst>
                 </a:gridCol>
@@ -5268,7 +5268,7 @@
                 </a:tc>
                 <a:extLst>
                   <a:ext uri="{0D108BD9-81ED-4DB2-BD59-A6C34878D82A}">
-                    <a16:rowId xmlns="" xmlns:a16="http://schemas.microsoft.com/office/drawing/2014/main" val="10000"/>
+                    <a16:rowId xmlns:a16="http://schemas.microsoft.com/office/drawing/2014/main" xmlns="" val="10000"/>
                   </a:ext>
                 </a:extLst>
               </a:tr>
@@ -5367,7 +5367,7 @@
                 </a:tc>
                 <a:extLst>
                   <a:ext uri="{0D108BD9-81ED-4DB2-BD59-A6C34878D82A}">
-                    <a16:rowId xmlns="" xmlns:a16="http://schemas.microsoft.com/office/drawing/2014/main" val="10001"/>
+                    <a16:rowId xmlns:a16="http://schemas.microsoft.com/office/drawing/2014/main" xmlns="" val="10001"/>
                   </a:ext>
                 </a:extLst>
               </a:tr>
@@ -5525,7 +5525,7 @@
                 </a:tc>
                 <a:extLst>
                   <a:ext uri="{0D108BD9-81ED-4DB2-BD59-A6C34878D82A}">
-                    <a16:rowId xmlns="" xmlns:a16="http://schemas.microsoft.com/office/drawing/2014/main" val="10002"/>
+                    <a16:rowId xmlns:a16="http://schemas.microsoft.com/office/drawing/2014/main" xmlns="" val="10002"/>
                   </a:ext>
                 </a:extLst>
               </a:tr>
@@ -5685,7 +5685,7 @@
                 </a:tc>
                 <a:extLst>
                   <a:ext uri="{0D108BD9-81ED-4DB2-BD59-A6C34878D82A}">
-                    <a16:rowId xmlns="" xmlns:a16="http://schemas.microsoft.com/office/drawing/2014/main" val="10003"/>
+                    <a16:rowId xmlns:a16="http://schemas.microsoft.com/office/drawing/2014/main" xmlns="" val="10003"/>
                   </a:ext>
                 </a:extLst>
               </a:tr>
@@ -5826,7 +5826,7 @@
                 </a:tc>
                 <a:extLst>
                   <a:ext uri="{0D108BD9-81ED-4DB2-BD59-A6C34878D82A}">
-                    <a16:rowId xmlns="" xmlns:a16="http://schemas.microsoft.com/office/drawing/2014/main" val="10004"/>
+                    <a16:rowId xmlns:a16="http://schemas.microsoft.com/office/drawing/2014/main" xmlns="" val="10004"/>
                   </a:ext>
                 </a:extLst>
               </a:tr>
@@ -6043,42 +6043,42 @@
                 <a:gridCol w="1074501">
                   <a:extLst>
                     <a:ext uri="{9D8B030D-6E8A-4147-A177-3AD203B41FA5}">
-                      <a16:colId xmlns="" xmlns:a16="http://schemas.microsoft.com/office/drawing/2014/main" val="20000"/>
+                      <a16:colId xmlns:a16="http://schemas.microsoft.com/office/drawing/2014/main" xmlns="" val="20000"/>
                     </a:ext>
                   </a:extLst>
                 </a:gridCol>
                 <a:gridCol w="1051431">
                   <a:extLst>
                     <a:ext uri="{9D8B030D-6E8A-4147-A177-3AD203B41FA5}">
-                      <a16:colId xmlns="" xmlns:a16="http://schemas.microsoft.com/office/drawing/2014/main" val="20001"/>
+                      <a16:colId xmlns:a16="http://schemas.microsoft.com/office/drawing/2014/main" xmlns="" val="20001"/>
                     </a:ext>
                   </a:extLst>
                 </a:gridCol>
                 <a:gridCol w="1104181">
                   <a:extLst>
                     <a:ext uri="{9D8B030D-6E8A-4147-A177-3AD203B41FA5}">
-                      <a16:colId xmlns="" xmlns:a16="http://schemas.microsoft.com/office/drawing/2014/main" val="20002"/>
+                      <a16:colId xmlns:a16="http://schemas.microsoft.com/office/drawing/2014/main" xmlns="" val="20002"/>
                     </a:ext>
                   </a:extLst>
                 </a:gridCol>
                 <a:gridCol w="751557">
                   <a:extLst>
                     <a:ext uri="{9D8B030D-6E8A-4147-A177-3AD203B41FA5}">
-                      <a16:colId xmlns="" xmlns:a16="http://schemas.microsoft.com/office/drawing/2014/main" val="20003"/>
+                      <a16:colId xmlns:a16="http://schemas.microsoft.com/office/drawing/2014/main" xmlns="" val="20003"/>
                     </a:ext>
                   </a:extLst>
                 </a:gridCol>
                 <a:gridCol w="909275">
                   <a:extLst>
                     <a:ext uri="{9D8B030D-6E8A-4147-A177-3AD203B41FA5}">
-                      <a16:colId xmlns="" xmlns:a16="http://schemas.microsoft.com/office/drawing/2014/main" val="20004"/>
+                      <a16:colId xmlns:a16="http://schemas.microsoft.com/office/drawing/2014/main" xmlns="" val="20004"/>
                     </a:ext>
                   </a:extLst>
                 </a:gridCol>
                 <a:gridCol w="1226019">
                   <a:extLst>
                     <a:ext uri="{9D8B030D-6E8A-4147-A177-3AD203B41FA5}">
-                      <a16:colId xmlns="" xmlns:a16="http://schemas.microsoft.com/office/drawing/2014/main" val="20005"/>
+                      <a16:colId xmlns:a16="http://schemas.microsoft.com/office/drawing/2014/main" xmlns="" val="20005"/>
                     </a:ext>
                   </a:extLst>
                 </a:gridCol>
@@ -6170,7 +6170,7 @@
                 </a:tc>
                 <a:extLst>
                   <a:ext uri="{0D108BD9-81ED-4DB2-BD59-A6C34878D82A}">
-                    <a16:rowId xmlns="" xmlns:a16="http://schemas.microsoft.com/office/drawing/2014/main" val="10000"/>
+                    <a16:rowId xmlns:a16="http://schemas.microsoft.com/office/drawing/2014/main" xmlns="" val="10000"/>
                   </a:ext>
                 </a:extLst>
               </a:tr>
@@ -6309,7 +6309,7 @@
                 </a:tc>
                 <a:extLst>
                   <a:ext uri="{0D108BD9-81ED-4DB2-BD59-A6C34878D82A}">
-                    <a16:rowId xmlns="" xmlns:a16="http://schemas.microsoft.com/office/drawing/2014/main" val="10001"/>
+                    <a16:rowId xmlns:a16="http://schemas.microsoft.com/office/drawing/2014/main" xmlns="" val="10001"/>
                   </a:ext>
                 </a:extLst>
               </a:tr>
@@ -6465,7 +6465,7 @@
                 </a:tc>
                 <a:extLst>
                   <a:ext uri="{0D108BD9-81ED-4DB2-BD59-A6C34878D82A}">
-                    <a16:rowId xmlns="" xmlns:a16="http://schemas.microsoft.com/office/drawing/2014/main" val="10002"/>
+                    <a16:rowId xmlns:a16="http://schemas.microsoft.com/office/drawing/2014/main" xmlns="" val="10002"/>
                   </a:ext>
                 </a:extLst>
               </a:tr>
@@ -6604,7 +6604,7 @@
                 </a:tc>
                 <a:extLst>
                   <a:ext uri="{0D108BD9-81ED-4DB2-BD59-A6C34878D82A}">
-                    <a16:rowId xmlns="" xmlns:a16="http://schemas.microsoft.com/office/drawing/2014/main" val="10003"/>
+                    <a16:rowId xmlns:a16="http://schemas.microsoft.com/office/drawing/2014/main" xmlns="" val="10003"/>
                   </a:ext>
                 </a:extLst>
               </a:tr>
@@ -6760,7 +6760,7 @@
                 </a:tc>
                 <a:extLst>
                   <a:ext uri="{0D108BD9-81ED-4DB2-BD59-A6C34878D82A}">
-                    <a16:rowId xmlns="" xmlns:a16="http://schemas.microsoft.com/office/drawing/2014/main" val="10004"/>
+                    <a16:rowId xmlns:a16="http://schemas.microsoft.com/office/drawing/2014/main" xmlns="" val="10004"/>
                   </a:ext>
                 </a:extLst>
               </a:tr>
@@ -8523,42 +8523,42 @@
                 <a:gridCol w="1074501">
                   <a:extLst>
                     <a:ext uri="{9D8B030D-6E8A-4147-A177-3AD203B41FA5}">
-                      <a16:colId xmlns="" xmlns:a16="http://schemas.microsoft.com/office/drawing/2014/main" val="20000"/>
+                      <a16:colId xmlns:a16="http://schemas.microsoft.com/office/drawing/2014/main" xmlns="" val="20000"/>
                     </a:ext>
                   </a:extLst>
                 </a:gridCol>
                 <a:gridCol w="1094563">
                   <a:extLst>
                     <a:ext uri="{9D8B030D-6E8A-4147-A177-3AD203B41FA5}">
-                      <a16:colId xmlns="" xmlns:a16="http://schemas.microsoft.com/office/drawing/2014/main" val="20001"/>
+                      <a16:colId xmlns:a16="http://schemas.microsoft.com/office/drawing/2014/main" xmlns="" val="20001"/>
                     </a:ext>
                   </a:extLst>
                 </a:gridCol>
                 <a:gridCol w="1112808">
                   <a:extLst>
                     <a:ext uri="{9D8B030D-6E8A-4147-A177-3AD203B41FA5}">
-                      <a16:colId xmlns="" xmlns:a16="http://schemas.microsoft.com/office/drawing/2014/main" val="20002"/>
+                      <a16:colId xmlns:a16="http://schemas.microsoft.com/office/drawing/2014/main" xmlns="" val="20002"/>
                     </a:ext>
                   </a:extLst>
                 </a:gridCol>
                 <a:gridCol w="755968">
                   <a:extLst>
                     <a:ext uri="{9D8B030D-6E8A-4147-A177-3AD203B41FA5}">
-                      <a16:colId xmlns="" xmlns:a16="http://schemas.microsoft.com/office/drawing/2014/main" val="20003"/>
+                      <a16:colId xmlns:a16="http://schemas.microsoft.com/office/drawing/2014/main" xmlns="" val="20003"/>
                     </a:ext>
                   </a:extLst>
                 </a:gridCol>
                 <a:gridCol w="909275">
                   <a:extLst>
                     <a:ext uri="{9D8B030D-6E8A-4147-A177-3AD203B41FA5}">
-                      <a16:colId xmlns="" xmlns:a16="http://schemas.microsoft.com/office/drawing/2014/main" val="20004"/>
+                      <a16:colId xmlns:a16="http://schemas.microsoft.com/office/drawing/2014/main" xmlns="" val="20004"/>
                     </a:ext>
                   </a:extLst>
                 </a:gridCol>
                 <a:gridCol w="1226019">
                   <a:extLst>
                     <a:ext uri="{9D8B030D-6E8A-4147-A177-3AD203B41FA5}">
-                      <a16:colId xmlns="" xmlns:a16="http://schemas.microsoft.com/office/drawing/2014/main" val="20005"/>
+                      <a16:colId xmlns:a16="http://schemas.microsoft.com/office/drawing/2014/main" xmlns="" val="20005"/>
                     </a:ext>
                   </a:extLst>
                 </a:gridCol>
@@ -8650,7 +8650,7 @@
                 </a:tc>
                 <a:extLst>
                   <a:ext uri="{0D108BD9-81ED-4DB2-BD59-A6C34878D82A}">
-                    <a16:rowId xmlns="" xmlns:a16="http://schemas.microsoft.com/office/drawing/2014/main" val="10000"/>
+                    <a16:rowId xmlns:a16="http://schemas.microsoft.com/office/drawing/2014/main" xmlns="" val="10000"/>
                   </a:ext>
                 </a:extLst>
               </a:tr>
@@ -8749,7 +8749,7 @@
                 </a:tc>
                 <a:extLst>
                   <a:ext uri="{0D108BD9-81ED-4DB2-BD59-A6C34878D82A}">
-                    <a16:rowId xmlns="" xmlns:a16="http://schemas.microsoft.com/office/drawing/2014/main" val="10001"/>
+                    <a16:rowId xmlns:a16="http://schemas.microsoft.com/office/drawing/2014/main" xmlns="" val="10001"/>
                   </a:ext>
                 </a:extLst>
               </a:tr>
@@ -8867,7 +8867,7 @@
                 </a:tc>
                 <a:extLst>
                   <a:ext uri="{0D108BD9-81ED-4DB2-BD59-A6C34878D82A}">
-                    <a16:rowId xmlns="" xmlns:a16="http://schemas.microsoft.com/office/drawing/2014/main" val="10002"/>
+                    <a16:rowId xmlns:a16="http://schemas.microsoft.com/office/drawing/2014/main" xmlns="" val="10002"/>
                   </a:ext>
                 </a:extLst>
               </a:tr>
@@ -9008,7 +9008,7 @@
                 </a:tc>
                 <a:extLst>
                   <a:ext uri="{0D108BD9-81ED-4DB2-BD59-A6C34878D82A}">
-                    <a16:rowId xmlns="" xmlns:a16="http://schemas.microsoft.com/office/drawing/2014/main" val="10003"/>
+                    <a16:rowId xmlns:a16="http://schemas.microsoft.com/office/drawing/2014/main" xmlns="" val="10003"/>
                   </a:ext>
                 </a:extLst>
               </a:tr>
@@ -9151,7 +9151,7 @@
                 </a:tc>
                 <a:extLst>
                   <a:ext uri="{0D108BD9-81ED-4DB2-BD59-A6C34878D82A}">
-                    <a16:rowId xmlns="" xmlns:a16="http://schemas.microsoft.com/office/drawing/2014/main" val="10004"/>
+                    <a16:rowId xmlns:a16="http://schemas.microsoft.com/office/drawing/2014/main" xmlns="" val="10004"/>
                   </a:ext>
                 </a:extLst>
               </a:tr>
@@ -9242,42 +9242,42 @@
                 <a:gridCol w="1074501">
                   <a:extLst>
                     <a:ext uri="{9D8B030D-6E8A-4147-A177-3AD203B41FA5}">
-                      <a16:colId xmlns="" xmlns:a16="http://schemas.microsoft.com/office/drawing/2014/main" val="20000"/>
+                      <a16:colId xmlns:a16="http://schemas.microsoft.com/office/drawing/2014/main" xmlns="" val="20000"/>
                     </a:ext>
                   </a:extLst>
                 </a:gridCol>
                 <a:gridCol w="1051431">
                   <a:extLst>
                     <a:ext uri="{9D8B030D-6E8A-4147-A177-3AD203B41FA5}">
-                      <a16:colId xmlns="" xmlns:a16="http://schemas.microsoft.com/office/drawing/2014/main" val="20001"/>
+                      <a16:colId xmlns:a16="http://schemas.microsoft.com/office/drawing/2014/main" xmlns="" val="20001"/>
                     </a:ext>
                   </a:extLst>
                 </a:gridCol>
                 <a:gridCol w="1104181">
                   <a:extLst>
                     <a:ext uri="{9D8B030D-6E8A-4147-A177-3AD203B41FA5}">
-                      <a16:colId xmlns="" xmlns:a16="http://schemas.microsoft.com/office/drawing/2014/main" val="20002"/>
+                      <a16:colId xmlns:a16="http://schemas.microsoft.com/office/drawing/2014/main" xmlns="" val="20002"/>
                     </a:ext>
                   </a:extLst>
                 </a:gridCol>
                 <a:gridCol w="751557">
                   <a:extLst>
                     <a:ext uri="{9D8B030D-6E8A-4147-A177-3AD203B41FA5}">
-                      <a16:colId xmlns="" xmlns:a16="http://schemas.microsoft.com/office/drawing/2014/main" val="20003"/>
+                      <a16:colId xmlns:a16="http://schemas.microsoft.com/office/drawing/2014/main" xmlns="" val="20003"/>
                     </a:ext>
                   </a:extLst>
                 </a:gridCol>
                 <a:gridCol w="909275">
                   <a:extLst>
                     <a:ext uri="{9D8B030D-6E8A-4147-A177-3AD203B41FA5}">
-                      <a16:colId xmlns="" xmlns:a16="http://schemas.microsoft.com/office/drawing/2014/main" val="20004"/>
+                      <a16:colId xmlns:a16="http://schemas.microsoft.com/office/drawing/2014/main" xmlns="" val="20004"/>
                     </a:ext>
                   </a:extLst>
                 </a:gridCol>
                 <a:gridCol w="1226019">
                   <a:extLst>
                     <a:ext uri="{9D8B030D-6E8A-4147-A177-3AD203B41FA5}">
-                      <a16:colId xmlns="" xmlns:a16="http://schemas.microsoft.com/office/drawing/2014/main" val="20005"/>
+                      <a16:colId xmlns:a16="http://schemas.microsoft.com/office/drawing/2014/main" xmlns="" val="20005"/>
                     </a:ext>
                   </a:extLst>
                 </a:gridCol>
@@ -9369,7 +9369,7 @@
                 </a:tc>
                 <a:extLst>
                   <a:ext uri="{0D108BD9-81ED-4DB2-BD59-A6C34878D82A}">
-                    <a16:rowId xmlns="" xmlns:a16="http://schemas.microsoft.com/office/drawing/2014/main" val="10000"/>
+                    <a16:rowId xmlns:a16="http://schemas.microsoft.com/office/drawing/2014/main" xmlns="" val="10000"/>
                   </a:ext>
                 </a:extLst>
               </a:tr>
@@ -9508,7 +9508,7 @@
                 </a:tc>
                 <a:extLst>
                   <a:ext uri="{0D108BD9-81ED-4DB2-BD59-A6C34878D82A}">
-                    <a16:rowId xmlns="" xmlns:a16="http://schemas.microsoft.com/office/drawing/2014/main" val="10001"/>
+                    <a16:rowId xmlns:a16="http://schemas.microsoft.com/office/drawing/2014/main" xmlns="" val="10001"/>
                   </a:ext>
                 </a:extLst>
               </a:tr>
@@ -9664,7 +9664,7 @@
                 </a:tc>
                 <a:extLst>
                   <a:ext uri="{0D108BD9-81ED-4DB2-BD59-A6C34878D82A}">
-                    <a16:rowId xmlns="" xmlns:a16="http://schemas.microsoft.com/office/drawing/2014/main" val="10002"/>
+                    <a16:rowId xmlns:a16="http://schemas.microsoft.com/office/drawing/2014/main" xmlns="" val="10002"/>
                   </a:ext>
                 </a:extLst>
               </a:tr>
@@ -9803,7 +9803,7 @@
                 </a:tc>
                 <a:extLst>
                   <a:ext uri="{0D108BD9-81ED-4DB2-BD59-A6C34878D82A}">
-                    <a16:rowId xmlns="" xmlns:a16="http://schemas.microsoft.com/office/drawing/2014/main" val="10003"/>
+                    <a16:rowId xmlns:a16="http://schemas.microsoft.com/office/drawing/2014/main" xmlns="" val="10003"/>
                   </a:ext>
                 </a:extLst>
               </a:tr>
@@ -9942,7 +9942,7 @@
                 </a:tc>
                 <a:extLst>
                   <a:ext uri="{0D108BD9-81ED-4DB2-BD59-A6C34878D82A}">
-                    <a16:rowId xmlns="" xmlns:a16="http://schemas.microsoft.com/office/drawing/2014/main" val="10004"/>
+                    <a16:rowId xmlns:a16="http://schemas.microsoft.com/office/drawing/2014/main" xmlns="" val="10004"/>
                   </a:ext>
                 </a:extLst>
               </a:tr>
@@ -11449,28 +11449,28 @@
                 <a:gridCol w="2628900">
                   <a:extLst>
                     <a:ext uri="{9D8B030D-6E8A-4147-A177-3AD203B41FA5}">
-                      <a16:colId xmlns="" xmlns:a16="http://schemas.microsoft.com/office/drawing/2014/main" val="20000"/>
+                      <a16:colId xmlns:a16="http://schemas.microsoft.com/office/drawing/2014/main" xmlns="" val="20000"/>
                     </a:ext>
                   </a:extLst>
                 </a:gridCol>
                 <a:gridCol w="2628900">
                   <a:extLst>
                     <a:ext uri="{9D8B030D-6E8A-4147-A177-3AD203B41FA5}">
-                      <a16:colId xmlns="" xmlns:a16="http://schemas.microsoft.com/office/drawing/2014/main" val="20001"/>
+                      <a16:colId xmlns:a16="http://schemas.microsoft.com/office/drawing/2014/main" xmlns="" val="20001"/>
                     </a:ext>
                   </a:extLst>
                 </a:gridCol>
                 <a:gridCol w="2628900">
                   <a:extLst>
                     <a:ext uri="{9D8B030D-6E8A-4147-A177-3AD203B41FA5}">
-                      <a16:colId xmlns="" xmlns:a16="http://schemas.microsoft.com/office/drawing/2014/main" val="20002"/>
+                      <a16:colId xmlns:a16="http://schemas.microsoft.com/office/drawing/2014/main" xmlns="" val="20002"/>
                     </a:ext>
                   </a:extLst>
                 </a:gridCol>
                 <a:gridCol w="2628900">
                   <a:extLst>
                     <a:ext uri="{9D8B030D-6E8A-4147-A177-3AD203B41FA5}">
-                      <a16:colId xmlns="" xmlns:a16="http://schemas.microsoft.com/office/drawing/2014/main" val="20003"/>
+                      <a16:colId xmlns:a16="http://schemas.microsoft.com/office/drawing/2014/main" xmlns="" val="20003"/>
                     </a:ext>
                   </a:extLst>
                 </a:gridCol>
@@ -11534,7 +11534,7 @@
                 </a:tc>
                 <a:extLst>
                   <a:ext uri="{0D108BD9-81ED-4DB2-BD59-A6C34878D82A}">
-                    <a16:rowId xmlns="" xmlns:a16="http://schemas.microsoft.com/office/drawing/2014/main" val="10000"/>
+                    <a16:rowId xmlns:a16="http://schemas.microsoft.com/office/drawing/2014/main" xmlns="" val="10000"/>
                   </a:ext>
                 </a:extLst>
               </a:tr>
@@ -11597,7 +11597,7 @@
                 </a:tc>
                 <a:extLst>
                   <a:ext uri="{0D108BD9-81ED-4DB2-BD59-A6C34878D82A}">
-                    <a16:rowId xmlns="" xmlns:a16="http://schemas.microsoft.com/office/drawing/2014/main" val="10001"/>
+                    <a16:rowId xmlns:a16="http://schemas.microsoft.com/office/drawing/2014/main" xmlns="" val="10001"/>
                   </a:ext>
                 </a:extLst>
               </a:tr>
@@ -11690,7 +11690,7 @@
                 </a:tc>
                 <a:extLst>
                   <a:ext uri="{0D108BD9-81ED-4DB2-BD59-A6C34878D82A}">
-                    <a16:rowId xmlns="" xmlns:a16="http://schemas.microsoft.com/office/drawing/2014/main" val="10002"/>
+                    <a16:rowId xmlns:a16="http://schemas.microsoft.com/office/drawing/2014/main" xmlns="" val="10002"/>
                   </a:ext>
                 </a:extLst>
               </a:tr>
@@ -11779,7 +11779,7 @@
                 </a:tc>
                 <a:extLst>
                   <a:ext uri="{0D108BD9-81ED-4DB2-BD59-A6C34878D82A}">
-                    <a16:rowId xmlns="" xmlns:a16="http://schemas.microsoft.com/office/drawing/2014/main" val="10003"/>
+                    <a16:rowId xmlns:a16="http://schemas.microsoft.com/office/drawing/2014/main" xmlns="" val="10003"/>
                   </a:ext>
                 </a:extLst>
               </a:tr>
@@ -11907,42 +11907,42 @@
                 <a:gridCol w="1074501">
                   <a:extLst>
                     <a:ext uri="{9D8B030D-6E8A-4147-A177-3AD203B41FA5}">
-                      <a16:colId xmlns="" xmlns:a16="http://schemas.microsoft.com/office/drawing/2014/main" val="20000"/>
+                      <a16:colId xmlns:a16="http://schemas.microsoft.com/office/drawing/2014/main" xmlns="" val="20000"/>
                     </a:ext>
                   </a:extLst>
                 </a:gridCol>
                 <a:gridCol w="1094563">
                   <a:extLst>
                     <a:ext uri="{9D8B030D-6E8A-4147-A177-3AD203B41FA5}">
-                      <a16:colId xmlns="" xmlns:a16="http://schemas.microsoft.com/office/drawing/2014/main" val="20001"/>
+                      <a16:colId xmlns:a16="http://schemas.microsoft.com/office/drawing/2014/main" xmlns="" val="20001"/>
                     </a:ext>
                   </a:extLst>
                 </a:gridCol>
                 <a:gridCol w="1112808">
                   <a:extLst>
                     <a:ext uri="{9D8B030D-6E8A-4147-A177-3AD203B41FA5}">
-                      <a16:colId xmlns="" xmlns:a16="http://schemas.microsoft.com/office/drawing/2014/main" val="20002"/>
+                      <a16:colId xmlns:a16="http://schemas.microsoft.com/office/drawing/2014/main" xmlns="" val="20002"/>
                     </a:ext>
                   </a:extLst>
                 </a:gridCol>
                 <a:gridCol w="755968">
                   <a:extLst>
                     <a:ext uri="{9D8B030D-6E8A-4147-A177-3AD203B41FA5}">
-                      <a16:colId xmlns="" xmlns:a16="http://schemas.microsoft.com/office/drawing/2014/main" val="20003"/>
+                      <a16:colId xmlns:a16="http://schemas.microsoft.com/office/drawing/2014/main" xmlns="" val="20003"/>
                     </a:ext>
                   </a:extLst>
                 </a:gridCol>
                 <a:gridCol w="909275">
                   <a:extLst>
                     <a:ext uri="{9D8B030D-6E8A-4147-A177-3AD203B41FA5}">
-                      <a16:colId xmlns="" xmlns:a16="http://schemas.microsoft.com/office/drawing/2014/main" val="20004"/>
+                      <a16:colId xmlns:a16="http://schemas.microsoft.com/office/drawing/2014/main" xmlns="" val="20004"/>
                     </a:ext>
                   </a:extLst>
                 </a:gridCol>
                 <a:gridCol w="1226019">
                   <a:extLst>
                     <a:ext uri="{9D8B030D-6E8A-4147-A177-3AD203B41FA5}">
-                      <a16:colId xmlns="" xmlns:a16="http://schemas.microsoft.com/office/drawing/2014/main" val="20005"/>
+                      <a16:colId xmlns:a16="http://schemas.microsoft.com/office/drawing/2014/main" xmlns="" val="20005"/>
                     </a:ext>
                   </a:extLst>
                 </a:gridCol>
@@ -12034,7 +12034,7 @@
                 </a:tc>
                 <a:extLst>
                   <a:ext uri="{0D108BD9-81ED-4DB2-BD59-A6C34878D82A}">
-                    <a16:rowId xmlns="" xmlns:a16="http://schemas.microsoft.com/office/drawing/2014/main" val="10000"/>
+                    <a16:rowId xmlns:a16="http://schemas.microsoft.com/office/drawing/2014/main" xmlns="" val="10000"/>
                   </a:ext>
                 </a:extLst>
               </a:tr>
@@ -12133,7 +12133,7 @@
                 </a:tc>
                 <a:extLst>
                   <a:ext uri="{0D108BD9-81ED-4DB2-BD59-A6C34878D82A}">
-                    <a16:rowId xmlns="" xmlns:a16="http://schemas.microsoft.com/office/drawing/2014/main" val="10001"/>
+                    <a16:rowId xmlns:a16="http://schemas.microsoft.com/office/drawing/2014/main" xmlns="" val="10001"/>
                   </a:ext>
                 </a:extLst>
               </a:tr>
@@ -12251,7 +12251,7 @@
                 </a:tc>
                 <a:extLst>
                   <a:ext uri="{0D108BD9-81ED-4DB2-BD59-A6C34878D82A}">
-                    <a16:rowId xmlns="" xmlns:a16="http://schemas.microsoft.com/office/drawing/2014/main" val="10002"/>
+                    <a16:rowId xmlns:a16="http://schemas.microsoft.com/office/drawing/2014/main" xmlns="" val="10002"/>
                   </a:ext>
                 </a:extLst>
               </a:tr>
@@ -12392,7 +12392,7 @@
                 </a:tc>
                 <a:extLst>
                   <a:ext uri="{0D108BD9-81ED-4DB2-BD59-A6C34878D82A}">
-                    <a16:rowId xmlns="" xmlns:a16="http://schemas.microsoft.com/office/drawing/2014/main" val="10003"/>
+                    <a16:rowId xmlns:a16="http://schemas.microsoft.com/office/drawing/2014/main" xmlns="" val="10003"/>
                   </a:ext>
                 </a:extLst>
               </a:tr>
@@ -12533,7 +12533,7 @@
                 </a:tc>
                 <a:extLst>
                   <a:ext uri="{0D108BD9-81ED-4DB2-BD59-A6C34878D82A}">
-                    <a16:rowId xmlns="" xmlns:a16="http://schemas.microsoft.com/office/drawing/2014/main" val="10004"/>
+                    <a16:rowId xmlns:a16="http://schemas.microsoft.com/office/drawing/2014/main" xmlns="" val="10004"/>
                   </a:ext>
                 </a:extLst>
               </a:tr>
@@ -12631,42 +12631,42 @@
                 <a:gridCol w="1074501">
                   <a:extLst>
                     <a:ext uri="{9D8B030D-6E8A-4147-A177-3AD203B41FA5}">
-                      <a16:colId xmlns="" xmlns:a16="http://schemas.microsoft.com/office/drawing/2014/main" val="20000"/>
+                      <a16:colId xmlns:a16="http://schemas.microsoft.com/office/drawing/2014/main" xmlns="" val="20000"/>
                     </a:ext>
                   </a:extLst>
                 </a:gridCol>
                 <a:gridCol w="1051431">
                   <a:extLst>
                     <a:ext uri="{9D8B030D-6E8A-4147-A177-3AD203B41FA5}">
-                      <a16:colId xmlns="" xmlns:a16="http://schemas.microsoft.com/office/drawing/2014/main" val="20001"/>
+                      <a16:colId xmlns:a16="http://schemas.microsoft.com/office/drawing/2014/main" xmlns="" val="20001"/>
                     </a:ext>
                   </a:extLst>
                 </a:gridCol>
                 <a:gridCol w="1104181">
                   <a:extLst>
                     <a:ext uri="{9D8B030D-6E8A-4147-A177-3AD203B41FA5}">
-                      <a16:colId xmlns="" xmlns:a16="http://schemas.microsoft.com/office/drawing/2014/main" val="20002"/>
+                      <a16:colId xmlns:a16="http://schemas.microsoft.com/office/drawing/2014/main" xmlns="" val="20002"/>
                     </a:ext>
                   </a:extLst>
                 </a:gridCol>
                 <a:gridCol w="751557">
                   <a:extLst>
                     <a:ext uri="{9D8B030D-6E8A-4147-A177-3AD203B41FA5}">
-                      <a16:colId xmlns="" xmlns:a16="http://schemas.microsoft.com/office/drawing/2014/main" val="20003"/>
+                      <a16:colId xmlns:a16="http://schemas.microsoft.com/office/drawing/2014/main" xmlns="" val="20003"/>
                     </a:ext>
                   </a:extLst>
                 </a:gridCol>
                 <a:gridCol w="909275">
                   <a:extLst>
                     <a:ext uri="{9D8B030D-6E8A-4147-A177-3AD203B41FA5}">
-                      <a16:colId xmlns="" xmlns:a16="http://schemas.microsoft.com/office/drawing/2014/main" val="20004"/>
+                      <a16:colId xmlns:a16="http://schemas.microsoft.com/office/drawing/2014/main" xmlns="" val="20004"/>
                     </a:ext>
                   </a:extLst>
                 </a:gridCol>
                 <a:gridCol w="1226019">
                   <a:extLst>
                     <a:ext uri="{9D8B030D-6E8A-4147-A177-3AD203B41FA5}">
-                      <a16:colId xmlns="" xmlns:a16="http://schemas.microsoft.com/office/drawing/2014/main" val="20005"/>
+                      <a16:colId xmlns:a16="http://schemas.microsoft.com/office/drawing/2014/main" xmlns="" val="20005"/>
                     </a:ext>
                   </a:extLst>
                 </a:gridCol>
@@ -12758,7 +12758,7 @@
                 </a:tc>
                 <a:extLst>
                   <a:ext uri="{0D108BD9-81ED-4DB2-BD59-A6C34878D82A}">
-                    <a16:rowId xmlns="" xmlns:a16="http://schemas.microsoft.com/office/drawing/2014/main" val="10000"/>
+                    <a16:rowId xmlns:a16="http://schemas.microsoft.com/office/drawing/2014/main" xmlns="" val="10000"/>
                   </a:ext>
                 </a:extLst>
               </a:tr>
@@ -12853,7 +12853,7 @@
                 </a:tc>
                 <a:extLst>
                   <a:ext uri="{0D108BD9-81ED-4DB2-BD59-A6C34878D82A}">
-                    <a16:rowId xmlns="" xmlns:a16="http://schemas.microsoft.com/office/drawing/2014/main" val="10001"/>
+                    <a16:rowId xmlns:a16="http://schemas.microsoft.com/office/drawing/2014/main" xmlns="" val="10001"/>
                   </a:ext>
                 </a:extLst>
               </a:tr>
@@ -13009,7 +13009,7 @@
                 </a:tc>
                 <a:extLst>
                   <a:ext uri="{0D108BD9-81ED-4DB2-BD59-A6C34878D82A}">
-                    <a16:rowId xmlns="" xmlns:a16="http://schemas.microsoft.com/office/drawing/2014/main" val="10002"/>
+                    <a16:rowId xmlns:a16="http://schemas.microsoft.com/office/drawing/2014/main" xmlns="" val="10002"/>
                   </a:ext>
                 </a:extLst>
               </a:tr>
@@ -13165,7 +13165,7 @@
                 </a:tc>
                 <a:extLst>
                   <a:ext uri="{0D108BD9-81ED-4DB2-BD59-A6C34878D82A}">
-                    <a16:rowId xmlns="" xmlns:a16="http://schemas.microsoft.com/office/drawing/2014/main" val="10003"/>
+                    <a16:rowId xmlns:a16="http://schemas.microsoft.com/office/drawing/2014/main" xmlns="" val="10003"/>
                   </a:ext>
                 </a:extLst>
               </a:tr>
@@ -13298,7 +13298,7 @@
                 </a:tc>
                 <a:extLst>
                   <a:ext uri="{0D108BD9-81ED-4DB2-BD59-A6C34878D82A}">
-                    <a16:rowId xmlns="" xmlns:a16="http://schemas.microsoft.com/office/drawing/2014/main" val="10004"/>
+                    <a16:rowId xmlns:a16="http://schemas.microsoft.com/office/drawing/2014/main" xmlns="" val="10004"/>
                   </a:ext>
                 </a:extLst>
               </a:tr>
@@ -14594,14 +14594,14 @@
           <p:nvPr>
             <p:extLst>
               <p:ext uri="{D42A27DB-BD31-4B8C-83A1-F6EECF244321}">
-                <p14:modId xmlns:p14="http://schemas.microsoft.com/office/powerpoint/2010/main" val="461605054"/>
+                <p14:modId xmlns:p14="http://schemas.microsoft.com/office/powerpoint/2010/main" val="1618985894"/>
               </p:ext>
             </p:extLst>
           </p:nvPr>
         </p:nvGraphicFramePr>
         <p:xfrm>
           <a:off x="2032000" y="1444285"/>
-          <a:ext cx="8128000" cy="2595880"/>
+          <a:ext cx="8128000" cy="3683000"/>
         </p:xfrm>
         <a:graphic>
           <a:graphicData uri="http://schemas.openxmlformats.org/drawingml/2006/table">
@@ -14673,7 +14673,25 @@
                       </a:r>
                       <a:r>
                         <a:rPr lang="en-IN" baseline="0" dirty="0" smtClean="0"/>
-                        <a:t> (lower=0; upper=1)</a:t>
+                        <a:t> (lower=0; upper=1</a:t>
+                      </a:r>
+                      <a:r>
+                        <a:rPr lang="en-IN" baseline="0" dirty="0" smtClean="0"/>
+                        <a:t>)</a:t>
+                      </a:r>
+                    </a:p>
+                    <a:p>
+                      <a:r>
+                        <a:rPr lang="en-IN" baseline="0" dirty="0" smtClean="0"/>
+                        <a:t>(0,0.111,0.222,</a:t>
+                      </a:r>
+                      <a:r>
+                        <a:rPr lang="en-IN" b="1" baseline="0" dirty="0" smtClean="0"/>
+                        <a:t>0.333</a:t>
+                      </a:r>
+                      <a:r>
+                        <a:rPr lang="en-IN" baseline="0" dirty="0" smtClean="0"/>
+                        <a:t>,0.444,0.556,0.667, 0.778,0.889,1)</a:t>
                       </a:r>
                       <a:endParaRPr lang="en-GB" dirty="0"/>
                     </a:p>
@@ -14707,9 +14725,44 @@
                       </a:r>
                       <a:r>
                         <a:rPr lang="en-IN" baseline="0" dirty="0" smtClean="0"/>
-                        <a:t> (lower=0; upper=1)</a:t>
-                      </a:r>
-                      <a:endParaRPr lang="en-GB" dirty="0"/>
+                        <a:t> (lower=0; upper=1</a:t>
+                      </a:r>
+                      <a:r>
+                        <a:rPr lang="en-IN" baseline="0" dirty="0" smtClean="0"/>
+                        <a:t>)</a:t>
+                      </a:r>
+                    </a:p>
+                    <a:p>
+                      <a:pPr marL="0" marR="0" lvl="0" indent="0" algn="l" defTabSz="914400" rtl="0" eaLnBrk="1" fontAlgn="auto" latinLnBrk="0" hangingPunct="1">
+                        <a:lnSpc>
+                          <a:spcPct val="100000"/>
+                        </a:lnSpc>
+                        <a:spcBef>
+                          <a:spcPts val="0"/>
+                        </a:spcBef>
+                        <a:spcAft>
+                          <a:spcPts val="0"/>
+                        </a:spcAft>
+                        <a:buClrTx/>
+                        <a:buSzTx/>
+                        <a:buFontTx/>
+                        <a:buNone/>
+                        <a:tabLst/>
+                        <a:defRPr/>
+                      </a:pPr>
+                      <a:r>
+                        <a:rPr lang="en-IN" baseline="0" dirty="0" smtClean="0"/>
+                        <a:t>(0,0.111,0.222,</a:t>
+                      </a:r>
+                      <a:r>
+                        <a:rPr lang="en-IN" b="1" baseline="0" dirty="0" smtClean="0"/>
+                        <a:t>0.333</a:t>
+                      </a:r>
+                      <a:r>
+                        <a:rPr lang="en-IN" baseline="0" dirty="0" smtClean="0"/>
+                        <a:t>,0.444,0.556,0.667, 0.778,0.889,1)</a:t>
+                      </a:r>
+                      <a:endParaRPr lang="en-GB" dirty="0" smtClean="0"/>
                     </a:p>
                   </a:txBody>
                   <a:tcPr/>
@@ -14737,7 +14790,15 @@
                     <a:p>
                       <a:r>
                         <a:rPr lang="en-IN" dirty="0" smtClean="0"/>
-                        <a:t>alpha=0.02</a:t>
+                        <a:t>alpha=0.005,0.01,</a:t>
+                      </a:r>
+                      <a:r>
+                        <a:rPr lang="en-IN" b="1" dirty="0" smtClean="0"/>
+                        <a:t>0.02</a:t>
+                      </a:r>
+                      <a:r>
+                        <a:rPr lang="en-IN" dirty="0" smtClean="0"/>
+                        <a:t>,0.1</a:t>
                       </a:r>
                       <a:endParaRPr lang="en-GB" dirty="0"/>
                     </a:p>
@@ -14767,7 +14828,15 @@
                     <a:p>
                       <a:r>
                         <a:rPr lang="en-IN" dirty="0" smtClean="0"/>
-                        <a:t>alpha=0.02</a:t>
+                        <a:t>alpha=0.005,0.01,</a:t>
+                      </a:r>
+                      <a:r>
+                        <a:rPr lang="en-IN" b="1" dirty="0" smtClean="0"/>
+                        <a:t>0.02</a:t>
+                      </a:r>
+                      <a:r>
+                        <a:rPr lang="en-IN" dirty="0" smtClean="0"/>
+                        <a:t>,0.1</a:t>
                       </a:r>
                       <a:endParaRPr lang="en-GB" dirty="0"/>
                     </a:p>
@@ -14801,7 +14870,27 @@
                       </a:r>
                       <a:r>
                         <a:rPr lang="en-IN" baseline="0" dirty="0" smtClean="0"/>
-                        <a:t> = 10L, mu = 15L</a:t>
+                        <a:t> = </a:t>
+                      </a:r>
+                      <a:r>
+                        <a:rPr lang="en-IN" b="1" baseline="0" dirty="0" smtClean="0"/>
+                        <a:t>10L</a:t>
+                      </a:r>
+                      <a:r>
+                        <a:rPr lang="en-IN" baseline="0" dirty="0" smtClean="0"/>
+                        <a:t>,20L,30L, </a:t>
+                      </a:r>
+                      <a:r>
+                        <a:rPr lang="en-IN" baseline="0" dirty="0" smtClean="0"/>
+                        <a:t>mu = </a:t>
+                      </a:r>
+                      <a:r>
+                        <a:rPr lang="en-IN" b="1" baseline="0" dirty="0" smtClean="0"/>
+                        <a:t>10L</a:t>
+                      </a:r>
+                      <a:r>
+                        <a:rPr lang="en-IN" baseline="0" dirty="0" smtClean="0"/>
+                        <a:t>,15L,20L</a:t>
                       </a:r>
                       <a:endParaRPr lang="en-GB" dirty="0"/>
                     </a:p>
@@ -14843,9 +14932,17 @@
                       </a:r>
                       <a:r>
                         <a:rPr lang="en-IN" dirty="0" smtClean="0"/>
-                        <a:t> =200L</a:t>
-                      </a:r>
-                      <a:endParaRPr lang="en-GB" dirty="0"/>
+                        <a:t> </a:t>
+                      </a:r>
+                      <a:r>
+                        <a:rPr lang="en-IN" dirty="0" smtClean="0"/>
+                        <a:t>=10L,50L,100L,</a:t>
+                      </a:r>
+                      <a:r>
+                        <a:rPr lang="en-IN" b="1" dirty="0" smtClean="0"/>
+                        <a:t>200L</a:t>
+                      </a:r>
+                      <a:endParaRPr lang="en-GB" b="1" dirty="0"/>
                     </a:p>
                   </a:txBody>
                   <a:tcPr/>
@@ -14863,7 +14960,7 @@
         </p:nvSpPr>
         <p:spPr>
           <a:xfrm>
-            <a:off x="2032000" y="4758834"/>
+            <a:off x="2032000" y="5127285"/>
             <a:ext cx="8704053" cy="2462213"/>
           </a:xfrm>
           <a:prstGeom prst="rect">
@@ -14942,14 +15039,10 @@
             </a:r>
             <a:r>
               <a:rPr lang="en-GB" sz="1600" dirty="0"/>
-              <a:t>Maximal number of iterations. Note, that this is usually not equal to the number of function </a:t>
-            </a:r>
-            <a:r>
-              <a:rPr lang="en-GB" sz="1600"/>
-              <a:t>evaluations</a:t>
-            </a:r>
-            <a:r>
-              <a:rPr lang="en-GB" sz="1600" smtClean="0"/>
+              <a:t>Maximal number of iterations. Note, that this is usually not equal to the number of function evaluations</a:t>
+            </a:r>
+            <a:r>
+              <a:rPr lang="en-GB" sz="1600" dirty="0" smtClean="0"/>
               <a:t>.</a:t>
             </a:r>
           </a:p>

--- a/Reports/Final.pptx
+++ b/Reports/Final.pptx
@@ -5141,42 +5141,42 @@
                 <a:gridCol w="1074501">
                   <a:extLst>
                     <a:ext uri="{9D8B030D-6E8A-4147-A177-3AD203B41FA5}">
-                      <a16:colId xmlns:a16="http://schemas.microsoft.com/office/drawing/2014/main" xmlns="" val="20000"/>
+                      <a16:colId xmlns="" xmlns:a16="http://schemas.microsoft.com/office/drawing/2014/main" val="20000"/>
                     </a:ext>
                   </a:extLst>
                 </a:gridCol>
                 <a:gridCol w="1094563">
                   <a:extLst>
                     <a:ext uri="{9D8B030D-6E8A-4147-A177-3AD203B41FA5}">
-                      <a16:colId xmlns:a16="http://schemas.microsoft.com/office/drawing/2014/main" xmlns="" val="20001"/>
+                      <a16:colId xmlns="" xmlns:a16="http://schemas.microsoft.com/office/drawing/2014/main" val="20001"/>
                     </a:ext>
                   </a:extLst>
                 </a:gridCol>
                 <a:gridCol w="1112808">
                   <a:extLst>
                     <a:ext uri="{9D8B030D-6E8A-4147-A177-3AD203B41FA5}">
-                      <a16:colId xmlns:a16="http://schemas.microsoft.com/office/drawing/2014/main" xmlns="" val="20002"/>
+                      <a16:colId xmlns="" xmlns:a16="http://schemas.microsoft.com/office/drawing/2014/main" val="20002"/>
                     </a:ext>
                   </a:extLst>
                 </a:gridCol>
                 <a:gridCol w="755968">
                   <a:extLst>
                     <a:ext uri="{9D8B030D-6E8A-4147-A177-3AD203B41FA5}">
-                      <a16:colId xmlns:a16="http://schemas.microsoft.com/office/drawing/2014/main" xmlns="" val="20003"/>
+                      <a16:colId xmlns="" xmlns:a16="http://schemas.microsoft.com/office/drawing/2014/main" val="20003"/>
                     </a:ext>
                   </a:extLst>
                 </a:gridCol>
                 <a:gridCol w="909275">
                   <a:extLst>
                     <a:ext uri="{9D8B030D-6E8A-4147-A177-3AD203B41FA5}">
-                      <a16:colId xmlns:a16="http://schemas.microsoft.com/office/drawing/2014/main" xmlns="" val="20004"/>
+                      <a16:colId xmlns="" xmlns:a16="http://schemas.microsoft.com/office/drawing/2014/main" val="20004"/>
                     </a:ext>
                   </a:extLst>
                 </a:gridCol>
                 <a:gridCol w="1226019">
                   <a:extLst>
                     <a:ext uri="{9D8B030D-6E8A-4147-A177-3AD203B41FA5}">
-                      <a16:colId xmlns:a16="http://schemas.microsoft.com/office/drawing/2014/main" xmlns="" val="20005"/>
+                      <a16:colId xmlns="" xmlns:a16="http://schemas.microsoft.com/office/drawing/2014/main" val="20005"/>
                     </a:ext>
                   </a:extLst>
                 </a:gridCol>
@@ -5268,7 +5268,7 @@
                 </a:tc>
                 <a:extLst>
                   <a:ext uri="{0D108BD9-81ED-4DB2-BD59-A6C34878D82A}">
-                    <a16:rowId xmlns:a16="http://schemas.microsoft.com/office/drawing/2014/main" xmlns="" val="10000"/>
+                    <a16:rowId xmlns="" xmlns:a16="http://schemas.microsoft.com/office/drawing/2014/main" val="10000"/>
                   </a:ext>
                 </a:extLst>
               </a:tr>
@@ -5367,7 +5367,7 @@
                 </a:tc>
                 <a:extLst>
                   <a:ext uri="{0D108BD9-81ED-4DB2-BD59-A6C34878D82A}">
-                    <a16:rowId xmlns:a16="http://schemas.microsoft.com/office/drawing/2014/main" xmlns="" val="10001"/>
+                    <a16:rowId xmlns="" xmlns:a16="http://schemas.microsoft.com/office/drawing/2014/main" val="10001"/>
                   </a:ext>
                 </a:extLst>
               </a:tr>
@@ -5525,7 +5525,7 @@
                 </a:tc>
                 <a:extLst>
                   <a:ext uri="{0D108BD9-81ED-4DB2-BD59-A6C34878D82A}">
-                    <a16:rowId xmlns:a16="http://schemas.microsoft.com/office/drawing/2014/main" xmlns="" val="10002"/>
+                    <a16:rowId xmlns="" xmlns:a16="http://schemas.microsoft.com/office/drawing/2014/main" val="10002"/>
                   </a:ext>
                 </a:extLst>
               </a:tr>
@@ -5685,7 +5685,7 @@
                 </a:tc>
                 <a:extLst>
                   <a:ext uri="{0D108BD9-81ED-4DB2-BD59-A6C34878D82A}">
-                    <a16:rowId xmlns:a16="http://schemas.microsoft.com/office/drawing/2014/main" xmlns="" val="10003"/>
+                    <a16:rowId xmlns="" xmlns:a16="http://schemas.microsoft.com/office/drawing/2014/main" val="10003"/>
                   </a:ext>
                 </a:extLst>
               </a:tr>
@@ -5826,7 +5826,7 @@
                 </a:tc>
                 <a:extLst>
                   <a:ext uri="{0D108BD9-81ED-4DB2-BD59-A6C34878D82A}">
-                    <a16:rowId xmlns:a16="http://schemas.microsoft.com/office/drawing/2014/main" xmlns="" val="10004"/>
+                    <a16:rowId xmlns="" xmlns:a16="http://schemas.microsoft.com/office/drawing/2014/main" val="10004"/>
                   </a:ext>
                 </a:extLst>
               </a:tr>
@@ -6043,42 +6043,42 @@
                 <a:gridCol w="1074501">
                   <a:extLst>
                     <a:ext uri="{9D8B030D-6E8A-4147-A177-3AD203B41FA5}">
-                      <a16:colId xmlns:a16="http://schemas.microsoft.com/office/drawing/2014/main" xmlns="" val="20000"/>
+                      <a16:colId xmlns="" xmlns:a16="http://schemas.microsoft.com/office/drawing/2014/main" val="20000"/>
                     </a:ext>
                   </a:extLst>
                 </a:gridCol>
                 <a:gridCol w="1051431">
                   <a:extLst>
                     <a:ext uri="{9D8B030D-6E8A-4147-A177-3AD203B41FA5}">
-                      <a16:colId xmlns:a16="http://schemas.microsoft.com/office/drawing/2014/main" xmlns="" val="20001"/>
+                      <a16:colId xmlns="" xmlns:a16="http://schemas.microsoft.com/office/drawing/2014/main" val="20001"/>
                     </a:ext>
                   </a:extLst>
                 </a:gridCol>
                 <a:gridCol w="1104181">
                   <a:extLst>
                     <a:ext uri="{9D8B030D-6E8A-4147-A177-3AD203B41FA5}">
-                      <a16:colId xmlns:a16="http://schemas.microsoft.com/office/drawing/2014/main" xmlns="" val="20002"/>
+                      <a16:colId xmlns="" xmlns:a16="http://schemas.microsoft.com/office/drawing/2014/main" val="20002"/>
                     </a:ext>
                   </a:extLst>
                 </a:gridCol>
                 <a:gridCol w="751557">
                   <a:extLst>
                     <a:ext uri="{9D8B030D-6E8A-4147-A177-3AD203B41FA5}">
-                      <a16:colId xmlns:a16="http://schemas.microsoft.com/office/drawing/2014/main" xmlns="" val="20003"/>
+                      <a16:colId xmlns="" xmlns:a16="http://schemas.microsoft.com/office/drawing/2014/main" val="20003"/>
                     </a:ext>
                   </a:extLst>
                 </a:gridCol>
                 <a:gridCol w="909275">
                   <a:extLst>
                     <a:ext uri="{9D8B030D-6E8A-4147-A177-3AD203B41FA5}">
-                      <a16:colId xmlns:a16="http://schemas.microsoft.com/office/drawing/2014/main" xmlns="" val="20004"/>
+                      <a16:colId xmlns="" xmlns:a16="http://schemas.microsoft.com/office/drawing/2014/main" val="20004"/>
                     </a:ext>
                   </a:extLst>
                 </a:gridCol>
                 <a:gridCol w="1226019">
                   <a:extLst>
                     <a:ext uri="{9D8B030D-6E8A-4147-A177-3AD203B41FA5}">
-                      <a16:colId xmlns:a16="http://schemas.microsoft.com/office/drawing/2014/main" xmlns="" val="20005"/>
+                      <a16:colId xmlns="" xmlns:a16="http://schemas.microsoft.com/office/drawing/2014/main" val="20005"/>
                     </a:ext>
                   </a:extLst>
                 </a:gridCol>
@@ -6170,7 +6170,7 @@
                 </a:tc>
                 <a:extLst>
                   <a:ext uri="{0D108BD9-81ED-4DB2-BD59-A6C34878D82A}">
-                    <a16:rowId xmlns:a16="http://schemas.microsoft.com/office/drawing/2014/main" xmlns="" val="10000"/>
+                    <a16:rowId xmlns="" xmlns:a16="http://schemas.microsoft.com/office/drawing/2014/main" val="10000"/>
                   </a:ext>
                 </a:extLst>
               </a:tr>
@@ -6309,7 +6309,7 @@
                 </a:tc>
                 <a:extLst>
                   <a:ext uri="{0D108BD9-81ED-4DB2-BD59-A6C34878D82A}">
-                    <a16:rowId xmlns:a16="http://schemas.microsoft.com/office/drawing/2014/main" xmlns="" val="10001"/>
+                    <a16:rowId xmlns="" xmlns:a16="http://schemas.microsoft.com/office/drawing/2014/main" val="10001"/>
                   </a:ext>
                 </a:extLst>
               </a:tr>
@@ -6465,7 +6465,7 @@
                 </a:tc>
                 <a:extLst>
                   <a:ext uri="{0D108BD9-81ED-4DB2-BD59-A6C34878D82A}">
-                    <a16:rowId xmlns:a16="http://schemas.microsoft.com/office/drawing/2014/main" xmlns="" val="10002"/>
+                    <a16:rowId xmlns="" xmlns:a16="http://schemas.microsoft.com/office/drawing/2014/main" val="10002"/>
                   </a:ext>
                 </a:extLst>
               </a:tr>
@@ -6604,7 +6604,7 @@
                 </a:tc>
                 <a:extLst>
                   <a:ext uri="{0D108BD9-81ED-4DB2-BD59-A6C34878D82A}">
-                    <a16:rowId xmlns:a16="http://schemas.microsoft.com/office/drawing/2014/main" xmlns="" val="10003"/>
+                    <a16:rowId xmlns="" xmlns:a16="http://schemas.microsoft.com/office/drawing/2014/main" val="10003"/>
                   </a:ext>
                 </a:extLst>
               </a:tr>
@@ -6760,7 +6760,7 @@
                 </a:tc>
                 <a:extLst>
                   <a:ext uri="{0D108BD9-81ED-4DB2-BD59-A6C34878D82A}">
-                    <a16:rowId xmlns:a16="http://schemas.microsoft.com/office/drawing/2014/main" xmlns="" val="10004"/>
+                    <a16:rowId xmlns="" xmlns:a16="http://schemas.microsoft.com/office/drawing/2014/main" val="10004"/>
                   </a:ext>
                 </a:extLst>
               </a:tr>
@@ -8523,42 +8523,42 @@
                 <a:gridCol w="1074501">
                   <a:extLst>
                     <a:ext uri="{9D8B030D-6E8A-4147-A177-3AD203B41FA5}">
-                      <a16:colId xmlns:a16="http://schemas.microsoft.com/office/drawing/2014/main" xmlns="" val="20000"/>
+                      <a16:colId xmlns="" xmlns:a16="http://schemas.microsoft.com/office/drawing/2014/main" val="20000"/>
                     </a:ext>
                   </a:extLst>
                 </a:gridCol>
                 <a:gridCol w="1094563">
                   <a:extLst>
                     <a:ext uri="{9D8B030D-6E8A-4147-A177-3AD203B41FA5}">
-                      <a16:colId xmlns:a16="http://schemas.microsoft.com/office/drawing/2014/main" xmlns="" val="20001"/>
+                      <a16:colId xmlns="" xmlns:a16="http://schemas.microsoft.com/office/drawing/2014/main" val="20001"/>
                     </a:ext>
                   </a:extLst>
                 </a:gridCol>
                 <a:gridCol w="1112808">
                   <a:extLst>
                     <a:ext uri="{9D8B030D-6E8A-4147-A177-3AD203B41FA5}">
-                      <a16:colId xmlns:a16="http://schemas.microsoft.com/office/drawing/2014/main" xmlns="" val="20002"/>
+                      <a16:colId xmlns="" xmlns:a16="http://schemas.microsoft.com/office/drawing/2014/main" val="20002"/>
                     </a:ext>
                   </a:extLst>
                 </a:gridCol>
                 <a:gridCol w="755968">
                   <a:extLst>
                     <a:ext uri="{9D8B030D-6E8A-4147-A177-3AD203B41FA5}">
-                      <a16:colId xmlns:a16="http://schemas.microsoft.com/office/drawing/2014/main" xmlns="" val="20003"/>
+                      <a16:colId xmlns="" xmlns:a16="http://schemas.microsoft.com/office/drawing/2014/main" val="20003"/>
                     </a:ext>
                   </a:extLst>
                 </a:gridCol>
                 <a:gridCol w="909275">
                   <a:extLst>
                     <a:ext uri="{9D8B030D-6E8A-4147-A177-3AD203B41FA5}">
-                      <a16:colId xmlns:a16="http://schemas.microsoft.com/office/drawing/2014/main" xmlns="" val="20004"/>
+                      <a16:colId xmlns="" xmlns:a16="http://schemas.microsoft.com/office/drawing/2014/main" val="20004"/>
                     </a:ext>
                   </a:extLst>
                 </a:gridCol>
                 <a:gridCol w="1226019">
                   <a:extLst>
                     <a:ext uri="{9D8B030D-6E8A-4147-A177-3AD203B41FA5}">
-                      <a16:colId xmlns:a16="http://schemas.microsoft.com/office/drawing/2014/main" xmlns="" val="20005"/>
+                      <a16:colId xmlns="" xmlns:a16="http://schemas.microsoft.com/office/drawing/2014/main" val="20005"/>
                     </a:ext>
                   </a:extLst>
                 </a:gridCol>
@@ -8650,7 +8650,7 @@
                 </a:tc>
                 <a:extLst>
                   <a:ext uri="{0D108BD9-81ED-4DB2-BD59-A6C34878D82A}">
-                    <a16:rowId xmlns:a16="http://schemas.microsoft.com/office/drawing/2014/main" xmlns="" val="10000"/>
+                    <a16:rowId xmlns="" xmlns:a16="http://schemas.microsoft.com/office/drawing/2014/main" val="10000"/>
                   </a:ext>
                 </a:extLst>
               </a:tr>
@@ -8749,7 +8749,7 @@
                 </a:tc>
                 <a:extLst>
                   <a:ext uri="{0D108BD9-81ED-4DB2-BD59-A6C34878D82A}">
-                    <a16:rowId xmlns:a16="http://schemas.microsoft.com/office/drawing/2014/main" xmlns="" val="10001"/>
+                    <a16:rowId xmlns="" xmlns:a16="http://schemas.microsoft.com/office/drawing/2014/main" val="10001"/>
                   </a:ext>
                 </a:extLst>
               </a:tr>
@@ -8867,7 +8867,7 @@
                 </a:tc>
                 <a:extLst>
                   <a:ext uri="{0D108BD9-81ED-4DB2-BD59-A6C34878D82A}">
-                    <a16:rowId xmlns:a16="http://schemas.microsoft.com/office/drawing/2014/main" xmlns="" val="10002"/>
+                    <a16:rowId xmlns="" xmlns:a16="http://schemas.microsoft.com/office/drawing/2014/main" val="10002"/>
                   </a:ext>
                 </a:extLst>
               </a:tr>
@@ -9008,7 +9008,7 @@
                 </a:tc>
                 <a:extLst>
                   <a:ext uri="{0D108BD9-81ED-4DB2-BD59-A6C34878D82A}">
-                    <a16:rowId xmlns:a16="http://schemas.microsoft.com/office/drawing/2014/main" xmlns="" val="10003"/>
+                    <a16:rowId xmlns="" xmlns:a16="http://schemas.microsoft.com/office/drawing/2014/main" val="10003"/>
                   </a:ext>
                 </a:extLst>
               </a:tr>
@@ -9151,7 +9151,7 @@
                 </a:tc>
                 <a:extLst>
                   <a:ext uri="{0D108BD9-81ED-4DB2-BD59-A6C34878D82A}">
-                    <a16:rowId xmlns:a16="http://schemas.microsoft.com/office/drawing/2014/main" xmlns="" val="10004"/>
+                    <a16:rowId xmlns="" xmlns:a16="http://schemas.microsoft.com/office/drawing/2014/main" val="10004"/>
                   </a:ext>
                 </a:extLst>
               </a:tr>
@@ -9242,42 +9242,42 @@
                 <a:gridCol w="1074501">
                   <a:extLst>
                     <a:ext uri="{9D8B030D-6E8A-4147-A177-3AD203B41FA5}">
-                      <a16:colId xmlns:a16="http://schemas.microsoft.com/office/drawing/2014/main" xmlns="" val="20000"/>
+                      <a16:colId xmlns="" xmlns:a16="http://schemas.microsoft.com/office/drawing/2014/main" val="20000"/>
                     </a:ext>
                   </a:extLst>
                 </a:gridCol>
                 <a:gridCol w="1051431">
                   <a:extLst>
                     <a:ext uri="{9D8B030D-6E8A-4147-A177-3AD203B41FA5}">
-                      <a16:colId xmlns:a16="http://schemas.microsoft.com/office/drawing/2014/main" xmlns="" val="20001"/>
+                      <a16:colId xmlns="" xmlns:a16="http://schemas.microsoft.com/office/drawing/2014/main" val="20001"/>
                     </a:ext>
                   </a:extLst>
                 </a:gridCol>
                 <a:gridCol w="1104181">
                   <a:extLst>
                     <a:ext uri="{9D8B030D-6E8A-4147-A177-3AD203B41FA5}">
-                      <a16:colId xmlns:a16="http://schemas.microsoft.com/office/drawing/2014/main" xmlns="" val="20002"/>
+                      <a16:colId xmlns="" xmlns:a16="http://schemas.microsoft.com/office/drawing/2014/main" val="20002"/>
                     </a:ext>
                   </a:extLst>
                 </a:gridCol>
                 <a:gridCol w="751557">
                   <a:extLst>
                     <a:ext uri="{9D8B030D-6E8A-4147-A177-3AD203B41FA5}">
-                      <a16:colId xmlns:a16="http://schemas.microsoft.com/office/drawing/2014/main" xmlns="" val="20003"/>
+                      <a16:colId xmlns="" xmlns:a16="http://schemas.microsoft.com/office/drawing/2014/main" val="20003"/>
                     </a:ext>
                   </a:extLst>
                 </a:gridCol>
                 <a:gridCol w="909275">
                   <a:extLst>
                     <a:ext uri="{9D8B030D-6E8A-4147-A177-3AD203B41FA5}">
-                      <a16:colId xmlns:a16="http://schemas.microsoft.com/office/drawing/2014/main" xmlns="" val="20004"/>
+                      <a16:colId xmlns="" xmlns:a16="http://schemas.microsoft.com/office/drawing/2014/main" val="20004"/>
                     </a:ext>
                   </a:extLst>
                 </a:gridCol>
                 <a:gridCol w="1226019">
                   <a:extLst>
                     <a:ext uri="{9D8B030D-6E8A-4147-A177-3AD203B41FA5}">
-                      <a16:colId xmlns:a16="http://schemas.microsoft.com/office/drawing/2014/main" xmlns="" val="20005"/>
+                      <a16:colId xmlns="" xmlns:a16="http://schemas.microsoft.com/office/drawing/2014/main" val="20005"/>
                     </a:ext>
                   </a:extLst>
                 </a:gridCol>
@@ -9369,7 +9369,7 @@
                 </a:tc>
                 <a:extLst>
                   <a:ext uri="{0D108BD9-81ED-4DB2-BD59-A6C34878D82A}">
-                    <a16:rowId xmlns:a16="http://schemas.microsoft.com/office/drawing/2014/main" xmlns="" val="10000"/>
+                    <a16:rowId xmlns="" xmlns:a16="http://schemas.microsoft.com/office/drawing/2014/main" val="10000"/>
                   </a:ext>
                 </a:extLst>
               </a:tr>
@@ -9508,7 +9508,7 @@
                 </a:tc>
                 <a:extLst>
                   <a:ext uri="{0D108BD9-81ED-4DB2-BD59-A6C34878D82A}">
-                    <a16:rowId xmlns:a16="http://schemas.microsoft.com/office/drawing/2014/main" xmlns="" val="10001"/>
+                    <a16:rowId xmlns="" xmlns:a16="http://schemas.microsoft.com/office/drawing/2014/main" val="10001"/>
                   </a:ext>
                 </a:extLst>
               </a:tr>
@@ -9664,7 +9664,7 @@
                 </a:tc>
                 <a:extLst>
                   <a:ext uri="{0D108BD9-81ED-4DB2-BD59-A6C34878D82A}">
-                    <a16:rowId xmlns:a16="http://schemas.microsoft.com/office/drawing/2014/main" xmlns="" val="10002"/>
+                    <a16:rowId xmlns="" xmlns:a16="http://schemas.microsoft.com/office/drawing/2014/main" val="10002"/>
                   </a:ext>
                 </a:extLst>
               </a:tr>
@@ -9803,7 +9803,7 @@
                 </a:tc>
                 <a:extLst>
                   <a:ext uri="{0D108BD9-81ED-4DB2-BD59-A6C34878D82A}">
-                    <a16:rowId xmlns:a16="http://schemas.microsoft.com/office/drawing/2014/main" xmlns="" val="10003"/>
+                    <a16:rowId xmlns="" xmlns:a16="http://schemas.microsoft.com/office/drawing/2014/main" val="10003"/>
                   </a:ext>
                 </a:extLst>
               </a:tr>
@@ -9942,7 +9942,7 @@
                 </a:tc>
                 <a:extLst>
                   <a:ext uri="{0D108BD9-81ED-4DB2-BD59-A6C34878D82A}">
-                    <a16:rowId xmlns:a16="http://schemas.microsoft.com/office/drawing/2014/main" xmlns="" val="10004"/>
+                    <a16:rowId xmlns="" xmlns:a16="http://schemas.microsoft.com/office/drawing/2014/main" val="10004"/>
                   </a:ext>
                 </a:extLst>
               </a:tr>
@@ -11449,28 +11449,28 @@
                 <a:gridCol w="2628900">
                   <a:extLst>
                     <a:ext uri="{9D8B030D-6E8A-4147-A177-3AD203B41FA5}">
-                      <a16:colId xmlns:a16="http://schemas.microsoft.com/office/drawing/2014/main" xmlns="" val="20000"/>
+                      <a16:colId xmlns="" xmlns:a16="http://schemas.microsoft.com/office/drawing/2014/main" val="20000"/>
                     </a:ext>
                   </a:extLst>
                 </a:gridCol>
                 <a:gridCol w="2628900">
                   <a:extLst>
                     <a:ext uri="{9D8B030D-6E8A-4147-A177-3AD203B41FA5}">
-                      <a16:colId xmlns:a16="http://schemas.microsoft.com/office/drawing/2014/main" xmlns="" val="20001"/>
+                      <a16:colId xmlns="" xmlns:a16="http://schemas.microsoft.com/office/drawing/2014/main" val="20001"/>
                     </a:ext>
                   </a:extLst>
                 </a:gridCol>
                 <a:gridCol w="2628900">
                   <a:extLst>
                     <a:ext uri="{9D8B030D-6E8A-4147-A177-3AD203B41FA5}">
-                      <a16:colId xmlns:a16="http://schemas.microsoft.com/office/drawing/2014/main" xmlns="" val="20002"/>
+                      <a16:colId xmlns="" xmlns:a16="http://schemas.microsoft.com/office/drawing/2014/main" val="20002"/>
                     </a:ext>
                   </a:extLst>
                 </a:gridCol>
                 <a:gridCol w="2628900">
                   <a:extLst>
                     <a:ext uri="{9D8B030D-6E8A-4147-A177-3AD203B41FA5}">
-                      <a16:colId xmlns:a16="http://schemas.microsoft.com/office/drawing/2014/main" xmlns="" val="20003"/>
+                      <a16:colId xmlns="" xmlns:a16="http://schemas.microsoft.com/office/drawing/2014/main" val="20003"/>
                     </a:ext>
                   </a:extLst>
                 </a:gridCol>
@@ -11534,7 +11534,7 @@
                 </a:tc>
                 <a:extLst>
                   <a:ext uri="{0D108BD9-81ED-4DB2-BD59-A6C34878D82A}">
-                    <a16:rowId xmlns:a16="http://schemas.microsoft.com/office/drawing/2014/main" xmlns="" val="10000"/>
+                    <a16:rowId xmlns="" xmlns:a16="http://schemas.microsoft.com/office/drawing/2014/main" val="10000"/>
                   </a:ext>
                 </a:extLst>
               </a:tr>
@@ -11597,7 +11597,7 @@
                 </a:tc>
                 <a:extLst>
                   <a:ext uri="{0D108BD9-81ED-4DB2-BD59-A6C34878D82A}">
-                    <a16:rowId xmlns:a16="http://schemas.microsoft.com/office/drawing/2014/main" xmlns="" val="10001"/>
+                    <a16:rowId xmlns="" xmlns:a16="http://schemas.microsoft.com/office/drawing/2014/main" val="10001"/>
                   </a:ext>
                 </a:extLst>
               </a:tr>
@@ -11690,7 +11690,7 @@
                 </a:tc>
                 <a:extLst>
                   <a:ext uri="{0D108BD9-81ED-4DB2-BD59-A6C34878D82A}">
-                    <a16:rowId xmlns:a16="http://schemas.microsoft.com/office/drawing/2014/main" xmlns="" val="10002"/>
+                    <a16:rowId xmlns="" xmlns:a16="http://schemas.microsoft.com/office/drawing/2014/main" val="10002"/>
                   </a:ext>
                 </a:extLst>
               </a:tr>
@@ -11779,7 +11779,7 @@
                 </a:tc>
                 <a:extLst>
                   <a:ext uri="{0D108BD9-81ED-4DB2-BD59-A6C34878D82A}">
-                    <a16:rowId xmlns:a16="http://schemas.microsoft.com/office/drawing/2014/main" xmlns="" val="10003"/>
+                    <a16:rowId xmlns="" xmlns:a16="http://schemas.microsoft.com/office/drawing/2014/main" val="10003"/>
                   </a:ext>
                 </a:extLst>
               </a:tr>
@@ -11907,42 +11907,42 @@
                 <a:gridCol w="1074501">
                   <a:extLst>
                     <a:ext uri="{9D8B030D-6E8A-4147-A177-3AD203B41FA5}">
-                      <a16:colId xmlns:a16="http://schemas.microsoft.com/office/drawing/2014/main" xmlns="" val="20000"/>
+                      <a16:colId xmlns="" xmlns:a16="http://schemas.microsoft.com/office/drawing/2014/main" val="20000"/>
                     </a:ext>
                   </a:extLst>
                 </a:gridCol>
                 <a:gridCol w="1094563">
                   <a:extLst>
                     <a:ext uri="{9D8B030D-6E8A-4147-A177-3AD203B41FA5}">
-                      <a16:colId xmlns:a16="http://schemas.microsoft.com/office/drawing/2014/main" xmlns="" val="20001"/>
+                      <a16:colId xmlns="" xmlns:a16="http://schemas.microsoft.com/office/drawing/2014/main" val="20001"/>
                     </a:ext>
                   </a:extLst>
                 </a:gridCol>
                 <a:gridCol w="1112808">
                   <a:extLst>
                     <a:ext uri="{9D8B030D-6E8A-4147-A177-3AD203B41FA5}">
-                      <a16:colId xmlns:a16="http://schemas.microsoft.com/office/drawing/2014/main" xmlns="" val="20002"/>
+                      <a16:colId xmlns="" xmlns:a16="http://schemas.microsoft.com/office/drawing/2014/main" val="20002"/>
                     </a:ext>
                   </a:extLst>
                 </a:gridCol>
                 <a:gridCol w="755968">
                   <a:extLst>
                     <a:ext uri="{9D8B030D-6E8A-4147-A177-3AD203B41FA5}">
-                      <a16:colId xmlns:a16="http://schemas.microsoft.com/office/drawing/2014/main" xmlns="" val="20003"/>
+                      <a16:colId xmlns="" xmlns:a16="http://schemas.microsoft.com/office/drawing/2014/main" val="20003"/>
                     </a:ext>
                   </a:extLst>
                 </a:gridCol>
                 <a:gridCol w="909275">
                   <a:extLst>
                     <a:ext uri="{9D8B030D-6E8A-4147-A177-3AD203B41FA5}">
-                      <a16:colId xmlns:a16="http://schemas.microsoft.com/office/drawing/2014/main" xmlns="" val="20004"/>
+                      <a16:colId xmlns="" xmlns:a16="http://schemas.microsoft.com/office/drawing/2014/main" val="20004"/>
                     </a:ext>
                   </a:extLst>
                 </a:gridCol>
                 <a:gridCol w="1226019">
                   <a:extLst>
                     <a:ext uri="{9D8B030D-6E8A-4147-A177-3AD203B41FA5}">
-                      <a16:colId xmlns:a16="http://schemas.microsoft.com/office/drawing/2014/main" xmlns="" val="20005"/>
+                      <a16:colId xmlns="" xmlns:a16="http://schemas.microsoft.com/office/drawing/2014/main" val="20005"/>
                     </a:ext>
                   </a:extLst>
                 </a:gridCol>
@@ -12034,7 +12034,7 @@
                 </a:tc>
                 <a:extLst>
                   <a:ext uri="{0D108BD9-81ED-4DB2-BD59-A6C34878D82A}">
-                    <a16:rowId xmlns:a16="http://schemas.microsoft.com/office/drawing/2014/main" xmlns="" val="10000"/>
+                    <a16:rowId xmlns="" xmlns:a16="http://schemas.microsoft.com/office/drawing/2014/main" val="10000"/>
                   </a:ext>
                 </a:extLst>
               </a:tr>
@@ -12133,7 +12133,7 @@
                 </a:tc>
                 <a:extLst>
                   <a:ext uri="{0D108BD9-81ED-4DB2-BD59-A6C34878D82A}">
-                    <a16:rowId xmlns:a16="http://schemas.microsoft.com/office/drawing/2014/main" xmlns="" val="10001"/>
+                    <a16:rowId xmlns="" xmlns:a16="http://schemas.microsoft.com/office/drawing/2014/main" val="10001"/>
                   </a:ext>
                 </a:extLst>
               </a:tr>
@@ -12251,7 +12251,7 @@
                 </a:tc>
                 <a:extLst>
                   <a:ext uri="{0D108BD9-81ED-4DB2-BD59-A6C34878D82A}">
-                    <a16:rowId xmlns:a16="http://schemas.microsoft.com/office/drawing/2014/main" xmlns="" val="10002"/>
+                    <a16:rowId xmlns="" xmlns:a16="http://schemas.microsoft.com/office/drawing/2014/main" val="10002"/>
                   </a:ext>
                 </a:extLst>
               </a:tr>
@@ -12392,7 +12392,7 @@
                 </a:tc>
                 <a:extLst>
                   <a:ext uri="{0D108BD9-81ED-4DB2-BD59-A6C34878D82A}">
-                    <a16:rowId xmlns:a16="http://schemas.microsoft.com/office/drawing/2014/main" xmlns="" val="10003"/>
+                    <a16:rowId xmlns="" xmlns:a16="http://schemas.microsoft.com/office/drawing/2014/main" val="10003"/>
                   </a:ext>
                 </a:extLst>
               </a:tr>
@@ -12533,7 +12533,7 @@
                 </a:tc>
                 <a:extLst>
                   <a:ext uri="{0D108BD9-81ED-4DB2-BD59-A6C34878D82A}">
-                    <a16:rowId xmlns:a16="http://schemas.microsoft.com/office/drawing/2014/main" xmlns="" val="10004"/>
+                    <a16:rowId xmlns="" xmlns:a16="http://schemas.microsoft.com/office/drawing/2014/main" val="10004"/>
                   </a:ext>
                 </a:extLst>
               </a:tr>
@@ -12631,42 +12631,42 @@
                 <a:gridCol w="1074501">
                   <a:extLst>
                     <a:ext uri="{9D8B030D-6E8A-4147-A177-3AD203B41FA5}">
-                      <a16:colId xmlns:a16="http://schemas.microsoft.com/office/drawing/2014/main" xmlns="" val="20000"/>
+                      <a16:colId xmlns="" xmlns:a16="http://schemas.microsoft.com/office/drawing/2014/main" val="20000"/>
                     </a:ext>
                   </a:extLst>
                 </a:gridCol>
                 <a:gridCol w="1051431">
                   <a:extLst>
                     <a:ext uri="{9D8B030D-6E8A-4147-A177-3AD203B41FA5}">
-                      <a16:colId xmlns:a16="http://schemas.microsoft.com/office/drawing/2014/main" xmlns="" val="20001"/>
+                      <a16:colId xmlns="" xmlns:a16="http://schemas.microsoft.com/office/drawing/2014/main" val="20001"/>
                     </a:ext>
                   </a:extLst>
                 </a:gridCol>
                 <a:gridCol w="1104181">
                   <a:extLst>
                     <a:ext uri="{9D8B030D-6E8A-4147-A177-3AD203B41FA5}">
-                      <a16:colId xmlns:a16="http://schemas.microsoft.com/office/drawing/2014/main" xmlns="" val="20002"/>
+                      <a16:colId xmlns="" xmlns:a16="http://schemas.microsoft.com/office/drawing/2014/main" val="20002"/>
                     </a:ext>
                   </a:extLst>
                 </a:gridCol>
                 <a:gridCol w="751557">
                   <a:extLst>
                     <a:ext uri="{9D8B030D-6E8A-4147-A177-3AD203B41FA5}">
-                      <a16:colId xmlns:a16="http://schemas.microsoft.com/office/drawing/2014/main" xmlns="" val="20003"/>
+                      <a16:colId xmlns="" xmlns:a16="http://schemas.microsoft.com/office/drawing/2014/main" val="20003"/>
                     </a:ext>
                   </a:extLst>
                 </a:gridCol>
                 <a:gridCol w="909275">
                   <a:extLst>
                     <a:ext uri="{9D8B030D-6E8A-4147-A177-3AD203B41FA5}">
-                      <a16:colId xmlns:a16="http://schemas.microsoft.com/office/drawing/2014/main" xmlns="" val="20004"/>
+                      <a16:colId xmlns="" xmlns:a16="http://schemas.microsoft.com/office/drawing/2014/main" val="20004"/>
                     </a:ext>
                   </a:extLst>
                 </a:gridCol>
                 <a:gridCol w="1226019">
                   <a:extLst>
                     <a:ext uri="{9D8B030D-6E8A-4147-A177-3AD203B41FA5}">
-                      <a16:colId xmlns:a16="http://schemas.microsoft.com/office/drawing/2014/main" xmlns="" val="20005"/>
+                      <a16:colId xmlns="" xmlns:a16="http://schemas.microsoft.com/office/drawing/2014/main" val="20005"/>
                     </a:ext>
                   </a:extLst>
                 </a:gridCol>
@@ -12758,7 +12758,7 @@
                 </a:tc>
                 <a:extLst>
                   <a:ext uri="{0D108BD9-81ED-4DB2-BD59-A6C34878D82A}">
-                    <a16:rowId xmlns:a16="http://schemas.microsoft.com/office/drawing/2014/main" xmlns="" val="10000"/>
+                    <a16:rowId xmlns="" xmlns:a16="http://schemas.microsoft.com/office/drawing/2014/main" val="10000"/>
                   </a:ext>
                 </a:extLst>
               </a:tr>
@@ -12853,7 +12853,7 @@
                 </a:tc>
                 <a:extLst>
                   <a:ext uri="{0D108BD9-81ED-4DB2-BD59-A6C34878D82A}">
-                    <a16:rowId xmlns:a16="http://schemas.microsoft.com/office/drawing/2014/main" xmlns="" val="10001"/>
+                    <a16:rowId xmlns="" xmlns:a16="http://schemas.microsoft.com/office/drawing/2014/main" val="10001"/>
                   </a:ext>
                 </a:extLst>
               </a:tr>
@@ -13009,7 +13009,7 @@
                 </a:tc>
                 <a:extLst>
                   <a:ext uri="{0D108BD9-81ED-4DB2-BD59-A6C34878D82A}">
-                    <a16:rowId xmlns:a16="http://schemas.microsoft.com/office/drawing/2014/main" xmlns="" val="10002"/>
+                    <a16:rowId xmlns="" xmlns:a16="http://schemas.microsoft.com/office/drawing/2014/main" val="10002"/>
                   </a:ext>
                 </a:extLst>
               </a:tr>
@@ -13165,7 +13165,7 @@
                 </a:tc>
                 <a:extLst>
                   <a:ext uri="{0D108BD9-81ED-4DB2-BD59-A6C34878D82A}">
-                    <a16:rowId xmlns:a16="http://schemas.microsoft.com/office/drawing/2014/main" xmlns="" val="10003"/>
+                    <a16:rowId xmlns="" xmlns:a16="http://schemas.microsoft.com/office/drawing/2014/main" val="10003"/>
                   </a:ext>
                 </a:extLst>
               </a:tr>
@@ -13298,7 +13298,7 @@
                 </a:tc>
                 <a:extLst>
                   <a:ext uri="{0D108BD9-81ED-4DB2-BD59-A6C34878D82A}">
-                    <a16:rowId xmlns:a16="http://schemas.microsoft.com/office/drawing/2014/main" xmlns="" val="10004"/>
+                    <a16:rowId xmlns="" xmlns:a16="http://schemas.microsoft.com/office/drawing/2014/main" val="10004"/>
                   </a:ext>
                 </a:extLst>
               </a:tr>
@@ -14570,7 +14570,12 @@
             <p:ph type="title"/>
           </p:nvPr>
         </p:nvSpPr>
-        <p:spPr/>
+        <p:spPr>
+          <a:xfrm>
+            <a:off x="838200" y="118722"/>
+            <a:ext cx="10515600" cy="1325563"/>
+          </a:xfrm>
+        </p:spPr>
         <p:txBody>
           <a:bodyPr>
             <a:normAutofit/>
@@ -14594,14 +14599,14 @@
           <p:nvPr>
             <p:extLst>
               <p:ext uri="{D42A27DB-BD31-4B8C-83A1-F6EECF244321}">
-                <p14:modId xmlns:p14="http://schemas.microsoft.com/office/powerpoint/2010/main" val="1618985894"/>
+                <p14:modId xmlns:p14="http://schemas.microsoft.com/office/powerpoint/2010/main" val="2339497999"/>
               </p:ext>
             </p:extLst>
           </p:nvPr>
         </p:nvGraphicFramePr>
         <p:xfrm>
-          <a:off x="2032000" y="1444285"/>
-          <a:ext cx="8128000" cy="3683000"/>
+          <a:off x="940279" y="1099229"/>
+          <a:ext cx="10567359" cy="3134360"/>
         </p:xfrm>
         <a:graphic>
           <a:graphicData uri="http://schemas.openxmlformats.org/drawingml/2006/table">
@@ -14610,8 +14615,8 @@
                 <a:tableStyleId>{5C22544A-7EE6-4342-B048-85BDC9FD1C3A}</a:tableStyleId>
               </a:tblPr>
               <a:tblGrid>
-                <a:gridCol w="4064000"/>
-                <a:gridCol w="4064000"/>
+                <a:gridCol w="4532227"/>
+                <a:gridCol w="6035132"/>
               </a:tblGrid>
               <a:tr h="370840">
                 <a:tc>
@@ -14673,11 +14678,7 @@
                       </a:r>
                       <a:r>
                         <a:rPr lang="en-IN" baseline="0" dirty="0" smtClean="0"/>
-                        <a:t> (lower=0; upper=1</a:t>
-                      </a:r>
-                      <a:r>
-                        <a:rPr lang="en-IN" baseline="0" dirty="0" smtClean="0"/>
-                        <a:t>)</a:t>
+                        <a:t> (lower=0; upper=1)</a:t>
                       </a:r>
                     </a:p>
                     <a:p>
@@ -14725,11 +14726,7 @@
                       </a:r>
                       <a:r>
                         <a:rPr lang="en-IN" baseline="0" dirty="0" smtClean="0"/>
-                        <a:t> (lower=0; upper=1</a:t>
-                      </a:r>
-                      <a:r>
-                        <a:rPr lang="en-IN" baseline="0" dirty="0" smtClean="0"/>
-                        <a:t>)</a:t>
+                        <a:t> (lower=0; upper=1)</a:t>
                       </a:r>
                     </a:p>
                     <a:p>
@@ -14828,15 +14825,7 @@
                     <a:p>
                       <a:r>
                         <a:rPr lang="en-IN" dirty="0" smtClean="0"/>
-                        <a:t>alpha=0.005,0.01,</a:t>
-                      </a:r>
-                      <a:r>
-                        <a:rPr lang="en-IN" b="1" dirty="0" smtClean="0"/>
-                        <a:t>0.02</a:t>
-                      </a:r>
-                      <a:r>
-                        <a:rPr lang="en-IN" dirty="0" smtClean="0"/>
-                        <a:t>,0.1</a:t>
+                        <a:t>beta=-0.001,-0.002,-0.003</a:t>
                       </a:r>
                       <a:endParaRPr lang="en-GB" dirty="0"/>
                     </a:p>
@@ -14878,11 +14867,7 @@
                       </a:r>
                       <a:r>
                         <a:rPr lang="en-IN" baseline="0" dirty="0" smtClean="0"/>
-                        <a:t>,20L,30L, </a:t>
-                      </a:r>
-                      <a:r>
-                        <a:rPr lang="en-IN" baseline="0" dirty="0" smtClean="0"/>
-                        <a:t>mu = </a:t>
+                        <a:t>,20L,30L, mu = </a:t>
                       </a:r>
                       <a:r>
                         <a:rPr lang="en-IN" b="1" baseline="0" dirty="0" smtClean="0"/>
@@ -14932,11 +14917,7 @@
                       </a:r>
                       <a:r>
                         <a:rPr lang="en-IN" dirty="0" smtClean="0"/>
-                        <a:t> </a:t>
-                      </a:r>
-                      <a:r>
-                        <a:rPr lang="en-IN" dirty="0" smtClean="0"/>
-                        <a:t>=10L,50L,100L,</a:t>
+                        <a:t> =10L,50L,100L,</a:t>
                       </a:r>
                       <a:r>
                         <a:rPr lang="en-IN" b="1" dirty="0" smtClean="0"/>
@@ -14960,8 +14941,8 @@
         </p:nvSpPr>
         <p:spPr>
           <a:xfrm>
-            <a:off x="2032000" y="5127285"/>
-            <a:ext cx="8704053" cy="2462213"/>
+            <a:off x="1962988" y="4385413"/>
+            <a:ext cx="8704053" cy="3293209"/>
           </a:xfrm>
           <a:prstGeom prst="rect">
             <a:avLst/>
@@ -15005,6 +14986,29 @@
               <a:rPr lang="en-GB" sz="1600" dirty="0" smtClean="0"/>
               <a:t>.</a:t>
             </a:r>
+          </a:p>
+          <a:p>
+            <a:r>
+              <a:rPr lang="en-GB" sz="1600" b="1" dirty="0" err="1"/>
+              <a:t>b</a:t>
+            </a:r>
+            <a:r>
+              <a:rPr lang="en-GB" sz="1600" b="1" dirty="0" err="1" smtClean="0"/>
+              <a:t>eta</a:t>
+            </a:r>
+            <a:r>
+              <a:rPr lang="en-GB" sz="1600" dirty="0" err="1" smtClean="0"/>
+              <a:t>:Parameter</a:t>
+            </a:r>
+            <a:r>
+              <a:rPr lang="en-GB" sz="1600" dirty="0" smtClean="0"/>
+              <a:t> </a:t>
+            </a:r>
+            <a:r>
+              <a:rPr lang="en-GB" sz="1600" dirty="0"/>
+              <a:t>of the sequential feature selection. Minimal required value of improvement difference for a backward / removing step. Negative values imply that you allow a slight decrease for the removal of a feature. Default is -0.001.</a:t>
+            </a:r>
+            <a:endParaRPr lang="en-GB" sz="1600" dirty="0" smtClean="0"/>
           </a:p>
           <a:p>
             <a:r>

--- a/Reports/Final.pptx
+++ b/Reports/Final.pptx
@@ -1245,7 +1245,7 @@
           <a:p>
             <a:fld id="{14B9FE85-2513-4447-ACC4-7B6DEAE6A03C}" type="datetimeFigureOut">
               <a:rPr lang="en-GB" smtClean="0"/>
-              <a:t>03/07/2020</a:t>
+              <a:t>05/07/2020</a:t>
             </a:fld>
             <a:endParaRPr lang="en-GB"/>
           </a:p>
@@ -1415,7 +1415,7 @@
           <a:p>
             <a:fld id="{14B9FE85-2513-4447-ACC4-7B6DEAE6A03C}" type="datetimeFigureOut">
               <a:rPr lang="en-GB" smtClean="0"/>
-              <a:t>03/07/2020</a:t>
+              <a:t>05/07/2020</a:t>
             </a:fld>
             <a:endParaRPr lang="en-GB"/>
           </a:p>
@@ -1595,7 +1595,7 @@
           <a:p>
             <a:fld id="{14B9FE85-2513-4447-ACC4-7B6DEAE6A03C}" type="datetimeFigureOut">
               <a:rPr lang="en-GB" smtClean="0"/>
-              <a:t>03/07/2020</a:t>
+              <a:t>05/07/2020</a:t>
             </a:fld>
             <a:endParaRPr lang="en-GB"/>
           </a:p>
@@ -1765,7 +1765,7 @@
           <a:p>
             <a:fld id="{14B9FE85-2513-4447-ACC4-7B6DEAE6A03C}" type="datetimeFigureOut">
               <a:rPr lang="en-GB" smtClean="0"/>
-              <a:t>03/07/2020</a:t>
+              <a:t>05/07/2020</a:t>
             </a:fld>
             <a:endParaRPr lang="en-GB"/>
           </a:p>
@@ -2011,7 +2011,7 @@
           <a:p>
             <a:fld id="{14B9FE85-2513-4447-ACC4-7B6DEAE6A03C}" type="datetimeFigureOut">
               <a:rPr lang="en-GB" smtClean="0"/>
-              <a:t>03/07/2020</a:t>
+              <a:t>05/07/2020</a:t>
             </a:fld>
             <a:endParaRPr lang="en-GB"/>
           </a:p>
@@ -2243,7 +2243,7 @@
           <a:p>
             <a:fld id="{14B9FE85-2513-4447-ACC4-7B6DEAE6A03C}" type="datetimeFigureOut">
               <a:rPr lang="en-GB" smtClean="0"/>
-              <a:t>03/07/2020</a:t>
+              <a:t>05/07/2020</a:t>
             </a:fld>
             <a:endParaRPr lang="en-GB"/>
           </a:p>
@@ -2610,7 +2610,7 @@
           <a:p>
             <a:fld id="{14B9FE85-2513-4447-ACC4-7B6DEAE6A03C}" type="datetimeFigureOut">
               <a:rPr lang="en-GB" smtClean="0"/>
-              <a:t>03/07/2020</a:t>
+              <a:t>05/07/2020</a:t>
             </a:fld>
             <a:endParaRPr lang="en-GB"/>
           </a:p>
@@ -2728,7 +2728,7 @@
           <a:p>
             <a:fld id="{14B9FE85-2513-4447-ACC4-7B6DEAE6A03C}" type="datetimeFigureOut">
               <a:rPr lang="en-GB" smtClean="0"/>
-              <a:t>03/07/2020</a:t>
+              <a:t>05/07/2020</a:t>
             </a:fld>
             <a:endParaRPr lang="en-GB"/>
           </a:p>
@@ -2823,7 +2823,7 @@
           <a:p>
             <a:fld id="{14B9FE85-2513-4447-ACC4-7B6DEAE6A03C}" type="datetimeFigureOut">
               <a:rPr lang="en-GB" smtClean="0"/>
-              <a:t>03/07/2020</a:t>
+              <a:t>05/07/2020</a:t>
             </a:fld>
             <a:endParaRPr lang="en-GB"/>
           </a:p>
@@ -3100,7 +3100,7 @@
           <a:p>
             <a:fld id="{14B9FE85-2513-4447-ACC4-7B6DEAE6A03C}" type="datetimeFigureOut">
               <a:rPr lang="en-GB" smtClean="0"/>
-              <a:t>03/07/2020</a:t>
+              <a:t>05/07/2020</a:t>
             </a:fld>
             <a:endParaRPr lang="en-GB"/>
           </a:p>
@@ -3353,7 +3353,7 @@
           <a:p>
             <a:fld id="{14B9FE85-2513-4447-ACC4-7B6DEAE6A03C}" type="datetimeFigureOut">
               <a:rPr lang="en-GB" smtClean="0"/>
-              <a:t>03/07/2020</a:t>
+              <a:t>05/07/2020</a:t>
             </a:fld>
             <a:endParaRPr lang="en-GB"/>
           </a:p>
@@ -3566,7 +3566,7 @@
           <a:p>
             <a:fld id="{14B9FE85-2513-4447-ACC4-7B6DEAE6A03C}" type="datetimeFigureOut">
               <a:rPr lang="en-GB" smtClean="0"/>
-              <a:t>03/07/2020</a:t>
+              <a:t>05/07/2020</a:t>
             </a:fld>
             <a:endParaRPr lang="en-GB"/>
           </a:p>
@@ -5141,42 +5141,42 @@
                 <a:gridCol w="1074501">
                   <a:extLst>
                     <a:ext uri="{9D8B030D-6E8A-4147-A177-3AD203B41FA5}">
-                      <a16:colId xmlns="" xmlns:a16="http://schemas.microsoft.com/office/drawing/2014/main" val="20000"/>
+                      <a16:colId xmlns:a16="http://schemas.microsoft.com/office/drawing/2014/main" xmlns="" val="20000"/>
                     </a:ext>
                   </a:extLst>
                 </a:gridCol>
                 <a:gridCol w="1094563">
                   <a:extLst>
                     <a:ext uri="{9D8B030D-6E8A-4147-A177-3AD203B41FA5}">
-                      <a16:colId xmlns="" xmlns:a16="http://schemas.microsoft.com/office/drawing/2014/main" val="20001"/>
+                      <a16:colId xmlns:a16="http://schemas.microsoft.com/office/drawing/2014/main" xmlns="" val="20001"/>
                     </a:ext>
                   </a:extLst>
                 </a:gridCol>
                 <a:gridCol w="1112808">
                   <a:extLst>
                     <a:ext uri="{9D8B030D-6E8A-4147-A177-3AD203B41FA5}">
-                      <a16:colId xmlns="" xmlns:a16="http://schemas.microsoft.com/office/drawing/2014/main" val="20002"/>
+                      <a16:colId xmlns:a16="http://schemas.microsoft.com/office/drawing/2014/main" xmlns="" val="20002"/>
                     </a:ext>
                   </a:extLst>
                 </a:gridCol>
                 <a:gridCol w="755968">
                   <a:extLst>
                     <a:ext uri="{9D8B030D-6E8A-4147-A177-3AD203B41FA5}">
-                      <a16:colId xmlns="" xmlns:a16="http://schemas.microsoft.com/office/drawing/2014/main" val="20003"/>
+                      <a16:colId xmlns:a16="http://schemas.microsoft.com/office/drawing/2014/main" xmlns="" val="20003"/>
                     </a:ext>
                   </a:extLst>
                 </a:gridCol>
                 <a:gridCol w="909275">
                   <a:extLst>
                     <a:ext uri="{9D8B030D-6E8A-4147-A177-3AD203B41FA5}">
-                      <a16:colId xmlns="" xmlns:a16="http://schemas.microsoft.com/office/drawing/2014/main" val="20004"/>
+                      <a16:colId xmlns:a16="http://schemas.microsoft.com/office/drawing/2014/main" xmlns="" val="20004"/>
                     </a:ext>
                   </a:extLst>
                 </a:gridCol>
                 <a:gridCol w="1226019">
                   <a:extLst>
                     <a:ext uri="{9D8B030D-6E8A-4147-A177-3AD203B41FA5}">
-                      <a16:colId xmlns="" xmlns:a16="http://schemas.microsoft.com/office/drawing/2014/main" val="20005"/>
+                      <a16:colId xmlns:a16="http://schemas.microsoft.com/office/drawing/2014/main" xmlns="" val="20005"/>
                     </a:ext>
                   </a:extLst>
                 </a:gridCol>
@@ -5268,7 +5268,7 @@
                 </a:tc>
                 <a:extLst>
                   <a:ext uri="{0D108BD9-81ED-4DB2-BD59-A6C34878D82A}">
-                    <a16:rowId xmlns="" xmlns:a16="http://schemas.microsoft.com/office/drawing/2014/main" val="10000"/>
+                    <a16:rowId xmlns:a16="http://schemas.microsoft.com/office/drawing/2014/main" xmlns="" val="10000"/>
                   </a:ext>
                 </a:extLst>
               </a:tr>
@@ -5367,7 +5367,7 @@
                 </a:tc>
                 <a:extLst>
                   <a:ext uri="{0D108BD9-81ED-4DB2-BD59-A6C34878D82A}">
-                    <a16:rowId xmlns="" xmlns:a16="http://schemas.microsoft.com/office/drawing/2014/main" val="10001"/>
+                    <a16:rowId xmlns:a16="http://schemas.microsoft.com/office/drawing/2014/main" xmlns="" val="10001"/>
                   </a:ext>
                 </a:extLst>
               </a:tr>
@@ -5525,7 +5525,7 @@
                 </a:tc>
                 <a:extLst>
                   <a:ext uri="{0D108BD9-81ED-4DB2-BD59-A6C34878D82A}">
-                    <a16:rowId xmlns="" xmlns:a16="http://schemas.microsoft.com/office/drawing/2014/main" val="10002"/>
+                    <a16:rowId xmlns:a16="http://schemas.microsoft.com/office/drawing/2014/main" xmlns="" val="10002"/>
                   </a:ext>
                 </a:extLst>
               </a:tr>
@@ -5685,7 +5685,7 @@
                 </a:tc>
                 <a:extLst>
                   <a:ext uri="{0D108BD9-81ED-4DB2-BD59-A6C34878D82A}">
-                    <a16:rowId xmlns="" xmlns:a16="http://schemas.microsoft.com/office/drawing/2014/main" val="10003"/>
+                    <a16:rowId xmlns:a16="http://schemas.microsoft.com/office/drawing/2014/main" xmlns="" val="10003"/>
                   </a:ext>
                 </a:extLst>
               </a:tr>
@@ -5826,7 +5826,7 @@
                 </a:tc>
                 <a:extLst>
                   <a:ext uri="{0D108BD9-81ED-4DB2-BD59-A6C34878D82A}">
-                    <a16:rowId xmlns="" xmlns:a16="http://schemas.microsoft.com/office/drawing/2014/main" val="10004"/>
+                    <a16:rowId xmlns:a16="http://schemas.microsoft.com/office/drawing/2014/main" xmlns="" val="10004"/>
                   </a:ext>
                 </a:extLst>
               </a:tr>
@@ -6043,42 +6043,42 @@
                 <a:gridCol w="1074501">
                   <a:extLst>
                     <a:ext uri="{9D8B030D-6E8A-4147-A177-3AD203B41FA5}">
-                      <a16:colId xmlns="" xmlns:a16="http://schemas.microsoft.com/office/drawing/2014/main" val="20000"/>
+                      <a16:colId xmlns:a16="http://schemas.microsoft.com/office/drawing/2014/main" xmlns="" val="20000"/>
                     </a:ext>
                   </a:extLst>
                 </a:gridCol>
                 <a:gridCol w="1051431">
                   <a:extLst>
                     <a:ext uri="{9D8B030D-6E8A-4147-A177-3AD203B41FA5}">
-                      <a16:colId xmlns="" xmlns:a16="http://schemas.microsoft.com/office/drawing/2014/main" val="20001"/>
+                      <a16:colId xmlns:a16="http://schemas.microsoft.com/office/drawing/2014/main" xmlns="" val="20001"/>
                     </a:ext>
                   </a:extLst>
                 </a:gridCol>
                 <a:gridCol w="1104181">
                   <a:extLst>
                     <a:ext uri="{9D8B030D-6E8A-4147-A177-3AD203B41FA5}">
-                      <a16:colId xmlns="" xmlns:a16="http://schemas.microsoft.com/office/drawing/2014/main" val="20002"/>
+                      <a16:colId xmlns:a16="http://schemas.microsoft.com/office/drawing/2014/main" xmlns="" val="20002"/>
                     </a:ext>
                   </a:extLst>
                 </a:gridCol>
                 <a:gridCol w="751557">
                   <a:extLst>
                     <a:ext uri="{9D8B030D-6E8A-4147-A177-3AD203B41FA5}">
-                      <a16:colId xmlns="" xmlns:a16="http://schemas.microsoft.com/office/drawing/2014/main" val="20003"/>
+                      <a16:colId xmlns:a16="http://schemas.microsoft.com/office/drawing/2014/main" xmlns="" val="20003"/>
                     </a:ext>
                   </a:extLst>
                 </a:gridCol>
                 <a:gridCol w="909275">
                   <a:extLst>
                     <a:ext uri="{9D8B030D-6E8A-4147-A177-3AD203B41FA5}">
-                      <a16:colId xmlns="" xmlns:a16="http://schemas.microsoft.com/office/drawing/2014/main" val="20004"/>
+                      <a16:colId xmlns:a16="http://schemas.microsoft.com/office/drawing/2014/main" xmlns="" val="20004"/>
                     </a:ext>
                   </a:extLst>
                 </a:gridCol>
                 <a:gridCol w="1226019">
                   <a:extLst>
                     <a:ext uri="{9D8B030D-6E8A-4147-A177-3AD203B41FA5}">
-                      <a16:colId xmlns="" xmlns:a16="http://schemas.microsoft.com/office/drawing/2014/main" val="20005"/>
+                      <a16:colId xmlns:a16="http://schemas.microsoft.com/office/drawing/2014/main" xmlns="" val="20005"/>
                     </a:ext>
                   </a:extLst>
                 </a:gridCol>
@@ -6170,7 +6170,7 @@
                 </a:tc>
                 <a:extLst>
                   <a:ext uri="{0D108BD9-81ED-4DB2-BD59-A6C34878D82A}">
-                    <a16:rowId xmlns="" xmlns:a16="http://schemas.microsoft.com/office/drawing/2014/main" val="10000"/>
+                    <a16:rowId xmlns:a16="http://schemas.microsoft.com/office/drawing/2014/main" xmlns="" val="10000"/>
                   </a:ext>
                 </a:extLst>
               </a:tr>
@@ -6309,7 +6309,7 @@
                 </a:tc>
                 <a:extLst>
                   <a:ext uri="{0D108BD9-81ED-4DB2-BD59-A6C34878D82A}">
-                    <a16:rowId xmlns="" xmlns:a16="http://schemas.microsoft.com/office/drawing/2014/main" val="10001"/>
+                    <a16:rowId xmlns:a16="http://schemas.microsoft.com/office/drawing/2014/main" xmlns="" val="10001"/>
                   </a:ext>
                 </a:extLst>
               </a:tr>
@@ -6465,7 +6465,7 @@
                 </a:tc>
                 <a:extLst>
                   <a:ext uri="{0D108BD9-81ED-4DB2-BD59-A6C34878D82A}">
-                    <a16:rowId xmlns="" xmlns:a16="http://schemas.microsoft.com/office/drawing/2014/main" val="10002"/>
+                    <a16:rowId xmlns:a16="http://schemas.microsoft.com/office/drawing/2014/main" xmlns="" val="10002"/>
                   </a:ext>
                 </a:extLst>
               </a:tr>
@@ -6604,7 +6604,7 @@
                 </a:tc>
                 <a:extLst>
                   <a:ext uri="{0D108BD9-81ED-4DB2-BD59-A6C34878D82A}">
-                    <a16:rowId xmlns="" xmlns:a16="http://schemas.microsoft.com/office/drawing/2014/main" val="10003"/>
+                    <a16:rowId xmlns:a16="http://schemas.microsoft.com/office/drawing/2014/main" xmlns="" val="10003"/>
                   </a:ext>
                 </a:extLst>
               </a:tr>
@@ -6760,7 +6760,7 @@
                 </a:tc>
                 <a:extLst>
                   <a:ext uri="{0D108BD9-81ED-4DB2-BD59-A6C34878D82A}">
-                    <a16:rowId xmlns="" xmlns:a16="http://schemas.microsoft.com/office/drawing/2014/main" val="10004"/>
+                    <a16:rowId xmlns:a16="http://schemas.microsoft.com/office/drawing/2014/main" xmlns="" val="10004"/>
                   </a:ext>
                 </a:extLst>
               </a:tr>
@@ -6839,14 +6839,14 @@
           <p:nvPr>
             <p:extLst>
               <p:ext uri="{D42A27DB-BD31-4B8C-83A1-F6EECF244321}">
-                <p14:modId xmlns:p14="http://schemas.microsoft.com/office/powerpoint/2010/main" val="2783388875"/>
+                <p14:modId xmlns:p14="http://schemas.microsoft.com/office/powerpoint/2010/main" val="1582534133"/>
               </p:ext>
             </p:extLst>
           </p:nvPr>
         </p:nvGraphicFramePr>
         <p:xfrm>
-          <a:off x="1968260" y="2110626"/>
-          <a:ext cx="7341272" cy="370840"/>
+          <a:off x="1968259" y="1835960"/>
+          <a:ext cx="7341272" cy="741680"/>
         </p:xfrm>
         <a:graphic>
           <a:graphicData uri="http://schemas.openxmlformats.org/drawingml/2006/table">
@@ -6858,8 +6858,8 @@
                 <a:gridCol w="849630"/>
                 <a:gridCol w="1046417"/>
                 <a:gridCol w="796450"/>
-                <a:gridCol w="827659"/>
-                <a:gridCol w="802257"/>
+                <a:gridCol w="817017"/>
+                <a:gridCol w="812899"/>
                 <a:gridCol w="810883"/>
                 <a:gridCol w="1422972"/>
                 <a:gridCol w="785004"/>
@@ -7020,6 +7020,245 @@
                       <a:r>
                         <a:rPr lang="en-IN" dirty="0" smtClean="0"/>
                         <a:t>S.D.</a:t>
+                      </a:r>
+                      <a:endParaRPr lang="en-GB" dirty="0"/>
+                    </a:p>
+                  </a:txBody>
+                  <a:tcPr>
+                    <a:solidFill>
+                      <a:schemeClr val="accent6">
+                        <a:lumMod val="60000"/>
+                        <a:lumOff val="40000"/>
+                      </a:schemeClr>
+                    </a:solidFill>
+                  </a:tcPr>
+                </a:tc>
+              </a:tr>
+              <a:tr h="370840">
+                <a:tc>
+                  <a:txBody>
+                    <a:bodyPr/>
+                    <a:lstStyle/>
+                    <a:p>
+                      <a:r>
+                        <a:rPr lang="en-IN" dirty="0" smtClean="0">
+                          <a:solidFill>
+                            <a:schemeClr val="bg1"/>
+                          </a:solidFill>
+                        </a:rPr>
+                        <a:t>SVM</a:t>
+                      </a:r>
+                      <a:endParaRPr lang="en-GB" dirty="0">
+                        <a:solidFill>
+                          <a:schemeClr val="bg1"/>
+                        </a:solidFill>
+                      </a:endParaRPr>
+                    </a:p>
+                  </a:txBody>
+                  <a:tcPr>
+                    <a:solidFill>
+                      <a:schemeClr val="accent6">
+                        <a:lumMod val="60000"/>
+                        <a:lumOff val="40000"/>
+                      </a:schemeClr>
+                    </a:solidFill>
+                  </a:tcPr>
+                </a:tc>
+                <a:tc>
+                  <a:txBody>
+                    <a:bodyPr/>
+                    <a:lstStyle/>
+                    <a:p>
+                      <a:r>
+                        <a:rPr lang="en-IN" dirty="0" smtClean="0">
+                          <a:solidFill>
+                            <a:schemeClr val="bg1"/>
+                          </a:solidFill>
+                        </a:rPr>
+                        <a:t>5</a:t>
+                      </a:r>
+                      <a:endParaRPr lang="en-GB" dirty="0">
+                        <a:solidFill>
+                          <a:schemeClr val="bg1"/>
+                        </a:solidFill>
+                      </a:endParaRPr>
+                    </a:p>
+                  </a:txBody>
+                  <a:tcPr>
+                    <a:solidFill>
+                      <a:schemeClr val="accent6">
+                        <a:lumMod val="60000"/>
+                        <a:lumOff val="40000"/>
+                      </a:schemeClr>
+                    </a:solidFill>
+                  </a:tcPr>
+                </a:tc>
+                <a:tc>
+                  <a:txBody>
+                    <a:bodyPr/>
+                    <a:lstStyle/>
+                    <a:p>
+                      <a:pPr marL="0" marR="0" lvl="0" indent="0" algn="l" defTabSz="914400" rtl="0" eaLnBrk="1" fontAlgn="auto" latinLnBrk="0" hangingPunct="1">
+                        <a:lnSpc>
+                          <a:spcPct val="100000"/>
+                        </a:lnSpc>
+                        <a:spcBef>
+                          <a:spcPts val="0"/>
+                        </a:spcBef>
+                        <a:spcAft>
+                          <a:spcPts val="0"/>
+                        </a:spcAft>
+                        <a:buClrTx/>
+                        <a:buSzTx/>
+                        <a:buFontTx/>
+                        <a:buNone/>
+                        <a:tabLst/>
+                        <a:defRPr/>
+                      </a:pPr>
+                      <a:r>
+                        <a:rPr lang="en-GB" dirty="0" smtClean="0">
+                          <a:solidFill>
+                            <a:schemeClr val="bg1"/>
+                          </a:solidFill>
+                          <a:effectLst/>
+                        </a:rPr>
+                        <a:t>1.000 </a:t>
+                      </a:r>
+                      <a:endParaRPr lang="en-GB" dirty="0">
+                        <a:solidFill>
+                          <a:schemeClr val="bg1"/>
+                        </a:solidFill>
+                      </a:endParaRPr>
+                    </a:p>
+                  </a:txBody>
+                  <a:tcPr>
+                    <a:solidFill>
+                      <a:schemeClr val="accent6">
+                        <a:lumMod val="60000"/>
+                        <a:lumOff val="40000"/>
+                      </a:schemeClr>
+                    </a:solidFill>
+                  </a:tcPr>
+                </a:tc>
+                <a:tc>
+                  <a:txBody>
+                    <a:bodyPr/>
+                    <a:lstStyle/>
+                    <a:p>
+                      <a:r>
+                        <a:rPr lang="en-GB" dirty="0" smtClean="0">
+                          <a:solidFill>
+                            <a:schemeClr val="bg1"/>
+                          </a:solidFill>
+                          <a:effectLst/>
+                        </a:rPr>
+                        <a:t>1.000</a:t>
+                      </a:r>
+                      <a:endParaRPr lang="en-GB" dirty="0">
+                        <a:solidFill>
+                          <a:schemeClr val="bg1"/>
+                        </a:solidFill>
+                      </a:endParaRPr>
+                    </a:p>
+                  </a:txBody>
+                  <a:tcPr>
+                    <a:solidFill>
+                      <a:schemeClr val="accent6">
+                        <a:lumMod val="60000"/>
+                        <a:lumOff val="40000"/>
+                      </a:schemeClr>
+                    </a:solidFill>
+                  </a:tcPr>
+                </a:tc>
+                <a:tc>
+                  <a:txBody>
+                    <a:bodyPr/>
+                    <a:lstStyle/>
+                    <a:p>
+                      <a:r>
+                        <a:rPr lang="en-GB" dirty="0" smtClean="0">
+                          <a:solidFill>
+                            <a:schemeClr val="bg1"/>
+                          </a:solidFill>
+                          <a:effectLst/>
+                        </a:rPr>
+                        <a:t>1.000</a:t>
+                      </a:r>
+                      <a:endParaRPr lang="en-GB" dirty="0">
+                        <a:solidFill>
+                          <a:schemeClr val="bg1"/>
+                        </a:solidFill>
+                      </a:endParaRPr>
+                    </a:p>
+                  </a:txBody>
+                  <a:tcPr>
+                    <a:solidFill>
+                      <a:schemeClr val="accent6">
+                        <a:lumMod val="60000"/>
+                        <a:lumOff val="40000"/>
+                      </a:schemeClr>
+                    </a:solidFill>
+                  </a:tcPr>
+                </a:tc>
+                <a:tc>
+                  <a:txBody>
+                    <a:bodyPr/>
+                    <a:lstStyle/>
+                    <a:p>
+                      <a:r>
+                        <a:rPr lang="x-none" dirty="0">
+                          <a:solidFill>
+                            <a:schemeClr val="bg1"/>
+                          </a:solidFill>
+                          <a:effectLst/>
+                        </a:rPr>
+                        <a:t>23.86</a:t>
+                      </a:r>
+                      <a:endParaRPr lang="en-GB" dirty="0">
+                        <a:solidFill>
+                          <a:schemeClr val="bg1"/>
+                        </a:solidFill>
+                      </a:endParaRPr>
+                    </a:p>
+                  </a:txBody>
+                  <a:tcPr>
+                    <a:solidFill>
+                      <a:schemeClr val="accent6">
+                        <a:lumMod val="60000"/>
+                        <a:lumOff val="40000"/>
+                      </a:schemeClr>
+                    </a:solidFill>
+                  </a:tcPr>
+                </a:tc>
+                <a:tc>
+                  <a:txBody>
+                    <a:bodyPr/>
+                    <a:lstStyle/>
+                    <a:p>
+                      <a:r>
+                        <a:rPr lang="en-IN" dirty="0" smtClean="0"/>
+                        <a:t>-</a:t>
+                      </a:r>
+                      <a:endParaRPr lang="en-GB" dirty="0"/>
+                    </a:p>
+                  </a:txBody>
+                  <a:tcPr>
+                    <a:solidFill>
+                      <a:schemeClr val="accent6">
+                        <a:lumMod val="60000"/>
+                        <a:lumOff val="40000"/>
+                      </a:schemeClr>
+                    </a:solidFill>
+                  </a:tcPr>
+                </a:tc>
+                <a:tc>
+                  <a:txBody>
+                    <a:bodyPr/>
+                    <a:lstStyle/>
+                    <a:p>
+                      <a:r>
+                        <a:rPr lang="en-IN" smtClean="0"/>
+                        <a:t>-</a:t>
                       </a:r>
                       <a:endParaRPr lang="en-GB" dirty="0"/>
                     </a:p>
@@ -7047,13 +7286,13 @@
           <p:nvPr>
             <p:extLst>
               <p:ext uri="{D42A27DB-BD31-4B8C-83A1-F6EECF244321}">
-                <p14:modId xmlns:p14="http://schemas.microsoft.com/office/powerpoint/2010/main" val="164423894"/>
+                <p14:modId xmlns:p14="http://schemas.microsoft.com/office/powerpoint/2010/main" val="618085341"/>
               </p:ext>
             </p:extLst>
           </p:nvPr>
         </p:nvGraphicFramePr>
         <p:xfrm>
-          <a:off x="1968261" y="2514474"/>
+          <a:off x="1968259" y="2615682"/>
           <a:ext cx="7341271" cy="370840"/>
         </p:xfrm>
         <a:graphic>
@@ -7296,13 +7535,13 @@
           <p:nvPr>
             <p:extLst>
               <p:ext uri="{D42A27DB-BD31-4B8C-83A1-F6EECF244321}">
-                <p14:modId xmlns:p14="http://schemas.microsoft.com/office/powerpoint/2010/main" val="2758410298"/>
+                <p14:modId xmlns:p14="http://schemas.microsoft.com/office/powerpoint/2010/main" val="3683350086"/>
               </p:ext>
             </p:extLst>
           </p:nvPr>
         </p:nvGraphicFramePr>
         <p:xfrm>
-          <a:off x="1968259" y="3322526"/>
+          <a:off x="1968258" y="3369491"/>
           <a:ext cx="7341273" cy="370840"/>
         </p:xfrm>
         <a:graphic>
@@ -7531,7 +7770,7 @@
         </p:nvSpPr>
         <p:spPr>
           <a:xfrm>
-            <a:off x="3602967" y="4062585"/>
+            <a:off x="6323162" y="3992443"/>
             <a:ext cx="4727274" cy="1200329"/>
           </a:xfrm>
           <a:prstGeom prst="rect">
@@ -7591,7 +7830,7 @@
         </p:nvSpPr>
         <p:spPr>
           <a:xfrm>
-            <a:off x="1035171" y="5491849"/>
+            <a:off x="708804" y="5735038"/>
             <a:ext cx="4201061" cy="646331"/>
           </a:xfrm>
           <a:prstGeom prst="rect">
@@ -7636,13 +7875,13 @@
           <p:nvPr>
             <p:extLst>
               <p:ext uri="{D42A27DB-BD31-4B8C-83A1-F6EECF244321}">
-                <p14:modId xmlns:p14="http://schemas.microsoft.com/office/powerpoint/2010/main" val="3439764735"/>
+                <p14:modId xmlns:p14="http://schemas.microsoft.com/office/powerpoint/2010/main" val="2377809459"/>
               </p:ext>
             </p:extLst>
           </p:nvPr>
         </p:nvGraphicFramePr>
         <p:xfrm>
-          <a:off x="1968259" y="2905074"/>
+          <a:off x="1968258" y="3027352"/>
           <a:ext cx="7341272" cy="370840"/>
         </p:xfrm>
         <a:graphic>
@@ -7894,6 +8133,87 @@
             <a:r>
               <a:rPr lang="en-GB" dirty="0" err="1"/>
               <a:t>diastolicMedianRightRotationVolumeRel</a:t>
+            </a:r>
+            <a:r>
+              <a:rPr lang="en-GB" dirty="0"/>
+              <a:t>"</a:t>
+            </a:r>
+          </a:p>
+        </p:txBody>
+      </p:sp>
+      <p:sp>
+        <p:nvSpPr>
+          <p:cNvPr id="6" name="TextBox 5"/>
+          <p:cNvSpPr txBox="1"/>
+          <p:nvPr/>
+        </p:nvSpPr>
+        <p:spPr>
+          <a:xfrm>
+            <a:off x="755530" y="3847328"/>
+            <a:ext cx="4725838" cy="1754326"/>
+          </a:xfrm>
+          <a:prstGeom prst="rect">
+            <a:avLst/>
+          </a:prstGeom>
+          <a:noFill/>
+        </p:spPr>
+        <p:txBody>
+          <a:bodyPr wrap="square" rtlCol="0">
+            <a:spAutoFit/>
+          </a:bodyPr>
+          <a:lstStyle/>
+          <a:p>
+            <a:r>
+              <a:rPr lang="en-IN" dirty="0" smtClean="0"/>
+              <a:t>SVM:</a:t>
+            </a:r>
+          </a:p>
+          <a:p>
+            <a:r>
+              <a:rPr lang="en-GB" dirty="0"/>
+              <a:t>"</a:t>
+            </a:r>
+            <a:r>
+              <a:rPr lang="en-GB" dirty="0" err="1"/>
+              <a:t>maxMeanAxialVelocity</a:t>
+            </a:r>
+            <a:r>
+              <a:rPr lang="en-GB" dirty="0"/>
+              <a:t>"                        "</a:t>
+            </a:r>
+            <a:r>
+              <a:rPr lang="en-GB" dirty="0" err="1"/>
+              <a:t>systolicMaxMeanAxialVelocityTime</a:t>
+            </a:r>
+            <a:r>
+              <a:rPr lang="en-GB" dirty="0"/>
+              <a:t>"            "</a:t>
+            </a:r>
+            <a:r>
+              <a:rPr lang="en-GB" dirty="0" err="1"/>
+              <a:t>diastolicMaxMeanCircumferentialVelocityTime</a:t>
+            </a:r>
+            <a:r>
+              <a:rPr lang="en-GB" dirty="0"/>
+              <a:t>"</a:t>
+            </a:r>
+          </a:p>
+          <a:p>
+            <a:r>
+              <a:rPr lang="en-GB" dirty="0" smtClean="0"/>
+              <a:t>"</a:t>
+            </a:r>
+            <a:r>
+              <a:rPr lang="en-GB" dirty="0" err="1" smtClean="0"/>
+              <a:t>diastolicMedianRightRotationVolumeRel</a:t>
+            </a:r>
+            <a:r>
+              <a:rPr lang="en-GB" dirty="0"/>
+              <a:t>"       "</a:t>
+            </a:r>
+            <a:r>
+              <a:rPr lang="en-GB" dirty="0" err="1"/>
+              <a:t>maxMeanPressureInVortexRegion</a:t>
             </a:r>
             <a:r>
               <a:rPr lang="en-GB" dirty="0"/>
@@ -8523,42 +8843,42 @@
                 <a:gridCol w="1074501">
                   <a:extLst>
                     <a:ext uri="{9D8B030D-6E8A-4147-A177-3AD203B41FA5}">
-                      <a16:colId xmlns="" xmlns:a16="http://schemas.microsoft.com/office/drawing/2014/main" val="20000"/>
+                      <a16:colId xmlns:a16="http://schemas.microsoft.com/office/drawing/2014/main" xmlns="" val="20000"/>
                     </a:ext>
                   </a:extLst>
                 </a:gridCol>
                 <a:gridCol w="1094563">
                   <a:extLst>
                     <a:ext uri="{9D8B030D-6E8A-4147-A177-3AD203B41FA5}">
-                      <a16:colId xmlns="" xmlns:a16="http://schemas.microsoft.com/office/drawing/2014/main" val="20001"/>
+                      <a16:colId xmlns:a16="http://schemas.microsoft.com/office/drawing/2014/main" xmlns="" val="20001"/>
                     </a:ext>
                   </a:extLst>
                 </a:gridCol>
                 <a:gridCol w="1112808">
                   <a:extLst>
                     <a:ext uri="{9D8B030D-6E8A-4147-A177-3AD203B41FA5}">
-                      <a16:colId xmlns="" xmlns:a16="http://schemas.microsoft.com/office/drawing/2014/main" val="20002"/>
+                      <a16:colId xmlns:a16="http://schemas.microsoft.com/office/drawing/2014/main" xmlns="" val="20002"/>
                     </a:ext>
                   </a:extLst>
                 </a:gridCol>
                 <a:gridCol w="755968">
                   <a:extLst>
                     <a:ext uri="{9D8B030D-6E8A-4147-A177-3AD203B41FA5}">
-                      <a16:colId xmlns="" xmlns:a16="http://schemas.microsoft.com/office/drawing/2014/main" val="20003"/>
+                      <a16:colId xmlns:a16="http://schemas.microsoft.com/office/drawing/2014/main" xmlns="" val="20003"/>
                     </a:ext>
                   </a:extLst>
                 </a:gridCol>
                 <a:gridCol w="909275">
                   <a:extLst>
                     <a:ext uri="{9D8B030D-6E8A-4147-A177-3AD203B41FA5}">
-                      <a16:colId xmlns="" xmlns:a16="http://schemas.microsoft.com/office/drawing/2014/main" val="20004"/>
+                      <a16:colId xmlns:a16="http://schemas.microsoft.com/office/drawing/2014/main" xmlns="" val="20004"/>
                     </a:ext>
                   </a:extLst>
                 </a:gridCol>
                 <a:gridCol w="1226019">
                   <a:extLst>
                     <a:ext uri="{9D8B030D-6E8A-4147-A177-3AD203B41FA5}">
-                      <a16:colId xmlns="" xmlns:a16="http://schemas.microsoft.com/office/drawing/2014/main" val="20005"/>
+                      <a16:colId xmlns:a16="http://schemas.microsoft.com/office/drawing/2014/main" xmlns="" val="20005"/>
                     </a:ext>
                   </a:extLst>
                 </a:gridCol>
@@ -8650,7 +8970,7 @@
                 </a:tc>
                 <a:extLst>
                   <a:ext uri="{0D108BD9-81ED-4DB2-BD59-A6C34878D82A}">
-                    <a16:rowId xmlns="" xmlns:a16="http://schemas.microsoft.com/office/drawing/2014/main" val="10000"/>
+                    <a16:rowId xmlns:a16="http://schemas.microsoft.com/office/drawing/2014/main" xmlns="" val="10000"/>
                   </a:ext>
                 </a:extLst>
               </a:tr>
@@ -8749,7 +9069,7 @@
                 </a:tc>
                 <a:extLst>
                   <a:ext uri="{0D108BD9-81ED-4DB2-BD59-A6C34878D82A}">
-                    <a16:rowId xmlns="" xmlns:a16="http://schemas.microsoft.com/office/drawing/2014/main" val="10001"/>
+                    <a16:rowId xmlns:a16="http://schemas.microsoft.com/office/drawing/2014/main" xmlns="" val="10001"/>
                   </a:ext>
                 </a:extLst>
               </a:tr>
@@ -8867,7 +9187,7 @@
                 </a:tc>
                 <a:extLst>
                   <a:ext uri="{0D108BD9-81ED-4DB2-BD59-A6C34878D82A}">
-                    <a16:rowId xmlns="" xmlns:a16="http://schemas.microsoft.com/office/drawing/2014/main" val="10002"/>
+                    <a16:rowId xmlns:a16="http://schemas.microsoft.com/office/drawing/2014/main" xmlns="" val="10002"/>
                   </a:ext>
                 </a:extLst>
               </a:tr>
@@ -9008,7 +9328,7 @@
                 </a:tc>
                 <a:extLst>
                   <a:ext uri="{0D108BD9-81ED-4DB2-BD59-A6C34878D82A}">
-                    <a16:rowId xmlns="" xmlns:a16="http://schemas.microsoft.com/office/drawing/2014/main" val="10003"/>
+                    <a16:rowId xmlns:a16="http://schemas.microsoft.com/office/drawing/2014/main" xmlns="" val="10003"/>
                   </a:ext>
                 </a:extLst>
               </a:tr>
@@ -9151,7 +9471,7 @@
                 </a:tc>
                 <a:extLst>
                   <a:ext uri="{0D108BD9-81ED-4DB2-BD59-A6C34878D82A}">
-                    <a16:rowId xmlns="" xmlns:a16="http://schemas.microsoft.com/office/drawing/2014/main" val="10004"/>
+                    <a16:rowId xmlns:a16="http://schemas.microsoft.com/office/drawing/2014/main" xmlns="" val="10004"/>
                   </a:ext>
                 </a:extLst>
               </a:tr>
@@ -9242,42 +9562,42 @@
                 <a:gridCol w="1074501">
                   <a:extLst>
                     <a:ext uri="{9D8B030D-6E8A-4147-A177-3AD203B41FA5}">
-                      <a16:colId xmlns="" xmlns:a16="http://schemas.microsoft.com/office/drawing/2014/main" val="20000"/>
+                      <a16:colId xmlns:a16="http://schemas.microsoft.com/office/drawing/2014/main" xmlns="" val="20000"/>
                     </a:ext>
                   </a:extLst>
                 </a:gridCol>
                 <a:gridCol w="1051431">
                   <a:extLst>
                     <a:ext uri="{9D8B030D-6E8A-4147-A177-3AD203B41FA5}">
-                      <a16:colId xmlns="" xmlns:a16="http://schemas.microsoft.com/office/drawing/2014/main" val="20001"/>
+                      <a16:colId xmlns:a16="http://schemas.microsoft.com/office/drawing/2014/main" xmlns="" val="20001"/>
                     </a:ext>
                   </a:extLst>
                 </a:gridCol>
                 <a:gridCol w="1104181">
                   <a:extLst>
                     <a:ext uri="{9D8B030D-6E8A-4147-A177-3AD203B41FA5}">
-                      <a16:colId xmlns="" xmlns:a16="http://schemas.microsoft.com/office/drawing/2014/main" val="20002"/>
+                      <a16:colId xmlns:a16="http://schemas.microsoft.com/office/drawing/2014/main" xmlns="" val="20002"/>
                     </a:ext>
                   </a:extLst>
                 </a:gridCol>
                 <a:gridCol w="751557">
                   <a:extLst>
                     <a:ext uri="{9D8B030D-6E8A-4147-A177-3AD203B41FA5}">
-                      <a16:colId xmlns="" xmlns:a16="http://schemas.microsoft.com/office/drawing/2014/main" val="20003"/>
+                      <a16:colId xmlns:a16="http://schemas.microsoft.com/office/drawing/2014/main" xmlns="" val="20003"/>
                     </a:ext>
                   </a:extLst>
                 </a:gridCol>
                 <a:gridCol w="909275">
                   <a:extLst>
                     <a:ext uri="{9D8B030D-6E8A-4147-A177-3AD203B41FA5}">
-                      <a16:colId xmlns="" xmlns:a16="http://schemas.microsoft.com/office/drawing/2014/main" val="20004"/>
+                      <a16:colId xmlns:a16="http://schemas.microsoft.com/office/drawing/2014/main" xmlns="" val="20004"/>
                     </a:ext>
                   </a:extLst>
                 </a:gridCol>
                 <a:gridCol w="1226019">
                   <a:extLst>
                     <a:ext uri="{9D8B030D-6E8A-4147-A177-3AD203B41FA5}">
-                      <a16:colId xmlns="" xmlns:a16="http://schemas.microsoft.com/office/drawing/2014/main" val="20005"/>
+                      <a16:colId xmlns:a16="http://schemas.microsoft.com/office/drawing/2014/main" xmlns="" val="20005"/>
                     </a:ext>
                   </a:extLst>
                 </a:gridCol>
@@ -9369,7 +9689,7 @@
                 </a:tc>
                 <a:extLst>
                   <a:ext uri="{0D108BD9-81ED-4DB2-BD59-A6C34878D82A}">
-                    <a16:rowId xmlns="" xmlns:a16="http://schemas.microsoft.com/office/drawing/2014/main" val="10000"/>
+                    <a16:rowId xmlns:a16="http://schemas.microsoft.com/office/drawing/2014/main" xmlns="" val="10000"/>
                   </a:ext>
                 </a:extLst>
               </a:tr>
@@ -9508,7 +9828,7 @@
                 </a:tc>
                 <a:extLst>
                   <a:ext uri="{0D108BD9-81ED-4DB2-BD59-A6C34878D82A}">
-                    <a16:rowId xmlns="" xmlns:a16="http://schemas.microsoft.com/office/drawing/2014/main" val="10001"/>
+                    <a16:rowId xmlns:a16="http://schemas.microsoft.com/office/drawing/2014/main" xmlns="" val="10001"/>
                   </a:ext>
                 </a:extLst>
               </a:tr>
@@ -9664,7 +9984,7 @@
                 </a:tc>
                 <a:extLst>
                   <a:ext uri="{0D108BD9-81ED-4DB2-BD59-A6C34878D82A}">
-                    <a16:rowId xmlns="" xmlns:a16="http://schemas.microsoft.com/office/drawing/2014/main" val="10002"/>
+                    <a16:rowId xmlns:a16="http://schemas.microsoft.com/office/drawing/2014/main" xmlns="" val="10002"/>
                   </a:ext>
                 </a:extLst>
               </a:tr>
@@ -9803,7 +10123,7 @@
                 </a:tc>
                 <a:extLst>
                   <a:ext uri="{0D108BD9-81ED-4DB2-BD59-A6C34878D82A}">
-                    <a16:rowId xmlns="" xmlns:a16="http://schemas.microsoft.com/office/drawing/2014/main" val="10003"/>
+                    <a16:rowId xmlns:a16="http://schemas.microsoft.com/office/drawing/2014/main" xmlns="" val="10003"/>
                   </a:ext>
                 </a:extLst>
               </a:tr>
@@ -9942,7 +10262,7 @@
                 </a:tc>
                 <a:extLst>
                   <a:ext uri="{0D108BD9-81ED-4DB2-BD59-A6C34878D82A}">
-                    <a16:rowId xmlns="" xmlns:a16="http://schemas.microsoft.com/office/drawing/2014/main" val="10004"/>
+                    <a16:rowId xmlns:a16="http://schemas.microsoft.com/office/drawing/2014/main" xmlns="" val="10004"/>
                   </a:ext>
                 </a:extLst>
               </a:tr>
@@ -11449,28 +11769,28 @@
                 <a:gridCol w="2628900">
                   <a:extLst>
                     <a:ext uri="{9D8B030D-6E8A-4147-A177-3AD203B41FA5}">
-                      <a16:colId xmlns="" xmlns:a16="http://schemas.microsoft.com/office/drawing/2014/main" val="20000"/>
+                      <a16:colId xmlns:a16="http://schemas.microsoft.com/office/drawing/2014/main" xmlns="" val="20000"/>
                     </a:ext>
                   </a:extLst>
                 </a:gridCol>
                 <a:gridCol w="2628900">
                   <a:extLst>
                     <a:ext uri="{9D8B030D-6E8A-4147-A177-3AD203B41FA5}">
-                      <a16:colId xmlns="" xmlns:a16="http://schemas.microsoft.com/office/drawing/2014/main" val="20001"/>
+                      <a16:colId xmlns:a16="http://schemas.microsoft.com/office/drawing/2014/main" xmlns="" val="20001"/>
                     </a:ext>
                   </a:extLst>
                 </a:gridCol>
                 <a:gridCol w="2628900">
                   <a:extLst>
                     <a:ext uri="{9D8B030D-6E8A-4147-A177-3AD203B41FA5}">
-                      <a16:colId xmlns="" xmlns:a16="http://schemas.microsoft.com/office/drawing/2014/main" val="20002"/>
+                      <a16:colId xmlns:a16="http://schemas.microsoft.com/office/drawing/2014/main" xmlns="" val="20002"/>
                     </a:ext>
                   </a:extLst>
                 </a:gridCol>
                 <a:gridCol w="2628900">
                   <a:extLst>
                     <a:ext uri="{9D8B030D-6E8A-4147-A177-3AD203B41FA5}">
-                      <a16:colId xmlns="" xmlns:a16="http://schemas.microsoft.com/office/drawing/2014/main" val="20003"/>
+                      <a16:colId xmlns:a16="http://schemas.microsoft.com/office/drawing/2014/main" xmlns="" val="20003"/>
                     </a:ext>
                   </a:extLst>
                 </a:gridCol>
@@ -11534,7 +11854,7 @@
                 </a:tc>
                 <a:extLst>
                   <a:ext uri="{0D108BD9-81ED-4DB2-BD59-A6C34878D82A}">
-                    <a16:rowId xmlns="" xmlns:a16="http://schemas.microsoft.com/office/drawing/2014/main" val="10000"/>
+                    <a16:rowId xmlns:a16="http://schemas.microsoft.com/office/drawing/2014/main" xmlns="" val="10000"/>
                   </a:ext>
                 </a:extLst>
               </a:tr>
@@ -11597,7 +11917,7 @@
                 </a:tc>
                 <a:extLst>
                   <a:ext uri="{0D108BD9-81ED-4DB2-BD59-A6C34878D82A}">
-                    <a16:rowId xmlns="" xmlns:a16="http://schemas.microsoft.com/office/drawing/2014/main" val="10001"/>
+                    <a16:rowId xmlns:a16="http://schemas.microsoft.com/office/drawing/2014/main" xmlns="" val="10001"/>
                   </a:ext>
                 </a:extLst>
               </a:tr>
@@ -11690,7 +12010,7 @@
                 </a:tc>
                 <a:extLst>
                   <a:ext uri="{0D108BD9-81ED-4DB2-BD59-A6C34878D82A}">
-                    <a16:rowId xmlns="" xmlns:a16="http://schemas.microsoft.com/office/drawing/2014/main" val="10002"/>
+                    <a16:rowId xmlns:a16="http://schemas.microsoft.com/office/drawing/2014/main" xmlns="" val="10002"/>
                   </a:ext>
                 </a:extLst>
               </a:tr>
@@ -11779,7 +12099,7 @@
                 </a:tc>
                 <a:extLst>
                   <a:ext uri="{0D108BD9-81ED-4DB2-BD59-A6C34878D82A}">
-                    <a16:rowId xmlns="" xmlns:a16="http://schemas.microsoft.com/office/drawing/2014/main" val="10003"/>
+                    <a16:rowId xmlns:a16="http://schemas.microsoft.com/office/drawing/2014/main" xmlns="" val="10003"/>
                   </a:ext>
                 </a:extLst>
               </a:tr>
@@ -11907,42 +12227,42 @@
                 <a:gridCol w="1074501">
                   <a:extLst>
                     <a:ext uri="{9D8B030D-6E8A-4147-A177-3AD203B41FA5}">
-                      <a16:colId xmlns="" xmlns:a16="http://schemas.microsoft.com/office/drawing/2014/main" val="20000"/>
+                      <a16:colId xmlns:a16="http://schemas.microsoft.com/office/drawing/2014/main" xmlns="" val="20000"/>
                     </a:ext>
                   </a:extLst>
                 </a:gridCol>
                 <a:gridCol w="1094563">
                   <a:extLst>
                     <a:ext uri="{9D8B030D-6E8A-4147-A177-3AD203B41FA5}">
-                      <a16:colId xmlns="" xmlns:a16="http://schemas.microsoft.com/office/drawing/2014/main" val="20001"/>
+                      <a16:colId xmlns:a16="http://schemas.microsoft.com/office/drawing/2014/main" xmlns="" val="20001"/>
                     </a:ext>
                   </a:extLst>
                 </a:gridCol>
                 <a:gridCol w="1112808">
                   <a:extLst>
                     <a:ext uri="{9D8B030D-6E8A-4147-A177-3AD203B41FA5}">
-                      <a16:colId xmlns="" xmlns:a16="http://schemas.microsoft.com/office/drawing/2014/main" val="20002"/>
+                      <a16:colId xmlns:a16="http://schemas.microsoft.com/office/drawing/2014/main" xmlns="" val="20002"/>
                     </a:ext>
                   </a:extLst>
                 </a:gridCol>
                 <a:gridCol w="755968">
                   <a:extLst>
                     <a:ext uri="{9D8B030D-6E8A-4147-A177-3AD203B41FA5}">
-                      <a16:colId xmlns="" xmlns:a16="http://schemas.microsoft.com/office/drawing/2014/main" val="20003"/>
+                      <a16:colId xmlns:a16="http://schemas.microsoft.com/office/drawing/2014/main" xmlns="" val="20003"/>
                     </a:ext>
                   </a:extLst>
                 </a:gridCol>
                 <a:gridCol w="909275">
                   <a:extLst>
                     <a:ext uri="{9D8B030D-6E8A-4147-A177-3AD203B41FA5}">
-                      <a16:colId xmlns="" xmlns:a16="http://schemas.microsoft.com/office/drawing/2014/main" val="20004"/>
+                      <a16:colId xmlns:a16="http://schemas.microsoft.com/office/drawing/2014/main" xmlns="" val="20004"/>
                     </a:ext>
                   </a:extLst>
                 </a:gridCol>
                 <a:gridCol w="1226019">
                   <a:extLst>
                     <a:ext uri="{9D8B030D-6E8A-4147-A177-3AD203B41FA5}">
-                      <a16:colId xmlns="" xmlns:a16="http://schemas.microsoft.com/office/drawing/2014/main" val="20005"/>
+                      <a16:colId xmlns:a16="http://schemas.microsoft.com/office/drawing/2014/main" xmlns="" val="20005"/>
                     </a:ext>
                   </a:extLst>
                 </a:gridCol>
@@ -12034,7 +12354,7 @@
                 </a:tc>
                 <a:extLst>
                   <a:ext uri="{0D108BD9-81ED-4DB2-BD59-A6C34878D82A}">
-                    <a16:rowId xmlns="" xmlns:a16="http://schemas.microsoft.com/office/drawing/2014/main" val="10000"/>
+                    <a16:rowId xmlns:a16="http://schemas.microsoft.com/office/drawing/2014/main" xmlns="" val="10000"/>
                   </a:ext>
                 </a:extLst>
               </a:tr>
@@ -12133,7 +12453,7 @@
                 </a:tc>
                 <a:extLst>
                   <a:ext uri="{0D108BD9-81ED-4DB2-BD59-A6C34878D82A}">
-                    <a16:rowId xmlns="" xmlns:a16="http://schemas.microsoft.com/office/drawing/2014/main" val="10001"/>
+                    <a16:rowId xmlns:a16="http://schemas.microsoft.com/office/drawing/2014/main" xmlns="" val="10001"/>
                   </a:ext>
                 </a:extLst>
               </a:tr>
@@ -12251,7 +12571,7 @@
                 </a:tc>
                 <a:extLst>
                   <a:ext uri="{0D108BD9-81ED-4DB2-BD59-A6C34878D82A}">
-                    <a16:rowId xmlns="" xmlns:a16="http://schemas.microsoft.com/office/drawing/2014/main" val="10002"/>
+                    <a16:rowId xmlns:a16="http://schemas.microsoft.com/office/drawing/2014/main" xmlns="" val="10002"/>
                   </a:ext>
                 </a:extLst>
               </a:tr>
@@ -12392,7 +12712,7 @@
                 </a:tc>
                 <a:extLst>
                   <a:ext uri="{0D108BD9-81ED-4DB2-BD59-A6C34878D82A}">
-                    <a16:rowId xmlns="" xmlns:a16="http://schemas.microsoft.com/office/drawing/2014/main" val="10003"/>
+                    <a16:rowId xmlns:a16="http://schemas.microsoft.com/office/drawing/2014/main" xmlns="" val="10003"/>
                   </a:ext>
                 </a:extLst>
               </a:tr>
@@ -12533,7 +12853,7 @@
                 </a:tc>
                 <a:extLst>
                   <a:ext uri="{0D108BD9-81ED-4DB2-BD59-A6C34878D82A}">
-                    <a16:rowId xmlns="" xmlns:a16="http://schemas.microsoft.com/office/drawing/2014/main" val="10004"/>
+                    <a16:rowId xmlns:a16="http://schemas.microsoft.com/office/drawing/2014/main" xmlns="" val="10004"/>
                   </a:ext>
                 </a:extLst>
               </a:tr>
@@ -12631,42 +12951,42 @@
                 <a:gridCol w="1074501">
                   <a:extLst>
                     <a:ext uri="{9D8B030D-6E8A-4147-A177-3AD203B41FA5}">
-                      <a16:colId xmlns="" xmlns:a16="http://schemas.microsoft.com/office/drawing/2014/main" val="20000"/>
+                      <a16:colId xmlns:a16="http://schemas.microsoft.com/office/drawing/2014/main" xmlns="" val="20000"/>
                     </a:ext>
                   </a:extLst>
                 </a:gridCol>
                 <a:gridCol w="1051431">
                   <a:extLst>
                     <a:ext uri="{9D8B030D-6E8A-4147-A177-3AD203B41FA5}">
-                      <a16:colId xmlns="" xmlns:a16="http://schemas.microsoft.com/office/drawing/2014/main" val="20001"/>
+                      <a16:colId xmlns:a16="http://schemas.microsoft.com/office/drawing/2014/main" xmlns="" val="20001"/>
                     </a:ext>
                   </a:extLst>
                 </a:gridCol>
                 <a:gridCol w="1104181">
                   <a:extLst>
                     <a:ext uri="{9D8B030D-6E8A-4147-A177-3AD203B41FA5}">
-                      <a16:colId xmlns="" xmlns:a16="http://schemas.microsoft.com/office/drawing/2014/main" val="20002"/>
+                      <a16:colId xmlns:a16="http://schemas.microsoft.com/office/drawing/2014/main" xmlns="" val="20002"/>
                     </a:ext>
                   </a:extLst>
                 </a:gridCol>
                 <a:gridCol w="751557">
                   <a:extLst>
                     <a:ext uri="{9D8B030D-6E8A-4147-A177-3AD203B41FA5}">
-                      <a16:colId xmlns="" xmlns:a16="http://schemas.microsoft.com/office/drawing/2014/main" val="20003"/>
+                      <a16:colId xmlns:a16="http://schemas.microsoft.com/office/drawing/2014/main" xmlns="" val="20003"/>
                     </a:ext>
                   </a:extLst>
                 </a:gridCol>
                 <a:gridCol w="909275">
                   <a:extLst>
                     <a:ext uri="{9D8B030D-6E8A-4147-A177-3AD203B41FA5}">
-                      <a16:colId xmlns="" xmlns:a16="http://schemas.microsoft.com/office/drawing/2014/main" val="20004"/>
+                      <a16:colId xmlns:a16="http://schemas.microsoft.com/office/drawing/2014/main" xmlns="" val="20004"/>
                     </a:ext>
                   </a:extLst>
                 </a:gridCol>
                 <a:gridCol w="1226019">
                   <a:extLst>
                     <a:ext uri="{9D8B030D-6E8A-4147-A177-3AD203B41FA5}">
-                      <a16:colId xmlns="" xmlns:a16="http://schemas.microsoft.com/office/drawing/2014/main" val="20005"/>
+                      <a16:colId xmlns:a16="http://schemas.microsoft.com/office/drawing/2014/main" xmlns="" val="20005"/>
                     </a:ext>
                   </a:extLst>
                 </a:gridCol>
@@ -12758,7 +13078,7 @@
                 </a:tc>
                 <a:extLst>
                   <a:ext uri="{0D108BD9-81ED-4DB2-BD59-A6C34878D82A}">
-                    <a16:rowId xmlns="" xmlns:a16="http://schemas.microsoft.com/office/drawing/2014/main" val="10000"/>
+                    <a16:rowId xmlns:a16="http://schemas.microsoft.com/office/drawing/2014/main" xmlns="" val="10000"/>
                   </a:ext>
                 </a:extLst>
               </a:tr>
@@ -12853,7 +13173,7 @@
                 </a:tc>
                 <a:extLst>
                   <a:ext uri="{0D108BD9-81ED-4DB2-BD59-A6C34878D82A}">
-                    <a16:rowId xmlns="" xmlns:a16="http://schemas.microsoft.com/office/drawing/2014/main" val="10001"/>
+                    <a16:rowId xmlns:a16="http://schemas.microsoft.com/office/drawing/2014/main" xmlns="" val="10001"/>
                   </a:ext>
                 </a:extLst>
               </a:tr>
@@ -13009,7 +13329,7 @@
                 </a:tc>
                 <a:extLst>
                   <a:ext uri="{0D108BD9-81ED-4DB2-BD59-A6C34878D82A}">
-                    <a16:rowId xmlns="" xmlns:a16="http://schemas.microsoft.com/office/drawing/2014/main" val="10002"/>
+                    <a16:rowId xmlns:a16="http://schemas.microsoft.com/office/drawing/2014/main" xmlns="" val="10002"/>
                   </a:ext>
                 </a:extLst>
               </a:tr>
@@ -13165,7 +13485,7 @@
                 </a:tc>
                 <a:extLst>
                   <a:ext uri="{0D108BD9-81ED-4DB2-BD59-A6C34878D82A}">
-                    <a16:rowId xmlns="" xmlns:a16="http://schemas.microsoft.com/office/drawing/2014/main" val="10003"/>
+                    <a16:rowId xmlns:a16="http://schemas.microsoft.com/office/drawing/2014/main" xmlns="" val="10003"/>
                   </a:ext>
                 </a:extLst>
               </a:tr>
@@ -13298,7 +13618,7 @@
                 </a:tc>
                 <a:extLst>
                   <a:ext uri="{0D108BD9-81ED-4DB2-BD59-A6C34878D82A}">
-                    <a16:rowId xmlns="" xmlns:a16="http://schemas.microsoft.com/office/drawing/2014/main" val="10004"/>
+                    <a16:rowId xmlns:a16="http://schemas.microsoft.com/office/drawing/2014/main" xmlns="" val="10004"/>
                   </a:ext>
                 </a:extLst>
               </a:tr>
